--- a/lessons/class3/Class3A_Freq_Assocs.pptx
+++ b/lessons/class3/Class3A_Freq_Assocs.pptx
@@ -5,25 +5,26 @@
     <p:sldMasterId id="2147483660" r:id="rId1"/>
   </p:sldMasterIdLst>
   <p:notesMasterIdLst>
-    <p:notesMasterId r:id="rId18"/>
+    <p:notesMasterId r:id="rId19"/>
   </p:notesMasterIdLst>
   <p:sldIdLst>
-    <p:sldId id="678" r:id="rId2"/>
-    <p:sldId id="752" r:id="rId3"/>
-    <p:sldId id="751" r:id="rId4"/>
-    <p:sldId id="754" r:id="rId5"/>
-    <p:sldId id="755" r:id="rId6"/>
-    <p:sldId id="814" r:id="rId7"/>
-    <p:sldId id="756" r:id="rId8"/>
-    <p:sldId id="757" r:id="rId9"/>
-    <p:sldId id="758" r:id="rId10"/>
-    <p:sldId id="759" r:id="rId11"/>
-    <p:sldId id="760" r:id="rId12"/>
-    <p:sldId id="679" r:id="rId13"/>
-    <p:sldId id="681" r:id="rId14"/>
-    <p:sldId id="761" r:id="rId15"/>
-    <p:sldId id="682" r:id="rId16"/>
-    <p:sldId id="762" r:id="rId17"/>
+    <p:sldId id="815" r:id="rId2"/>
+    <p:sldId id="678" r:id="rId3"/>
+    <p:sldId id="752" r:id="rId4"/>
+    <p:sldId id="751" r:id="rId5"/>
+    <p:sldId id="754" r:id="rId6"/>
+    <p:sldId id="755" r:id="rId7"/>
+    <p:sldId id="814" r:id="rId8"/>
+    <p:sldId id="756" r:id="rId9"/>
+    <p:sldId id="757" r:id="rId10"/>
+    <p:sldId id="758" r:id="rId11"/>
+    <p:sldId id="759" r:id="rId12"/>
+    <p:sldId id="760" r:id="rId13"/>
+    <p:sldId id="679" r:id="rId14"/>
+    <p:sldId id="681" r:id="rId15"/>
+    <p:sldId id="761" r:id="rId16"/>
+    <p:sldId id="682" r:id="rId17"/>
+    <p:sldId id="762" r:id="rId18"/>
   </p:sldIdLst>
   <p:sldSz cx="9144000" cy="6858000" type="screen4x3"/>
   <p:notesSz cx="6858000" cy="9144000"/>
@@ -6425,7 +6426,7 @@
           <a:p>
             <a:fld id="{B0C0A60C-850A-4EA4-9C14-A8FE98B94505}" type="datetimeFigureOut">
               <a:rPr lang="en-US" smtClean="0"/>
-              <a:t>12/30/20</a:t>
+              <a:t>1/10/21</a:t>
             </a:fld>
             <a:endParaRPr lang="en-US"/>
           </a:p>
@@ -6824,7 +6825,7 @@
           <a:p>
             <a:fld id="{5738B90E-0779-4C36-915C-6F05FCD89456}" type="datetime1">
               <a:rPr lang="en-US" smtClean="0"/>
-              <a:t>12/30/20</a:t>
+              <a:t>1/10/21</a:t>
             </a:fld>
             <a:endParaRPr lang="en-US"/>
           </a:p>
@@ -7021,7 +7022,7 @@
           <a:p>
             <a:fld id="{7B9EA29D-D431-42FE-B7B6-AAE4454C77D3}" type="datetime1">
               <a:rPr lang="en-US" smtClean="0"/>
-              <a:t>12/30/20</a:t>
+              <a:t>1/10/21</a:t>
             </a:fld>
             <a:endParaRPr lang="en-US"/>
           </a:p>
@@ -7376,7 +7377,7 @@
           <a:p>
             <a:fld id="{690D8A1E-EA8F-46C1-B891-AE0C00D9C314}" type="datetime1">
               <a:rPr lang="en-US" smtClean="0"/>
-              <a:t>12/30/20</a:t>
+              <a:t>1/10/21</a:t>
             </a:fld>
             <a:endParaRPr lang="en-US"/>
           </a:p>
@@ -7684,7 +7685,7 @@
           <a:p>
             <a:fld id="{D753EFC8-4232-4598-94F6-94C0EBAFC469}" type="datetime1">
               <a:rPr lang="en-US" smtClean="0"/>
-              <a:t>12/30/20</a:t>
+              <a:t>1/10/21</a:t>
             </a:fld>
             <a:endParaRPr lang="en-US"/>
           </a:p>
@@ -8013,7 +8014,7 @@
           <a:p>
             <a:fld id="{F3161074-1C18-4AE7-957D-F18524378C85}" type="datetime1">
               <a:rPr lang="en-US" smtClean="0"/>
-              <a:t>12/30/20</a:t>
+              <a:t>1/10/21</a:t>
             </a:fld>
             <a:endParaRPr lang="en-US"/>
           </a:p>
@@ -8266,7 +8267,7 @@
           <a:p>
             <a:fld id="{69BE256C-8D9A-4404-B47D-41A1AE514425}" type="datetime1">
               <a:rPr lang="en-US" smtClean="0"/>
-              <a:t>12/30/20</a:t>
+              <a:t>1/10/21</a:t>
             </a:fld>
             <a:endParaRPr lang="en-US"/>
           </a:p>
@@ -8714,7 +8715,7 @@
           <a:p>
             <a:fld id="{66CB2154-9035-4012-8189-BAAB61C5A5EE}" type="datetime1">
               <a:rPr lang="en-US" smtClean="0"/>
-              <a:t>12/30/20</a:t>
+              <a:t>1/10/21</a:t>
             </a:fld>
             <a:endParaRPr lang="en-US"/>
           </a:p>
@@ -8902,7 +8903,7 @@
           <a:p>
             <a:fld id="{6700A58B-DD98-43D0-B791-721480A02982}" type="datetime1">
               <a:rPr lang="en-US" smtClean="0"/>
-              <a:t>12/30/20</a:t>
+              <a:t>1/10/21</a:t>
             </a:fld>
             <a:endParaRPr lang="en-US"/>
           </a:p>
@@ -9108,7 +9109,7 @@
           <a:p>
             <a:fld id="{7DB6E382-4F61-4E24-BE1A-377EC83D0E3A}" type="datetime1">
               <a:rPr lang="en-US" smtClean="0"/>
-              <a:t>12/30/20</a:t>
+              <a:t>1/10/21</a:t>
             </a:fld>
             <a:endParaRPr lang="en-US"/>
           </a:p>
@@ -9514,7 +9515,7 @@
           <a:p>
             <a:fld id="{4142EED6-FC16-45B9-B8C4-2BC5DBA88325}" type="datetime1">
               <a:rPr lang="en-US" smtClean="0"/>
-              <a:t>12/30/20</a:t>
+              <a:t>1/10/21</a:t>
             </a:fld>
             <a:endParaRPr lang="en-US"/>
           </a:p>
@@ -9846,7 +9847,7 @@
           <a:p>
             <a:fld id="{DF59512B-4F1D-43D7-8819-2F53FEF69650}" type="datetime1">
               <a:rPr lang="en-US" smtClean="0"/>
-              <a:t>12/30/20</a:t>
+              <a:t>1/10/21</a:t>
             </a:fld>
             <a:endParaRPr lang="en-US"/>
           </a:p>
@@ -10136,7 +10137,7 @@
           <a:p>
             <a:fld id="{08437B94-E2BF-44DC-ADC5-B05FC9934E9D}" type="datetime1">
               <a:rPr lang="en-US" smtClean="0"/>
-              <a:t>12/30/20</a:t>
+              <a:t>1/10/21</a:t>
             </a:fld>
             <a:endParaRPr lang="en-US"/>
           </a:p>
@@ -10554,6 +10555,2085 @@
       </p:grpSpPr>
       <p:sp>
         <p:nvSpPr>
+          <p:cNvPr id="2" name="Date Placeholder 1">
+            <a:extLst>
+              <a:ext uri="{FF2B5EF4-FFF2-40B4-BE49-F238E27FC236}">
+                <a16:creationId xmlns:a16="http://schemas.microsoft.com/office/drawing/2014/main" id="{BBEC9E21-2815-3C46-BDE3-5FD8B6499A24}"/>
+              </a:ext>
+            </a:extLst>
+          </p:cNvPr>
+          <p:cNvSpPr>
+            <a:spLocks noGrp="1"/>
+          </p:cNvSpPr>
+          <p:nvPr>
+            <p:ph type="dt" sz="half" idx="10"/>
+          </p:nvPr>
+        </p:nvSpPr>
+        <p:spPr/>
+        <p:txBody>
+          <a:bodyPr/>
+          <a:lstStyle/>
+          <a:p>
+            <a:fld id="{6700A58B-DD98-43D0-B791-721480A02982}" type="datetime1">
+              <a:rPr lang="en-US" smtClean="0"/>
+              <a:t>1/10/21</a:t>
+            </a:fld>
+            <a:endParaRPr lang="en-US"/>
+          </a:p>
+        </p:txBody>
+      </p:sp>
+      <p:sp>
+        <p:nvSpPr>
+          <p:cNvPr id="3" name="Title 2">
+            <a:extLst>
+              <a:ext uri="{FF2B5EF4-FFF2-40B4-BE49-F238E27FC236}">
+                <a16:creationId xmlns:a16="http://schemas.microsoft.com/office/drawing/2014/main" id="{0DF1AEED-9781-0B4D-96BB-51BB4E0E58C0}"/>
+              </a:ext>
+            </a:extLst>
+          </p:cNvPr>
+          <p:cNvSpPr>
+            <a:spLocks noGrp="1"/>
+          </p:cNvSpPr>
+          <p:nvPr>
+            <p:ph type="title"/>
+          </p:nvPr>
+        </p:nvSpPr>
+        <p:spPr/>
+        <p:txBody>
+          <a:bodyPr/>
+          <a:lstStyle/>
+          <a:p>
+            <a:endParaRPr lang="en-US"/>
+          </a:p>
+        </p:txBody>
+      </p:sp>
+      <p:sp>
+        <p:nvSpPr>
+          <p:cNvPr id="4" name="Footer Placeholder 3">
+            <a:extLst>
+              <a:ext uri="{FF2B5EF4-FFF2-40B4-BE49-F238E27FC236}">
+                <a16:creationId xmlns:a16="http://schemas.microsoft.com/office/drawing/2014/main" id="{040FA718-6D39-5E49-B5F4-26F05C4C1FA8}"/>
+              </a:ext>
+            </a:extLst>
+          </p:cNvPr>
+          <p:cNvSpPr>
+            <a:spLocks noGrp="1"/>
+          </p:cNvSpPr>
+          <p:nvPr>
+            <p:ph type="ftr" sz="quarter" idx="3"/>
+          </p:nvPr>
+        </p:nvSpPr>
+        <p:spPr/>
+        <p:txBody>
+          <a:bodyPr/>
+          <a:lstStyle/>
+          <a:p>
+            <a:r>
+              <a:rPr lang="en-US"/>
+              <a:t>Kwartler</a:t>
+            </a:r>
+            <a:endParaRPr lang="en-US" dirty="0"/>
+          </a:p>
+        </p:txBody>
+      </p:sp>
+      <p:sp>
+        <p:nvSpPr>
+          <p:cNvPr id="5" name="Slide Number Placeholder 4">
+            <a:extLst>
+              <a:ext uri="{FF2B5EF4-FFF2-40B4-BE49-F238E27FC236}">
+                <a16:creationId xmlns:a16="http://schemas.microsoft.com/office/drawing/2014/main" id="{613ADE0E-E8ED-6145-B6B2-5F2AFA33C94F}"/>
+              </a:ext>
+            </a:extLst>
+          </p:cNvPr>
+          <p:cNvSpPr>
+            <a:spLocks noGrp="1"/>
+          </p:cNvSpPr>
+          <p:nvPr>
+            <p:ph type="sldNum" sz="quarter" idx="4"/>
+          </p:nvPr>
+        </p:nvSpPr>
+        <p:spPr/>
+        <p:txBody>
+          <a:bodyPr/>
+          <a:lstStyle/>
+          <a:p>
+            <a:fld id="{37290FF7-652B-4475-AEAB-8B1A5D23AE09}" type="slidenum">
+              <a:rPr lang="en-US" smtClean="0"/>
+              <a:pPr/>
+              <a:t>1</a:t>
+            </a:fld>
+            <a:endParaRPr lang="en-US" dirty="0"/>
+          </a:p>
+        </p:txBody>
+      </p:sp>
+      <p:pic>
+        <p:nvPicPr>
+          <p:cNvPr id="1026" name="Picture 2" descr="Attendance it's kind of a big deal | Make a Meme">
+            <a:extLst>
+              <a:ext uri="{FF2B5EF4-FFF2-40B4-BE49-F238E27FC236}">
+                <a16:creationId xmlns:a16="http://schemas.microsoft.com/office/drawing/2014/main" id="{837F52FA-C478-F14E-B02B-3E635BA3A911}"/>
+              </a:ext>
+            </a:extLst>
+          </p:cNvPr>
+          <p:cNvPicPr>
+            <a:picLocks noChangeAspect="1" noChangeArrowheads="1"/>
+          </p:cNvPicPr>
+          <p:nvPr/>
+        </p:nvPicPr>
+        <p:blipFill>
+          <a:blip r:embed="rId2">
+            <a:extLst>
+              <a:ext uri="{28A0092B-C50C-407E-A947-70E740481C1C}">
+                <a14:useLocalDpi xmlns:a14="http://schemas.microsoft.com/office/drawing/2010/main" val="0"/>
+              </a:ext>
+            </a:extLst>
+          </a:blip>
+          <a:srcRect/>
+          <a:stretch>
+            <a:fillRect/>
+          </a:stretch>
+        </p:blipFill>
+        <p:spPr bwMode="auto">
+          <a:xfrm>
+            <a:off x="0" y="239713"/>
+            <a:ext cx="9144000" cy="6378575"/>
+          </a:xfrm>
+          <a:prstGeom prst="rect">
+            <a:avLst/>
+          </a:prstGeom>
+          <a:noFill/>
+          <a:extLst>
+            <a:ext uri="{909E8E84-426E-40DD-AFC4-6F175D3DCCD1}">
+              <a14:hiddenFill xmlns:a14="http://schemas.microsoft.com/office/drawing/2010/main">
+                <a:solidFill>
+                  <a:srgbClr val="FFFFFF"/>
+                </a:solidFill>
+              </a14:hiddenFill>
+            </a:ext>
+          </a:extLst>
+        </p:spPr>
+      </p:pic>
+    </p:spTree>
+    <p:extLst>
+      <p:ext uri="{BB962C8B-B14F-4D97-AF65-F5344CB8AC3E}">
+        <p14:creationId xmlns:p14="http://schemas.microsoft.com/office/powerpoint/2010/main" val="2444543302"/>
+      </p:ext>
+    </p:extLst>
+  </p:cSld>
+  <p:clrMapOvr>
+    <a:masterClrMapping/>
+  </p:clrMapOvr>
+</p:sld>
+</file>
+
+<file path=ppt/slides/slide10.xml><?xml version="1.0" encoding="utf-8"?>
+<p:sld xmlns:a="http://schemas.openxmlformats.org/drawingml/2006/main" xmlns:r="http://schemas.openxmlformats.org/officeDocument/2006/relationships" xmlns:p="http://schemas.openxmlformats.org/presentationml/2006/main">
+  <p:cSld>
+    <p:spTree>
+      <p:nvGrpSpPr>
+        <p:cNvPr id="1" name=""/>
+        <p:cNvGrpSpPr/>
+        <p:nvPr/>
+      </p:nvGrpSpPr>
+      <p:grpSpPr>
+        <a:xfrm>
+          <a:off x="0" y="0"/>
+          <a:ext cx="0" cy="0"/>
+          <a:chOff x="0" y="0"/>
+          <a:chExt cx="0" cy="0"/>
+        </a:xfrm>
+      </p:grpSpPr>
+      <p:sp>
+        <p:nvSpPr>
+          <p:cNvPr id="2" name="Date Placeholder 1">
+            <a:extLst>
+              <a:ext uri="{FF2B5EF4-FFF2-40B4-BE49-F238E27FC236}">
+                <a16:creationId xmlns:a16="http://schemas.microsoft.com/office/drawing/2014/main" id="{7B5D32A2-4747-4EC1-8212-CD2AC569D72E}"/>
+              </a:ext>
+            </a:extLst>
+          </p:cNvPr>
+          <p:cNvSpPr>
+            <a:spLocks noGrp="1"/>
+          </p:cNvSpPr>
+          <p:nvPr>
+            <p:ph type="dt" sz="half" idx="10"/>
+          </p:nvPr>
+        </p:nvSpPr>
+        <p:spPr/>
+        <p:txBody>
+          <a:bodyPr/>
+          <a:lstStyle/>
+          <a:p>
+            <a:fld id="{6700A58B-DD98-43D0-B791-721480A02982}" type="datetime1">
+              <a:rPr lang="en-US" smtClean="0"/>
+              <a:t>1/10/21</a:t>
+            </a:fld>
+            <a:endParaRPr lang="en-US"/>
+          </a:p>
+        </p:txBody>
+      </p:sp>
+      <p:sp>
+        <p:nvSpPr>
+          <p:cNvPr id="3" name="Title 2">
+            <a:extLst>
+              <a:ext uri="{FF2B5EF4-FFF2-40B4-BE49-F238E27FC236}">
+                <a16:creationId xmlns:a16="http://schemas.microsoft.com/office/drawing/2014/main" id="{912BA66A-B598-4C74-880F-8FB3646926A4}"/>
+              </a:ext>
+            </a:extLst>
+          </p:cNvPr>
+          <p:cNvSpPr>
+            <a:spLocks noGrp="1"/>
+          </p:cNvSpPr>
+          <p:nvPr>
+            <p:ph type="title"/>
+          </p:nvPr>
+        </p:nvSpPr>
+        <p:spPr/>
+        <p:txBody>
+          <a:bodyPr/>
+          <a:lstStyle/>
+          <a:p>
+            <a:r>
+              <a:rPr lang="en-US" dirty="0" err="1"/>
+              <a:t>Zipf’s</a:t>
+            </a:r>
+            <a:r>
+              <a:rPr lang="en-US" dirty="0"/>
+              <a:t> Law is observed in human behavior</a:t>
+            </a:r>
+          </a:p>
+        </p:txBody>
+      </p:sp>
+      <p:sp>
+        <p:nvSpPr>
+          <p:cNvPr id="5" name="Footer Placeholder 4">
+            <a:extLst>
+              <a:ext uri="{FF2B5EF4-FFF2-40B4-BE49-F238E27FC236}">
+                <a16:creationId xmlns:a16="http://schemas.microsoft.com/office/drawing/2014/main" id="{35253794-E996-4868-8202-CB70CE854E59}"/>
+              </a:ext>
+            </a:extLst>
+          </p:cNvPr>
+          <p:cNvSpPr>
+            <a:spLocks noGrp="1"/>
+          </p:cNvSpPr>
+          <p:nvPr>
+            <p:ph type="ftr" sz="quarter" idx="3"/>
+          </p:nvPr>
+        </p:nvSpPr>
+        <p:spPr/>
+        <p:txBody>
+          <a:bodyPr/>
+          <a:lstStyle/>
+          <a:p>
+            <a:r>
+              <a:rPr lang="en-US"/>
+              <a:t>Kwartler</a:t>
+            </a:r>
+            <a:endParaRPr lang="en-US" dirty="0"/>
+          </a:p>
+        </p:txBody>
+      </p:sp>
+      <p:sp>
+        <p:nvSpPr>
+          <p:cNvPr id="4" name="Slide Number Placeholder 3">
+            <a:extLst>
+              <a:ext uri="{FF2B5EF4-FFF2-40B4-BE49-F238E27FC236}">
+                <a16:creationId xmlns:a16="http://schemas.microsoft.com/office/drawing/2014/main" id="{12524991-A1DD-4F6F-B22D-447575F982EA}"/>
+              </a:ext>
+            </a:extLst>
+          </p:cNvPr>
+          <p:cNvSpPr>
+            <a:spLocks noGrp="1"/>
+          </p:cNvSpPr>
+          <p:nvPr>
+            <p:ph type="sldNum" sz="quarter" idx="4"/>
+          </p:nvPr>
+        </p:nvSpPr>
+        <p:spPr/>
+        <p:txBody>
+          <a:bodyPr/>
+          <a:lstStyle/>
+          <a:p>
+            <a:fld id="{37290FF7-652B-4475-AEAB-8B1A5D23AE09}" type="slidenum">
+              <a:rPr lang="en-US" smtClean="0"/>
+              <a:t>10</a:t>
+            </a:fld>
+            <a:endParaRPr lang="en-US"/>
+          </a:p>
+        </p:txBody>
+      </p:sp>
+      <p:graphicFrame>
+        <p:nvGraphicFramePr>
+          <p:cNvPr id="6" name="Chart 5">
+            <a:extLst>
+              <a:ext uri="{FF2B5EF4-FFF2-40B4-BE49-F238E27FC236}">
+                <a16:creationId xmlns:a16="http://schemas.microsoft.com/office/drawing/2014/main" id="{31872CF9-5105-4657-A448-B56431070689}"/>
+              </a:ext>
+            </a:extLst>
+          </p:cNvPr>
+          <p:cNvGraphicFramePr>
+            <a:graphicFrameLocks/>
+          </p:cNvGraphicFramePr>
+          <p:nvPr>
+            <p:extLst>
+              <p:ext uri="{D42A27DB-BD31-4B8C-83A1-F6EECF244321}">
+                <p14:modId xmlns:p14="http://schemas.microsoft.com/office/powerpoint/2010/main" val="2636735622"/>
+              </p:ext>
+            </p:extLst>
+          </p:nvPr>
+        </p:nvGraphicFramePr>
+        <p:xfrm>
+          <a:off x="285135" y="1866826"/>
+          <a:ext cx="4166349" cy="2743200"/>
+        </p:xfrm>
+        <a:graphic>
+          <a:graphicData uri="http://schemas.openxmlformats.org/drawingml/2006/chart">
+            <c:chart xmlns:c="http://schemas.openxmlformats.org/drawingml/2006/chart" xmlns:r="http://schemas.openxmlformats.org/officeDocument/2006/relationships" r:id="rId2"/>
+          </a:graphicData>
+        </a:graphic>
+      </p:graphicFrame>
+      <p:sp>
+        <p:nvSpPr>
+          <p:cNvPr id="7" name="Rectangle 6">
+            <a:extLst>
+              <a:ext uri="{FF2B5EF4-FFF2-40B4-BE49-F238E27FC236}">
+                <a16:creationId xmlns:a16="http://schemas.microsoft.com/office/drawing/2014/main" id="{99430CCE-28C5-4B42-9F1B-6EEFBF06FD81}"/>
+              </a:ext>
+            </a:extLst>
+          </p:cNvPr>
+          <p:cNvSpPr/>
+          <p:nvPr/>
+        </p:nvSpPr>
+        <p:spPr>
+          <a:xfrm>
+            <a:off x="179917" y="1191335"/>
+            <a:ext cx="8784167" cy="250386"/>
+          </a:xfrm>
+          <a:prstGeom prst="rect">
+            <a:avLst/>
+          </a:prstGeom>
+          <a:solidFill>
+            <a:schemeClr val="accent6">
+              <a:lumMod val="60000"/>
+              <a:lumOff val="40000"/>
+            </a:schemeClr>
+          </a:solidFill>
+          <a:ln>
+            <a:noFill/>
+          </a:ln>
+        </p:spPr>
+        <p:style>
+          <a:lnRef idx="2">
+            <a:schemeClr val="accent1">
+              <a:shade val="50000"/>
+            </a:schemeClr>
+          </a:lnRef>
+          <a:fillRef idx="1">
+            <a:schemeClr val="accent1"/>
+          </a:fillRef>
+          <a:effectRef idx="0">
+            <a:schemeClr val="accent1"/>
+          </a:effectRef>
+          <a:fontRef idx="minor">
+            <a:schemeClr val="lt1"/>
+          </a:fontRef>
+        </p:style>
+        <p:txBody>
+          <a:bodyPr rtlCol="0" anchor="ctr"/>
+          <a:lstStyle/>
+          <a:p>
+            <a:pPr algn="ctr"/>
+            <a:r>
+              <a:rPr lang="en-US" dirty="0"/>
+              <a:t>Population density often falls into this type of distribution</a:t>
+            </a:r>
+          </a:p>
+        </p:txBody>
+      </p:sp>
+      <p:sp>
+        <p:nvSpPr>
+          <p:cNvPr id="8" name="TextBox 7">
+            <a:extLst>
+              <a:ext uri="{FF2B5EF4-FFF2-40B4-BE49-F238E27FC236}">
+                <a16:creationId xmlns:a16="http://schemas.microsoft.com/office/drawing/2014/main" id="{F2BDF6AF-90EE-4B7B-A53D-4D976C0A68FA}"/>
+              </a:ext>
+            </a:extLst>
+          </p:cNvPr>
+          <p:cNvSpPr txBox="1"/>
+          <p:nvPr/>
+        </p:nvSpPr>
+        <p:spPr>
+          <a:xfrm flipH="1">
+            <a:off x="292786" y="1465016"/>
+            <a:ext cx="4166349" cy="369332"/>
+          </a:xfrm>
+          <a:prstGeom prst="rect">
+            <a:avLst/>
+          </a:prstGeom>
+          <a:solidFill>
+            <a:schemeClr val="accent5">
+              <a:lumMod val="75000"/>
+            </a:schemeClr>
+          </a:solidFill>
+        </p:spPr>
+        <p:txBody>
+          <a:bodyPr wrap="square" rtlCol="0">
+            <a:spAutoFit/>
+          </a:bodyPr>
+          <a:lstStyle/>
+          <a:p>
+            <a:r>
+              <a:rPr lang="en-US" dirty="0">
+                <a:solidFill>
+                  <a:schemeClr val="bg1"/>
+                </a:solidFill>
+              </a:rPr>
+              <a:t>Swiss Cities</a:t>
+            </a:r>
+          </a:p>
+        </p:txBody>
+      </p:sp>
+      <p:graphicFrame>
+        <p:nvGraphicFramePr>
+          <p:cNvPr id="9" name="Chart 8">
+            <a:extLst>
+              <a:ext uri="{FF2B5EF4-FFF2-40B4-BE49-F238E27FC236}">
+                <a16:creationId xmlns:a16="http://schemas.microsoft.com/office/drawing/2014/main" id="{C77E2C32-B628-4375-B13A-838877BF2C02}"/>
+              </a:ext>
+            </a:extLst>
+          </p:cNvPr>
+          <p:cNvGraphicFramePr>
+            <a:graphicFrameLocks/>
+          </p:cNvGraphicFramePr>
+          <p:nvPr>
+            <p:extLst>
+              <p:ext uri="{D42A27DB-BD31-4B8C-83A1-F6EECF244321}">
+                <p14:modId xmlns:p14="http://schemas.microsoft.com/office/powerpoint/2010/main" val="721883974"/>
+              </p:ext>
+            </p:extLst>
+          </p:nvPr>
+        </p:nvGraphicFramePr>
+        <p:xfrm>
+          <a:off x="4571999" y="1897511"/>
+          <a:ext cx="4392085" cy="3378650"/>
+        </p:xfrm>
+        <a:graphic>
+          <a:graphicData uri="http://schemas.openxmlformats.org/drawingml/2006/chart">
+            <c:chart xmlns:c="http://schemas.openxmlformats.org/drawingml/2006/chart" xmlns:r="http://schemas.openxmlformats.org/officeDocument/2006/relationships" r:id="rId3"/>
+          </a:graphicData>
+        </a:graphic>
+      </p:graphicFrame>
+      <p:sp>
+        <p:nvSpPr>
+          <p:cNvPr id="10" name="TextBox 9">
+            <a:extLst>
+              <a:ext uri="{FF2B5EF4-FFF2-40B4-BE49-F238E27FC236}">
+                <a16:creationId xmlns:a16="http://schemas.microsoft.com/office/drawing/2014/main" id="{1F9D35EB-DDAD-4E92-B07D-2646799116DE}"/>
+              </a:ext>
+            </a:extLst>
+          </p:cNvPr>
+          <p:cNvSpPr txBox="1"/>
+          <p:nvPr/>
+        </p:nvSpPr>
+        <p:spPr>
+          <a:xfrm flipH="1">
+            <a:off x="4571998" y="1465016"/>
+            <a:ext cx="4392085" cy="369332"/>
+          </a:xfrm>
+          <a:prstGeom prst="rect">
+            <a:avLst/>
+          </a:prstGeom>
+          <a:solidFill>
+            <a:schemeClr val="accent5">
+              <a:lumMod val="75000"/>
+            </a:schemeClr>
+          </a:solidFill>
+        </p:spPr>
+        <p:txBody>
+          <a:bodyPr wrap="square" rtlCol="0">
+            <a:spAutoFit/>
+          </a:bodyPr>
+          <a:lstStyle/>
+          <a:p>
+            <a:r>
+              <a:rPr lang="en-US" dirty="0">
+                <a:solidFill>
+                  <a:schemeClr val="bg1"/>
+                </a:solidFill>
+              </a:rPr>
+              <a:t>UK Cities</a:t>
+            </a:r>
+          </a:p>
+        </p:txBody>
+      </p:sp>
+      <p:cxnSp>
+        <p:nvCxnSpPr>
+          <p:cNvPr id="11" name="Straight Connector 10">
+            <a:extLst>
+              <a:ext uri="{FF2B5EF4-FFF2-40B4-BE49-F238E27FC236}">
+                <a16:creationId xmlns:a16="http://schemas.microsoft.com/office/drawing/2014/main" id="{3C1030B8-3766-624A-BCAD-4B0BFA419E09}"/>
+              </a:ext>
+            </a:extLst>
+          </p:cNvPr>
+          <p:cNvCxnSpPr/>
+          <p:nvPr/>
+        </p:nvCxnSpPr>
+        <p:spPr>
+          <a:xfrm>
+            <a:off x="6798363" y="6549885"/>
+            <a:ext cx="0" cy="182880"/>
+          </a:xfrm>
+          <a:prstGeom prst="line">
+            <a:avLst/>
+          </a:prstGeom>
+          <a:ln>
+            <a:solidFill>
+              <a:schemeClr val="bg1">
+                <a:lumMod val="85000"/>
+              </a:schemeClr>
+            </a:solidFill>
+          </a:ln>
+        </p:spPr>
+        <p:style>
+          <a:lnRef idx="1">
+            <a:schemeClr val="accent1"/>
+          </a:lnRef>
+          <a:fillRef idx="0">
+            <a:schemeClr val="accent1"/>
+          </a:fillRef>
+          <a:effectRef idx="0">
+            <a:schemeClr val="accent1"/>
+          </a:effectRef>
+          <a:fontRef idx="minor">
+            <a:schemeClr val="tx1"/>
+          </a:fontRef>
+        </p:style>
+      </p:cxnSp>
+      <p:cxnSp>
+        <p:nvCxnSpPr>
+          <p:cNvPr id="12" name="Straight Connector 11">
+            <a:extLst>
+              <a:ext uri="{FF2B5EF4-FFF2-40B4-BE49-F238E27FC236}">
+                <a16:creationId xmlns:a16="http://schemas.microsoft.com/office/drawing/2014/main" id="{5C3C6DBB-309D-9049-AD01-6451E6157CCF}"/>
+              </a:ext>
+            </a:extLst>
+          </p:cNvPr>
+          <p:cNvCxnSpPr/>
+          <p:nvPr/>
+        </p:nvCxnSpPr>
+        <p:spPr>
+          <a:xfrm>
+            <a:off x="7076661" y="4664763"/>
+            <a:ext cx="182880" cy="0"/>
+          </a:xfrm>
+          <a:prstGeom prst="line">
+            <a:avLst/>
+          </a:prstGeom>
+          <a:ln>
+            <a:solidFill>
+              <a:schemeClr val="bg1">
+                <a:lumMod val="85000"/>
+              </a:schemeClr>
+            </a:solidFill>
+          </a:ln>
+        </p:spPr>
+        <p:style>
+          <a:lnRef idx="1">
+            <a:schemeClr val="accent1"/>
+          </a:lnRef>
+          <a:fillRef idx="0">
+            <a:schemeClr val="accent1"/>
+          </a:fillRef>
+          <a:effectRef idx="0">
+            <a:schemeClr val="accent1"/>
+          </a:effectRef>
+          <a:fontRef idx="minor">
+            <a:schemeClr val="tx1"/>
+          </a:fontRef>
+        </p:style>
+      </p:cxnSp>
+    </p:spTree>
+    <p:extLst>
+      <p:ext uri="{BB962C8B-B14F-4D97-AF65-F5344CB8AC3E}">
+        <p14:creationId xmlns:p14="http://schemas.microsoft.com/office/powerpoint/2010/main" val="2320684370"/>
+      </p:ext>
+    </p:extLst>
+  </p:cSld>
+  <p:clrMapOvr>
+    <a:masterClrMapping/>
+  </p:clrMapOvr>
+</p:sld>
+</file>
+
+<file path=ppt/slides/slide11.xml><?xml version="1.0" encoding="utf-8"?>
+<p:sld xmlns:a="http://schemas.openxmlformats.org/drawingml/2006/main" xmlns:r="http://schemas.openxmlformats.org/officeDocument/2006/relationships" xmlns:p="http://schemas.openxmlformats.org/presentationml/2006/main">
+  <p:cSld>
+    <p:spTree>
+      <p:nvGrpSpPr>
+        <p:cNvPr id="1" name=""/>
+        <p:cNvGrpSpPr/>
+        <p:nvPr/>
+      </p:nvGrpSpPr>
+      <p:grpSpPr>
+        <a:xfrm>
+          <a:off x="0" y="0"/>
+          <a:ext cx="0" cy="0"/>
+          <a:chOff x="0" y="0"/>
+          <a:chExt cx="0" cy="0"/>
+        </a:xfrm>
+      </p:grpSpPr>
+      <p:sp>
+        <p:nvSpPr>
+          <p:cNvPr id="2" name="Date Placeholder 1">
+            <a:extLst>
+              <a:ext uri="{FF2B5EF4-FFF2-40B4-BE49-F238E27FC236}">
+                <a16:creationId xmlns:a16="http://schemas.microsoft.com/office/drawing/2014/main" id="{FC3CAA6D-9B22-4025-A828-540F80A29EEA}"/>
+              </a:ext>
+            </a:extLst>
+          </p:cNvPr>
+          <p:cNvSpPr>
+            <a:spLocks noGrp="1"/>
+          </p:cNvSpPr>
+          <p:nvPr>
+            <p:ph type="dt" sz="half" idx="10"/>
+          </p:nvPr>
+        </p:nvSpPr>
+        <p:spPr/>
+        <p:txBody>
+          <a:bodyPr/>
+          <a:lstStyle/>
+          <a:p>
+            <a:fld id="{6700A58B-DD98-43D0-B791-721480A02982}" type="datetime1">
+              <a:rPr lang="en-US" smtClean="0"/>
+              <a:t>1/10/21</a:t>
+            </a:fld>
+            <a:endParaRPr lang="en-US"/>
+          </a:p>
+        </p:txBody>
+      </p:sp>
+      <p:sp>
+        <p:nvSpPr>
+          <p:cNvPr id="3" name="Title 2">
+            <a:extLst>
+              <a:ext uri="{FF2B5EF4-FFF2-40B4-BE49-F238E27FC236}">
+                <a16:creationId xmlns:a16="http://schemas.microsoft.com/office/drawing/2014/main" id="{F37AB7D3-98B7-4934-90CE-E060474AFA48}"/>
+              </a:ext>
+            </a:extLst>
+          </p:cNvPr>
+          <p:cNvSpPr>
+            <a:spLocks noGrp="1"/>
+          </p:cNvSpPr>
+          <p:nvPr>
+            <p:ph type="title"/>
+          </p:nvPr>
+        </p:nvSpPr>
+        <p:spPr/>
+        <p:txBody>
+          <a:bodyPr/>
+          <a:lstStyle/>
+          <a:p>
+            <a:r>
+              <a:rPr lang="en-US" dirty="0" err="1"/>
+              <a:t>Zipf’s</a:t>
+            </a:r>
+            <a:r>
+              <a:rPr lang="en-US" dirty="0"/>
+              <a:t> Law is observed in business</a:t>
+            </a:r>
+          </a:p>
+        </p:txBody>
+      </p:sp>
+      <p:sp>
+        <p:nvSpPr>
+          <p:cNvPr id="5" name="Footer Placeholder 4">
+            <a:extLst>
+              <a:ext uri="{FF2B5EF4-FFF2-40B4-BE49-F238E27FC236}">
+                <a16:creationId xmlns:a16="http://schemas.microsoft.com/office/drawing/2014/main" id="{B500B84D-8A02-420F-A059-837051A1BD42}"/>
+              </a:ext>
+            </a:extLst>
+          </p:cNvPr>
+          <p:cNvSpPr>
+            <a:spLocks noGrp="1"/>
+          </p:cNvSpPr>
+          <p:nvPr>
+            <p:ph type="ftr" sz="quarter" idx="3"/>
+          </p:nvPr>
+        </p:nvSpPr>
+        <p:spPr/>
+        <p:txBody>
+          <a:bodyPr/>
+          <a:lstStyle/>
+          <a:p>
+            <a:r>
+              <a:rPr lang="en-US"/>
+              <a:t>Kwartler</a:t>
+            </a:r>
+            <a:endParaRPr lang="en-US" dirty="0"/>
+          </a:p>
+        </p:txBody>
+      </p:sp>
+      <p:sp>
+        <p:nvSpPr>
+          <p:cNvPr id="4" name="Slide Number Placeholder 3">
+            <a:extLst>
+              <a:ext uri="{FF2B5EF4-FFF2-40B4-BE49-F238E27FC236}">
+                <a16:creationId xmlns:a16="http://schemas.microsoft.com/office/drawing/2014/main" id="{7449A6EF-1CB8-497B-AFD9-B8CCDE5556A8}"/>
+              </a:ext>
+            </a:extLst>
+          </p:cNvPr>
+          <p:cNvSpPr>
+            <a:spLocks noGrp="1"/>
+          </p:cNvSpPr>
+          <p:nvPr>
+            <p:ph type="sldNum" sz="quarter" idx="4"/>
+          </p:nvPr>
+        </p:nvSpPr>
+        <p:spPr/>
+        <p:txBody>
+          <a:bodyPr/>
+          <a:lstStyle/>
+          <a:p>
+            <a:fld id="{37290FF7-652B-4475-AEAB-8B1A5D23AE09}" type="slidenum">
+              <a:rPr lang="en-US" smtClean="0"/>
+              <a:t>11</a:t>
+            </a:fld>
+            <a:endParaRPr lang="en-US"/>
+          </a:p>
+        </p:txBody>
+      </p:sp>
+      <p:sp>
+        <p:nvSpPr>
+          <p:cNvPr id="6" name="TextBox 5">
+            <a:extLst>
+              <a:ext uri="{FF2B5EF4-FFF2-40B4-BE49-F238E27FC236}">
+                <a16:creationId xmlns:a16="http://schemas.microsoft.com/office/drawing/2014/main" id="{057CAD2F-D46D-42EA-945D-4E82BBA60CCC}"/>
+              </a:ext>
+            </a:extLst>
+          </p:cNvPr>
+          <p:cNvSpPr txBox="1"/>
+          <p:nvPr/>
+        </p:nvSpPr>
+        <p:spPr>
+          <a:xfrm>
+            <a:off x="0" y="5964077"/>
+            <a:ext cx="5482591" cy="415498"/>
+          </a:xfrm>
+          <a:prstGeom prst="rect">
+            <a:avLst/>
+          </a:prstGeom>
+          <a:noFill/>
+        </p:spPr>
+        <p:txBody>
+          <a:bodyPr wrap="none" rtlCol="0">
+            <a:spAutoFit/>
+          </a:bodyPr>
+          <a:lstStyle/>
+          <a:p>
+            <a:r>
+              <a:rPr lang="en-US" sz="1050" dirty="0">
+                <a:hlinkClick r:id="rId2"/>
+              </a:rPr>
+              <a:t>https://www.insure.com/car-insurance/largest-auto-insurance-companies-by-market-share.html</a:t>
+            </a:r>
+            <a:endParaRPr lang="en-US" sz="1050" dirty="0"/>
+          </a:p>
+          <a:p>
+            <a:r>
+              <a:rPr lang="en-US" sz="1050" dirty="0">
+                <a:hlinkClick r:id="rId3"/>
+              </a:rPr>
+              <a:t>https://www.canalys.com/newsroom/cloud-market-share-q4-2018-and-full-year-2018</a:t>
+            </a:r>
+            <a:endParaRPr lang="en-US" sz="1050" dirty="0"/>
+          </a:p>
+        </p:txBody>
+      </p:sp>
+      <p:sp>
+        <p:nvSpPr>
+          <p:cNvPr id="10" name="TextBox 9">
+            <a:extLst>
+              <a:ext uri="{FF2B5EF4-FFF2-40B4-BE49-F238E27FC236}">
+                <a16:creationId xmlns:a16="http://schemas.microsoft.com/office/drawing/2014/main" id="{463081DC-3AE3-4F43-AEDB-B75090970E2C}"/>
+              </a:ext>
+            </a:extLst>
+          </p:cNvPr>
+          <p:cNvSpPr txBox="1"/>
+          <p:nvPr/>
+        </p:nvSpPr>
+        <p:spPr>
+          <a:xfrm flipH="1">
+            <a:off x="208937" y="1712298"/>
+            <a:ext cx="4363060" cy="369332"/>
+          </a:xfrm>
+          <a:prstGeom prst="rect">
+            <a:avLst/>
+          </a:prstGeom>
+          <a:solidFill>
+            <a:schemeClr val="accent5">
+              <a:lumMod val="75000"/>
+            </a:schemeClr>
+          </a:solidFill>
+        </p:spPr>
+        <p:txBody>
+          <a:bodyPr wrap="square" rtlCol="0">
+            <a:spAutoFit/>
+          </a:bodyPr>
+          <a:lstStyle/>
+          <a:p>
+            <a:r>
+              <a:rPr lang="en-US" dirty="0">
+                <a:solidFill>
+                  <a:schemeClr val="bg1"/>
+                </a:solidFill>
+              </a:rPr>
+              <a:t>Insurance </a:t>
+            </a:r>
+            <a:r>
+              <a:rPr lang="en-US" sz="1600" dirty="0">
+                <a:solidFill>
+                  <a:schemeClr val="bg1"/>
+                </a:solidFill>
+              </a:rPr>
+              <a:t>- 2016 Direct Premiums Written ($)</a:t>
+            </a:r>
+            <a:endParaRPr lang="en-US" dirty="0">
+              <a:solidFill>
+                <a:schemeClr val="bg1"/>
+              </a:solidFill>
+            </a:endParaRPr>
+          </a:p>
+        </p:txBody>
+      </p:sp>
+      <p:sp>
+        <p:nvSpPr>
+          <p:cNvPr id="12" name="TextBox 11">
+            <a:extLst>
+              <a:ext uri="{FF2B5EF4-FFF2-40B4-BE49-F238E27FC236}">
+                <a16:creationId xmlns:a16="http://schemas.microsoft.com/office/drawing/2014/main" id="{0A31F90A-215F-43E0-B2C9-11BCB424422E}"/>
+              </a:ext>
+            </a:extLst>
+          </p:cNvPr>
+          <p:cNvSpPr txBox="1"/>
+          <p:nvPr/>
+        </p:nvSpPr>
+        <p:spPr>
+          <a:xfrm flipH="1">
+            <a:off x="4768714" y="1712298"/>
+            <a:ext cx="4166349" cy="369332"/>
+          </a:xfrm>
+          <a:prstGeom prst="rect">
+            <a:avLst/>
+          </a:prstGeom>
+          <a:solidFill>
+            <a:schemeClr val="accent5">
+              <a:lumMod val="75000"/>
+            </a:schemeClr>
+          </a:solidFill>
+        </p:spPr>
+        <p:txBody>
+          <a:bodyPr wrap="square" rtlCol="0">
+            <a:spAutoFit/>
+          </a:bodyPr>
+          <a:lstStyle/>
+          <a:p>
+            <a:r>
+              <a:rPr lang="en-US" dirty="0">
+                <a:solidFill>
+                  <a:schemeClr val="bg1"/>
+                </a:solidFill>
+              </a:rPr>
+              <a:t>Tech – </a:t>
+            </a:r>
+            <a:r>
+              <a:rPr lang="en-US" sz="1600" dirty="0">
+                <a:solidFill>
+                  <a:schemeClr val="bg1"/>
+                </a:solidFill>
+              </a:rPr>
+              <a:t>2018 US Cloud Compute Mkt Share  </a:t>
+            </a:r>
+            <a:endParaRPr lang="en-US" dirty="0">
+              <a:solidFill>
+                <a:schemeClr val="bg1"/>
+              </a:solidFill>
+            </a:endParaRPr>
+          </a:p>
+        </p:txBody>
+      </p:sp>
+      <p:sp>
+        <p:nvSpPr>
+          <p:cNvPr id="13" name="Rectangle 12">
+            <a:extLst>
+              <a:ext uri="{FF2B5EF4-FFF2-40B4-BE49-F238E27FC236}">
+                <a16:creationId xmlns:a16="http://schemas.microsoft.com/office/drawing/2014/main" id="{8E57DA10-90FE-48D3-A387-2CA0E4D140D4}"/>
+              </a:ext>
+            </a:extLst>
+          </p:cNvPr>
+          <p:cNvSpPr/>
+          <p:nvPr/>
+        </p:nvSpPr>
+        <p:spPr>
+          <a:xfrm>
+            <a:off x="179917" y="1237129"/>
+            <a:ext cx="8784167" cy="292874"/>
+          </a:xfrm>
+          <a:prstGeom prst="rect">
+            <a:avLst/>
+          </a:prstGeom>
+          <a:solidFill>
+            <a:schemeClr val="accent6">
+              <a:lumMod val="60000"/>
+              <a:lumOff val="40000"/>
+            </a:schemeClr>
+          </a:solidFill>
+          <a:ln>
+            <a:noFill/>
+          </a:ln>
+        </p:spPr>
+        <p:style>
+          <a:lnRef idx="2">
+            <a:schemeClr val="accent1">
+              <a:shade val="50000"/>
+            </a:schemeClr>
+          </a:lnRef>
+          <a:fillRef idx="1">
+            <a:schemeClr val="accent1"/>
+          </a:fillRef>
+          <a:effectRef idx="0">
+            <a:schemeClr val="accent1"/>
+          </a:effectRef>
+          <a:fontRef idx="minor">
+            <a:schemeClr val="lt1"/>
+          </a:fontRef>
+        </p:style>
+        <p:txBody>
+          <a:bodyPr rtlCol="0" anchor="ctr"/>
+          <a:lstStyle/>
+          <a:p>
+            <a:pPr algn="ctr"/>
+            <a:r>
+              <a:rPr lang="en-US" sz="1200" dirty="0"/>
+              <a:t>Many industries become natural monopolies.  Without this natural maturing the industry is hyper competitive “Coke vs Pepsi” </a:t>
+            </a:r>
+          </a:p>
+        </p:txBody>
+      </p:sp>
+      <p:graphicFrame>
+        <p:nvGraphicFramePr>
+          <p:cNvPr id="14" name="Chart 13"/>
+          <p:cNvGraphicFramePr>
+            <a:graphicFrameLocks/>
+          </p:cNvGraphicFramePr>
+          <p:nvPr>
+            <p:extLst>
+              <p:ext uri="{D42A27DB-BD31-4B8C-83A1-F6EECF244321}">
+                <p14:modId xmlns:p14="http://schemas.microsoft.com/office/powerpoint/2010/main" val="2019963759"/>
+              </p:ext>
+            </p:extLst>
+          </p:nvPr>
+        </p:nvGraphicFramePr>
+        <p:xfrm>
+          <a:off x="0" y="2034675"/>
+          <a:ext cx="4572000" cy="2743200"/>
+        </p:xfrm>
+        <a:graphic>
+          <a:graphicData uri="http://schemas.openxmlformats.org/drawingml/2006/chart">
+            <c:chart xmlns:c="http://schemas.openxmlformats.org/drawingml/2006/chart" xmlns:r="http://schemas.openxmlformats.org/officeDocument/2006/relationships" r:id="rId4"/>
+          </a:graphicData>
+        </a:graphic>
+      </p:graphicFrame>
+      <p:graphicFrame>
+        <p:nvGraphicFramePr>
+          <p:cNvPr id="15" name="Chart 14"/>
+          <p:cNvGraphicFramePr>
+            <a:graphicFrameLocks/>
+          </p:cNvGraphicFramePr>
+          <p:nvPr>
+            <p:extLst>
+              <p:ext uri="{D42A27DB-BD31-4B8C-83A1-F6EECF244321}">
+                <p14:modId xmlns:p14="http://schemas.microsoft.com/office/powerpoint/2010/main" val="635946884"/>
+              </p:ext>
+            </p:extLst>
+          </p:nvPr>
+        </p:nvGraphicFramePr>
+        <p:xfrm>
+          <a:off x="4572000" y="2176564"/>
+          <a:ext cx="4235824" cy="2529907"/>
+        </p:xfrm>
+        <a:graphic>
+          <a:graphicData uri="http://schemas.openxmlformats.org/drawingml/2006/chart">
+            <c:chart xmlns:c="http://schemas.openxmlformats.org/drawingml/2006/chart" xmlns:r="http://schemas.openxmlformats.org/officeDocument/2006/relationships" r:id="rId5"/>
+          </a:graphicData>
+        </a:graphic>
+      </p:graphicFrame>
+      <p:cxnSp>
+        <p:nvCxnSpPr>
+          <p:cNvPr id="16" name="Straight Connector 15">
+            <a:extLst>
+              <a:ext uri="{FF2B5EF4-FFF2-40B4-BE49-F238E27FC236}">
+                <a16:creationId xmlns:a16="http://schemas.microsoft.com/office/drawing/2014/main" id="{1731AC9A-7527-1B4C-B733-45D6F204A31C}"/>
+              </a:ext>
+            </a:extLst>
+          </p:cNvPr>
+          <p:cNvCxnSpPr/>
+          <p:nvPr/>
+        </p:nvCxnSpPr>
+        <p:spPr>
+          <a:xfrm>
+            <a:off x="6798363" y="6549885"/>
+            <a:ext cx="0" cy="182880"/>
+          </a:xfrm>
+          <a:prstGeom prst="line">
+            <a:avLst/>
+          </a:prstGeom>
+          <a:ln>
+            <a:solidFill>
+              <a:schemeClr val="bg1">
+                <a:lumMod val="85000"/>
+              </a:schemeClr>
+            </a:solidFill>
+          </a:ln>
+        </p:spPr>
+        <p:style>
+          <a:lnRef idx="1">
+            <a:schemeClr val="accent1"/>
+          </a:lnRef>
+          <a:fillRef idx="0">
+            <a:schemeClr val="accent1"/>
+          </a:fillRef>
+          <a:effectRef idx="0">
+            <a:schemeClr val="accent1"/>
+          </a:effectRef>
+          <a:fontRef idx="minor">
+            <a:schemeClr val="tx1"/>
+          </a:fontRef>
+        </p:style>
+      </p:cxnSp>
+      <p:cxnSp>
+        <p:nvCxnSpPr>
+          <p:cNvPr id="17" name="Straight Connector 16">
+            <a:extLst>
+              <a:ext uri="{FF2B5EF4-FFF2-40B4-BE49-F238E27FC236}">
+                <a16:creationId xmlns:a16="http://schemas.microsoft.com/office/drawing/2014/main" id="{79032D9B-996D-244B-87E8-98929D43E816}"/>
+              </a:ext>
+            </a:extLst>
+          </p:cNvPr>
+          <p:cNvCxnSpPr/>
+          <p:nvPr/>
+        </p:nvCxnSpPr>
+        <p:spPr>
+          <a:xfrm>
+            <a:off x="7076661" y="4664763"/>
+            <a:ext cx="182880" cy="0"/>
+          </a:xfrm>
+          <a:prstGeom prst="line">
+            <a:avLst/>
+          </a:prstGeom>
+          <a:ln>
+            <a:solidFill>
+              <a:schemeClr val="bg1">
+                <a:lumMod val="85000"/>
+              </a:schemeClr>
+            </a:solidFill>
+          </a:ln>
+        </p:spPr>
+        <p:style>
+          <a:lnRef idx="1">
+            <a:schemeClr val="accent1"/>
+          </a:lnRef>
+          <a:fillRef idx="0">
+            <a:schemeClr val="accent1"/>
+          </a:fillRef>
+          <a:effectRef idx="0">
+            <a:schemeClr val="accent1"/>
+          </a:effectRef>
+          <a:fontRef idx="minor">
+            <a:schemeClr val="tx1"/>
+          </a:fontRef>
+        </p:style>
+      </p:cxnSp>
+    </p:spTree>
+    <p:extLst>
+      <p:ext uri="{BB962C8B-B14F-4D97-AF65-F5344CB8AC3E}">
+        <p14:creationId xmlns:p14="http://schemas.microsoft.com/office/powerpoint/2010/main" val="3560083267"/>
+      </p:ext>
+    </p:extLst>
+  </p:cSld>
+  <p:clrMapOvr>
+    <a:masterClrMapping/>
+  </p:clrMapOvr>
+</p:sld>
+</file>
+
+<file path=ppt/slides/slide12.xml><?xml version="1.0" encoding="utf-8"?>
+<p:sld xmlns:a="http://schemas.openxmlformats.org/drawingml/2006/main" xmlns:r="http://schemas.openxmlformats.org/officeDocument/2006/relationships" xmlns:p="http://schemas.openxmlformats.org/presentationml/2006/main">
+  <p:cSld>
+    <p:spTree>
+      <p:nvGrpSpPr>
+        <p:cNvPr id="1" name=""/>
+        <p:cNvGrpSpPr/>
+        <p:nvPr/>
+      </p:nvGrpSpPr>
+      <p:grpSpPr>
+        <a:xfrm>
+          <a:off x="0" y="0"/>
+          <a:ext cx="0" cy="0"/>
+          <a:chOff x="0" y="0"/>
+          <a:chExt cx="0" cy="0"/>
+        </a:xfrm>
+      </p:grpSpPr>
+      <p:sp>
+        <p:nvSpPr>
+          <p:cNvPr id="2" name="Date Placeholder 1">
+            <a:extLst>
+              <a:ext uri="{FF2B5EF4-FFF2-40B4-BE49-F238E27FC236}">
+                <a16:creationId xmlns:a16="http://schemas.microsoft.com/office/drawing/2014/main" id="{7CC1C347-821A-4A53-BE6F-AA598F2BC52D}"/>
+              </a:ext>
+            </a:extLst>
+          </p:cNvPr>
+          <p:cNvSpPr>
+            <a:spLocks noGrp="1"/>
+          </p:cNvSpPr>
+          <p:nvPr>
+            <p:ph type="dt" sz="half" idx="10"/>
+          </p:nvPr>
+        </p:nvSpPr>
+        <p:spPr/>
+        <p:txBody>
+          <a:bodyPr/>
+          <a:lstStyle/>
+          <a:p>
+            <a:fld id="{6700A58B-DD98-43D0-B791-721480A02982}" type="datetime1">
+              <a:rPr lang="en-US" smtClean="0"/>
+              <a:t>1/10/21</a:t>
+            </a:fld>
+            <a:endParaRPr lang="en-US"/>
+          </a:p>
+        </p:txBody>
+      </p:sp>
+      <p:sp>
+        <p:nvSpPr>
+          <p:cNvPr id="3" name="Title 2">
+            <a:extLst>
+              <a:ext uri="{FF2B5EF4-FFF2-40B4-BE49-F238E27FC236}">
+                <a16:creationId xmlns:a16="http://schemas.microsoft.com/office/drawing/2014/main" id="{07B611A7-1CF9-40F4-B19C-B798B0C80BCC}"/>
+              </a:ext>
+            </a:extLst>
+          </p:cNvPr>
+          <p:cNvSpPr>
+            <a:spLocks noGrp="1"/>
+          </p:cNvSpPr>
+          <p:nvPr>
+            <p:ph type="title"/>
+          </p:nvPr>
+        </p:nvSpPr>
+        <p:spPr>
+          <a:xfrm>
+            <a:off x="0" y="365126"/>
+            <a:ext cx="9144000" cy="591477"/>
+          </a:xfrm>
+        </p:spPr>
+        <p:txBody>
+          <a:bodyPr/>
+          <a:lstStyle/>
+          <a:p>
+            <a:r>
+              <a:rPr lang="en-US" dirty="0" err="1"/>
+              <a:t>Zipf’s</a:t>
+            </a:r>
+            <a:r>
+              <a:rPr lang="en-US" dirty="0"/>
+              <a:t> Law: </a:t>
+            </a:r>
+            <a:r>
+              <a:rPr lang="en-US" sz="1600" dirty="0"/>
+              <a:t>The frequency of a word is inversely related to its rank in a word frequency matrix.</a:t>
+            </a:r>
+            <a:br>
+              <a:rPr lang="en-US" sz="1600" dirty="0"/>
+            </a:br>
+            <a:endParaRPr lang="en-US" dirty="0"/>
+          </a:p>
+        </p:txBody>
+      </p:sp>
+      <p:sp>
+        <p:nvSpPr>
+          <p:cNvPr id="4" name="Slide Number Placeholder 3">
+            <a:extLst>
+              <a:ext uri="{FF2B5EF4-FFF2-40B4-BE49-F238E27FC236}">
+                <a16:creationId xmlns:a16="http://schemas.microsoft.com/office/drawing/2014/main" id="{DB678605-D47F-487D-B818-8649427177BA}"/>
+              </a:ext>
+            </a:extLst>
+          </p:cNvPr>
+          <p:cNvSpPr>
+            <a:spLocks noGrp="1"/>
+          </p:cNvSpPr>
+          <p:nvPr>
+            <p:ph type="sldNum" sz="quarter" idx="4"/>
+          </p:nvPr>
+        </p:nvSpPr>
+        <p:spPr>
+          <a:xfrm>
+            <a:off x="6457950" y="6356351"/>
+            <a:ext cx="857250" cy="365125"/>
+          </a:xfrm>
+        </p:spPr>
+        <p:txBody>
+          <a:bodyPr/>
+          <a:lstStyle/>
+          <a:p>
+            <a:fld id="{37290FF7-652B-4475-AEAB-8B1A5D23AE09}" type="slidenum">
+              <a:rPr lang="en-US" smtClean="0"/>
+              <a:t>12</a:t>
+            </a:fld>
+            <a:endParaRPr lang="en-US"/>
+          </a:p>
+        </p:txBody>
+      </p:sp>
+      <p:sp>
+        <p:nvSpPr>
+          <p:cNvPr id="5" name="Footer Placeholder 4">
+            <a:extLst>
+              <a:ext uri="{FF2B5EF4-FFF2-40B4-BE49-F238E27FC236}">
+                <a16:creationId xmlns:a16="http://schemas.microsoft.com/office/drawing/2014/main" id="{F22089D5-76B3-4F96-8A7C-A58AB148B7F5}"/>
+              </a:ext>
+            </a:extLst>
+          </p:cNvPr>
+          <p:cNvSpPr>
+            <a:spLocks noGrp="1"/>
+          </p:cNvSpPr>
+          <p:nvPr>
+            <p:ph type="ftr" sz="quarter" idx="3"/>
+          </p:nvPr>
+        </p:nvSpPr>
+        <p:spPr/>
+        <p:txBody>
+          <a:bodyPr/>
+          <a:lstStyle/>
+          <a:p>
+            <a:r>
+              <a:rPr lang="en-US"/>
+              <a:t>Kwartler</a:t>
+            </a:r>
+            <a:endParaRPr lang="en-US" dirty="0"/>
+          </a:p>
+        </p:txBody>
+      </p:sp>
+      <p:sp>
+        <p:nvSpPr>
+          <p:cNvPr id="6" name="Rectangle 5">
+            <a:extLst>
+              <a:ext uri="{FF2B5EF4-FFF2-40B4-BE49-F238E27FC236}">
+                <a16:creationId xmlns:a16="http://schemas.microsoft.com/office/drawing/2014/main" id="{AE05F16E-B7E1-4316-A709-6BF9303EDE99}"/>
+              </a:ext>
+            </a:extLst>
+          </p:cNvPr>
+          <p:cNvSpPr/>
+          <p:nvPr/>
+        </p:nvSpPr>
+        <p:spPr>
+          <a:xfrm>
+            <a:off x="179917" y="1262641"/>
+            <a:ext cx="8784167" cy="253916"/>
+          </a:xfrm>
+          <a:prstGeom prst="rect">
+            <a:avLst/>
+          </a:prstGeom>
+          <a:solidFill>
+            <a:schemeClr val="accent6">
+              <a:lumMod val="60000"/>
+              <a:lumOff val="40000"/>
+            </a:schemeClr>
+          </a:solidFill>
+          <a:ln>
+            <a:noFill/>
+          </a:ln>
+        </p:spPr>
+        <p:style>
+          <a:lnRef idx="2">
+            <a:schemeClr val="accent1">
+              <a:shade val="50000"/>
+            </a:schemeClr>
+          </a:lnRef>
+          <a:fillRef idx="1">
+            <a:schemeClr val="accent1"/>
+          </a:fillRef>
+          <a:effectRef idx="0">
+            <a:schemeClr val="accent1"/>
+          </a:effectRef>
+          <a:fontRef idx="minor">
+            <a:schemeClr val="lt1"/>
+          </a:fontRef>
+        </p:style>
+        <p:txBody>
+          <a:bodyPr rtlCol="0" anchor="ctr"/>
+          <a:lstStyle/>
+          <a:p>
+            <a:pPr algn="ctr"/>
+            <a:r>
+              <a:rPr lang="en-US" dirty="0"/>
+              <a:t>In language this means we should expect coming words to dominate.</a:t>
+            </a:r>
+          </a:p>
+        </p:txBody>
+      </p:sp>
+      <p:sp>
+        <p:nvSpPr>
+          <p:cNvPr id="8" name="TextBox 7">
+            <a:extLst>
+              <a:ext uri="{FF2B5EF4-FFF2-40B4-BE49-F238E27FC236}">
+                <a16:creationId xmlns:a16="http://schemas.microsoft.com/office/drawing/2014/main" id="{4FD79347-3F95-4D61-A765-8971986126DA}"/>
+              </a:ext>
+            </a:extLst>
+          </p:cNvPr>
+          <p:cNvSpPr txBox="1"/>
+          <p:nvPr/>
+        </p:nvSpPr>
+        <p:spPr>
+          <a:xfrm>
+            <a:off x="459955" y="2644170"/>
+            <a:ext cx="3991897" cy="1569660"/>
+          </a:xfrm>
+          <a:prstGeom prst="rect">
+            <a:avLst/>
+          </a:prstGeom>
+          <a:noFill/>
+        </p:spPr>
+        <p:txBody>
+          <a:bodyPr wrap="square" rtlCol="0">
+            <a:spAutoFit/>
+          </a:bodyPr>
+          <a:lstStyle/>
+          <a:p>
+            <a:pPr marL="342900" indent="-342900">
+              <a:buAutoNum type="arabicPeriod"/>
+            </a:pPr>
+            <a:r>
+              <a:rPr lang="en-US" sz="1600" dirty="0"/>
+              <a:t>Observation or Word A appears N times</a:t>
+            </a:r>
+          </a:p>
+          <a:p>
+            <a:pPr marL="342900" indent="-342900">
+              <a:buAutoNum type="arabicPeriod"/>
+            </a:pPr>
+            <a:r>
+              <a:rPr lang="en-US" sz="1600" dirty="0"/>
+              <a:t>Word B is expected to appear N/2</a:t>
+            </a:r>
+          </a:p>
+          <a:p>
+            <a:pPr marL="342900" indent="-342900">
+              <a:buAutoNum type="arabicPeriod"/>
+            </a:pPr>
+            <a:r>
+              <a:rPr lang="en-US" sz="1600" dirty="0"/>
+              <a:t>Word C is expected to appear N/3</a:t>
+            </a:r>
+          </a:p>
+          <a:p>
+            <a:pPr marL="342900" indent="-342900">
+              <a:buAutoNum type="arabicPeriod"/>
+            </a:pPr>
+            <a:r>
+              <a:rPr lang="en-US" sz="1600" dirty="0"/>
+              <a:t>Word D is expected to appear N/4</a:t>
+            </a:r>
+          </a:p>
+          <a:p>
+            <a:pPr marL="342900" indent="-342900">
+              <a:buAutoNum type="arabicPeriod"/>
+            </a:pPr>
+            <a:r>
+              <a:rPr lang="en-US" sz="1600" dirty="0"/>
+              <a:t>…</a:t>
+            </a:r>
+          </a:p>
+          <a:p>
+            <a:pPr marL="342900" indent="-342900">
+              <a:buAutoNum type="arabicPeriod"/>
+            </a:pPr>
+            <a:r>
+              <a:rPr lang="en-US" sz="1600" dirty="0"/>
+              <a:t>…</a:t>
+            </a:r>
+          </a:p>
+        </p:txBody>
+      </p:sp>
+      <p:sp>
+        <p:nvSpPr>
+          <p:cNvPr id="9" name="TextBox 8">
+            <a:extLst>
+              <a:ext uri="{FF2B5EF4-FFF2-40B4-BE49-F238E27FC236}">
+                <a16:creationId xmlns:a16="http://schemas.microsoft.com/office/drawing/2014/main" id="{461B53F2-E7B8-45E4-87B0-2426B549AAFE}"/>
+              </a:ext>
+            </a:extLst>
+          </p:cNvPr>
+          <p:cNvSpPr txBox="1"/>
+          <p:nvPr/>
+        </p:nvSpPr>
+        <p:spPr>
+          <a:xfrm rot="16200000">
+            <a:off x="-370032" y="3343501"/>
+            <a:ext cx="1170833" cy="369332"/>
+          </a:xfrm>
+          <a:prstGeom prst="rect">
+            <a:avLst/>
+          </a:prstGeom>
+          <a:noFill/>
+        </p:spPr>
+        <p:txBody>
+          <a:bodyPr wrap="none" rtlCol="0">
+            <a:spAutoFit/>
+          </a:bodyPr>
+          <a:lstStyle/>
+          <a:p>
+            <a:r>
+              <a:rPr lang="en-US" u="sng" dirty="0"/>
+              <a:t>Term Rank</a:t>
+            </a:r>
+          </a:p>
+        </p:txBody>
+      </p:sp>
+      <p:sp>
+        <p:nvSpPr>
+          <p:cNvPr id="12" name="TextBox 11">
+            <a:extLst>
+              <a:ext uri="{FF2B5EF4-FFF2-40B4-BE49-F238E27FC236}">
+                <a16:creationId xmlns:a16="http://schemas.microsoft.com/office/drawing/2014/main" id="{BE2300B3-1357-4B03-A779-79D15FB87EE3}"/>
+              </a:ext>
+            </a:extLst>
+          </p:cNvPr>
+          <p:cNvSpPr txBox="1"/>
+          <p:nvPr/>
+        </p:nvSpPr>
+        <p:spPr>
+          <a:xfrm>
+            <a:off x="119179" y="6114626"/>
+            <a:ext cx="2909771" cy="253916"/>
+          </a:xfrm>
+          <a:prstGeom prst="rect">
+            <a:avLst/>
+          </a:prstGeom>
+          <a:noFill/>
+        </p:spPr>
+        <p:txBody>
+          <a:bodyPr wrap="none" rtlCol="0">
+            <a:spAutoFit/>
+          </a:bodyPr>
+          <a:lstStyle/>
+          <a:p>
+            <a:r>
+              <a:rPr lang="en-US" sz="1050" dirty="0">
+                <a:hlinkClick r:id="rId2"/>
+              </a:rPr>
+              <a:t>https://www.worlddata.info/average-income.php</a:t>
+            </a:r>
+            <a:endParaRPr lang="en-US" sz="1050" dirty="0"/>
+          </a:p>
+        </p:txBody>
+      </p:sp>
+      <p:graphicFrame>
+        <p:nvGraphicFramePr>
+          <p:cNvPr id="13" name="Chart 12">
+            <a:extLst>
+              <a:ext uri="{FF2B5EF4-FFF2-40B4-BE49-F238E27FC236}">
+                <a16:creationId xmlns:a16="http://schemas.microsoft.com/office/drawing/2014/main" id="{8652AAF0-C231-4BF5-ACB1-A81F25076C75}"/>
+              </a:ext>
+            </a:extLst>
+          </p:cNvPr>
+          <p:cNvGraphicFramePr>
+            <a:graphicFrameLocks/>
+          </p:cNvGraphicFramePr>
+          <p:nvPr>
+            <p:extLst>
+              <p:ext uri="{D42A27DB-BD31-4B8C-83A1-F6EECF244321}">
+                <p14:modId xmlns:p14="http://schemas.microsoft.com/office/powerpoint/2010/main" val="1363951777"/>
+              </p:ext>
+            </p:extLst>
+          </p:nvPr>
+        </p:nvGraphicFramePr>
+        <p:xfrm>
+          <a:off x="4385186" y="1968886"/>
+          <a:ext cx="4578893" cy="3118562"/>
+        </p:xfrm>
+        <a:graphic>
+          <a:graphicData uri="http://schemas.openxmlformats.org/drawingml/2006/chart">
+            <c:chart xmlns:c="http://schemas.openxmlformats.org/drawingml/2006/chart" xmlns:r="http://schemas.openxmlformats.org/officeDocument/2006/relationships" r:id="rId3"/>
+          </a:graphicData>
+        </a:graphic>
+      </p:graphicFrame>
+      <p:cxnSp>
+        <p:nvCxnSpPr>
+          <p:cNvPr id="14" name="Straight Connector 13">
+            <a:extLst>
+              <a:ext uri="{FF2B5EF4-FFF2-40B4-BE49-F238E27FC236}">
+                <a16:creationId xmlns:a16="http://schemas.microsoft.com/office/drawing/2014/main" id="{E2492C65-9AAA-3044-A8A2-FB800E5D9F81}"/>
+              </a:ext>
+            </a:extLst>
+          </p:cNvPr>
+          <p:cNvCxnSpPr/>
+          <p:nvPr/>
+        </p:nvCxnSpPr>
+        <p:spPr>
+          <a:xfrm>
+            <a:off x="6798363" y="6549885"/>
+            <a:ext cx="0" cy="182880"/>
+          </a:xfrm>
+          <a:prstGeom prst="line">
+            <a:avLst/>
+          </a:prstGeom>
+          <a:ln>
+            <a:solidFill>
+              <a:schemeClr val="bg1">
+                <a:lumMod val="85000"/>
+              </a:schemeClr>
+            </a:solidFill>
+          </a:ln>
+        </p:spPr>
+        <p:style>
+          <a:lnRef idx="1">
+            <a:schemeClr val="accent1"/>
+          </a:lnRef>
+          <a:fillRef idx="0">
+            <a:schemeClr val="accent1"/>
+          </a:fillRef>
+          <a:effectRef idx="0">
+            <a:schemeClr val="accent1"/>
+          </a:effectRef>
+          <a:fontRef idx="minor">
+            <a:schemeClr val="tx1"/>
+          </a:fontRef>
+        </p:style>
+      </p:cxnSp>
+      <p:cxnSp>
+        <p:nvCxnSpPr>
+          <p:cNvPr id="15" name="Straight Connector 14">
+            <a:extLst>
+              <a:ext uri="{FF2B5EF4-FFF2-40B4-BE49-F238E27FC236}">
+                <a16:creationId xmlns:a16="http://schemas.microsoft.com/office/drawing/2014/main" id="{A0FC444F-31DF-2F42-9D53-1532A366437F}"/>
+              </a:ext>
+            </a:extLst>
+          </p:cNvPr>
+          <p:cNvCxnSpPr/>
+          <p:nvPr/>
+        </p:nvCxnSpPr>
+        <p:spPr>
+          <a:xfrm>
+            <a:off x="7076661" y="4664763"/>
+            <a:ext cx="182880" cy="0"/>
+          </a:xfrm>
+          <a:prstGeom prst="line">
+            <a:avLst/>
+          </a:prstGeom>
+          <a:ln>
+            <a:solidFill>
+              <a:schemeClr val="bg1">
+                <a:lumMod val="85000"/>
+              </a:schemeClr>
+            </a:solidFill>
+          </a:ln>
+        </p:spPr>
+        <p:style>
+          <a:lnRef idx="1">
+            <a:schemeClr val="accent1"/>
+          </a:lnRef>
+          <a:fillRef idx="0">
+            <a:schemeClr val="accent1"/>
+          </a:fillRef>
+          <a:effectRef idx="0">
+            <a:schemeClr val="accent1"/>
+          </a:effectRef>
+          <a:fontRef idx="minor">
+            <a:schemeClr val="tx1"/>
+          </a:fontRef>
+        </p:style>
+      </p:cxnSp>
+    </p:spTree>
+    <p:extLst>
+      <p:ext uri="{BB962C8B-B14F-4D97-AF65-F5344CB8AC3E}">
+        <p14:creationId xmlns:p14="http://schemas.microsoft.com/office/powerpoint/2010/main" val="3971192638"/>
+      </p:ext>
+    </p:extLst>
+  </p:cSld>
+  <p:clrMapOvr>
+    <a:masterClrMapping/>
+  </p:clrMapOvr>
+</p:sld>
+</file>
+
+<file path=ppt/slides/slide13.xml><?xml version="1.0" encoding="utf-8"?>
+<p:sld xmlns:a="http://schemas.openxmlformats.org/drawingml/2006/main" xmlns:r="http://schemas.openxmlformats.org/officeDocument/2006/relationships" xmlns:p="http://schemas.openxmlformats.org/presentationml/2006/main">
+  <p:cSld>
+    <p:spTree>
+      <p:nvGrpSpPr>
+        <p:cNvPr id="1" name=""/>
+        <p:cNvGrpSpPr/>
+        <p:nvPr/>
+      </p:nvGrpSpPr>
+      <p:grpSpPr>
+        <a:xfrm>
+          <a:off x="0" y="0"/>
+          <a:ext cx="0" cy="0"/>
+          <a:chOff x="0" y="0"/>
+          <a:chExt cx="0" cy="0"/>
+        </a:xfrm>
+      </p:grpSpPr>
+      <p:sp>
+        <p:nvSpPr>
+          <p:cNvPr id="3" name="Title 2">
+            <a:extLst>
+              <a:ext uri="{FF2B5EF4-FFF2-40B4-BE49-F238E27FC236}">
+                <a16:creationId xmlns:a16="http://schemas.microsoft.com/office/drawing/2014/main" id="{2F061A48-CB41-4DDC-B8B9-5FFA68FF2634}"/>
+              </a:ext>
+            </a:extLst>
+          </p:cNvPr>
+          <p:cNvSpPr txBox="1">
+            <a:spLocks/>
+          </p:cNvSpPr>
+          <p:nvPr/>
+        </p:nvSpPr>
+        <p:spPr>
+          <a:xfrm>
+            <a:off x="191729" y="136524"/>
+            <a:ext cx="8760542" cy="591477"/>
+          </a:xfrm>
+          <a:prstGeom prst="rect">
+            <a:avLst/>
+          </a:prstGeom>
+        </p:spPr>
+        <p:txBody>
+          <a:bodyPr/>
+          <a:lstStyle>
+            <a:lvl1pPr algn="l" defTabSz="685800" rtl="0" eaLnBrk="1" latinLnBrk="0" hangingPunct="1">
+              <a:lnSpc>
+                <a:spcPct val="90000"/>
+              </a:lnSpc>
+              <a:spcBef>
+                <a:spcPct val="0"/>
+              </a:spcBef>
+              <a:buNone/>
+              <a:defRPr sz="3300" kern="1200">
+                <a:solidFill>
+                  <a:schemeClr val="tx1"/>
+                </a:solidFill>
+                <a:latin typeface="+mj-lt"/>
+                <a:ea typeface="+mj-ea"/>
+                <a:cs typeface="+mj-cs"/>
+              </a:defRPr>
+            </a:lvl1pPr>
+          </a:lstStyle>
+          <a:p>
+            <a:r>
+              <a:rPr lang="en-US" sz="2800" dirty="0"/>
+              <a:t>Open </a:t>
+            </a:r>
+            <a:r>
+              <a:rPr lang="en-US" sz="2800" dirty="0" err="1"/>
+              <a:t>B_Frequency_Associations.R</a:t>
+            </a:r>
+            <a:r>
+              <a:rPr lang="en-US" sz="2800" dirty="0"/>
+              <a:t> </a:t>
+            </a:r>
+          </a:p>
+          <a:p>
+            <a:r>
+              <a:rPr lang="en-US" sz="2800" dirty="0"/>
+              <a:t>Visualizing the WFM</a:t>
+            </a:r>
+          </a:p>
+        </p:txBody>
+      </p:sp>
+      <p:sp>
+        <p:nvSpPr>
+          <p:cNvPr id="6" name="Date Placeholder 1">
+            <a:extLst>
+              <a:ext uri="{FF2B5EF4-FFF2-40B4-BE49-F238E27FC236}">
+                <a16:creationId xmlns:a16="http://schemas.microsoft.com/office/drawing/2014/main" id="{A5024E83-7248-49C6-83CE-0C52F416FEF7}"/>
+              </a:ext>
+            </a:extLst>
+          </p:cNvPr>
+          <p:cNvSpPr>
+            <a:spLocks noGrp="1"/>
+          </p:cNvSpPr>
+          <p:nvPr>
+            <p:ph type="dt" sz="half" idx="10"/>
+          </p:nvPr>
+        </p:nvSpPr>
+        <p:spPr/>
+        <p:txBody>
+          <a:bodyPr/>
+          <a:lstStyle/>
+          <a:p>
+            <a:fld id="{6700A58B-DD98-43D0-B791-721480A02982}" type="datetime1">
+              <a:rPr lang="en-US" smtClean="0"/>
+              <a:t>1/10/21</a:t>
+            </a:fld>
+            <a:endParaRPr lang="en-US"/>
+          </a:p>
+        </p:txBody>
+      </p:sp>
+      <p:sp>
+        <p:nvSpPr>
+          <p:cNvPr id="8" name="Footer Placeholder 5">
+            <a:extLst>
+              <a:ext uri="{FF2B5EF4-FFF2-40B4-BE49-F238E27FC236}">
+                <a16:creationId xmlns:a16="http://schemas.microsoft.com/office/drawing/2014/main" id="{93E54B3B-632C-44FD-A3F2-BCFDAA237369}"/>
+              </a:ext>
+            </a:extLst>
+          </p:cNvPr>
+          <p:cNvSpPr>
+            <a:spLocks noGrp="1"/>
+          </p:cNvSpPr>
+          <p:nvPr>
+            <p:ph type="ftr" sz="quarter" idx="3"/>
+          </p:nvPr>
+        </p:nvSpPr>
+        <p:spPr/>
+        <p:txBody>
+          <a:bodyPr/>
+          <a:lstStyle/>
+          <a:p>
+            <a:r>
+              <a:rPr lang="en-US" dirty="0"/>
+              <a:t>Kwartler</a:t>
+            </a:r>
+          </a:p>
+        </p:txBody>
+      </p:sp>
+      <p:sp>
+        <p:nvSpPr>
+          <p:cNvPr id="7" name="Slide Number Placeholder 3">
+            <a:extLst>
+              <a:ext uri="{FF2B5EF4-FFF2-40B4-BE49-F238E27FC236}">
+                <a16:creationId xmlns:a16="http://schemas.microsoft.com/office/drawing/2014/main" id="{269E8134-5ACB-40D1-8C0C-86324C8FEF4A}"/>
+              </a:ext>
+            </a:extLst>
+          </p:cNvPr>
+          <p:cNvSpPr>
+            <a:spLocks noGrp="1"/>
+          </p:cNvSpPr>
+          <p:nvPr>
+            <p:ph type="sldNum" sz="quarter" idx="4"/>
+          </p:nvPr>
+        </p:nvSpPr>
+        <p:spPr/>
+        <p:txBody>
+          <a:bodyPr/>
+          <a:lstStyle/>
+          <a:p>
+            <a:fld id="{37290FF7-652B-4475-AEAB-8B1A5D23AE09}" type="slidenum">
+              <a:rPr lang="en-US" smtClean="0"/>
+              <a:t>13</a:t>
+            </a:fld>
+            <a:endParaRPr lang="en-US"/>
+          </a:p>
+        </p:txBody>
+      </p:sp>
+      <p:pic>
+        <p:nvPicPr>
+          <p:cNvPr id="2" name="Picture 1">
+            <a:extLst>
+              <a:ext uri="{FF2B5EF4-FFF2-40B4-BE49-F238E27FC236}">
+                <a16:creationId xmlns:a16="http://schemas.microsoft.com/office/drawing/2014/main" id="{FB9ABC04-8095-4A7B-86D4-FCBAC5A448EA}"/>
+              </a:ext>
+            </a:extLst>
+          </p:cNvPr>
+          <p:cNvPicPr>
+            <a:picLocks noChangeAspect="1"/>
+          </p:cNvPicPr>
+          <p:nvPr/>
+        </p:nvPicPr>
+        <p:blipFill>
+          <a:blip r:embed="rId2"/>
+          <a:stretch>
+            <a:fillRect/>
+          </a:stretch>
+        </p:blipFill>
+        <p:spPr>
+          <a:xfrm>
+            <a:off x="0" y="1186832"/>
+            <a:ext cx="9144000" cy="4484336"/>
+          </a:xfrm>
+          <a:prstGeom prst="rect">
+            <a:avLst/>
+          </a:prstGeom>
+        </p:spPr>
+      </p:pic>
+      <p:sp>
+        <p:nvSpPr>
+          <p:cNvPr id="10" name="Rectangle 9">
+            <a:extLst>
+              <a:ext uri="{FF2B5EF4-FFF2-40B4-BE49-F238E27FC236}">
+                <a16:creationId xmlns:a16="http://schemas.microsoft.com/office/drawing/2014/main" id="{19F375A7-365D-4D80-BBA7-9EF1E12B6151}"/>
+              </a:ext>
+            </a:extLst>
+          </p:cNvPr>
+          <p:cNvSpPr/>
+          <p:nvPr/>
+        </p:nvSpPr>
+        <p:spPr>
+          <a:xfrm>
+            <a:off x="179913" y="5759656"/>
+            <a:ext cx="8784167" cy="269471"/>
+          </a:xfrm>
+          <a:prstGeom prst="rect">
+            <a:avLst/>
+          </a:prstGeom>
+          <a:solidFill>
+            <a:schemeClr val="accent6">
+              <a:lumMod val="60000"/>
+              <a:lumOff val="40000"/>
+            </a:schemeClr>
+          </a:solidFill>
+          <a:ln>
+            <a:noFill/>
+          </a:ln>
+        </p:spPr>
+        <p:style>
+          <a:lnRef idx="2">
+            <a:schemeClr val="accent1">
+              <a:shade val="50000"/>
+            </a:schemeClr>
+          </a:lnRef>
+          <a:fillRef idx="1">
+            <a:schemeClr val="accent1"/>
+          </a:fillRef>
+          <a:effectRef idx="0">
+            <a:schemeClr val="accent1"/>
+          </a:effectRef>
+          <a:fontRef idx="minor">
+            <a:schemeClr val="lt1"/>
+          </a:fontRef>
+        </p:style>
+        <p:txBody>
+          <a:bodyPr rtlCol="0" anchor="ctr"/>
+          <a:lstStyle/>
+          <a:p>
+            <a:pPr algn="ctr"/>
+            <a:r>
+              <a:rPr lang="en-US" dirty="0" err="1"/>
+              <a:t>Brewdog</a:t>
+            </a:r>
+            <a:r>
+              <a:rPr lang="en-US" dirty="0"/>
+              <a:t>?!  Let’s investigate</a:t>
+            </a:r>
+          </a:p>
+        </p:txBody>
+      </p:sp>
+      <p:sp>
+        <p:nvSpPr>
+          <p:cNvPr id="5" name="Arrow: Right 4">
+            <a:extLst>
+              <a:ext uri="{FF2B5EF4-FFF2-40B4-BE49-F238E27FC236}">
+                <a16:creationId xmlns:a16="http://schemas.microsoft.com/office/drawing/2014/main" id="{C541EB3F-668A-42CC-B792-CE11CB57A701}"/>
+              </a:ext>
+            </a:extLst>
+          </p:cNvPr>
+          <p:cNvSpPr/>
+          <p:nvPr/>
+        </p:nvSpPr>
+        <p:spPr>
+          <a:xfrm>
+            <a:off x="98322" y="4788308"/>
+            <a:ext cx="353962" cy="127821"/>
+          </a:xfrm>
+          <a:prstGeom prst="rightArrow">
+            <a:avLst/>
+          </a:prstGeom>
+        </p:spPr>
+        <p:style>
+          <a:lnRef idx="2">
+            <a:schemeClr val="accent1">
+              <a:shade val="50000"/>
+            </a:schemeClr>
+          </a:lnRef>
+          <a:fillRef idx="1">
+            <a:schemeClr val="accent1"/>
+          </a:fillRef>
+          <a:effectRef idx="0">
+            <a:schemeClr val="accent1"/>
+          </a:effectRef>
+          <a:fontRef idx="minor">
+            <a:schemeClr val="lt1"/>
+          </a:fontRef>
+        </p:style>
+        <p:txBody>
+          <a:bodyPr rtlCol="0" anchor="ctr"/>
+          <a:lstStyle/>
+          <a:p>
+            <a:pPr algn="ctr"/>
+            <a:endParaRPr lang="en-US"/>
+          </a:p>
+        </p:txBody>
+      </p:sp>
+      <p:pic>
+        <p:nvPicPr>
+          <p:cNvPr id="9218" name="Picture 2" descr="Image result for beer dog">
+            <a:extLst>
+              <a:ext uri="{FF2B5EF4-FFF2-40B4-BE49-F238E27FC236}">
+                <a16:creationId xmlns:a16="http://schemas.microsoft.com/office/drawing/2014/main" id="{6775A2DB-0BFB-448A-9254-DB26E78766E5}"/>
+              </a:ext>
+            </a:extLst>
+          </p:cNvPr>
+          <p:cNvPicPr>
+            <a:picLocks noChangeAspect="1" noChangeArrowheads="1"/>
+          </p:cNvPicPr>
+          <p:nvPr/>
+        </p:nvPicPr>
+        <p:blipFill>
+          <a:blip r:embed="rId3" cstate="print">
+            <a:extLst>
+              <a:ext uri="{28A0092B-C50C-407E-A947-70E740481C1C}">
+                <a14:useLocalDpi xmlns:a14="http://schemas.microsoft.com/office/drawing/2010/main" val="0"/>
+              </a:ext>
+            </a:extLst>
+          </a:blip>
+          <a:srcRect/>
+          <a:stretch>
+            <a:fillRect/>
+          </a:stretch>
+        </p:blipFill>
+        <p:spPr bwMode="auto">
+          <a:xfrm>
+            <a:off x="6886575" y="2356874"/>
+            <a:ext cx="1608189" cy="2144252"/>
+          </a:xfrm>
+          <a:prstGeom prst="rect">
+            <a:avLst/>
+          </a:prstGeom>
+          <a:noFill/>
+          <a:extLst>
+            <a:ext uri="{909E8E84-426E-40DD-AFC4-6F175D3DCCD1}">
+              <a14:hiddenFill xmlns:a14="http://schemas.microsoft.com/office/drawing/2010/main">
+                <a:solidFill>
+                  <a:srgbClr val="FFFFFF"/>
+                </a:solidFill>
+              </a14:hiddenFill>
+            </a:ext>
+          </a:extLst>
+        </p:spPr>
+      </p:pic>
+      <p:cxnSp>
+        <p:nvCxnSpPr>
+          <p:cNvPr id="11" name="Straight Connector 10">
+            <a:extLst>
+              <a:ext uri="{FF2B5EF4-FFF2-40B4-BE49-F238E27FC236}">
+                <a16:creationId xmlns:a16="http://schemas.microsoft.com/office/drawing/2014/main" id="{8D6C2681-2203-C24D-A40D-352CCAA23DEE}"/>
+              </a:ext>
+            </a:extLst>
+          </p:cNvPr>
+          <p:cNvCxnSpPr/>
+          <p:nvPr/>
+        </p:nvCxnSpPr>
+        <p:spPr>
+          <a:xfrm>
+            <a:off x="6798363" y="6549885"/>
+            <a:ext cx="0" cy="182880"/>
+          </a:xfrm>
+          <a:prstGeom prst="line">
+            <a:avLst/>
+          </a:prstGeom>
+          <a:ln>
+            <a:solidFill>
+              <a:schemeClr val="bg1">
+                <a:lumMod val="85000"/>
+              </a:schemeClr>
+            </a:solidFill>
+          </a:ln>
+        </p:spPr>
+        <p:style>
+          <a:lnRef idx="1">
+            <a:schemeClr val="accent1"/>
+          </a:lnRef>
+          <a:fillRef idx="0">
+            <a:schemeClr val="accent1"/>
+          </a:fillRef>
+          <a:effectRef idx="0">
+            <a:schemeClr val="accent1"/>
+          </a:effectRef>
+          <a:fontRef idx="minor">
+            <a:schemeClr val="tx1"/>
+          </a:fontRef>
+        </p:style>
+      </p:cxnSp>
+      <p:cxnSp>
+        <p:nvCxnSpPr>
+          <p:cNvPr id="12" name="Straight Connector 11">
+            <a:extLst>
+              <a:ext uri="{FF2B5EF4-FFF2-40B4-BE49-F238E27FC236}">
+                <a16:creationId xmlns:a16="http://schemas.microsoft.com/office/drawing/2014/main" id="{76C7D451-755A-8745-B3AE-6C5CD3762CE9}"/>
+              </a:ext>
+            </a:extLst>
+          </p:cNvPr>
+          <p:cNvCxnSpPr/>
+          <p:nvPr/>
+        </p:nvCxnSpPr>
+        <p:spPr>
+          <a:xfrm>
+            <a:off x="7076661" y="4664763"/>
+            <a:ext cx="182880" cy="0"/>
+          </a:xfrm>
+          <a:prstGeom prst="line">
+            <a:avLst/>
+          </a:prstGeom>
+          <a:ln>
+            <a:solidFill>
+              <a:schemeClr val="bg1">
+                <a:lumMod val="85000"/>
+              </a:schemeClr>
+            </a:solidFill>
+          </a:ln>
+        </p:spPr>
+        <p:style>
+          <a:lnRef idx="1">
+            <a:schemeClr val="accent1"/>
+          </a:lnRef>
+          <a:fillRef idx="0">
+            <a:schemeClr val="accent1"/>
+          </a:fillRef>
+          <a:effectRef idx="0">
+            <a:schemeClr val="accent1"/>
+          </a:effectRef>
+          <a:fontRef idx="minor">
+            <a:schemeClr val="tx1"/>
+          </a:fontRef>
+        </p:style>
+      </p:cxnSp>
+    </p:spTree>
+    <p:extLst>
+      <p:ext uri="{BB962C8B-B14F-4D97-AF65-F5344CB8AC3E}">
+        <p14:creationId xmlns:p14="http://schemas.microsoft.com/office/powerpoint/2010/main" val="1264587692"/>
+      </p:ext>
+    </p:extLst>
+  </p:cSld>
+  <p:clrMapOvr>
+    <a:masterClrMapping/>
+  </p:clrMapOvr>
+</p:sld>
+</file>
+
+<file path=ppt/slides/slide14.xml><?xml version="1.0" encoding="utf-8"?>
+<p:sld xmlns:a="http://schemas.openxmlformats.org/drawingml/2006/main" xmlns:r="http://schemas.openxmlformats.org/officeDocument/2006/relationships" xmlns:p="http://schemas.openxmlformats.org/presentationml/2006/main">
+  <p:cSld>
+    <p:spTree>
+      <p:nvGrpSpPr>
+        <p:cNvPr id="1" name=""/>
+        <p:cNvGrpSpPr/>
+        <p:nvPr/>
+      </p:nvGrpSpPr>
+      <p:grpSpPr>
+        <a:xfrm>
+          <a:off x="0" y="0"/>
+          <a:ext cx="0" cy="0"/>
+          <a:chOff x="0" y="0"/>
+          <a:chExt cx="0" cy="0"/>
+        </a:xfrm>
+      </p:grpSpPr>
+      <p:sp>
+        <p:nvSpPr>
           <p:cNvPr id="3" name="Title 2">
             <a:extLst>
               <a:ext uri="{FF2B5EF4-FFF2-40B4-BE49-F238E27FC236}">
@@ -10598,8 +12678,12 @@
           </a:lstStyle>
           <a:p>
             <a:r>
+              <a:rPr lang="en-US" dirty="0" err="1"/>
+              <a:t>BrewDog</a:t>
+            </a:r>
+            <a:r>
               <a:rPr lang="en-US" dirty="0"/>
-              <a:t>Getting a Word Frequency Matrix</a:t>
+              <a:t>!!  Word Association</a:t>
             </a:r>
           </a:p>
         </p:txBody>
@@ -10627,9 +12711,37 @@
           <a:p>
             <a:fld id="{6700A58B-DD98-43D0-B791-721480A02982}" type="datetime1">
               <a:rPr lang="en-US" smtClean="0"/>
-              <a:t>12/30/20</a:t>
+              <a:t>1/10/21</a:t>
             </a:fld>
             <a:endParaRPr lang="en-US"/>
+          </a:p>
+        </p:txBody>
+      </p:sp>
+      <p:sp>
+        <p:nvSpPr>
+          <p:cNvPr id="15" name="Footer Placeholder 5">
+            <a:extLst>
+              <a:ext uri="{FF2B5EF4-FFF2-40B4-BE49-F238E27FC236}">
+                <a16:creationId xmlns:a16="http://schemas.microsoft.com/office/drawing/2014/main" id="{FD3090C5-5CE1-4A44-97C8-EB04849527B4}"/>
+              </a:ext>
+            </a:extLst>
+          </p:cNvPr>
+          <p:cNvSpPr>
+            <a:spLocks noGrp="1"/>
+          </p:cNvSpPr>
+          <p:nvPr>
+            <p:ph type="ftr" sz="quarter" idx="3"/>
+          </p:nvPr>
+        </p:nvSpPr>
+        <p:spPr/>
+        <p:txBody>
+          <a:bodyPr/>
+          <a:lstStyle/>
+          <a:p>
+            <a:r>
+              <a:rPr lang="en-US" dirty="0"/>
+              <a:t>Kwartler</a:t>
+            </a:r>
           </a:p>
         </p:txBody>
       </p:sp>
@@ -10656,7 +12768,2503 @@
           <a:p>
             <a:fld id="{37290FF7-652B-4475-AEAB-8B1A5D23AE09}" type="slidenum">
               <a:rPr lang="en-US" smtClean="0"/>
-              <a:t>1</a:t>
+              <a:t>14</a:t>
+            </a:fld>
+            <a:endParaRPr lang="en-US"/>
+          </a:p>
+        </p:txBody>
+      </p:sp>
+      <p:sp>
+        <p:nvSpPr>
+          <p:cNvPr id="11" name="Rectangle 10">
+            <a:extLst>
+              <a:ext uri="{FF2B5EF4-FFF2-40B4-BE49-F238E27FC236}">
+                <a16:creationId xmlns:a16="http://schemas.microsoft.com/office/drawing/2014/main" id="{CA5C07CD-04D0-4BD9-BE39-864FC85CDE83}"/>
+              </a:ext>
+            </a:extLst>
+          </p:cNvPr>
+          <p:cNvSpPr/>
+          <p:nvPr/>
+        </p:nvSpPr>
+        <p:spPr>
+          <a:xfrm>
+            <a:off x="273153" y="4080516"/>
+            <a:ext cx="8611737" cy="523220"/>
+          </a:xfrm>
+          <a:prstGeom prst="rect">
+            <a:avLst/>
+          </a:prstGeom>
+          <a:solidFill>
+            <a:schemeClr val="accent1"/>
+          </a:solidFill>
+        </p:spPr>
+        <p:txBody>
+          <a:bodyPr wrap="square">
+            <a:spAutoFit/>
+          </a:bodyPr>
+          <a:lstStyle/>
+          <a:p>
+            <a:pPr defTabSz="457200"/>
+            <a:r>
+              <a:rPr lang="en-US" sz="1400" dirty="0">
+                <a:solidFill>
+                  <a:schemeClr val="bg1"/>
+                </a:solidFill>
+                <a:latin typeface="+mj-lt"/>
+                <a:ea typeface="Arial Unicode MS" panose="020B0604020202020204" pitchFamily="34" charset="-128"/>
+              </a:rPr>
+              <a:t>Word Association is like correlation.  Unlike correlation, terms can only be positively associated.  This is because there are so many terms that most everything would be negatively “correlated” ( actually associated).  </a:t>
+            </a:r>
+          </a:p>
+        </p:txBody>
+      </p:sp>
+      <p:grpSp>
+        <p:nvGrpSpPr>
+          <p:cNvPr id="2" name="Group 1">
+            <a:extLst>
+              <a:ext uri="{FF2B5EF4-FFF2-40B4-BE49-F238E27FC236}">
+                <a16:creationId xmlns:a16="http://schemas.microsoft.com/office/drawing/2014/main" id="{EB6AEF77-A24C-45ED-A28A-80640EF08A83}"/>
+              </a:ext>
+            </a:extLst>
+          </p:cNvPr>
+          <p:cNvGrpSpPr/>
+          <p:nvPr/>
+        </p:nvGrpSpPr>
+        <p:grpSpPr>
+          <a:xfrm>
+            <a:off x="259305" y="2499738"/>
+            <a:ext cx="8611738" cy="584775"/>
+            <a:chOff x="259307" y="1102102"/>
+            <a:chExt cx="8611738" cy="584775"/>
+          </a:xfrm>
+        </p:grpSpPr>
+        <p:sp>
+          <p:nvSpPr>
+            <p:cNvPr id="10" name="Rectangle 9">
+              <a:extLst>
+                <a:ext uri="{FF2B5EF4-FFF2-40B4-BE49-F238E27FC236}">
+                  <a16:creationId xmlns:a16="http://schemas.microsoft.com/office/drawing/2014/main" id="{36A3BFF8-5C6D-4FAD-980D-98BA8B6D4B46}"/>
+                </a:ext>
+              </a:extLst>
+            </p:cNvPr>
+            <p:cNvSpPr/>
+            <p:nvPr/>
+          </p:nvSpPr>
+          <p:spPr>
+            <a:xfrm>
+              <a:off x="259307" y="1102102"/>
+              <a:ext cx="8611738" cy="584775"/>
+            </a:xfrm>
+            <a:prstGeom prst="rect">
+              <a:avLst/>
+            </a:prstGeom>
+            <a:solidFill>
+              <a:schemeClr val="bg1">
+                <a:lumMod val="85000"/>
+              </a:schemeClr>
+            </a:solidFill>
+          </p:spPr>
+          <p:txBody>
+            <a:bodyPr wrap="square">
+              <a:spAutoFit/>
+            </a:bodyPr>
+            <a:lstStyle/>
+            <a:p>
+              <a:pPr defTabSz="457200"/>
+              <a:r>
+                <a:rPr lang="en-US" sz="1600" kern="1200" dirty="0">
+                  <a:solidFill>
+                    <a:prstClr val="black"/>
+                  </a:solidFill>
+                  <a:latin typeface="Consolas" panose="020B0609020204030204" pitchFamily="49" charset="0"/>
+                  <a:ea typeface="Arial Unicode MS" panose="020B0604020202020204" pitchFamily="34" charset="-128"/>
+                  <a:cs typeface="Consolas" panose="020B0609020204030204" pitchFamily="49" charset="0"/>
+                </a:rPr>
+                <a:t># Inspect word associations</a:t>
+              </a:r>
+            </a:p>
+            <a:p>
+              <a:pPr defTabSz="457200"/>
+              <a:r>
+                <a:rPr lang="en-US" sz="1600" kern="1200" dirty="0">
+                  <a:solidFill>
+                    <a:prstClr val="black"/>
+                  </a:solidFill>
+                  <a:latin typeface="Consolas" panose="020B0609020204030204" pitchFamily="49" charset="0"/>
+                  <a:ea typeface="Arial Unicode MS" panose="020B0604020202020204" pitchFamily="34" charset="-128"/>
+                  <a:cs typeface="Consolas" panose="020B0609020204030204" pitchFamily="49" charset="0"/>
+                </a:rPr>
+                <a:t>associations&lt;-</a:t>
+              </a:r>
+              <a:r>
+                <a:rPr lang="en-US" sz="1600" kern="1200" dirty="0" err="1">
+                  <a:solidFill>
+                    <a:prstClr val="black"/>
+                  </a:solidFill>
+                  <a:latin typeface="Consolas" panose="020B0609020204030204" pitchFamily="49" charset="0"/>
+                  <a:ea typeface="Arial Unicode MS" panose="020B0604020202020204" pitchFamily="34" charset="-128"/>
+                  <a:cs typeface="Consolas" panose="020B0609020204030204" pitchFamily="49" charset="0"/>
+                </a:rPr>
+                <a:t>findAssocs</a:t>
+              </a:r>
+              <a:r>
+                <a:rPr lang="en-US" sz="1600" kern="1200" dirty="0">
+                  <a:solidFill>
+                    <a:prstClr val="black"/>
+                  </a:solidFill>
+                  <a:latin typeface="Consolas" panose="020B0609020204030204" pitchFamily="49" charset="0"/>
+                  <a:ea typeface="Arial Unicode MS" panose="020B0604020202020204" pitchFamily="34" charset="-128"/>
+                  <a:cs typeface="Consolas" panose="020B0609020204030204" pitchFamily="49" charset="0"/>
+                </a:rPr>
+                <a:t>(</a:t>
+              </a:r>
+              <a:r>
+                <a:rPr lang="en-US" sz="1600" kern="1200" dirty="0" err="1">
+                  <a:solidFill>
+                    <a:prstClr val="black"/>
+                  </a:solidFill>
+                  <a:latin typeface="Consolas" panose="020B0609020204030204" pitchFamily="49" charset="0"/>
+                  <a:ea typeface="Arial Unicode MS" panose="020B0604020202020204" pitchFamily="34" charset="-128"/>
+                  <a:cs typeface="Consolas" panose="020B0609020204030204" pitchFamily="49" charset="0"/>
+                </a:rPr>
+                <a:t>beerTDM</a:t>
+              </a:r>
+              <a:r>
+                <a:rPr lang="en-US" sz="1600" kern="1200" dirty="0">
+                  <a:solidFill>
+                    <a:prstClr val="black"/>
+                  </a:solidFill>
+                  <a:latin typeface="Consolas" panose="020B0609020204030204" pitchFamily="49" charset="0"/>
+                  <a:ea typeface="Arial Unicode MS" panose="020B0604020202020204" pitchFamily="34" charset="-128"/>
+                  <a:cs typeface="Consolas" panose="020B0609020204030204" pitchFamily="49" charset="0"/>
+                </a:rPr>
+                <a:t>, </a:t>
+              </a:r>
+              <a:r>
+                <a:rPr lang="en-US" sz="1600" dirty="0">
+                  <a:solidFill>
+                    <a:prstClr val="black"/>
+                  </a:solidFill>
+                  <a:latin typeface="Consolas" panose="020B0609020204030204" pitchFamily="49" charset="0"/>
+                  <a:ea typeface="Arial Unicode MS" panose="020B0604020202020204" pitchFamily="34" charset="-128"/>
+                  <a:cs typeface="Consolas" panose="020B0609020204030204" pitchFamily="49" charset="0"/>
+                </a:rPr>
+                <a:t>'</a:t>
+              </a:r>
+              <a:r>
+                <a:rPr lang="en-US" sz="1600" dirty="0" err="1">
+                  <a:solidFill>
+                    <a:prstClr val="black"/>
+                  </a:solidFill>
+                  <a:latin typeface="Consolas" panose="020B0609020204030204" pitchFamily="49" charset="0"/>
+                  <a:ea typeface="Arial Unicode MS" panose="020B0604020202020204" pitchFamily="34" charset="-128"/>
+                  <a:cs typeface="Consolas" panose="020B0609020204030204" pitchFamily="49" charset="0"/>
+                </a:rPr>
+                <a:t>brewdog</a:t>
+              </a:r>
+              <a:r>
+                <a:rPr lang="en-US" sz="1600" kern="1200" dirty="0">
+                  <a:solidFill>
+                    <a:prstClr val="black"/>
+                  </a:solidFill>
+                  <a:latin typeface="Consolas" panose="020B0609020204030204" pitchFamily="49" charset="0"/>
+                  <a:ea typeface="Arial Unicode MS" panose="020B0604020202020204" pitchFamily="34" charset="-128"/>
+                  <a:cs typeface="Consolas" panose="020B0609020204030204" pitchFamily="49" charset="0"/>
+                </a:rPr>
+                <a:t>', 0.30)</a:t>
+              </a:r>
+            </a:p>
+          </p:txBody>
+        </p:sp>
+        <p:sp>
+          <p:nvSpPr>
+            <p:cNvPr id="12" name="Oval 11">
+              <a:extLst>
+                <a:ext uri="{FF2B5EF4-FFF2-40B4-BE49-F238E27FC236}">
+                  <a16:creationId xmlns:a16="http://schemas.microsoft.com/office/drawing/2014/main" id="{C57E16E0-0E42-427E-A641-3FD778FEFA8D}"/>
+                </a:ext>
+              </a:extLst>
+            </p:cNvPr>
+            <p:cNvSpPr/>
+            <p:nvPr/>
+          </p:nvSpPr>
+          <p:spPr>
+            <a:xfrm>
+              <a:off x="4105701" y="1317234"/>
+              <a:ext cx="973540" cy="369058"/>
+            </a:xfrm>
+            <a:prstGeom prst="ellipse">
+              <a:avLst/>
+            </a:prstGeom>
+            <a:noFill/>
+            <a:ln w="28575">
+              <a:solidFill>
+                <a:schemeClr val="accent1"/>
+              </a:solidFill>
+            </a:ln>
+          </p:spPr>
+          <p:style>
+            <a:lnRef idx="2">
+              <a:schemeClr val="accent1">
+                <a:shade val="50000"/>
+              </a:schemeClr>
+            </a:lnRef>
+            <a:fillRef idx="1">
+              <a:schemeClr val="accent1"/>
+            </a:fillRef>
+            <a:effectRef idx="0">
+              <a:schemeClr val="accent1"/>
+            </a:effectRef>
+            <a:fontRef idx="minor">
+              <a:schemeClr val="lt1"/>
+            </a:fontRef>
+          </p:style>
+          <p:txBody>
+            <a:bodyPr rtlCol="0" anchor="ctr"/>
+            <a:lstStyle/>
+            <a:p>
+              <a:pPr algn="ctr"/>
+              <a:endParaRPr lang="en-US"/>
+            </a:p>
+          </p:txBody>
+        </p:sp>
+      </p:grpSp>
+      <p:sp>
+        <p:nvSpPr>
+          <p:cNvPr id="13" name="TextBox 12">
+            <a:extLst>
+              <a:ext uri="{FF2B5EF4-FFF2-40B4-BE49-F238E27FC236}">
+                <a16:creationId xmlns:a16="http://schemas.microsoft.com/office/drawing/2014/main" id="{D7A7185D-FC3A-4F10-8DE7-174F92904FA2}"/>
+              </a:ext>
+            </a:extLst>
+          </p:cNvPr>
+          <p:cNvSpPr txBox="1"/>
+          <p:nvPr/>
+        </p:nvSpPr>
+        <p:spPr>
+          <a:xfrm>
+            <a:off x="259306" y="1319240"/>
+            <a:ext cx="8611737" cy="584775"/>
+          </a:xfrm>
+          <a:prstGeom prst="rect">
+            <a:avLst/>
+          </a:prstGeom>
+          <a:solidFill>
+            <a:schemeClr val="accent3"/>
+          </a:solidFill>
+        </p:spPr>
+        <p:txBody>
+          <a:bodyPr wrap="square" rtlCol="0">
+            <a:spAutoFit/>
+          </a:bodyPr>
+          <a:lstStyle/>
+          <a:p>
+            <a:pPr defTabSz="457200"/>
+            <a:r>
+              <a:rPr lang="en-US" sz="1600" kern="1200" dirty="0">
+                <a:solidFill>
+                  <a:prstClr val="white"/>
+                </a:solidFill>
+                <a:latin typeface="+mj-lt"/>
+                <a:ea typeface="Arial Unicode MS" panose="020B0604020202020204" pitchFamily="34" charset="-128"/>
+                <a:cs typeface="Arial Unicode MS" panose="020B0604020202020204" pitchFamily="34" charset="-128"/>
+              </a:rPr>
+              <a:t>Tuning Parameter: Adjust 0.30  to get the terms that are associated .30 or more with the unexpected term term</a:t>
+            </a:r>
+            <a:r>
+              <a:rPr lang="en-US" sz="1600" dirty="0">
+                <a:solidFill>
+                  <a:prstClr val="white"/>
+                </a:solidFill>
+                <a:latin typeface="+mj-lt"/>
+                <a:ea typeface="Arial Unicode MS" panose="020B0604020202020204" pitchFamily="34" charset="-128"/>
+                <a:cs typeface="Arial Unicode MS" panose="020B0604020202020204" pitchFamily="34" charset="-128"/>
+              </a:rPr>
+              <a:t>s.</a:t>
+            </a:r>
+            <a:endParaRPr lang="en-US" sz="1600" kern="1200" dirty="0">
+              <a:solidFill>
+                <a:prstClr val="white"/>
+              </a:solidFill>
+              <a:latin typeface="+mj-lt"/>
+              <a:ea typeface="Arial Unicode MS" panose="020B0604020202020204" pitchFamily="34" charset="-128"/>
+              <a:cs typeface="Arial Unicode MS" panose="020B0604020202020204" pitchFamily="34" charset="-128"/>
+            </a:endParaRPr>
+          </a:p>
+        </p:txBody>
+      </p:sp>
+      <p:sp>
+        <p:nvSpPr>
+          <p:cNvPr id="4" name="TextBox 3">
+            <a:extLst>
+              <a:ext uri="{FF2B5EF4-FFF2-40B4-BE49-F238E27FC236}">
+                <a16:creationId xmlns:a16="http://schemas.microsoft.com/office/drawing/2014/main" id="{DFD4763B-7D08-4C14-A8ED-25C6AD97BD71}"/>
+              </a:ext>
+            </a:extLst>
+          </p:cNvPr>
+          <p:cNvSpPr txBox="1"/>
+          <p:nvPr/>
+        </p:nvSpPr>
+        <p:spPr>
+          <a:xfrm>
+            <a:off x="0" y="3034780"/>
+            <a:ext cx="8983228" cy="369332"/>
+          </a:xfrm>
+          <a:prstGeom prst="rect">
+            <a:avLst/>
+          </a:prstGeom>
+          <a:noFill/>
+        </p:spPr>
+        <p:txBody>
+          <a:bodyPr wrap="none" rtlCol="0">
+            <a:spAutoFit/>
+          </a:bodyPr>
+          <a:lstStyle/>
+          <a:p>
+            <a:r>
+              <a:rPr lang="en-US" i="1" dirty="0"/>
+              <a:t>Any word that appears at least 30% of the time with “</a:t>
+            </a:r>
+            <a:r>
+              <a:rPr lang="en-US" i="1" dirty="0" err="1"/>
+              <a:t>brewdog</a:t>
+            </a:r>
+            <a:r>
+              <a:rPr lang="en-US" i="1" dirty="0"/>
+              <a:t>” in  document will be returned.</a:t>
+            </a:r>
+          </a:p>
+        </p:txBody>
+      </p:sp>
+      <p:cxnSp>
+        <p:nvCxnSpPr>
+          <p:cNvPr id="14" name="Straight Connector 13">
+            <a:extLst>
+              <a:ext uri="{FF2B5EF4-FFF2-40B4-BE49-F238E27FC236}">
+                <a16:creationId xmlns:a16="http://schemas.microsoft.com/office/drawing/2014/main" id="{2C3D6179-EE5A-904E-9A8E-9DC0233554DF}"/>
+              </a:ext>
+            </a:extLst>
+          </p:cNvPr>
+          <p:cNvCxnSpPr/>
+          <p:nvPr/>
+        </p:nvCxnSpPr>
+        <p:spPr>
+          <a:xfrm>
+            <a:off x="6798363" y="6549885"/>
+            <a:ext cx="0" cy="182880"/>
+          </a:xfrm>
+          <a:prstGeom prst="line">
+            <a:avLst/>
+          </a:prstGeom>
+          <a:ln>
+            <a:solidFill>
+              <a:schemeClr val="bg1">
+                <a:lumMod val="85000"/>
+              </a:schemeClr>
+            </a:solidFill>
+          </a:ln>
+        </p:spPr>
+        <p:style>
+          <a:lnRef idx="1">
+            <a:schemeClr val="accent1"/>
+          </a:lnRef>
+          <a:fillRef idx="0">
+            <a:schemeClr val="accent1"/>
+          </a:fillRef>
+          <a:effectRef idx="0">
+            <a:schemeClr val="accent1"/>
+          </a:effectRef>
+          <a:fontRef idx="minor">
+            <a:schemeClr val="tx1"/>
+          </a:fontRef>
+        </p:style>
+      </p:cxnSp>
+      <p:cxnSp>
+        <p:nvCxnSpPr>
+          <p:cNvPr id="16" name="Straight Connector 15">
+            <a:extLst>
+              <a:ext uri="{FF2B5EF4-FFF2-40B4-BE49-F238E27FC236}">
+                <a16:creationId xmlns:a16="http://schemas.microsoft.com/office/drawing/2014/main" id="{FE3AF31B-E833-E346-B8A6-340095944E5E}"/>
+              </a:ext>
+            </a:extLst>
+          </p:cNvPr>
+          <p:cNvCxnSpPr/>
+          <p:nvPr/>
+        </p:nvCxnSpPr>
+        <p:spPr>
+          <a:xfrm>
+            <a:off x="7076661" y="4664763"/>
+            <a:ext cx="182880" cy="0"/>
+          </a:xfrm>
+          <a:prstGeom prst="line">
+            <a:avLst/>
+          </a:prstGeom>
+          <a:ln>
+            <a:solidFill>
+              <a:schemeClr val="bg1">
+                <a:lumMod val="85000"/>
+              </a:schemeClr>
+            </a:solidFill>
+          </a:ln>
+        </p:spPr>
+        <p:style>
+          <a:lnRef idx="1">
+            <a:schemeClr val="accent1"/>
+          </a:lnRef>
+          <a:fillRef idx="0">
+            <a:schemeClr val="accent1"/>
+          </a:fillRef>
+          <a:effectRef idx="0">
+            <a:schemeClr val="accent1"/>
+          </a:effectRef>
+          <a:fontRef idx="minor">
+            <a:schemeClr val="tx1"/>
+          </a:fontRef>
+        </p:style>
+      </p:cxnSp>
+    </p:spTree>
+    <p:extLst>
+      <p:ext uri="{BB962C8B-B14F-4D97-AF65-F5344CB8AC3E}">
+        <p14:creationId xmlns:p14="http://schemas.microsoft.com/office/powerpoint/2010/main" val="4123884879"/>
+      </p:ext>
+    </p:extLst>
+  </p:cSld>
+  <p:clrMapOvr>
+    <a:masterClrMapping/>
+  </p:clrMapOvr>
+</p:sld>
+</file>
+
+<file path=ppt/slides/slide15.xml><?xml version="1.0" encoding="utf-8"?>
+<p:sld xmlns:a="http://schemas.openxmlformats.org/drawingml/2006/main" xmlns:r="http://schemas.openxmlformats.org/officeDocument/2006/relationships" xmlns:p="http://schemas.openxmlformats.org/presentationml/2006/main">
+  <p:cSld>
+    <p:spTree>
+      <p:nvGrpSpPr>
+        <p:cNvPr id="1" name=""/>
+        <p:cNvGrpSpPr/>
+        <p:nvPr/>
+      </p:nvGrpSpPr>
+      <p:grpSpPr>
+        <a:xfrm>
+          <a:off x="0" y="0"/>
+          <a:ext cx="0" cy="0"/>
+          <a:chOff x="0" y="0"/>
+          <a:chExt cx="0" cy="0"/>
+        </a:xfrm>
+      </p:grpSpPr>
+      <p:sp>
+        <p:nvSpPr>
+          <p:cNvPr id="3" name="Title 2">
+            <a:extLst>
+              <a:ext uri="{FF2B5EF4-FFF2-40B4-BE49-F238E27FC236}">
+                <a16:creationId xmlns:a16="http://schemas.microsoft.com/office/drawing/2014/main" id="{2F061A48-CB41-4DDC-B8B9-5FFA68FF2634}"/>
+              </a:ext>
+            </a:extLst>
+          </p:cNvPr>
+          <p:cNvSpPr txBox="1">
+            <a:spLocks/>
+          </p:cNvSpPr>
+          <p:nvPr/>
+        </p:nvSpPr>
+        <p:spPr>
+          <a:xfrm>
+            <a:off x="628650" y="365126"/>
+            <a:ext cx="7886700" cy="591477"/>
+          </a:xfrm>
+          <a:prstGeom prst="rect">
+            <a:avLst/>
+          </a:prstGeom>
+        </p:spPr>
+        <p:txBody>
+          <a:bodyPr/>
+          <a:lstStyle>
+            <a:lvl1pPr algn="l" defTabSz="685800" rtl="0" eaLnBrk="1" latinLnBrk="0" hangingPunct="1">
+              <a:lnSpc>
+                <a:spcPct val="90000"/>
+              </a:lnSpc>
+              <a:spcBef>
+                <a:spcPct val="0"/>
+              </a:spcBef>
+              <a:buNone/>
+              <a:defRPr sz="3300" kern="1200">
+                <a:solidFill>
+                  <a:schemeClr val="tx1"/>
+                </a:solidFill>
+                <a:latin typeface="+mj-lt"/>
+                <a:ea typeface="+mj-ea"/>
+                <a:cs typeface="+mj-cs"/>
+              </a:defRPr>
+            </a:lvl1pPr>
+          </a:lstStyle>
+          <a:p>
+            <a:r>
+              <a:rPr lang="en-US" dirty="0" err="1"/>
+              <a:t>Brewdog</a:t>
+            </a:r>
+            <a:r>
+              <a:rPr lang="en-US" dirty="0"/>
+              <a:t>!!  Word Association</a:t>
+            </a:r>
+          </a:p>
+        </p:txBody>
+      </p:sp>
+      <p:sp>
+        <p:nvSpPr>
+          <p:cNvPr id="6" name="Date Placeholder 1">
+            <a:extLst>
+              <a:ext uri="{FF2B5EF4-FFF2-40B4-BE49-F238E27FC236}">
+                <a16:creationId xmlns:a16="http://schemas.microsoft.com/office/drawing/2014/main" id="{A5024E83-7248-49C6-83CE-0C52F416FEF7}"/>
+              </a:ext>
+            </a:extLst>
+          </p:cNvPr>
+          <p:cNvSpPr>
+            <a:spLocks noGrp="1"/>
+          </p:cNvSpPr>
+          <p:nvPr>
+            <p:ph type="dt" sz="half" idx="10"/>
+          </p:nvPr>
+        </p:nvSpPr>
+        <p:spPr/>
+        <p:txBody>
+          <a:bodyPr/>
+          <a:lstStyle/>
+          <a:p>
+            <a:fld id="{6700A58B-DD98-43D0-B791-721480A02982}" type="datetime1">
+              <a:rPr lang="en-US" smtClean="0"/>
+              <a:t>1/10/21</a:t>
+            </a:fld>
+            <a:endParaRPr lang="en-US"/>
+          </a:p>
+        </p:txBody>
+      </p:sp>
+      <p:sp>
+        <p:nvSpPr>
+          <p:cNvPr id="15" name="Footer Placeholder 5">
+            <a:extLst>
+              <a:ext uri="{FF2B5EF4-FFF2-40B4-BE49-F238E27FC236}">
+                <a16:creationId xmlns:a16="http://schemas.microsoft.com/office/drawing/2014/main" id="{FD3090C5-5CE1-4A44-97C8-EB04849527B4}"/>
+              </a:ext>
+            </a:extLst>
+          </p:cNvPr>
+          <p:cNvSpPr>
+            <a:spLocks noGrp="1"/>
+          </p:cNvSpPr>
+          <p:nvPr>
+            <p:ph type="ftr" sz="quarter" idx="3"/>
+          </p:nvPr>
+        </p:nvSpPr>
+        <p:spPr/>
+        <p:txBody>
+          <a:bodyPr/>
+          <a:lstStyle/>
+          <a:p>
+            <a:r>
+              <a:rPr lang="en-US" dirty="0"/>
+              <a:t>Kwartler</a:t>
+            </a:r>
+          </a:p>
+        </p:txBody>
+      </p:sp>
+      <p:sp>
+        <p:nvSpPr>
+          <p:cNvPr id="7" name="Slide Number Placeholder 3">
+            <a:extLst>
+              <a:ext uri="{FF2B5EF4-FFF2-40B4-BE49-F238E27FC236}">
+                <a16:creationId xmlns:a16="http://schemas.microsoft.com/office/drawing/2014/main" id="{269E8134-5ACB-40D1-8C0C-86324C8FEF4A}"/>
+              </a:ext>
+            </a:extLst>
+          </p:cNvPr>
+          <p:cNvSpPr>
+            <a:spLocks noGrp="1"/>
+          </p:cNvSpPr>
+          <p:nvPr>
+            <p:ph type="sldNum" sz="quarter" idx="4"/>
+          </p:nvPr>
+        </p:nvSpPr>
+        <p:spPr/>
+        <p:txBody>
+          <a:bodyPr/>
+          <a:lstStyle/>
+          <a:p>
+            <a:fld id="{37290FF7-652B-4475-AEAB-8B1A5D23AE09}" type="slidenum">
+              <a:rPr lang="en-US" smtClean="0"/>
+              <a:t>15</a:t>
+            </a:fld>
+            <a:endParaRPr lang="en-US"/>
+          </a:p>
+        </p:txBody>
+      </p:sp>
+      <p:sp>
+        <p:nvSpPr>
+          <p:cNvPr id="10" name="Rectangle 9">
+            <a:extLst>
+              <a:ext uri="{FF2B5EF4-FFF2-40B4-BE49-F238E27FC236}">
+                <a16:creationId xmlns:a16="http://schemas.microsoft.com/office/drawing/2014/main" id="{36A3BFF8-5C6D-4FAD-980D-98BA8B6D4B46}"/>
+              </a:ext>
+            </a:extLst>
+          </p:cNvPr>
+          <p:cNvSpPr/>
+          <p:nvPr/>
+        </p:nvSpPr>
+        <p:spPr>
+          <a:xfrm>
+            <a:off x="266131" y="1859185"/>
+            <a:ext cx="8611738" cy="2800767"/>
+          </a:xfrm>
+          <a:prstGeom prst="rect">
+            <a:avLst/>
+          </a:prstGeom>
+          <a:solidFill>
+            <a:schemeClr val="bg1">
+              <a:lumMod val="85000"/>
+            </a:schemeClr>
+          </a:solidFill>
+        </p:spPr>
+        <p:txBody>
+          <a:bodyPr wrap="square">
+            <a:spAutoFit/>
+          </a:bodyPr>
+          <a:lstStyle/>
+          <a:p>
+            <a:pPr defTabSz="457200"/>
+            <a:r>
+              <a:rPr lang="en-US" sz="1600" kern="1200" dirty="0">
+                <a:solidFill>
+                  <a:prstClr val="black"/>
+                </a:solidFill>
+                <a:latin typeface="Consolas" panose="020B0609020204030204" pitchFamily="49" charset="0"/>
+                <a:ea typeface="Arial Unicode MS" panose="020B0604020202020204" pitchFamily="34" charset="-128"/>
+                <a:cs typeface="Consolas" panose="020B0609020204030204" pitchFamily="49" charset="0"/>
+              </a:rPr>
+              <a:t># Make a dot plot</a:t>
+            </a:r>
+          </a:p>
+          <a:p>
+            <a:pPr defTabSz="457200"/>
+            <a:r>
+              <a:rPr lang="en-US" sz="1600" dirty="0" err="1">
+                <a:solidFill>
+                  <a:prstClr val="black"/>
+                </a:solidFill>
+                <a:latin typeface="Consolas" panose="020B0609020204030204" pitchFamily="49" charset="0"/>
+                <a:ea typeface="Arial Unicode MS" panose="020B0604020202020204" pitchFamily="34" charset="-128"/>
+                <a:cs typeface="Consolas" panose="020B0609020204030204" pitchFamily="49" charset="0"/>
+              </a:rPr>
+              <a:t>assocDF</a:t>
+            </a:r>
+            <a:r>
+              <a:rPr lang="en-US" sz="1600" dirty="0">
+                <a:solidFill>
+                  <a:prstClr val="black"/>
+                </a:solidFill>
+                <a:latin typeface="Consolas" panose="020B0609020204030204" pitchFamily="49" charset="0"/>
+                <a:ea typeface="Arial Unicode MS" panose="020B0604020202020204" pitchFamily="34" charset="-128"/>
+                <a:cs typeface="Consolas" panose="020B0609020204030204" pitchFamily="49" charset="0"/>
+              </a:rPr>
+              <a:t>       </a:t>
+            </a:r>
+            <a:r>
+              <a:rPr lang="en-US" sz="1600" kern="1200" dirty="0">
+                <a:solidFill>
+                  <a:prstClr val="black"/>
+                </a:solidFill>
+                <a:latin typeface="Consolas" panose="020B0609020204030204" pitchFamily="49" charset="0"/>
+                <a:ea typeface="Arial Unicode MS" panose="020B0604020202020204" pitchFamily="34" charset="-128"/>
+                <a:cs typeface="Consolas" panose="020B0609020204030204" pitchFamily="49" charset="0"/>
+              </a:rPr>
+              <a:t>&lt;- </a:t>
+            </a:r>
+            <a:r>
+              <a:rPr lang="en-US" sz="1600" kern="1200" dirty="0" err="1">
+                <a:solidFill>
+                  <a:prstClr val="black"/>
+                </a:solidFill>
+                <a:latin typeface="Consolas" panose="020B0609020204030204" pitchFamily="49" charset="0"/>
+                <a:ea typeface="Arial Unicode MS" panose="020B0604020202020204" pitchFamily="34" charset="-128"/>
+                <a:cs typeface="Consolas" panose="020B0609020204030204" pitchFamily="49" charset="0"/>
+              </a:rPr>
+              <a:t>data.frame</a:t>
+            </a:r>
+            <a:r>
+              <a:rPr lang="en-US" sz="1600" kern="1200" dirty="0">
+                <a:solidFill>
+                  <a:prstClr val="black"/>
+                </a:solidFill>
+                <a:latin typeface="Consolas" panose="020B0609020204030204" pitchFamily="49" charset="0"/>
+                <a:ea typeface="Arial Unicode MS" panose="020B0604020202020204" pitchFamily="34" charset="-128"/>
+                <a:cs typeface="Consolas" panose="020B0609020204030204" pitchFamily="49" charset="0"/>
+              </a:rPr>
+              <a:t>(terms=names(associations[[1]]),</a:t>
+            </a:r>
+          </a:p>
+          <a:p>
+            <a:pPr defTabSz="457200"/>
+            <a:r>
+              <a:rPr lang="en-US" sz="1600" dirty="0">
+                <a:solidFill>
+                  <a:prstClr val="black"/>
+                </a:solidFill>
+                <a:latin typeface="Consolas" panose="020B0609020204030204" pitchFamily="49" charset="0"/>
+                <a:ea typeface="Arial Unicode MS" panose="020B0604020202020204" pitchFamily="34" charset="-128"/>
+                <a:cs typeface="Consolas" panose="020B0609020204030204" pitchFamily="49" charset="0"/>
+              </a:rPr>
+              <a:t>                             </a:t>
+            </a:r>
+            <a:r>
+              <a:rPr lang="en-US" sz="1600" kern="1200" dirty="0">
+                <a:solidFill>
+                  <a:prstClr val="black"/>
+                </a:solidFill>
+                <a:latin typeface="Consolas" panose="020B0609020204030204" pitchFamily="49" charset="0"/>
+                <a:ea typeface="Arial Unicode MS" panose="020B0604020202020204" pitchFamily="34" charset="-128"/>
+                <a:cs typeface="Consolas" panose="020B0609020204030204" pitchFamily="49" charset="0"/>
+              </a:rPr>
+              <a:t>value=</a:t>
+            </a:r>
+            <a:r>
+              <a:rPr lang="en-US" sz="1600" kern="1200" dirty="0" err="1">
+                <a:solidFill>
+                  <a:prstClr val="black"/>
+                </a:solidFill>
+                <a:latin typeface="Consolas" panose="020B0609020204030204" pitchFamily="49" charset="0"/>
+                <a:ea typeface="Arial Unicode MS" panose="020B0604020202020204" pitchFamily="34" charset="-128"/>
+                <a:cs typeface="Consolas" panose="020B0609020204030204" pitchFamily="49" charset="0"/>
+              </a:rPr>
+              <a:t>unlist</a:t>
+            </a:r>
+            <a:r>
+              <a:rPr lang="en-US" sz="1600" kern="1200" dirty="0">
+                <a:solidFill>
+                  <a:prstClr val="black"/>
+                </a:solidFill>
+                <a:latin typeface="Consolas" panose="020B0609020204030204" pitchFamily="49" charset="0"/>
+                <a:ea typeface="Arial Unicode MS" panose="020B0604020202020204" pitchFamily="34" charset="-128"/>
+                <a:cs typeface="Consolas" panose="020B0609020204030204" pitchFamily="49" charset="0"/>
+              </a:rPr>
+              <a:t>(associations))</a:t>
+            </a:r>
+          </a:p>
+          <a:p>
+            <a:pPr defTabSz="457200"/>
+            <a:endParaRPr lang="en-US" sz="1600" kern="1200" dirty="0">
+              <a:solidFill>
+                <a:prstClr val="black"/>
+              </a:solidFill>
+              <a:latin typeface="Consolas" panose="020B0609020204030204" pitchFamily="49" charset="0"/>
+              <a:ea typeface="Arial Unicode MS" panose="020B0604020202020204" pitchFamily="34" charset="-128"/>
+              <a:cs typeface="Consolas" panose="020B0609020204030204" pitchFamily="49" charset="0"/>
+            </a:endParaRPr>
+          </a:p>
+          <a:p>
+            <a:pPr defTabSz="457200"/>
+            <a:r>
+              <a:rPr lang="en-US" sz="1600" dirty="0" err="1">
+                <a:solidFill>
+                  <a:schemeClr val="accent1">
+                    <a:lumMod val="60000"/>
+                    <a:lumOff val="40000"/>
+                  </a:schemeClr>
+                </a:solidFill>
+                <a:latin typeface="Consolas" panose="020B0609020204030204" pitchFamily="49" charset="0"/>
+                <a:ea typeface="Arial Unicode MS" panose="020B0604020202020204" pitchFamily="34" charset="-128"/>
+                <a:cs typeface="Consolas" panose="020B0609020204030204" pitchFamily="49" charset="0"/>
+              </a:rPr>
+              <a:t>assocDF$</a:t>
+            </a:r>
+            <a:r>
+              <a:rPr lang="en-US" sz="1600" kern="1200" dirty="0" err="1">
+                <a:solidFill>
+                  <a:schemeClr val="accent1">
+                    <a:lumMod val="60000"/>
+                    <a:lumOff val="40000"/>
+                  </a:schemeClr>
+                </a:solidFill>
+                <a:latin typeface="Consolas" panose="020B0609020204030204" pitchFamily="49" charset="0"/>
+                <a:ea typeface="Arial Unicode MS" panose="020B0604020202020204" pitchFamily="34" charset="-128"/>
+                <a:cs typeface="Consolas" panose="020B0609020204030204" pitchFamily="49" charset="0"/>
+              </a:rPr>
+              <a:t>terms</a:t>
+            </a:r>
+            <a:r>
+              <a:rPr lang="en-US" sz="1600" kern="1200" dirty="0">
+                <a:solidFill>
+                  <a:schemeClr val="accent1">
+                    <a:lumMod val="60000"/>
+                    <a:lumOff val="40000"/>
+                  </a:schemeClr>
+                </a:solidFill>
+                <a:latin typeface="Consolas" panose="020B0609020204030204" pitchFamily="49" charset="0"/>
+                <a:ea typeface="Arial Unicode MS" panose="020B0604020202020204" pitchFamily="34" charset="-128"/>
+                <a:cs typeface="Consolas" panose="020B0609020204030204" pitchFamily="49" charset="0"/>
+              </a:rPr>
+              <a:t> &lt;- factor(</a:t>
+            </a:r>
+            <a:r>
+              <a:rPr lang="en-US" sz="1600" dirty="0" err="1">
+                <a:solidFill>
+                  <a:schemeClr val="accent1">
+                    <a:lumMod val="60000"/>
+                    <a:lumOff val="40000"/>
+                  </a:schemeClr>
+                </a:solidFill>
+                <a:latin typeface="Consolas" panose="020B0609020204030204" pitchFamily="49" charset="0"/>
+                <a:ea typeface="Arial Unicode MS" panose="020B0604020202020204" pitchFamily="34" charset="-128"/>
+                <a:cs typeface="Consolas" panose="020B0609020204030204" pitchFamily="49" charset="0"/>
+              </a:rPr>
+              <a:t>assocDF</a:t>
+            </a:r>
+            <a:r>
+              <a:rPr lang="en-US" sz="1600" dirty="0">
+                <a:solidFill>
+                  <a:schemeClr val="accent1">
+                    <a:lumMod val="60000"/>
+                    <a:lumOff val="40000"/>
+                  </a:schemeClr>
+                </a:solidFill>
+                <a:latin typeface="Consolas" panose="020B0609020204030204" pitchFamily="49" charset="0"/>
+                <a:ea typeface="Arial Unicode MS" panose="020B0604020202020204" pitchFamily="34" charset="-128"/>
+                <a:cs typeface="Consolas" panose="020B0609020204030204" pitchFamily="49" charset="0"/>
+              </a:rPr>
+              <a:t> </a:t>
+            </a:r>
+            <a:r>
+              <a:rPr lang="en-US" sz="1600" kern="1200" dirty="0">
+                <a:solidFill>
+                  <a:schemeClr val="accent1">
+                    <a:lumMod val="60000"/>
+                    <a:lumOff val="40000"/>
+                  </a:schemeClr>
+                </a:solidFill>
+                <a:latin typeface="Consolas" panose="020B0609020204030204" pitchFamily="49" charset="0"/>
+                <a:ea typeface="Arial Unicode MS" panose="020B0604020202020204" pitchFamily="34" charset="-128"/>
+                <a:cs typeface="Consolas" panose="020B0609020204030204" pitchFamily="49" charset="0"/>
+              </a:rPr>
+              <a:t>$terms, levels=</a:t>
+            </a:r>
+            <a:r>
+              <a:rPr lang="en-US" sz="1600" dirty="0">
+                <a:solidFill>
+                  <a:schemeClr val="accent1">
+                    <a:lumMod val="60000"/>
+                    <a:lumOff val="40000"/>
+                  </a:schemeClr>
+                </a:solidFill>
+                <a:latin typeface="Consolas" panose="020B0609020204030204" pitchFamily="49" charset="0"/>
+                <a:ea typeface="Arial Unicode MS" panose="020B0604020202020204" pitchFamily="34" charset="-128"/>
+                <a:cs typeface="Consolas" panose="020B0609020204030204" pitchFamily="49" charset="0"/>
+              </a:rPr>
+              <a:t> </a:t>
+            </a:r>
+            <a:r>
+              <a:rPr lang="en-US" sz="1600" dirty="0" err="1">
+                <a:solidFill>
+                  <a:schemeClr val="accent1">
+                    <a:lumMod val="60000"/>
+                    <a:lumOff val="40000"/>
+                  </a:schemeClr>
+                </a:solidFill>
+                <a:latin typeface="Consolas" panose="020B0609020204030204" pitchFamily="49" charset="0"/>
+                <a:ea typeface="Arial Unicode MS" panose="020B0604020202020204" pitchFamily="34" charset="-128"/>
+                <a:cs typeface="Consolas" panose="020B0609020204030204" pitchFamily="49" charset="0"/>
+              </a:rPr>
+              <a:t>assocDF</a:t>
+            </a:r>
+            <a:r>
+              <a:rPr lang="en-US" sz="1600" dirty="0">
+                <a:solidFill>
+                  <a:schemeClr val="accent1">
+                    <a:lumMod val="60000"/>
+                    <a:lumOff val="40000"/>
+                  </a:schemeClr>
+                </a:solidFill>
+                <a:latin typeface="Consolas" panose="020B0609020204030204" pitchFamily="49" charset="0"/>
+                <a:ea typeface="Arial Unicode MS" panose="020B0604020202020204" pitchFamily="34" charset="-128"/>
+                <a:cs typeface="Consolas" panose="020B0609020204030204" pitchFamily="49" charset="0"/>
+              </a:rPr>
+              <a:t> </a:t>
+            </a:r>
+            <a:r>
+              <a:rPr lang="en-US" sz="1600" kern="1200" dirty="0">
+                <a:solidFill>
+                  <a:schemeClr val="accent1">
+                    <a:lumMod val="60000"/>
+                    <a:lumOff val="40000"/>
+                  </a:schemeClr>
+                </a:solidFill>
+                <a:latin typeface="Consolas" panose="020B0609020204030204" pitchFamily="49" charset="0"/>
+                <a:ea typeface="Arial Unicode MS" panose="020B0604020202020204" pitchFamily="34" charset="-128"/>
+                <a:cs typeface="Consolas" panose="020B0609020204030204" pitchFamily="49" charset="0"/>
+              </a:rPr>
+              <a:t>$terms)</a:t>
+            </a:r>
+          </a:p>
+          <a:p>
+            <a:pPr defTabSz="457200"/>
+            <a:endParaRPr lang="en-US" sz="1600" kern="1200" dirty="0">
+              <a:solidFill>
+                <a:prstClr val="black"/>
+              </a:solidFill>
+              <a:latin typeface="Consolas" panose="020B0609020204030204" pitchFamily="49" charset="0"/>
+              <a:ea typeface="Arial Unicode MS" panose="020B0604020202020204" pitchFamily="34" charset="-128"/>
+              <a:cs typeface="Consolas" panose="020B0609020204030204" pitchFamily="49" charset="0"/>
+            </a:endParaRPr>
+          </a:p>
+          <a:p>
+            <a:pPr defTabSz="457200"/>
+            <a:r>
+              <a:rPr lang="en-US" sz="1600" dirty="0" err="1">
+                <a:solidFill>
+                  <a:prstClr val="black"/>
+                </a:solidFill>
+                <a:latin typeface="Consolas" panose="020B0609020204030204" pitchFamily="49" charset="0"/>
+                <a:ea typeface="Arial Unicode MS" panose="020B0604020202020204" pitchFamily="34" charset="-128"/>
+                <a:cs typeface="Consolas" panose="020B0609020204030204" pitchFamily="49" charset="0"/>
+              </a:rPr>
+              <a:t>ggplot</a:t>
+            </a:r>
+            <a:r>
+              <a:rPr lang="en-US" sz="1600" dirty="0">
+                <a:solidFill>
+                  <a:prstClr val="black"/>
+                </a:solidFill>
+                <a:latin typeface="Consolas" panose="020B0609020204030204" pitchFamily="49" charset="0"/>
+                <a:ea typeface="Arial Unicode MS" panose="020B0604020202020204" pitchFamily="34" charset="-128"/>
+                <a:cs typeface="Consolas" panose="020B0609020204030204" pitchFamily="49" charset="0"/>
+              </a:rPr>
+              <a:t>(</a:t>
+            </a:r>
+            <a:r>
+              <a:rPr lang="en-US" sz="1600" dirty="0" err="1">
+                <a:solidFill>
+                  <a:prstClr val="black"/>
+                </a:solidFill>
+                <a:latin typeface="Consolas" panose="020B0609020204030204" pitchFamily="49" charset="0"/>
+                <a:ea typeface="Arial Unicode MS" panose="020B0604020202020204" pitchFamily="34" charset="-128"/>
+                <a:cs typeface="Consolas" panose="020B0609020204030204" pitchFamily="49" charset="0"/>
+              </a:rPr>
+              <a:t>assocDF</a:t>
+            </a:r>
+            <a:r>
+              <a:rPr lang="en-US" sz="1600" dirty="0">
+                <a:solidFill>
+                  <a:prstClr val="black"/>
+                </a:solidFill>
+                <a:latin typeface="Consolas" panose="020B0609020204030204" pitchFamily="49" charset="0"/>
+                <a:ea typeface="Arial Unicode MS" panose="020B0604020202020204" pitchFamily="34" charset="-128"/>
+                <a:cs typeface="Consolas" panose="020B0609020204030204" pitchFamily="49" charset="0"/>
+              </a:rPr>
+              <a:t>, </a:t>
+            </a:r>
+            <a:r>
+              <a:rPr lang="en-US" sz="1600" dirty="0" err="1">
+                <a:solidFill>
+                  <a:prstClr val="black"/>
+                </a:solidFill>
+                <a:latin typeface="Consolas" panose="020B0609020204030204" pitchFamily="49" charset="0"/>
+                <a:ea typeface="Arial Unicode MS" panose="020B0604020202020204" pitchFamily="34" charset="-128"/>
+                <a:cs typeface="Consolas" panose="020B0609020204030204" pitchFamily="49" charset="0"/>
+              </a:rPr>
+              <a:t>aes</a:t>
+            </a:r>
+            <a:r>
+              <a:rPr lang="en-US" sz="1600" dirty="0">
+                <a:solidFill>
+                  <a:prstClr val="black"/>
+                </a:solidFill>
+                <a:latin typeface="Consolas" panose="020B0609020204030204" pitchFamily="49" charset="0"/>
+                <a:ea typeface="Arial Unicode MS" panose="020B0604020202020204" pitchFamily="34" charset="-128"/>
+                <a:cs typeface="Consolas" panose="020B0609020204030204" pitchFamily="49" charset="0"/>
+              </a:rPr>
+              <a:t>(y=terms)) +  </a:t>
+            </a:r>
+          </a:p>
+          <a:p>
+            <a:pPr defTabSz="457200"/>
+            <a:r>
+              <a:rPr lang="en-US" sz="1600" dirty="0">
+                <a:solidFill>
+                  <a:prstClr val="black"/>
+                </a:solidFill>
+                <a:latin typeface="Consolas" panose="020B0609020204030204" pitchFamily="49" charset="0"/>
+                <a:ea typeface="Arial Unicode MS" panose="020B0604020202020204" pitchFamily="34" charset="-128"/>
+                <a:cs typeface="Consolas" panose="020B0609020204030204" pitchFamily="49" charset="0"/>
+              </a:rPr>
+              <a:t>	</a:t>
+            </a:r>
+            <a:r>
+              <a:rPr lang="en-US" sz="1600" dirty="0" err="1">
+                <a:solidFill>
+                  <a:prstClr val="black"/>
+                </a:solidFill>
+                <a:latin typeface="Consolas" panose="020B0609020204030204" pitchFamily="49" charset="0"/>
+                <a:ea typeface="Arial Unicode MS" panose="020B0604020202020204" pitchFamily="34" charset="-128"/>
+                <a:cs typeface="Consolas" panose="020B0609020204030204" pitchFamily="49" charset="0"/>
+              </a:rPr>
+              <a:t>geom_point</a:t>
+            </a:r>
+            <a:r>
+              <a:rPr lang="en-US" sz="1600" dirty="0">
+                <a:solidFill>
+                  <a:prstClr val="black"/>
+                </a:solidFill>
+                <a:latin typeface="Consolas" panose="020B0609020204030204" pitchFamily="49" charset="0"/>
+                <a:ea typeface="Arial Unicode MS" panose="020B0604020202020204" pitchFamily="34" charset="-128"/>
+                <a:cs typeface="Consolas" panose="020B0609020204030204" pitchFamily="49" charset="0"/>
+              </a:rPr>
+              <a:t>(</a:t>
+            </a:r>
+            <a:r>
+              <a:rPr lang="en-US" sz="1600" dirty="0" err="1">
+                <a:solidFill>
+                  <a:prstClr val="black"/>
+                </a:solidFill>
+                <a:latin typeface="Consolas" panose="020B0609020204030204" pitchFamily="49" charset="0"/>
+                <a:ea typeface="Arial Unicode MS" panose="020B0604020202020204" pitchFamily="34" charset="-128"/>
+                <a:cs typeface="Consolas" panose="020B0609020204030204" pitchFamily="49" charset="0"/>
+              </a:rPr>
+              <a:t>aes</a:t>
+            </a:r>
+            <a:r>
+              <a:rPr lang="en-US" sz="1600" dirty="0">
+                <a:solidFill>
+                  <a:prstClr val="black"/>
+                </a:solidFill>
+                <a:latin typeface="Consolas" panose="020B0609020204030204" pitchFamily="49" charset="0"/>
+                <a:ea typeface="Arial Unicode MS" panose="020B0604020202020204" pitchFamily="34" charset="-128"/>
+                <a:cs typeface="Consolas" panose="020B0609020204030204" pitchFamily="49" charset="0"/>
+              </a:rPr>
+              <a:t>(x=value), data=</a:t>
+            </a:r>
+            <a:r>
+              <a:rPr lang="en-US" sz="1600" dirty="0" err="1">
+                <a:solidFill>
+                  <a:prstClr val="black"/>
+                </a:solidFill>
+                <a:latin typeface="Consolas" panose="020B0609020204030204" pitchFamily="49" charset="0"/>
+                <a:ea typeface="Arial Unicode MS" panose="020B0604020202020204" pitchFamily="34" charset="-128"/>
+                <a:cs typeface="Consolas" panose="020B0609020204030204" pitchFamily="49" charset="0"/>
+              </a:rPr>
+              <a:t>assocDF</a:t>
+            </a:r>
+            <a:r>
+              <a:rPr lang="en-US" sz="1600" dirty="0">
+                <a:solidFill>
+                  <a:prstClr val="black"/>
+                </a:solidFill>
+                <a:latin typeface="Consolas" panose="020B0609020204030204" pitchFamily="49" charset="0"/>
+                <a:ea typeface="Arial Unicode MS" panose="020B0604020202020204" pitchFamily="34" charset="-128"/>
+                <a:cs typeface="Consolas" panose="020B0609020204030204" pitchFamily="49" charset="0"/>
+              </a:rPr>
+              <a:t>, col='#c00c00') +  </a:t>
+            </a:r>
+          </a:p>
+          <a:p>
+            <a:pPr defTabSz="457200"/>
+            <a:r>
+              <a:rPr lang="en-US" sz="1600" dirty="0">
+                <a:solidFill>
+                  <a:prstClr val="black"/>
+                </a:solidFill>
+                <a:latin typeface="Consolas" panose="020B0609020204030204" pitchFamily="49" charset="0"/>
+                <a:ea typeface="Arial Unicode MS" panose="020B0604020202020204" pitchFamily="34" charset="-128"/>
+                <a:cs typeface="Consolas" panose="020B0609020204030204" pitchFamily="49" charset="0"/>
+              </a:rPr>
+              <a:t>	</a:t>
+            </a:r>
+            <a:r>
+              <a:rPr lang="en-US" sz="1600" dirty="0" err="1">
+                <a:solidFill>
+                  <a:prstClr val="black"/>
+                </a:solidFill>
+                <a:latin typeface="Consolas" panose="020B0609020204030204" pitchFamily="49" charset="0"/>
+                <a:ea typeface="Arial Unicode MS" panose="020B0604020202020204" pitchFamily="34" charset="-128"/>
+                <a:cs typeface="Consolas" panose="020B0609020204030204" pitchFamily="49" charset="0"/>
+              </a:rPr>
+              <a:t>theme_gdocs</a:t>
+            </a:r>
+            <a:r>
+              <a:rPr lang="en-US" sz="1600" dirty="0">
+                <a:solidFill>
+                  <a:prstClr val="black"/>
+                </a:solidFill>
+                <a:latin typeface="Consolas" panose="020B0609020204030204" pitchFamily="49" charset="0"/>
+                <a:ea typeface="Arial Unicode MS" panose="020B0604020202020204" pitchFamily="34" charset="-128"/>
+                <a:cs typeface="Consolas" panose="020B0609020204030204" pitchFamily="49" charset="0"/>
+              </a:rPr>
+              <a:t>() + </a:t>
+            </a:r>
+          </a:p>
+          <a:p>
+            <a:pPr defTabSz="457200"/>
+            <a:r>
+              <a:rPr lang="en-US" sz="1600" dirty="0">
+                <a:solidFill>
+                  <a:prstClr val="black"/>
+                </a:solidFill>
+                <a:latin typeface="Consolas" panose="020B0609020204030204" pitchFamily="49" charset="0"/>
+                <a:ea typeface="Arial Unicode MS" panose="020B0604020202020204" pitchFamily="34" charset="-128"/>
+                <a:cs typeface="Consolas" panose="020B0609020204030204" pitchFamily="49" charset="0"/>
+              </a:rPr>
+              <a:t>	</a:t>
+            </a:r>
+            <a:r>
+              <a:rPr lang="en-US" sz="1600" dirty="0" err="1">
+                <a:solidFill>
+                  <a:prstClr val="black"/>
+                </a:solidFill>
+                <a:latin typeface="Consolas" panose="020B0609020204030204" pitchFamily="49" charset="0"/>
+                <a:ea typeface="Arial Unicode MS" panose="020B0604020202020204" pitchFamily="34" charset="-128"/>
+                <a:cs typeface="Consolas" panose="020B0609020204030204" pitchFamily="49" charset="0"/>
+              </a:rPr>
+              <a:t>geom_text</a:t>
+            </a:r>
+            <a:r>
+              <a:rPr lang="en-US" sz="1600" dirty="0">
+                <a:solidFill>
+                  <a:prstClr val="black"/>
+                </a:solidFill>
+                <a:latin typeface="Consolas" panose="020B0609020204030204" pitchFamily="49" charset="0"/>
+                <a:ea typeface="Arial Unicode MS" panose="020B0604020202020204" pitchFamily="34" charset="-128"/>
+                <a:cs typeface="Consolas" panose="020B0609020204030204" pitchFamily="49" charset="0"/>
+              </a:rPr>
+              <a:t>(</a:t>
+            </a:r>
+            <a:r>
+              <a:rPr lang="en-US" sz="1600" dirty="0" err="1">
+                <a:solidFill>
+                  <a:prstClr val="black"/>
+                </a:solidFill>
+                <a:latin typeface="Consolas" panose="020B0609020204030204" pitchFamily="49" charset="0"/>
+                <a:ea typeface="Arial Unicode MS" panose="020B0604020202020204" pitchFamily="34" charset="-128"/>
+                <a:cs typeface="Consolas" panose="020B0609020204030204" pitchFamily="49" charset="0"/>
+              </a:rPr>
+              <a:t>aes</a:t>
+            </a:r>
+            <a:r>
+              <a:rPr lang="en-US" sz="1600" dirty="0">
+                <a:solidFill>
+                  <a:prstClr val="black"/>
+                </a:solidFill>
+                <a:latin typeface="Consolas" panose="020B0609020204030204" pitchFamily="49" charset="0"/>
+                <a:ea typeface="Arial Unicode MS" panose="020B0604020202020204" pitchFamily="34" charset="-128"/>
+                <a:cs typeface="Consolas" panose="020B0609020204030204" pitchFamily="49" charset="0"/>
+              </a:rPr>
+              <a:t>(x=</a:t>
+            </a:r>
+            <a:r>
+              <a:rPr lang="en-US" sz="1600" dirty="0" err="1">
+                <a:solidFill>
+                  <a:prstClr val="black"/>
+                </a:solidFill>
+                <a:latin typeface="Consolas" panose="020B0609020204030204" pitchFamily="49" charset="0"/>
+                <a:ea typeface="Arial Unicode MS" panose="020B0604020202020204" pitchFamily="34" charset="-128"/>
+                <a:cs typeface="Consolas" panose="020B0609020204030204" pitchFamily="49" charset="0"/>
+              </a:rPr>
+              <a:t>value,label</a:t>
+            </a:r>
+            <a:r>
+              <a:rPr lang="en-US" sz="1600" dirty="0">
+                <a:solidFill>
+                  <a:prstClr val="black"/>
+                </a:solidFill>
+                <a:latin typeface="Consolas" panose="020B0609020204030204" pitchFamily="49" charset="0"/>
+                <a:ea typeface="Arial Unicode MS" panose="020B0604020202020204" pitchFamily="34" charset="-128"/>
+                <a:cs typeface="Consolas" panose="020B0609020204030204" pitchFamily="49" charset="0"/>
+              </a:rPr>
+              <a:t>=value), </a:t>
+            </a:r>
+          </a:p>
+          <a:p>
+            <a:pPr defTabSz="457200"/>
+            <a:r>
+              <a:rPr lang="en-US" sz="1600" dirty="0">
+                <a:solidFill>
+                  <a:prstClr val="black"/>
+                </a:solidFill>
+                <a:latin typeface="Consolas" panose="020B0609020204030204" pitchFamily="49" charset="0"/>
+                <a:ea typeface="Arial Unicode MS" panose="020B0604020202020204" pitchFamily="34" charset="-128"/>
+                <a:cs typeface="Consolas" panose="020B0609020204030204" pitchFamily="49" charset="0"/>
+              </a:rPr>
+              <a:t>			  </a:t>
+            </a:r>
+            <a:r>
+              <a:rPr lang="en-US" sz="1600" dirty="0" err="1">
+                <a:solidFill>
+                  <a:prstClr val="black"/>
+                </a:solidFill>
+                <a:latin typeface="Consolas" panose="020B0609020204030204" pitchFamily="49" charset="0"/>
+                <a:ea typeface="Arial Unicode MS" panose="020B0604020202020204" pitchFamily="34" charset="-128"/>
+                <a:cs typeface="Consolas" panose="020B0609020204030204" pitchFamily="49" charset="0"/>
+              </a:rPr>
+              <a:t>colour</a:t>
+            </a:r>
+            <a:r>
+              <a:rPr lang="en-US" sz="1600" dirty="0">
+                <a:solidFill>
+                  <a:prstClr val="black"/>
+                </a:solidFill>
+                <a:latin typeface="Consolas" panose="020B0609020204030204" pitchFamily="49" charset="0"/>
+                <a:ea typeface="Arial Unicode MS" panose="020B0604020202020204" pitchFamily="34" charset="-128"/>
+                <a:cs typeface="Consolas" panose="020B0609020204030204" pitchFamily="49" charset="0"/>
+              </a:rPr>
+              <a:t>="red",</a:t>
+            </a:r>
+            <a:r>
+              <a:rPr lang="en-US" sz="1600" dirty="0" err="1">
+                <a:solidFill>
+                  <a:prstClr val="black"/>
+                </a:solidFill>
+                <a:latin typeface="Consolas" panose="020B0609020204030204" pitchFamily="49" charset="0"/>
+                <a:ea typeface="Arial Unicode MS" panose="020B0604020202020204" pitchFamily="34" charset="-128"/>
+                <a:cs typeface="Consolas" panose="020B0609020204030204" pitchFamily="49" charset="0"/>
+              </a:rPr>
+              <a:t>hjust</a:t>
+            </a:r>
+            <a:r>
+              <a:rPr lang="en-US" sz="1600" dirty="0">
+                <a:solidFill>
+                  <a:prstClr val="black"/>
+                </a:solidFill>
+                <a:latin typeface="Consolas" panose="020B0609020204030204" pitchFamily="49" charset="0"/>
+                <a:ea typeface="Arial Unicode MS" panose="020B0604020202020204" pitchFamily="34" charset="-128"/>
+                <a:cs typeface="Consolas" panose="020B0609020204030204" pitchFamily="49" charset="0"/>
+              </a:rPr>
+              <a:t>="inward", </a:t>
+            </a:r>
+            <a:r>
+              <a:rPr lang="en-US" sz="1600" dirty="0" err="1">
+                <a:solidFill>
+                  <a:prstClr val="black"/>
+                </a:solidFill>
+                <a:latin typeface="Consolas" panose="020B0609020204030204" pitchFamily="49" charset="0"/>
+                <a:ea typeface="Arial Unicode MS" panose="020B0604020202020204" pitchFamily="34" charset="-128"/>
+                <a:cs typeface="Consolas" panose="020B0609020204030204" pitchFamily="49" charset="0"/>
+              </a:rPr>
+              <a:t>vjust</a:t>
+            </a:r>
+            <a:r>
+              <a:rPr lang="en-US" sz="1600" dirty="0">
+                <a:solidFill>
+                  <a:prstClr val="black"/>
+                </a:solidFill>
+                <a:latin typeface="Consolas" panose="020B0609020204030204" pitchFamily="49" charset="0"/>
+                <a:ea typeface="Arial Unicode MS" panose="020B0604020202020204" pitchFamily="34" charset="-128"/>
+                <a:cs typeface="Consolas" panose="020B0609020204030204" pitchFamily="49" charset="0"/>
+              </a:rPr>
+              <a:t> ="inward" , size=3)</a:t>
+            </a:r>
+            <a:endParaRPr lang="en-US" sz="1600" kern="1200" dirty="0">
+              <a:solidFill>
+                <a:prstClr val="black"/>
+              </a:solidFill>
+              <a:latin typeface="Consolas" panose="020B0609020204030204" pitchFamily="49" charset="0"/>
+              <a:ea typeface="Arial Unicode MS" panose="020B0604020202020204" pitchFamily="34" charset="-128"/>
+              <a:cs typeface="Consolas" panose="020B0609020204030204" pitchFamily="49" charset="0"/>
+            </a:endParaRPr>
+          </a:p>
+        </p:txBody>
+      </p:sp>
+      <p:sp>
+        <p:nvSpPr>
+          <p:cNvPr id="14" name="Rectangle 13">
+            <a:extLst>
+              <a:ext uri="{FF2B5EF4-FFF2-40B4-BE49-F238E27FC236}">
+                <a16:creationId xmlns:a16="http://schemas.microsoft.com/office/drawing/2014/main" id="{6247FB40-E1FC-465B-8AC4-135E069F6E7A}"/>
+              </a:ext>
+            </a:extLst>
+          </p:cNvPr>
+          <p:cNvSpPr/>
+          <p:nvPr/>
+        </p:nvSpPr>
+        <p:spPr>
+          <a:xfrm>
+            <a:off x="179917" y="1302982"/>
+            <a:ext cx="8784167" cy="253916"/>
+          </a:xfrm>
+          <a:prstGeom prst="rect">
+            <a:avLst/>
+          </a:prstGeom>
+          <a:solidFill>
+            <a:schemeClr val="accent6">
+              <a:lumMod val="60000"/>
+              <a:lumOff val="40000"/>
+            </a:schemeClr>
+          </a:solidFill>
+          <a:ln>
+            <a:noFill/>
+          </a:ln>
+        </p:spPr>
+        <p:style>
+          <a:lnRef idx="2">
+            <a:schemeClr val="accent1">
+              <a:shade val="50000"/>
+            </a:schemeClr>
+          </a:lnRef>
+          <a:fillRef idx="1">
+            <a:schemeClr val="accent1"/>
+          </a:fillRef>
+          <a:effectRef idx="0">
+            <a:schemeClr val="accent1"/>
+          </a:effectRef>
+          <a:fontRef idx="minor">
+            <a:schemeClr val="lt1"/>
+          </a:fontRef>
+        </p:style>
+        <p:txBody>
+          <a:bodyPr rtlCol="0" anchor="ctr"/>
+          <a:lstStyle/>
+          <a:p>
+            <a:pPr algn="ctr"/>
+            <a:r>
+              <a:rPr lang="en-US" dirty="0"/>
+              <a:t>Changing terms into factors lets ggplot2 order them</a:t>
+            </a:r>
+          </a:p>
+        </p:txBody>
+      </p:sp>
+      <p:cxnSp>
+        <p:nvCxnSpPr>
+          <p:cNvPr id="8" name="Straight Connector 7">
+            <a:extLst>
+              <a:ext uri="{FF2B5EF4-FFF2-40B4-BE49-F238E27FC236}">
+                <a16:creationId xmlns:a16="http://schemas.microsoft.com/office/drawing/2014/main" id="{A68C1A0A-774F-F241-8E78-4A40880FBE3D}"/>
+              </a:ext>
+            </a:extLst>
+          </p:cNvPr>
+          <p:cNvCxnSpPr/>
+          <p:nvPr/>
+        </p:nvCxnSpPr>
+        <p:spPr>
+          <a:xfrm>
+            <a:off x="6798363" y="6549885"/>
+            <a:ext cx="0" cy="182880"/>
+          </a:xfrm>
+          <a:prstGeom prst="line">
+            <a:avLst/>
+          </a:prstGeom>
+          <a:ln>
+            <a:solidFill>
+              <a:schemeClr val="bg1">
+                <a:lumMod val="85000"/>
+              </a:schemeClr>
+            </a:solidFill>
+          </a:ln>
+        </p:spPr>
+        <p:style>
+          <a:lnRef idx="1">
+            <a:schemeClr val="accent1"/>
+          </a:lnRef>
+          <a:fillRef idx="0">
+            <a:schemeClr val="accent1"/>
+          </a:fillRef>
+          <a:effectRef idx="0">
+            <a:schemeClr val="accent1"/>
+          </a:effectRef>
+          <a:fontRef idx="minor">
+            <a:schemeClr val="tx1"/>
+          </a:fontRef>
+        </p:style>
+      </p:cxnSp>
+      <p:cxnSp>
+        <p:nvCxnSpPr>
+          <p:cNvPr id="9" name="Straight Connector 8">
+            <a:extLst>
+              <a:ext uri="{FF2B5EF4-FFF2-40B4-BE49-F238E27FC236}">
+                <a16:creationId xmlns:a16="http://schemas.microsoft.com/office/drawing/2014/main" id="{1AF2C155-BC5D-784A-A2F0-7EA366D1C884}"/>
+              </a:ext>
+            </a:extLst>
+          </p:cNvPr>
+          <p:cNvCxnSpPr/>
+          <p:nvPr/>
+        </p:nvCxnSpPr>
+        <p:spPr>
+          <a:xfrm>
+            <a:off x="7076661" y="4664763"/>
+            <a:ext cx="182880" cy="0"/>
+          </a:xfrm>
+          <a:prstGeom prst="line">
+            <a:avLst/>
+          </a:prstGeom>
+          <a:ln>
+            <a:solidFill>
+              <a:schemeClr val="bg1">
+                <a:lumMod val="85000"/>
+              </a:schemeClr>
+            </a:solidFill>
+          </a:ln>
+        </p:spPr>
+        <p:style>
+          <a:lnRef idx="1">
+            <a:schemeClr val="accent1"/>
+          </a:lnRef>
+          <a:fillRef idx="0">
+            <a:schemeClr val="accent1"/>
+          </a:fillRef>
+          <a:effectRef idx="0">
+            <a:schemeClr val="accent1"/>
+          </a:effectRef>
+          <a:fontRef idx="minor">
+            <a:schemeClr val="tx1"/>
+          </a:fontRef>
+        </p:style>
+      </p:cxnSp>
+    </p:spTree>
+    <p:extLst>
+      <p:ext uri="{BB962C8B-B14F-4D97-AF65-F5344CB8AC3E}">
+        <p14:creationId xmlns:p14="http://schemas.microsoft.com/office/powerpoint/2010/main" val="3258721290"/>
+      </p:ext>
+    </p:extLst>
+  </p:cSld>
+  <p:clrMapOvr>
+    <a:masterClrMapping/>
+  </p:clrMapOvr>
+</p:sld>
+</file>
+
+<file path=ppt/slides/slide16.xml><?xml version="1.0" encoding="utf-8"?>
+<p:sld xmlns:a="http://schemas.openxmlformats.org/drawingml/2006/main" xmlns:r="http://schemas.openxmlformats.org/officeDocument/2006/relationships" xmlns:p="http://schemas.openxmlformats.org/presentationml/2006/main">
+  <p:cSld>
+    <p:spTree>
+      <p:nvGrpSpPr>
+        <p:cNvPr id="1" name=""/>
+        <p:cNvGrpSpPr/>
+        <p:nvPr/>
+      </p:nvGrpSpPr>
+      <p:grpSpPr>
+        <a:xfrm>
+          <a:off x="0" y="0"/>
+          <a:ext cx="0" cy="0"/>
+          <a:chOff x="0" y="0"/>
+          <a:chExt cx="0" cy="0"/>
+        </a:xfrm>
+      </p:grpSpPr>
+      <p:sp>
+        <p:nvSpPr>
+          <p:cNvPr id="2" name="Date Placeholder 1">
+            <a:extLst>
+              <a:ext uri="{FF2B5EF4-FFF2-40B4-BE49-F238E27FC236}">
+                <a16:creationId xmlns:a16="http://schemas.microsoft.com/office/drawing/2014/main" id="{19210D5C-D4DA-42F2-9C4A-993DFC77B30A}"/>
+              </a:ext>
+            </a:extLst>
+          </p:cNvPr>
+          <p:cNvSpPr>
+            <a:spLocks noGrp="1"/>
+          </p:cNvSpPr>
+          <p:nvPr>
+            <p:ph type="dt" sz="half" idx="10"/>
+          </p:nvPr>
+        </p:nvSpPr>
+        <p:spPr/>
+        <p:txBody>
+          <a:bodyPr/>
+          <a:lstStyle/>
+          <a:p>
+            <a:fld id="{6700A58B-DD98-43D0-B791-721480A02982}" type="datetime1">
+              <a:rPr lang="en-US" smtClean="0"/>
+              <a:t>1/10/21</a:t>
+            </a:fld>
+            <a:endParaRPr lang="en-US"/>
+          </a:p>
+        </p:txBody>
+      </p:sp>
+      <p:sp>
+        <p:nvSpPr>
+          <p:cNvPr id="3" name="Title 2">
+            <a:extLst>
+              <a:ext uri="{FF2B5EF4-FFF2-40B4-BE49-F238E27FC236}">
+                <a16:creationId xmlns:a16="http://schemas.microsoft.com/office/drawing/2014/main" id="{82C34DE6-46FB-47F0-9733-C3D27E997C9C}"/>
+              </a:ext>
+            </a:extLst>
+          </p:cNvPr>
+          <p:cNvSpPr>
+            <a:spLocks noGrp="1"/>
+          </p:cNvSpPr>
+          <p:nvPr>
+            <p:ph type="title"/>
+          </p:nvPr>
+        </p:nvSpPr>
+        <p:spPr>
+          <a:xfrm>
+            <a:off x="628650" y="112873"/>
+            <a:ext cx="7886700" cy="591477"/>
+          </a:xfrm>
+        </p:spPr>
+        <p:txBody>
+          <a:bodyPr/>
+          <a:lstStyle/>
+          <a:p>
+            <a:r>
+              <a:rPr lang="en-US" sz="3200" dirty="0"/>
+              <a:t>Back to </a:t>
+            </a:r>
+            <a:r>
+              <a:rPr lang="en-US" sz="3200" dirty="0" err="1"/>
+              <a:t>B_Frequency_Associations.R</a:t>
+            </a:r>
+            <a:r>
+              <a:rPr lang="en-US" sz="3200" dirty="0"/>
+              <a:t> </a:t>
+            </a:r>
+          </a:p>
+        </p:txBody>
+      </p:sp>
+      <p:sp>
+        <p:nvSpPr>
+          <p:cNvPr id="6" name="Footer Placeholder 5">
+            <a:extLst>
+              <a:ext uri="{FF2B5EF4-FFF2-40B4-BE49-F238E27FC236}">
+                <a16:creationId xmlns:a16="http://schemas.microsoft.com/office/drawing/2014/main" id="{9AEE3B0A-243D-4D84-82C8-9D7223818081}"/>
+              </a:ext>
+            </a:extLst>
+          </p:cNvPr>
+          <p:cNvSpPr>
+            <a:spLocks noGrp="1"/>
+          </p:cNvSpPr>
+          <p:nvPr>
+            <p:ph type="ftr" sz="quarter" idx="3"/>
+          </p:nvPr>
+        </p:nvSpPr>
+        <p:spPr/>
+        <p:txBody>
+          <a:bodyPr/>
+          <a:lstStyle/>
+          <a:p>
+            <a:r>
+              <a:rPr lang="en-US" dirty="0"/>
+              <a:t>Kwartler </a:t>
+            </a:r>
+          </a:p>
+        </p:txBody>
+      </p:sp>
+      <p:sp>
+        <p:nvSpPr>
+          <p:cNvPr id="4" name="Slide Number Placeholder 3">
+            <a:extLst>
+              <a:ext uri="{FF2B5EF4-FFF2-40B4-BE49-F238E27FC236}">
+                <a16:creationId xmlns:a16="http://schemas.microsoft.com/office/drawing/2014/main" id="{DE6123B4-98F7-4DC5-97DE-E4E470717960}"/>
+              </a:ext>
+            </a:extLst>
+          </p:cNvPr>
+          <p:cNvSpPr>
+            <a:spLocks noGrp="1"/>
+          </p:cNvSpPr>
+          <p:nvPr>
+            <p:ph type="sldNum" sz="quarter" idx="4"/>
+          </p:nvPr>
+        </p:nvSpPr>
+        <p:spPr/>
+        <p:txBody>
+          <a:bodyPr/>
+          <a:lstStyle/>
+          <a:p>
+            <a:fld id="{37290FF7-652B-4475-AEAB-8B1A5D23AE09}" type="slidenum">
+              <a:rPr lang="en-US" smtClean="0"/>
+              <a:t>16</a:t>
+            </a:fld>
+            <a:endParaRPr lang="en-US"/>
+          </a:p>
+        </p:txBody>
+      </p:sp>
+      <p:pic>
+        <p:nvPicPr>
+          <p:cNvPr id="5" name="Picture 4">
+            <a:extLst>
+              <a:ext uri="{FF2B5EF4-FFF2-40B4-BE49-F238E27FC236}">
+                <a16:creationId xmlns:a16="http://schemas.microsoft.com/office/drawing/2014/main" id="{8E9534B7-F364-47E6-9599-C508EA823EC2}"/>
+              </a:ext>
+            </a:extLst>
+          </p:cNvPr>
+          <p:cNvPicPr>
+            <a:picLocks noChangeAspect="1"/>
+          </p:cNvPicPr>
+          <p:nvPr/>
+        </p:nvPicPr>
+        <p:blipFill>
+          <a:blip r:embed="rId2"/>
+          <a:stretch>
+            <a:fillRect/>
+          </a:stretch>
+        </p:blipFill>
+        <p:spPr>
+          <a:xfrm>
+            <a:off x="447367" y="1542282"/>
+            <a:ext cx="8249265" cy="4069800"/>
+          </a:xfrm>
+          <a:prstGeom prst="rect">
+            <a:avLst/>
+          </a:prstGeom>
+        </p:spPr>
+      </p:pic>
+      <p:sp>
+        <p:nvSpPr>
+          <p:cNvPr id="9" name="TextBox 8">
+            <a:extLst>
+              <a:ext uri="{FF2B5EF4-FFF2-40B4-BE49-F238E27FC236}">
+                <a16:creationId xmlns:a16="http://schemas.microsoft.com/office/drawing/2014/main" id="{0D38C65D-DB44-46A4-800F-3896BD9C6EA5}"/>
+              </a:ext>
+            </a:extLst>
+          </p:cNvPr>
+          <p:cNvSpPr txBox="1"/>
+          <p:nvPr/>
+        </p:nvSpPr>
+        <p:spPr>
+          <a:xfrm>
+            <a:off x="447367" y="1203728"/>
+            <a:ext cx="8249265" cy="338554"/>
+          </a:xfrm>
+          <a:prstGeom prst="rect">
+            <a:avLst/>
+          </a:prstGeom>
+          <a:solidFill>
+            <a:schemeClr val="accent3"/>
+          </a:solidFill>
+        </p:spPr>
+        <p:txBody>
+          <a:bodyPr wrap="square" rtlCol="0">
+            <a:spAutoFit/>
+          </a:bodyPr>
+          <a:lstStyle/>
+          <a:p>
+            <a:pPr defTabSz="457200"/>
+            <a:r>
+              <a:rPr lang="en-US" sz="1600" kern="1200" dirty="0">
+                <a:solidFill>
+                  <a:prstClr val="white"/>
+                </a:solidFill>
+                <a:latin typeface="+mj-lt"/>
+                <a:ea typeface="Arial Unicode MS" panose="020B0604020202020204" pitchFamily="34" charset="-128"/>
+                <a:cs typeface="Arial Unicode MS" panose="020B0604020202020204" pitchFamily="34" charset="-128"/>
+              </a:rPr>
+              <a:t>“</a:t>
+            </a:r>
+            <a:r>
+              <a:rPr lang="en-US" sz="1600" kern="1200" dirty="0" err="1">
+                <a:solidFill>
+                  <a:prstClr val="white"/>
+                </a:solidFill>
+                <a:latin typeface="+mj-lt"/>
+                <a:ea typeface="Arial Unicode MS" panose="020B0604020202020204" pitchFamily="34" charset="-128"/>
+                <a:cs typeface="Arial Unicode MS" panose="020B0604020202020204" pitchFamily="34" charset="-128"/>
+              </a:rPr>
+              <a:t>thealetrail</a:t>
+            </a:r>
+            <a:r>
+              <a:rPr lang="en-US" sz="1600" kern="1200" dirty="0">
+                <a:solidFill>
+                  <a:prstClr val="white"/>
+                </a:solidFill>
+                <a:latin typeface="+mj-lt"/>
+                <a:ea typeface="Arial Unicode MS" panose="020B0604020202020204" pitchFamily="34" charset="-128"/>
+                <a:cs typeface="Arial Unicode MS" panose="020B0604020202020204" pitchFamily="34" charset="-128"/>
+              </a:rPr>
+              <a:t>” has the highest word association with “</a:t>
+            </a:r>
+            <a:r>
+              <a:rPr lang="en-US" sz="1600" kern="1200" dirty="0" err="1">
+                <a:solidFill>
+                  <a:prstClr val="white"/>
+                </a:solidFill>
+                <a:latin typeface="+mj-lt"/>
+                <a:ea typeface="Arial Unicode MS" panose="020B0604020202020204" pitchFamily="34" charset="-128"/>
+                <a:cs typeface="Arial Unicode MS" panose="020B0604020202020204" pitchFamily="34" charset="-128"/>
+              </a:rPr>
+              <a:t>brewdog</a:t>
+            </a:r>
+            <a:r>
+              <a:rPr lang="en-US" sz="1600" kern="1200" dirty="0">
+                <a:solidFill>
+                  <a:prstClr val="white"/>
+                </a:solidFill>
+                <a:latin typeface="+mj-lt"/>
+                <a:ea typeface="Arial Unicode MS" panose="020B0604020202020204" pitchFamily="34" charset="-128"/>
+                <a:cs typeface="Arial Unicode MS" panose="020B0604020202020204" pitchFamily="34" charset="-128"/>
+              </a:rPr>
+              <a:t>”</a:t>
+            </a:r>
+          </a:p>
+        </p:txBody>
+      </p:sp>
+      <p:pic>
+        <p:nvPicPr>
+          <p:cNvPr id="11" name="Picture 10">
+            <a:extLst>
+              <a:ext uri="{FF2B5EF4-FFF2-40B4-BE49-F238E27FC236}">
+                <a16:creationId xmlns:a16="http://schemas.microsoft.com/office/drawing/2014/main" id="{818B2B5F-FBAE-46E5-B78D-7D5A889CDB8B}"/>
+              </a:ext>
+            </a:extLst>
+          </p:cNvPr>
+          <p:cNvPicPr>
+            <a:picLocks noChangeAspect="1"/>
+          </p:cNvPicPr>
+          <p:nvPr/>
+        </p:nvPicPr>
+        <p:blipFill>
+          <a:blip r:embed="rId3"/>
+          <a:stretch>
+            <a:fillRect/>
+          </a:stretch>
+        </p:blipFill>
+        <p:spPr>
+          <a:xfrm>
+            <a:off x="209000" y="6136010"/>
+            <a:ext cx="404901" cy="329185"/>
+          </a:xfrm>
+          <a:prstGeom prst="rect">
+            <a:avLst/>
+          </a:prstGeom>
+        </p:spPr>
+      </p:pic>
+      <p:sp>
+        <p:nvSpPr>
+          <p:cNvPr id="18" name="Rectangle 17">
+            <a:extLst>
+              <a:ext uri="{FF2B5EF4-FFF2-40B4-BE49-F238E27FC236}">
+                <a16:creationId xmlns:a16="http://schemas.microsoft.com/office/drawing/2014/main" id="{EE08D283-37B7-4151-B8D2-962905F1A10E}"/>
+              </a:ext>
+            </a:extLst>
+          </p:cNvPr>
+          <p:cNvSpPr/>
+          <p:nvPr/>
+        </p:nvSpPr>
+        <p:spPr>
+          <a:xfrm>
+            <a:off x="1283109" y="5654272"/>
+            <a:ext cx="5400080" cy="430887"/>
+          </a:xfrm>
+          <a:prstGeom prst="rect">
+            <a:avLst/>
+          </a:prstGeom>
+        </p:spPr>
+        <p:txBody>
+          <a:bodyPr wrap="square">
+            <a:spAutoFit/>
+          </a:bodyPr>
+          <a:lstStyle/>
+          <a:p>
+            <a:r>
+              <a:rPr lang="en-US" sz="1100" dirty="0"/>
+              <a:t>@</a:t>
+            </a:r>
+            <a:r>
+              <a:rPr lang="en-US" sz="1100" dirty="0" err="1"/>
+              <a:t>TheAleTrail</a:t>
+            </a:r>
+            <a:r>
+              <a:rPr lang="en-US" sz="1100" dirty="0"/>
+              <a:t>: Worth the wait. This is excellent. @</a:t>
+            </a:r>
+            <a:r>
+              <a:rPr lang="en-US" sz="1100" dirty="0" err="1"/>
+              <a:t>brewdog</a:t>
+            </a:r>
+            <a:r>
+              <a:rPr lang="en-US" sz="1100" dirty="0"/>
+              <a:t> @</a:t>
+            </a:r>
+            <a:r>
+              <a:rPr lang="en-US" sz="1100" dirty="0" err="1"/>
+              <a:t>British_Airways</a:t>
+            </a:r>
+            <a:r>
+              <a:rPr lang="en-US" sz="1100" dirty="0"/>
+              <a:t>  #Speedbird100  balanced juicy hops with a tang of bitterness…</a:t>
+            </a:r>
+          </a:p>
+        </p:txBody>
+      </p:sp>
+      <p:sp>
+        <p:nvSpPr>
+          <p:cNvPr id="19" name="Speech Bubble: Oval 18">
+            <a:extLst>
+              <a:ext uri="{FF2B5EF4-FFF2-40B4-BE49-F238E27FC236}">
+                <a16:creationId xmlns:a16="http://schemas.microsoft.com/office/drawing/2014/main" id="{E1250D65-B07D-4E55-86C7-7CA38B54CFFD}"/>
+              </a:ext>
+            </a:extLst>
+          </p:cNvPr>
+          <p:cNvSpPr/>
+          <p:nvPr/>
+        </p:nvSpPr>
+        <p:spPr>
+          <a:xfrm>
+            <a:off x="613901" y="5486400"/>
+            <a:ext cx="5491064" cy="649610"/>
+          </a:xfrm>
+          <a:prstGeom prst="wedgeEllipseCallout">
+            <a:avLst>
+              <a:gd name="adj1" fmla="val -49331"/>
+              <a:gd name="adj2" fmla="val 54336"/>
+            </a:avLst>
+          </a:prstGeom>
+          <a:noFill/>
+          <a:ln>
+            <a:solidFill>
+              <a:schemeClr val="accent6">
+                <a:lumMod val="60000"/>
+                <a:lumOff val="40000"/>
+              </a:schemeClr>
+            </a:solidFill>
+          </a:ln>
+        </p:spPr>
+        <p:style>
+          <a:lnRef idx="2">
+            <a:schemeClr val="accent1">
+              <a:shade val="50000"/>
+            </a:schemeClr>
+          </a:lnRef>
+          <a:fillRef idx="1">
+            <a:schemeClr val="accent1"/>
+          </a:fillRef>
+          <a:effectRef idx="0">
+            <a:schemeClr val="accent1"/>
+          </a:effectRef>
+          <a:fontRef idx="minor">
+            <a:schemeClr val="lt1"/>
+          </a:fontRef>
+        </p:style>
+        <p:txBody>
+          <a:bodyPr rtlCol="0" anchor="ctr"/>
+          <a:lstStyle/>
+          <a:p>
+            <a:pPr algn="ctr"/>
+            <a:endParaRPr lang="en-US"/>
+          </a:p>
+        </p:txBody>
+      </p:sp>
+      <p:cxnSp>
+        <p:nvCxnSpPr>
+          <p:cNvPr id="12" name="Straight Connector 11">
+            <a:extLst>
+              <a:ext uri="{FF2B5EF4-FFF2-40B4-BE49-F238E27FC236}">
+                <a16:creationId xmlns:a16="http://schemas.microsoft.com/office/drawing/2014/main" id="{A0A92EBE-B569-2742-B935-9900CF11873A}"/>
+              </a:ext>
+            </a:extLst>
+          </p:cNvPr>
+          <p:cNvCxnSpPr/>
+          <p:nvPr/>
+        </p:nvCxnSpPr>
+        <p:spPr>
+          <a:xfrm>
+            <a:off x="6798363" y="6549885"/>
+            <a:ext cx="0" cy="182880"/>
+          </a:xfrm>
+          <a:prstGeom prst="line">
+            <a:avLst/>
+          </a:prstGeom>
+          <a:ln>
+            <a:solidFill>
+              <a:schemeClr val="bg1">
+                <a:lumMod val="85000"/>
+              </a:schemeClr>
+            </a:solidFill>
+          </a:ln>
+        </p:spPr>
+        <p:style>
+          <a:lnRef idx="1">
+            <a:schemeClr val="accent1"/>
+          </a:lnRef>
+          <a:fillRef idx="0">
+            <a:schemeClr val="accent1"/>
+          </a:fillRef>
+          <a:effectRef idx="0">
+            <a:schemeClr val="accent1"/>
+          </a:effectRef>
+          <a:fontRef idx="minor">
+            <a:schemeClr val="tx1"/>
+          </a:fontRef>
+        </p:style>
+      </p:cxnSp>
+      <p:cxnSp>
+        <p:nvCxnSpPr>
+          <p:cNvPr id="13" name="Straight Connector 12">
+            <a:extLst>
+              <a:ext uri="{FF2B5EF4-FFF2-40B4-BE49-F238E27FC236}">
+                <a16:creationId xmlns:a16="http://schemas.microsoft.com/office/drawing/2014/main" id="{F80EB2F3-9756-4E4E-8856-E88DF8B5B7D1}"/>
+              </a:ext>
+            </a:extLst>
+          </p:cNvPr>
+          <p:cNvCxnSpPr/>
+          <p:nvPr/>
+        </p:nvCxnSpPr>
+        <p:spPr>
+          <a:xfrm>
+            <a:off x="7076661" y="4664763"/>
+            <a:ext cx="182880" cy="0"/>
+          </a:xfrm>
+          <a:prstGeom prst="line">
+            <a:avLst/>
+          </a:prstGeom>
+          <a:ln>
+            <a:solidFill>
+              <a:schemeClr val="bg1">
+                <a:lumMod val="85000"/>
+              </a:schemeClr>
+            </a:solidFill>
+          </a:ln>
+        </p:spPr>
+        <p:style>
+          <a:lnRef idx="1">
+            <a:schemeClr val="accent1"/>
+          </a:lnRef>
+          <a:fillRef idx="0">
+            <a:schemeClr val="accent1"/>
+          </a:fillRef>
+          <a:effectRef idx="0">
+            <a:schemeClr val="accent1"/>
+          </a:effectRef>
+          <a:fontRef idx="minor">
+            <a:schemeClr val="tx1"/>
+          </a:fontRef>
+        </p:style>
+      </p:cxnSp>
+    </p:spTree>
+    <p:extLst>
+      <p:ext uri="{BB962C8B-B14F-4D97-AF65-F5344CB8AC3E}">
+        <p14:creationId xmlns:p14="http://schemas.microsoft.com/office/powerpoint/2010/main" val="2840599417"/>
+      </p:ext>
+    </p:extLst>
+  </p:cSld>
+  <p:clrMapOvr>
+    <a:masterClrMapping/>
+  </p:clrMapOvr>
+</p:sld>
+</file>
+
+<file path=ppt/slides/slide17.xml><?xml version="1.0" encoding="utf-8"?>
+<p:sld xmlns:a="http://schemas.openxmlformats.org/drawingml/2006/main" xmlns:r="http://schemas.openxmlformats.org/officeDocument/2006/relationships" xmlns:p="http://schemas.openxmlformats.org/presentationml/2006/main">
+  <p:cSld>
+    <p:spTree>
+      <p:nvGrpSpPr>
+        <p:cNvPr id="1" name=""/>
+        <p:cNvGrpSpPr/>
+        <p:nvPr/>
+      </p:nvGrpSpPr>
+      <p:grpSpPr>
+        <a:xfrm>
+          <a:off x="0" y="0"/>
+          <a:ext cx="0" cy="0"/>
+          <a:chOff x="0" y="0"/>
+          <a:chExt cx="0" cy="0"/>
+        </a:xfrm>
+      </p:grpSpPr>
+      <p:sp>
+        <p:nvSpPr>
+          <p:cNvPr id="2" name="Date Placeholder 1">
+            <a:extLst>
+              <a:ext uri="{FF2B5EF4-FFF2-40B4-BE49-F238E27FC236}">
+                <a16:creationId xmlns:a16="http://schemas.microsoft.com/office/drawing/2014/main" id="{8EA1E927-42A1-4F18-98B4-B2286686F93B}"/>
+              </a:ext>
+            </a:extLst>
+          </p:cNvPr>
+          <p:cNvSpPr>
+            <a:spLocks noGrp="1"/>
+          </p:cNvSpPr>
+          <p:nvPr>
+            <p:ph type="dt" sz="half" idx="10"/>
+          </p:nvPr>
+        </p:nvSpPr>
+        <p:spPr/>
+        <p:txBody>
+          <a:bodyPr/>
+          <a:lstStyle/>
+          <a:p>
+            <a:fld id="{6700A58B-DD98-43D0-B791-721480A02982}" type="datetime1">
+              <a:rPr lang="en-US" smtClean="0"/>
+              <a:pPr/>
+              <a:t>1/10/21</a:t>
+            </a:fld>
+            <a:endParaRPr lang="en-US"/>
+          </a:p>
+        </p:txBody>
+      </p:sp>
+      <p:sp>
+        <p:nvSpPr>
+          <p:cNvPr id="3" name="Title 2">
+            <a:extLst>
+              <a:ext uri="{FF2B5EF4-FFF2-40B4-BE49-F238E27FC236}">
+                <a16:creationId xmlns:a16="http://schemas.microsoft.com/office/drawing/2014/main" id="{9E9892C0-018C-4DD0-97A5-7FC4FD6EB37D}"/>
+              </a:ext>
+            </a:extLst>
+          </p:cNvPr>
+          <p:cNvSpPr>
+            <a:spLocks noGrp="1"/>
+          </p:cNvSpPr>
+          <p:nvPr>
+            <p:ph type="title"/>
+          </p:nvPr>
+        </p:nvSpPr>
+        <p:spPr/>
+        <p:txBody>
+          <a:bodyPr/>
+          <a:lstStyle/>
+          <a:p>
+            <a:r>
+              <a:rPr lang="en-US"/>
+              <a:t>Association is NOT frequency.</a:t>
+            </a:r>
+            <a:endParaRPr lang="en-US" dirty="0"/>
+          </a:p>
+        </p:txBody>
+      </p:sp>
+      <p:sp>
+        <p:nvSpPr>
+          <p:cNvPr id="5" name="Footer Placeholder 4">
+            <a:extLst>
+              <a:ext uri="{FF2B5EF4-FFF2-40B4-BE49-F238E27FC236}">
+                <a16:creationId xmlns:a16="http://schemas.microsoft.com/office/drawing/2014/main" id="{5A2500E2-DA47-4E11-95C9-97ABE6F857AD}"/>
+              </a:ext>
+            </a:extLst>
+          </p:cNvPr>
+          <p:cNvSpPr>
+            <a:spLocks noGrp="1"/>
+          </p:cNvSpPr>
+          <p:nvPr>
+            <p:ph type="ftr" sz="quarter" idx="3"/>
+          </p:nvPr>
+        </p:nvSpPr>
+        <p:spPr/>
+        <p:txBody>
+          <a:bodyPr/>
+          <a:lstStyle/>
+          <a:p>
+            <a:r>
+              <a:rPr lang="en-US"/>
+              <a:t>Kwartler</a:t>
+            </a:r>
+            <a:endParaRPr lang="en-US" dirty="0"/>
+          </a:p>
+        </p:txBody>
+      </p:sp>
+      <p:sp>
+        <p:nvSpPr>
+          <p:cNvPr id="4" name="Slide Number Placeholder 3">
+            <a:extLst>
+              <a:ext uri="{FF2B5EF4-FFF2-40B4-BE49-F238E27FC236}">
+                <a16:creationId xmlns:a16="http://schemas.microsoft.com/office/drawing/2014/main" id="{630852DE-7F9F-4D93-B347-B6A4CEFF2F31}"/>
+              </a:ext>
+            </a:extLst>
+          </p:cNvPr>
+          <p:cNvSpPr>
+            <a:spLocks noGrp="1"/>
+          </p:cNvSpPr>
+          <p:nvPr>
+            <p:ph type="sldNum" sz="quarter" idx="4"/>
+          </p:nvPr>
+        </p:nvSpPr>
+        <p:spPr/>
+        <p:txBody>
+          <a:bodyPr/>
+          <a:lstStyle/>
+          <a:p>
+            <a:fld id="{37290FF7-652B-4475-AEAB-8B1A5D23AE09}" type="slidenum">
+              <a:rPr lang="en-US" smtClean="0"/>
+              <a:pPr/>
+              <a:t>17</a:t>
+            </a:fld>
+            <a:endParaRPr lang="en-US"/>
+          </a:p>
+        </p:txBody>
+      </p:sp>
+      <p:pic>
+        <p:nvPicPr>
+          <p:cNvPr id="2050" name="Picture 2" descr="Image result for trap meme">
+            <a:extLst>
+              <a:ext uri="{FF2B5EF4-FFF2-40B4-BE49-F238E27FC236}">
+                <a16:creationId xmlns:a16="http://schemas.microsoft.com/office/drawing/2014/main" id="{EDF7E365-FED3-4323-966C-BAFC885B13B9}"/>
+              </a:ext>
+            </a:extLst>
+          </p:cNvPr>
+          <p:cNvPicPr>
+            <a:picLocks noChangeAspect="1" noChangeArrowheads="1"/>
+          </p:cNvPicPr>
+          <p:nvPr/>
+        </p:nvPicPr>
+        <p:blipFill>
+          <a:blip r:embed="rId2" cstate="print">
+            <a:extLst>
+              <a:ext uri="{28A0092B-C50C-407E-A947-70E740481C1C}">
+                <a14:useLocalDpi xmlns:a14="http://schemas.microsoft.com/office/drawing/2010/main" val="0"/>
+              </a:ext>
+            </a:extLst>
+          </a:blip>
+          <a:srcRect/>
+          <a:stretch>
+            <a:fillRect/>
+          </a:stretch>
+        </p:blipFill>
+        <p:spPr bwMode="auto">
+          <a:xfrm>
+            <a:off x="628650" y="2046954"/>
+            <a:ext cx="4257368" cy="2394770"/>
+          </a:xfrm>
+          <a:prstGeom prst="rect">
+            <a:avLst/>
+          </a:prstGeom>
+          <a:noFill/>
+          <a:extLst>
+            <a:ext uri="{909E8E84-426E-40DD-AFC4-6F175D3DCCD1}">
+              <a14:hiddenFill xmlns:a14="http://schemas.microsoft.com/office/drawing/2010/main">
+                <a:solidFill>
+                  <a:srgbClr val="FFFFFF"/>
+                </a:solidFill>
+              </a14:hiddenFill>
+            </a:ext>
+          </a:extLst>
+        </p:spPr>
+      </p:pic>
+      <p:sp>
+        <p:nvSpPr>
+          <p:cNvPr id="6" name="TextBox 5">
+            <a:extLst>
+              <a:ext uri="{FF2B5EF4-FFF2-40B4-BE49-F238E27FC236}">
+                <a16:creationId xmlns:a16="http://schemas.microsoft.com/office/drawing/2014/main" id="{2816C205-326A-44F0-9783-879DB3FC3CCD}"/>
+              </a:ext>
+            </a:extLst>
+          </p:cNvPr>
+          <p:cNvSpPr txBox="1"/>
+          <p:nvPr/>
+        </p:nvSpPr>
+        <p:spPr>
+          <a:xfrm>
+            <a:off x="5126600" y="2046954"/>
+            <a:ext cx="3519949" cy="923330"/>
+          </a:xfrm>
+          <a:prstGeom prst="rect">
+            <a:avLst/>
+          </a:prstGeom>
+          <a:noFill/>
+        </p:spPr>
+        <p:txBody>
+          <a:bodyPr wrap="square" rtlCol="0">
+            <a:spAutoFit/>
+          </a:bodyPr>
+          <a:lstStyle/>
+          <a:p>
+            <a:pPr marL="285750" indent="-285750">
+              <a:buFont typeface="Arial" panose="020B0604020202020204" pitchFamily="34" charset="0"/>
+              <a:buChar char="•"/>
+            </a:pPr>
+            <a:r>
+              <a:rPr lang="en-US" dirty="0"/>
+              <a:t>“</a:t>
+            </a:r>
+            <a:r>
+              <a:rPr lang="en-US" dirty="0" err="1"/>
+              <a:t>brewdog</a:t>
+            </a:r>
+            <a:r>
+              <a:rPr lang="en-US" dirty="0"/>
+              <a:t>” appears 16 times</a:t>
+            </a:r>
+          </a:p>
+          <a:p>
+            <a:pPr marL="285750" indent="-285750">
+              <a:buFont typeface="Arial" panose="020B0604020202020204" pitchFamily="34" charset="0"/>
+              <a:buChar char="•"/>
+            </a:pPr>
+            <a:r>
+              <a:rPr lang="en-US" dirty="0"/>
+              <a:t>“</a:t>
+            </a:r>
+            <a:r>
+              <a:rPr lang="en-US" dirty="0" err="1"/>
+              <a:t>thealetrail</a:t>
+            </a:r>
+            <a:r>
+              <a:rPr lang="en-US" dirty="0"/>
+              <a:t>” is the most associated term</a:t>
+            </a:r>
+          </a:p>
+        </p:txBody>
+      </p:sp>
+      <p:sp>
+        <p:nvSpPr>
+          <p:cNvPr id="7" name="Rectangle 6">
+            <a:extLst>
+              <a:ext uri="{FF2B5EF4-FFF2-40B4-BE49-F238E27FC236}">
+                <a16:creationId xmlns:a16="http://schemas.microsoft.com/office/drawing/2014/main" id="{9948CBF8-7AD5-452D-AE91-266CDE3F3E88}"/>
+              </a:ext>
+            </a:extLst>
+          </p:cNvPr>
+          <p:cNvSpPr/>
+          <p:nvPr/>
+        </p:nvSpPr>
+        <p:spPr>
+          <a:xfrm>
+            <a:off x="5201265" y="3244339"/>
+            <a:ext cx="3086100" cy="1314214"/>
+          </a:xfrm>
+          <a:prstGeom prst="rect">
+            <a:avLst/>
+          </a:prstGeom>
+          <a:ln>
+            <a:noFill/>
+          </a:ln>
+        </p:spPr>
+        <p:style>
+          <a:lnRef idx="2">
+            <a:schemeClr val="accent1">
+              <a:shade val="50000"/>
+            </a:schemeClr>
+          </a:lnRef>
+          <a:fillRef idx="1">
+            <a:schemeClr val="accent1"/>
+          </a:fillRef>
+          <a:effectRef idx="0">
+            <a:schemeClr val="accent1"/>
+          </a:effectRef>
+          <a:fontRef idx="minor">
+            <a:schemeClr val="lt1"/>
+          </a:fontRef>
+        </p:style>
+        <p:txBody>
+          <a:bodyPr rtlCol="0" anchor="ctr"/>
+          <a:lstStyle/>
+          <a:p>
+            <a:pPr algn="ctr"/>
+            <a:r>
+              <a:rPr lang="en-US" dirty="0"/>
+              <a:t>“</a:t>
+            </a:r>
+            <a:r>
+              <a:rPr lang="en-US" dirty="0" err="1"/>
+              <a:t>thealetrail</a:t>
+            </a:r>
+            <a:r>
+              <a:rPr lang="en-US" dirty="0"/>
+              <a:t>” appears 5 times.  There are other, more numerous terms that appear in the corpus but just less often with “</a:t>
+            </a:r>
+            <a:r>
+              <a:rPr lang="en-US" dirty="0" err="1"/>
+              <a:t>brewdog</a:t>
+            </a:r>
+            <a:r>
+              <a:rPr lang="en-US" dirty="0"/>
+              <a:t>”</a:t>
+            </a:r>
+          </a:p>
+        </p:txBody>
+      </p:sp>
+      <p:cxnSp>
+        <p:nvCxnSpPr>
+          <p:cNvPr id="10" name="Straight Connector 9">
+            <a:extLst>
+              <a:ext uri="{FF2B5EF4-FFF2-40B4-BE49-F238E27FC236}">
+                <a16:creationId xmlns:a16="http://schemas.microsoft.com/office/drawing/2014/main" id="{2AF50721-4658-F94D-A1CB-0E9CB433E144}"/>
+              </a:ext>
+            </a:extLst>
+          </p:cNvPr>
+          <p:cNvCxnSpPr/>
+          <p:nvPr/>
+        </p:nvCxnSpPr>
+        <p:spPr>
+          <a:xfrm>
+            <a:off x="6798363" y="6549885"/>
+            <a:ext cx="0" cy="182880"/>
+          </a:xfrm>
+          <a:prstGeom prst="line">
+            <a:avLst/>
+          </a:prstGeom>
+          <a:ln>
+            <a:solidFill>
+              <a:schemeClr val="bg1">
+                <a:lumMod val="85000"/>
+              </a:schemeClr>
+            </a:solidFill>
+          </a:ln>
+        </p:spPr>
+        <p:style>
+          <a:lnRef idx="1">
+            <a:schemeClr val="accent1"/>
+          </a:lnRef>
+          <a:fillRef idx="0">
+            <a:schemeClr val="accent1"/>
+          </a:fillRef>
+          <a:effectRef idx="0">
+            <a:schemeClr val="accent1"/>
+          </a:effectRef>
+          <a:fontRef idx="minor">
+            <a:schemeClr val="tx1"/>
+          </a:fontRef>
+        </p:style>
+      </p:cxnSp>
+      <p:cxnSp>
+        <p:nvCxnSpPr>
+          <p:cNvPr id="11" name="Straight Connector 10">
+            <a:extLst>
+              <a:ext uri="{FF2B5EF4-FFF2-40B4-BE49-F238E27FC236}">
+                <a16:creationId xmlns:a16="http://schemas.microsoft.com/office/drawing/2014/main" id="{D56B0906-93BE-FC4B-8CE5-5506712BAE8B}"/>
+              </a:ext>
+            </a:extLst>
+          </p:cNvPr>
+          <p:cNvCxnSpPr/>
+          <p:nvPr/>
+        </p:nvCxnSpPr>
+        <p:spPr>
+          <a:xfrm>
+            <a:off x="7076661" y="4664763"/>
+            <a:ext cx="182880" cy="0"/>
+          </a:xfrm>
+          <a:prstGeom prst="line">
+            <a:avLst/>
+          </a:prstGeom>
+          <a:ln>
+            <a:solidFill>
+              <a:schemeClr val="bg1">
+                <a:lumMod val="85000"/>
+              </a:schemeClr>
+            </a:solidFill>
+          </a:ln>
+        </p:spPr>
+        <p:style>
+          <a:lnRef idx="1">
+            <a:schemeClr val="accent1"/>
+          </a:lnRef>
+          <a:fillRef idx="0">
+            <a:schemeClr val="accent1"/>
+          </a:fillRef>
+          <a:effectRef idx="0">
+            <a:schemeClr val="accent1"/>
+          </a:effectRef>
+          <a:fontRef idx="minor">
+            <a:schemeClr val="tx1"/>
+          </a:fontRef>
+        </p:style>
+      </p:cxnSp>
+    </p:spTree>
+    <p:extLst>
+      <p:ext uri="{BB962C8B-B14F-4D97-AF65-F5344CB8AC3E}">
+        <p14:creationId xmlns:p14="http://schemas.microsoft.com/office/powerpoint/2010/main" val="141834658"/>
+      </p:ext>
+    </p:extLst>
+  </p:cSld>
+  <p:clrMapOvr>
+    <a:masterClrMapping/>
+  </p:clrMapOvr>
+</p:sld>
+</file>
+
+<file path=ppt/slides/slide2.xml><?xml version="1.0" encoding="utf-8"?>
+<p:sld xmlns:a="http://schemas.openxmlformats.org/drawingml/2006/main" xmlns:r="http://schemas.openxmlformats.org/officeDocument/2006/relationships" xmlns:p="http://schemas.openxmlformats.org/presentationml/2006/main">
+  <p:cSld>
+    <p:spTree>
+      <p:nvGrpSpPr>
+        <p:cNvPr id="1" name=""/>
+        <p:cNvGrpSpPr/>
+        <p:nvPr/>
+      </p:nvGrpSpPr>
+      <p:grpSpPr>
+        <a:xfrm>
+          <a:off x="0" y="0"/>
+          <a:ext cx="0" cy="0"/>
+          <a:chOff x="0" y="0"/>
+          <a:chExt cx="0" cy="0"/>
+        </a:xfrm>
+      </p:grpSpPr>
+      <p:sp>
+        <p:nvSpPr>
+          <p:cNvPr id="3" name="Title 2">
+            <a:extLst>
+              <a:ext uri="{FF2B5EF4-FFF2-40B4-BE49-F238E27FC236}">
+                <a16:creationId xmlns:a16="http://schemas.microsoft.com/office/drawing/2014/main" id="{2F061A48-CB41-4DDC-B8B9-5FFA68FF2634}"/>
+              </a:ext>
+            </a:extLst>
+          </p:cNvPr>
+          <p:cNvSpPr txBox="1">
+            <a:spLocks/>
+          </p:cNvSpPr>
+          <p:nvPr/>
+        </p:nvSpPr>
+        <p:spPr>
+          <a:xfrm>
+            <a:off x="628650" y="365126"/>
+            <a:ext cx="7886700" cy="591477"/>
+          </a:xfrm>
+          <a:prstGeom prst="rect">
+            <a:avLst/>
+          </a:prstGeom>
+        </p:spPr>
+        <p:txBody>
+          <a:bodyPr/>
+          <a:lstStyle>
+            <a:lvl1pPr algn="l" defTabSz="685800" rtl="0" eaLnBrk="1" latinLnBrk="0" hangingPunct="1">
+              <a:lnSpc>
+                <a:spcPct val="90000"/>
+              </a:lnSpc>
+              <a:spcBef>
+                <a:spcPct val="0"/>
+              </a:spcBef>
+              <a:buNone/>
+              <a:defRPr sz="3300" kern="1200">
+                <a:solidFill>
+                  <a:schemeClr val="tx1"/>
+                </a:solidFill>
+                <a:latin typeface="+mj-lt"/>
+                <a:ea typeface="+mj-ea"/>
+                <a:cs typeface="+mj-cs"/>
+              </a:defRPr>
+            </a:lvl1pPr>
+          </a:lstStyle>
+          <a:p>
+            <a:r>
+              <a:rPr lang="en-US" dirty="0"/>
+              <a:t>Getting a Word Frequency Matrix</a:t>
+            </a:r>
+          </a:p>
+        </p:txBody>
+      </p:sp>
+      <p:sp>
+        <p:nvSpPr>
+          <p:cNvPr id="6" name="Date Placeholder 1">
+            <a:extLst>
+              <a:ext uri="{FF2B5EF4-FFF2-40B4-BE49-F238E27FC236}">
+                <a16:creationId xmlns:a16="http://schemas.microsoft.com/office/drawing/2014/main" id="{A5024E83-7248-49C6-83CE-0C52F416FEF7}"/>
+              </a:ext>
+            </a:extLst>
+          </p:cNvPr>
+          <p:cNvSpPr>
+            <a:spLocks noGrp="1"/>
+          </p:cNvSpPr>
+          <p:nvPr>
+            <p:ph type="dt" sz="half" idx="10"/>
+          </p:nvPr>
+        </p:nvSpPr>
+        <p:spPr/>
+        <p:txBody>
+          <a:bodyPr/>
+          <a:lstStyle/>
+          <a:p>
+            <a:fld id="{6700A58B-DD98-43D0-B791-721480A02982}" type="datetime1">
+              <a:rPr lang="en-US" smtClean="0"/>
+              <a:t>1/10/21</a:t>
+            </a:fld>
+            <a:endParaRPr lang="en-US"/>
+          </a:p>
+        </p:txBody>
+      </p:sp>
+      <p:sp>
+        <p:nvSpPr>
+          <p:cNvPr id="7" name="Slide Number Placeholder 3">
+            <a:extLst>
+              <a:ext uri="{FF2B5EF4-FFF2-40B4-BE49-F238E27FC236}">
+                <a16:creationId xmlns:a16="http://schemas.microsoft.com/office/drawing/2014/main" id="{269E8134-5ACB-40D1-8C0C-86324C8FEF4A}"/>
+              </a:ext>
+            </a:extLst>
+          </p:cNvPr>
+          <p:cNvSpPr>
+            <a:spLocks noGrp="1"/>
+          </p:cNvSpPr>
+          <p:nvPr>
+            <p:ph type="sldNum" sz="quarter" idx="4"/>
+          </p:nvPr>
+        </p:nvSpPr>
+        <p:spPr/>
+        <p:txBody>
+          <a:bodyPr/>
+          <a:lstStyle/>
+          <a:p>
+            <a:fld id="{37290FF7-652B-4475-AEAB-8B1A5D23AE09}" type="slidenum">
+              <a:rPr lang="en-US" smtClean="0"/>
+              <a:t>2</a:t>
             </a:fld>
             <a:endParaRPr lang="en-US"/>
           </a:p>
@@ -12531,3985 +17139,7 @@
 </p:sld>
 </file>
 
-<file path=ppt/slides/slide10.xml><?xml version="1.0" encoding="utf-8"?>
-<p:sld xmlns:a="http://schemas.openxmlformats.org/drawingml/2006/main" xmlns:r="http://schemas.openxmlformats.org/officeDocument/2006/relationships" xmlns:p="http://schemas.openxmlformats.org/presentationml/2006/main">
-  <p:cSld>
-    <p:spTree>
-      <p:nvGrpSpPr>
-        <p:cNvPr id="1" name=""/>
-        <p:cNvGrpSpPr/>
-        <p:nvPr/>
-      </p:nvGrpSpPr>
-      <p:grpSpPr>
-        <a:xfrm>
-          <a:off x="0" y="0"/>
-          <a:ext cx="0" cy="0"/>
-          <a:chOff x="0" y="0"/>
-          <a:chExt cx="0" cy="0"/>
-        </a:xfrm>
-      </p:grpSpPr>
-      <p:sp>
-        <p:nvSpPr>
-          <p:cNvPr id="2" name="Date Placeholder 1">
-            <a:extLst>
-              <a:ext uri="{FF2B5EF4-FFF2-40B4-BE49-F238E27FC236}">
-                <a16:creationId xmlns:a16="http://schemas.microsoft.com/office/drawing/2014/main" id="{FC3CAA6D-9B22-4025-A828-540F80A29EEA}"/>
-              </a:ext>
-            </a:extLst>
-          </p:cNvPr>
-          <p:cNvSpPr>
-            <a:spLocks noGrp="1"/>
-          </p:cNvSpPr>
-          <p:nvPr>
-            <p:ph type="dt" sz="half" idx="10"/>
-          </p:nvPr>
-        </p:nvSpPr>
-        <p:spPr/>
-        <p:txBody>
-          <a:bodyPr/>
-          <a:lstStyle/>
-          <a:p>
-            <a:fld id="{6700A58B-DD98-43D0-B791-721480A02982}" type="datetime1">
-              <a:rPr lang="en-US" smtClean="0"/>
-              <a:t>12/30/20</a:t>
-            </a:fld>
-            <a:endParaRPr lang="en-US"/>
-          </a:p>
-        </p:txBody>
-      </p:sp>
-      <p:sp>
-        <p:nvSpPr>
-          <p:cNvPr id="3" name="Title 2">
-            <a:extLst>
-              <a:ext uri="{FF2B5EF4-FFF2-40B4-BE49-F238E27FC236}">
-                <a16:creationId xmlns:a16="http://schemas.microsoft.com/office/drawing/2014/main" id="{F37AB7D3-98B7-4934-90CE-E060474AFA48}"/>
-              </a:ext>
-            </a:extLst>
-          </p:cNvPr>
-          <p:cNvSpPr>
-            <a:spLocks noGrp="1"/>
-          </p:cNvSpPr>
-          <p:nvPr>
-            <p:ph type="title"/>
-          </p:nvPr>
-        </p:nvSpPr>
-        <p:spPr/>
-        <p:txBody>
-          <a:bodyPr/>
-          <a:lstStyle/>
-          <a:p>
-            <a:r>
-              <a:rPr lang="en-US" dirty="0" err="1"/>
-              <a:t>Zipf’s</a:t>
-            </a:r>
-            <a:r>
-              <a:rPr lang="en-US" dirty="0"/>
-              <a:t> Law is observed in business</a:t>
-            </a:r>
-          </a:p>
-        </p:txBody>
-      </p:sp>
-      <p:sp>
-        <p:nvSpPr>
-          <p:cNvPr id="5" name="Footer Placeholder 4">
-            <a:extLst>
-              <a:ext uri="{FF2B5EF4-FFF2-40B4-BE49-F238E27FC236}">
-                <a16:creationId xmlns:a16="http://schemas.microsoft.com/office/drawing/2014/main" id="{B500B84D-8A02-420F-A059-837051A1BD42}"/>
-              </a:ext>
-            </a:extLst>
-          </p:cNvPr>
-          <p:cNvSpPr>
-            <a:spLocks noGrp="1"/>
-          </p:cNvSpPr>
-          <p:nvPr>
-            <p:ph type="ftr" sz="quarter" idx="3"/>
-          </p:nvPr>
-        </p:nvSpPr>
-        <p:spPr/>
-        <p:txBody>
-          <a:bodyPr/>
-          <a:lstStyle/>
-          <a:p>
-            <a:r>
-              <a:rPr lang="en-US"/>
-              <a:t>Kwartler</a:t>
-            </a:r>
-            <a:endParaRPr lang="en-US" dirty="0"/>
-          </a:p>
-        </p:txBody>
-      </p:sp>
-      <p:sp>
-        <p:nvSpPr>
-          <p:cNvPr id="4" name="Slide Number Placeholder 3">
-            <a:extLst>
-              <a:ext uri="{FF2B5EF4-FFF2-40B4-BE49-F238E27FC236}">
-                <a16:creationId xmlns:a16="http://schemas.microsoft.com/office/drawing/2014/main" id="{7449A6EF-1CB8-497B-AFD9-B8CCDE5556A8}"/>
-              </a:ext>
-            </a:extLst>
-          </p:cNvPr>
-          <p:cNvSpPr>
-            <a:spLocks noGrp="1"/>
-          </p:cNvSpPr>
-          <p:nvPr>
-            <p:ph type="sldNum" sz="quarter" idx="4"/>
-          </p:nvPr>
-        </p:nvSpPr>
-        <p:spPr/>
-        <p:txBody>
-          <a:bodyPr/>
-          <a:lstStyle/>
-          <a:p>
-            <a:fld id="{37290FF7-652B-4475-AEAB-8B1A5D23AE09}" type="slidenum">
-              <a:rPr lang="en-US" smtClean="0"/>
-              <a:t>10</a:t>
-            </a:fld>
-            <a:endParaRPr lang="en-US"/>
-          </a:p>
-        </p:txBody>
-      </p:sp>
-      <p:sp>
-        <p:nvSpPr>
-          <p:cNvPr id="6" name="TextBox 5">
-            <a:extLst>
-              <a:ext uri="{FF2B5EF4-FFF2-40B4-BE49-F238E27FC236}">
-                <a16:creationId xmlns:a16="http://schemas.microsoft.com/office/drawing/2014/main" id="{057CAD2F-D46D-42EA-945D-4E82BBA60CCC}"/>
-              </a:ext>
-            </a:extLst>
-          </p:cNvPr>
-          <p:cNvSpPr txBox="1"/>
-          <p:nvPr/>
-        </p:nvSpPr>
-        <p:spPr>
-          <a:xfrm>
-            <a:off x="0" y="5964077"/>
-            <a:ext cx="5482591" cy="415498"/>
-          </a:xfrm>
-          <a:prstGeom prst="rect">
-            <a:avLst/>
-          </a:prstGeom>
-          <a:noFill/>
-        </p:spPr>
-        <p:txBody>
-          <a:bodyPr wrap="none" rtlCol="0">
-            <a:spAutoFit/>
-          </a:bodyPr>
-          <a:lstStyle/>
-          <a:p>
-            <a:r>
-              <a:rPr lang="en-US" sz="1050" dirty="0">
-                <a:hlinkClick r:id="rId2"/>
-              </a:rPr>
-              <a:t>https://www.insure.com/car-insurance/largest-auto-insurance-companies-by-market-share.html</a:t>
-            </a:r>
-            <a:endParaRPr lang="en-US" sz="1050" dirty="0"/>
-          </a:p>
-          <a:p>
-            <a:r>
-              <a:rPr lang="en-US" sz="1050" dirty="0">
-                <a:hlinkClick r:id="rId3"/>
-              </a:rPr>
-              <a:t>https://www.canalys.com/newsroom/cloud-market-share-q4-2018-and-full-year-2018</a:t>
-            </a:r>
-            <a:endParaRPr lang="en-US" sz="1050" dirty="0"/>
-          </a:p>
-        </p:txBody>
-      </p:sp>
-      <p:sp>
-        <p:nvSpPr>
-          <p:cNvPr id="10" name="TextBox 9">
-            <a:extLst>
-              <a:ext uri="{FF2B5EF4-FFF2-40B4-BE49-F238E27FC236}">
-                <a16:creationId xmlns:a16="http://schemas.microsoft.com/office/drawing/2014/main" id="{463081DC-3AE3-4F43-AEDB-B75090970E2C}"/>
-              </a:ext>
-            </a:extLst>
-          </p:cNvPr>
-          <p:cNvSpPr txBox="1"/>
-          <p:nvPr/>
-        </p:nvSpPr>
-        <p:spPr>
-          <a:xfrm flipH="1">
-            <a:off x="208937" y="1712298"/>
-            <a:ext cx="4363060" cy="369332"/>
-          </a:xfrm>
-          <a:prstGeom prst="rect">
-            <a:avLst/>
-          </a:prstGeom>
-          <a:solidFill>
-            <a:schemeClr val="accent5">
-              <a:lumMod val="75000"/>
-            </a:schemeClr>
-          </a:solidFill>
-        </p:spPr>
-        <p:txBody>
-          <a:bodyPr wrap="square" rtlCol="0">
-            <a:spAutoFit/>
-          </a:bodyPr>
-          <a:lstStyle/>
-          <a:p>
-            <a:r>
-              <a:rPr lang="en-US" dirty="0">
-                <a:solidFill>
-                  <a:schemeClr val="bg1"/>
-                </a:solidFill>
-              </a:rPr>
-              <a:t>Insurance </a:t>
-            </a:r>
-            <a:r>
-              <a:rPr lang="en-US" sz="1600" dirty="0">
-                <a:solidFill>
-                  <a:schemeClr val="bg1"/>
-                </a:solidFill>
-              </a:rPr>
-              <a:t>- 2016 Direct Premiums Written ($)</a:t>
-            </a:r>
-            <a:endParaRPr lang="en-US" dirty="0">
-              <a:solidFill>
-                <a:schemeClr val="bg1"/>
-              </a:solidFill>
-            </a:endParaRPr>
-          </a:p>
-        </p:txBody>
-      </p:sp>
-      <p:sp>
-        <p:nvSpPr>
-          <p:cNvPr id="12" name="TextBox 11">
-            <a:extLst>
-              <a:ext uri="{FF2B5EF4-FFF2-40B4-BE49-F238E27FC236}">
-                <a16:creationId xmlns:a16="http://schemas.microsoft.com/office/drawing/2014/main" id="{0A31F90A-215F-43E0-B2C9-11BCB424422E}"/>
-              </a:ext>
-            </a:extLst>
-          </p:cNvPr>
-          <p:cNvSpPr txBox="1"/>
-          <p:nvPr/>
-        </p:nvSpPr>
-        <p:spPr>
-          <a:xfrm flipH="1">
-            <a:off x="4768714" y="1712298"/>
-            <a:ext cx="4166349" cy="369332"/>
-          </a:xfrm>
-          <a:prstGeom prst="rect">
-            <a:avLst/>
-          </a:prstGeom>
-          <a:solidFill>
-            <a:schemeClr val="accent5">
-              <a:lumMod val="75000"/>
-            </a:schemeClr>
-          </a:solidFill>
-        </p:spPr>
-        <p:txBody>
-          <a:bodyPr wrap="square" rtlCol="0">
-            <a:spAutoFit/>
-          </a:bodyPr>
-          <a:lstStyle/>
-          <a:p>
-            <a:r>
-              <a:rPr lang="en-US" dirty="0">
-                <a:solidFill>
-                  <a:schemeClr val="bg1"/>
-                </a:solidFill>
-              </a:rPr>
-              <a:t>Tech – </a:t>
-            </a:r>
-            <a:r>
-              <a:rPr lang="en-US" sz="1600" dirty="0">
-                <a:solidFill>
-                  <a:schemeClr val="bg1"/>
-                </a:solidFill>
-              </a:rPr>
-              <a:t>2018 US Cloud Compute Mkt Share  </a:t>
-            </a:r>
-            <a:endParaRPr lang="en-US" dirty="0">
-              <a:solidFill>
-                <a:schemeClr val="bg1"/>
-              </a:solidFill>
-            </a:endParaRPr>
-          </a:p>
-        </p:txBody>
-      </p:sp>
-      <p:sp>
-        <p:nvSpPr>
-          <p:cNvPr id="13" name="Rectangle 12">
-            <a:extLst>
-              <a:ext uri="{FF2B5EF4-FFF2-40B4-BE49-F238E27FC236}">
-                <a16:creationId xmlns:a16="http://schemas.microsoft.com/office/drawing/2014/main" id="{8E57DA10-90FE-48D3-A387-2CA0E4D140D4}"/>
-              </a:ext>
-            </a:extLst>
-          </p:cNvPr>
-          <p:cNvSpPr/>
-          <p:nvPr/>
-        </p:nvSpPr>
-        <p:spPr>
-          <a:xfrm>
-            <a:off x="179917" y="1237129"/>
-            <a:ext cx="8784167" cy="292874"/>
-          </a:xfrm>
-          <a:prstGeom prst="rect">
-            <a:avLst/>
-          </a:prstGeom>
-          <a:solidFill>
-            <a:schemeClr val="accent6">
-              <a:lumMod val="60000"/>
-              <a:lumOff val="40000"/>
-            </a:schemeClr>
-          </a:solidFill>
-          <a:ln>
-            <a:noFill/>
-          </a:ln>
-        </p:spPr>
-        <p:style>
-          <a:lnRef idx="2">
-            <a:schemeClr val="accent1">
-              <a:shade val="50000"/>
-            </a:schemeClr>
-          </a:lnRef>
-          <a:fillRef idx="1">
-            <a:schemeClr val="accent1"/>
-          </a:fillRef>
-          <a:effectRef idx="0">
-            <a:schemeClr val="accent1"/>
-          </a:effectRef>
-          <a:fontRef idx="minor">
-            <a:schemeClr val="lt1"/>
-          </a:fontRef>
-        </p:style>
-        <p:txBody>
-          <a:bodyPr rtlCol="0" anchor="ctr"/>
-          <a:lstStyle/>
-          <a:p>
-            <a:pPr algn="ctr"/>
-            <a:r>
-              <a:rPr lang="en-US" sz="1200" dirty="0"/>
-              <a:t>Many industries become natural monopolies.  Without this natural maturing the industry is hyper competitive “Coke vs Pepsi” </a:t>
-            </a:r>
-          </a:p>
-        </p:txBody>
-      </p:sp>
-      <p:graphicFrame>
-        <p:nvGraphicFramePr>
-          <p:cNvPr id="14" name="Chart 13"/>
-          <p:cNvGraphicFramePr>
-            <a:graphicFrameLocks/>
-          </p:cNvGraphicFramePr>
-          <p:nvPr>
-            <p:extLst>
-              <p:ext uri="{D42A27DB-BD31-4B8C-83A1-F6EECF244321}">
-                <p14:modId xmlns:p14="http://schemas.microsoft.com/office/powerpoint/2010/main" val="2019963759"/>
-              </p:ext>
-            </p:extLst>
-          </p:nvPr>
-        </p:nvGraphicFramePr>
-        <p:xfrm>
-          <a:off x="0" y="2034675"/>
-          <a:ext cx="4572000" cy="2743200"/>
-        </p:xfrm>
-        <a:graphic>
-          <a:graphicData uri="http://schemas.openxmlformats.org/drawingml/2006/chart">
-            <c:chart xmlns:c="http://schemas.openxmlformats.org/drawingml/2006/chart" xmlns:r="http://schemas.openxmlformats.org/officeDocument/2006/relationships" r:id="rId4"/>
-          </a:graphicData>
-        </a:graphic>
-      </p:graphicFrame>
-      <p:graphicFrame>
-        <p:nvGraphicFramePr>
-          <p:cNvPr id="15" name="Chart 14"/>
-          <p:cNvGraphicFramePr>
-            <a:graphicFrameLocks/>
-          </p:cNvGraphicFramePr>
-          <p:nvPr>
-            <p:extLst>
-              <p:ext uri="{D42A27DB-BD31-4B8C-83A1-F6EECF244321}">
-                <p14:modId xmlns:p14="http://schemas.microsoft.com/office/powerpoint/2010/main" val="635946884"/>
-              </p:ext>
-            </p:extLst>
-          </p:nvPr>
-        </p:nvGraphicFramePr>
-        <p:xfrm>
-          <a:off x="4572000" y="2176564"/>
-          <a:ext cx="4235824" cy="2529907"/>
-        </p:xfrm>
-        <a:graphic>
-          <a:graphicData uri="http://schemas.openxmlformats.org/drawingml/2006/chart">
-            <c:chart xmlns:c="http://schemas.openxmlformats.org/drawingml/2006/chart" xmlns:r="http://schemas.openxmlformats.org/officeDocument/2006/relationships" r:id="rId5"/>
-          </a:graphicData>
-        </a:graphic>
-      </p:graphicFrame>
-      <p:cxnSp>
-        <p:nvCxnSpPr>
-          <p:cNvPr id="16" name="Straight Connector 15">
-            <a:extLst>
-              <a:ext uri="{FF2B5EF4-FFF2-40B4-BE49-F238E27FC236}">
-                <a16:creationId xmlns:a16="http://schemas.microsoft.com/office/drawing/2014/main" id="{1731AC9A-7527-1B4C-B733-45D6F204A31C}"/>
-              </a:ext>
-            </a:extLst>
-          </p:cNvPr>
-          <p:cNvCxnSpPr/>
-          <p:nvPr/>
-        </p:nvCxnSpPr>
-        <p:spPr>
-          <a:xfrm>
-            <a:off x="6798363" y="6549885"/>
-            <a:ext cx="0" cy="182880"/>
-          </a:xfrm>
-          <a:prstGeom prst="line">
-            <a:avLst/>
-          </a:prstGeom>
-          <a:ln>
-            <a:solidFill>
-              <a:schemeClr val="bg1">
-                <a:lumMod val="85000"/>
-              </a:schemeClr>
-            </a:solidFill>
-          </a:ln>
-        </p:spPr>
-        <p:style>
-          <a:lnRef idx="1">
-            <a:schemeClr val="accent1"/>
-          </a:lnRef>
-          <a:fillRef idx="0">
-            <a:schemeClr val="accent1"/>
-          </a:fillRef>
-          <a:effectRef idx="0">
-            <a:schemeClr val="accent1"/>
-          </a:effectRef>
-          <a:fontRef idx="minor">
-            <a:schemeClr val="tx1"/>
-          </a:fontRef>
-        </p:style>
-      </p:cxnSp>
-      <p:cxnSp>
-        <p:nvCxnSpPr>
-          <p:cNvPr id="17" name="Straight Connector 16">
-            <a:extLst>
-              <a:ext uri="{FF2B5EF4-FFF2-40B4-BE49-F238E27FC236}">
-                <a16:creationId xmlns:a16="http://schemas.microsoft.com/office/drawing/2014/main" id="{79032D9B-996D-244B-87E8-98929D43E816}"/>
-              </a:ext>
-            </a:extLst>
-          </p:cNvPr>
-          <p:cNvCxnSpPr/>
-          <p:nvPr/>
-        </p:nvCxnSpPr>
-        <p:spPr>
-          <a:xfrm>
-            <a:off x="7076661" y="4664763"/>
-            <a:ext cx="182880" cy="0"/>
-          </a:xfrm>
-          <a:prstGeom prst="line">
-            <a:avLst/>
-          </a:prstGeom>
-          <a:ln>
-            <a:solidFill>
-              <a:schemeClr val="bg1">
-                <a:lumMod val="85000"/>
-              </a:schemeClr>
-            </a:solidFill>
-          </a:ln>
-        </p:spPr>
-        <p:style>
-          <a:lnRef idx="1">
-            <a:schemeClr val="accent1"/>
-          </a:lnRef>
-          <a:fillRef idx="0">
-            <a:schemeClr val="accent1"/>
-          </a:fillRef>
-          <a:effectRef idx="0">
-            <a:schemeClr val="accent1"/>
-          </a:effectRef>
-          <a:fontRef idx="minor">
-            <a:schemeClr val="tx1"/>
-          </a:fontRef>
-        </p:style>
-      </p:cxnSp>
-    </p:spTree>
-    <p:extLst>
-      <p:ext uri="{BB962C8B-B14F-4D97-AF65-F5344CB8AC3E}">
-        <p14:creationId xmlns:p14="http://schemas.microsoft.com/office/powerpoint/2010/main" val="3560083267"/>
-      </p:ext>
-    </p:extLst>
-  </p:cSld>
-  <p:clrMapOvr>
-    <a:masterClrMapping/>
-  </p:clrMapOvr>
-</p:sld>
-</file>
-
-<file path=ppt/slides/slide11.xml><?xml version="1.0" encoding="utf-8"?>
-<p:sld xmlns:a="http://schemas.openxmlformats.org/drawingml/2006/main" xmlns:r="http://schemas.openxmlformats.org/officeDocument/2006/relationships" xmlns:p="http://schemas.openxmlformats.org/presentationml/2006/main">
-  <p:cSld>
-    <p:spTree>
-      <p:nvGrpSpPr>
-        <p:cNvPr id="1" name=""/>
-        <p:cNvGrpSpPr/>
-        <p:nvPr/>
-      </p:nvGrpSpPr>
-      <p:grpSpPr>
-        <a:xfrm>
-          <a:off x="0" y="0"/>
-          <a:ext cx="0" cy="0"/>
-          <a:chOff x="0" y="0"/>
-          <a:chExt cx="0" cy="0"/>
-        </a:xfrm>
-      </p:grpSpPr>
-      <p:sp>
-        <p:nvSpPr>
-          <p:cNvPr id="2" name="Date Placeholder 1">
-            <a:extLst>
-              <a:ext uri="{FF2B5EF4-FFF2-40B4-BE49-F238E27FC236}">
-                <a16:creationId xmlns:a16="http://schemas.microsoft.com/office/drawing/2014/main" id="{7CC1C347-821A-4A53-BE6F-AA598F2BC52D}"/>
-              </a:ext>
-            </a:extLst>
-          </p:cNvPr>
-          <p:cNvSpPr>
-            <a:spLocks noGrp="1"/>
-          </p:cNvSpPr>
-          <p:nvPr>
-            <p:ph type="dt" sz="half" idx="10"/>
-          </p:nvPr>
-        </p:nvSpPr>
-        <p:spPr/>
-        <p:txBody>
-          <a:bodyPr/>
-          <a:lstStyle/>
-          <a:p>
-            <a:fld id="{6700A58B-DD98-43D0-B791-721480A02982}" type="datetime1">
-              <a:rPr lang="en-US" smtClean="0"/>
-              <a:t>12/30/20</a:t>
-            </a:fld>
-            <a:endParaRPr lang="en-US"/>
-          </a:p>
-        </p:txBody>
-      </p:sp>
-      <p:sp>
-        <p:nvSpPr>
-          <p:cNvPr id="3" name="Title 2">
-            <a:extLst>
-              <a:ext uri="{FF2B5EF4-FFF2-40B4-BE49-F238E27FC236}">
-                <a16:creationId xmlns:a16="http://schemas.microsoft.com/office/drawing/2014/main" id="{07B611A7-1CF9-40F4-B19C-B798B0C80BCC}"/>
-              </a:ext>
-            </a:extLst>
-          </p:cNvPr>
-          <p:cNvSpPr>
-            <a:spLocks noGrp="1"/>
-          </p:cNvSpPr>
-          <p:nvPr>
-            <p:ph type="title"/>
-          </p:nvPr>
-        </p:nvSpPr>
-        <p:spPr>
-          <a:xfrm>
-            <a:off x="0" y="365126"/>
-            <a:ext cx="9144000" cy="591477"/>
-          </a:xfrm>
-        </p:spPr>
-        <p:txBody>
-          <a:bodyPr/>
-          <a:lstStyle/>
-          <a:p>
-            <a:r>
-              <a:rPr lang="en-US" dirty="0" err="1"/>
-              <a:t>Zipf’s</a:t>
-            </a:r>
-            <a:r>
-              <a:rPr lang="en-US" dirty="0"/>
-              <a:t> Law: </a:t>
-            </a:r>
-            <a:r>
-              <a:rPr lang="en-US" sz="1600" dirty="0"/>
-              <a:t>The frequency of a word is inversely related to its rank in a word frequency matrix.</a:t>
-            </a:r>
-            <a:br>
-              <a:rPr lang="en-US" sz="1600" dirty="0"/>
-            </a:br>
-            <a:endParaRPr lang="en-US" dirty="0"/>
-          </a:p>
-        </p:txBody>
-      </p:sp>
-      <p:sp>
-        <p:nvSpPr>
-          <p:cNvPr id="4" name="Slide Number Placeholder 3">
-            <a:extLst>
-              <a:ext uri="{FF2B5EF4-FFF2-40B4-BE49-F238E27FC236}">
-                <a16:creationId xmlns:a16="http://schemas.microsoft.com/office/drawing/2014/main" id="{DB678605-D47F-487D-B818-8649427177BA}"/>
-              </a:ext>
-            </a:extLst>
-          </p:cNvPr>
-          <p:cNvSpPr>
-            <a:spLocks noGrp="1"/>
-          </p:cNvSpPr>
-          <p:nvPr>
-            <p:ph type="sldNum" sz="quarter" idx="4"/>
-          </p:nvPr>
-        </p:nvSpPr>
-        <p:spPr>
-          <a:xfrm>
-            <a:off x="6457950" y="6356351"/>
-            <a:ext cx="857250" cy="365125"/>
-          </a:xfrm>
-        </p:spPr>
-        <p:txBody>
-          <a:bodyPr/>
-          <a:lstStyle/>
-          <a:p>
-            <a:fld id="{37290FF7-652B-4475-AEAB-8B1A5D23AE09}" type="slidenum">
-              <a:rPr lang="en-US" smtClean="0"/>
-              <a:t>11</a:t>
-            </a:fld>
-            <a:endParaRPr lang="en-US"/>
-          </a:p>
-        </p:txBody>
-      </p:sp>
-      <p:sp>
-        <p:nvSpPr>
-          <p:cNvPr id="5" name="Footer Placeholder 4">
-            <a:extLst>
-              <a:ext uri="{FF2B5EF4-FFF2-40B4-BE49-F238E27FC236}">
-                <a16:creationId xmlns:a16="http://schemas.microsoft.com/office/drawing/2014/main" id="{F22089D5-76B3-4F96-8A7C-A58AB148B7F5}"/>
-              </a:ext>
-            </a:extLst>
-          </p:cNvPr>
-          <p:cNvSpPr>
-            <a:spLocks noGrp="1"/>
-          </p:cNvSpPr>
-          <p:nvPr>
-            <p:ph type="ftr" sz="quarter" idx="3"/>
-          </p:nvPr>
-        </p:nvSpPr>
-        <p:spPr/>
-        <p:txBody>
-          <a:bodyPr/>
-          <a:lstStyle/>
-          <a:p>
-            <a:r>
-              <a:rPr lang="en-US"/>
-              <a:t>Kwartler</a:t>
-            </a:r>
-            <a:endParaRPr lang="en-US" dirty="0"/>
-          </a:p>
-        </p:txBody>
-      </p:sp>
-      <p:sp>
-        <p:nvSpPr>
-          <p:cNvPr id="6" name="Rectangle 5">
-            <a:extLst>
-              <a:ext uri="{FF2B5EF4-FFF2-40B4-BE49-F238E27FC236}">
-                <a16:creationId xmlns:a16="http://schemas.microsoft.com/office/drawing/2014/main" id="{AE05F16E-B7E1-4316-A709-6BF9303EDE99}"/>
-              </a:ext>
-            </a:extLst>
-          </p:cNvPr>
-          <p:cNvSpPr/>
-          <p:nvPr/>
-        </p:nvSpPr>
-        <p:spPr>
-          <a:xfrm>
-            <a:off x="179917" y="1262641"/>
-            <a:ext cx="8784167" cy="253916"/>
-          </a:xfrm>
-          <a:prstGeom prst="rect">
-            <a:avLst/>
-          </a:prstGeom>
-          <a:solidFill>
-            <a:schemeClr val="accent6">
-              <a:lumMod val="60000"/>
-              <a:lumOff val="40000"/>
-            </a:schemeClr>
-          </a:solidFill>
-          <a:ln>
-            <a:noFill/>
-          </a:ln>
-        </p:spPr>
-        <p:style>
-          <a:lnRef idx="2">
-            <a:schemeClr val="accent1">
-              <a:shade val="50000"/>
-            </a:schemeClr>
-          </a:lnRef>
-          <a:fillRef idx="1">
-            <a:schemeClr val="accent1"/>
-          </a:fillRef>
-          <a:effectRef idx="0">
-            <a:schemeClr val="accent1"/>
-          </a:effectRef>
-          <a:fontRef idx="minor">
-            <a:schemeClr val="lt1"/>
-          </a:fontRef>
-        </p:style>
-        <p:txBody>
-          <a:bodyPr rtlCol="0" anchor="ctr"/>
-          <a:lstStyle/>
-          <a:p>
-            <a:pPr algn="ctr"/>
-            <a:r>
-              <a:rPr lang="en-US" dirty="0"/>
-              <a:t>In language this means we should expect coming words to dominate.</a:t>
-            </a:r>
-          </a:p>
-        </p:txBody>
-      </p:sp>
-      <p:sp>
-        <p:nvSpPr>
-          <p:cNvPr id="8" name="TextBox 7">
-            <a:extLst>
-              <a:ext uri="{FF2B5EF4-FFF2-40B4-BE49-F238E27FC236}">
-                <a16:creationId xmlns:a16="http://schemas.microsoft.com/office/drawing/2014/main" id="{4FD79347-3F95-4D61-A765-8971986126DA}"/>
-              </a:ext>
-            </a:extLst>
-          </p:cNvPr>
-          <p:cNvSpPr txBox="1"/>
-          <p:nvPr/>
-        </p:nvSpPr>
-        <p:spPr>
-          <a:xfrm>
-            <a:off x="459955" y="2644170"/>
-            <a:ext cx="3991897" cy="1569660"/>
-          </a:xfrm>
-          <a:prstGeom prst="rect">
-            <a:avLst/>
-          </a:prstGeom>
-          <a:noFill/>
-        </p:spPr>
-        <p:txBody>
-          <a:bodyPr wrap="square" rtlCol="0">
-            <a:spAutoFit/>
-          </a:bodyPr>
-          <a:lstStyle/>
-          <a:p>
-            <a:pPr marL="342900" indent="-342900">
-              <a:buAutoNum type="arabicPeriod"/>
-            </a:pPr>
-            <a:r>
-              <a:rPr lang="en-US" sz="1600" dirty="0"/>
-              <a:t>Observation or Word A appears N times</a:t>
-            </a:r>
-          </a:p>
-          <a:p>
-            <a:pPr marL="342900" indent="-342900">
-              <a:buAutoNum type="arabicPeriod"/>
-            </a:pPr>
-            <a:r>
-              <a:rPr lang="en-US" sz="1600" dirty="0"/>
-              <a:t>Word B is expected to appear N/2</a:t>
-            </a:r>
-          </a:p>
-          <a:p>
-            <a:pPr marL="342900" indent="-342900">
-              <a:buAutoNum type="arabicPeriod"/>
-            </a:pPr>
-            <a:r>
-              <a:rPr lang="en-US" sz="1600" dirty="0"/>
-              <a:t>Word C is expected to appear N/3</a:t>
-            </a:r>
-          </a:p>
-          <a:p>
-            <a:pPr marL="342900" indent="-342900">
-              <a:buAutoNum type="arabicPeriod"/>
-            </a:pPr>
-            <a:r>
-              <a:rPr lang="en-US" sz="1600" dirty="0"/>
-              <a:t>Word D is expected to appear N/4</a:t>
-            </a:r>
-          </a:p>
-          <a:p>
-            <a:pPr marL="342900" indent="-342900">
-              <a:buAutoNum type="arabicPeriod"/>
-            </a:pPr>
-            <a:r>
-              <a:rPr lang="en-US" sz="1600" dirty="0"/>
-              <a:t>…</a:t>
-            </a:r>
-          </a:p>
-          <a:p>
-            <a:pPr marL="342900" indent="-342900">
-              <a:buAutoNum type="arabicPeriod"/>
-            </a:pPr>
-            <a:r>
-              <a:rPr lang="en-US" sz="1600" dirty="0"/>
-              <a:t>…</a:t>
-            </a:r>
-          </a:p>
-        </p:txBody>
-      </p:sp>
-      <p:sp>
-        <p:nvSpPr>
-          <p:cNvPr id="9" name="TextBox 8">
-            <a:extLst>
-              <a:ext uri="{FF2B5EF4-FFF2-40B4-BE49-F238E27FC236}">
-                <a16:creationId xmlns:a16="http://schemas.microsoft.com/office/drawing/2014/main" id="{461B53F2-E7B8-45E4-87B0-2426B549AAFE}"/>
-              </a:ext>
-            </a:extLst>
-          </p:cNvPr>
-          <p:cNvSpPr txBox="1"/>
-          <p:nvPr/>
-        </p:nvSpPr>
-        <p:spPr>
-          <a:xfrm rot="16200000">
-            <a:off x="-370032" y="3343501"/>
-            <a:ext cx="1170833" cy="369332"/>
-          </a:xfrm>
-          <a:prstGeom prst="rect">
-            <a:avLst/>
-          </a:prstGeom>
-          <a:noFill/>
-        </p:spPr>
-        <p:txBody>
-          <a:bodyPr wrap="none" rtlCol="0">
-            <a:spAutoFit/>
-          </a:bodyPr>
-          <a:lstStyle/>
-          <a:p>
-            <a:r>
-              <a:rPr lang="en-US" u="sng" dirty="0"/>
-              <a:t>Term Rank</a:t>
-            </a:r>
-          </a:p>
-        </p:txBody>
-      </p:sp>
-      <p:sp>
-        <p:nvSpPr>
-          <p:cNvPr id="12" name="TextBox 11">
-            <a:extLst>
-              <a:ext uri="{FF2B5EF4-FFF2-40B4-BE49-F238E27FC236}">
-                <a16:creationId xmlns:a16="http://schemas.microsoft.com/office/drawing/2014/main" id="{BE2300B3-1357-4B03-A779-79D15FB87EE3}"/>
-              </a:ext>
-            </a:extLst>
-          </p:cNvPr>
-          <p:cNvSpPr txBox="1"/>
-          <p:nvPr/>
-        </p:nvSpPr>
-        <p:spPr>
-          <a:xfrm>
-            <a:off x="119179" y="6114626"/>
-            <a:ext cx="2909771" cy="253916"/>
-          </a:xfrm>
-          <a:prstGeom prst="rect">
-            <a:avLst/>
-          </a:prstGeom>
-          <a:noFill/>
-        </p:spPr>
-        <p:txBody>
-          <a:bodyPr wrap="none" rtlCol="0">
-            <a:spAutoFit/>
-          </a:bodyPr>
-          <a:lstStyle/>
-          <a:p>
-            <a:r>
-              <a:rPr lang="en-US" sz="1050" dirty="0">
-                <a:hlinkClick r:id="rId2"/>
-              </a:rPr>
-              <a:t>https://www.worlddata.info/average-income.php</a:t>
-            </a:r>
-            <a:endParaRPr lang="en-US" sz="1050" dirty="0"/>
-          </a:p>
-        </p:txBody>
-      </p:sp>
-      <p:graphicFrame>
-        <p:nvGraphicFramePr>
-          <p:cNvPr id="13" name="Chart 12">
-            <a:extLst>
-              <a:ext uri="{FF2B5EF4-FFF2-40B4-BE49-F238E27FC236}">
-                <a16:creationId xmlns:a16="http://schemas.microsoft.com/office/drawing/2014/main" id="{8652AAF0-C231-4BF5-ACB1-A81F25076C75}"/>
-              </a:ext>
-            </a:extLst>
-          </p:cNvPr>
-          <p:cNvGraphicFramePr>
-            <a:graphicFrameLocks/>
-          </p:cNvGraphicFramePr>
-          <p:nvPr>
-            <p:extLst>
-              <p:ext uri="{D42A27DB-BD31-4B8C-83A1-F6EECF244321}">
-                <p14:modId xmlns:p14="http://schemas.microsoft.com/office/powerpoint/2010/main" val="1363951777"/>
-              </p:ext>
-            </p:extLst>
-          </p:nvPr>
-        </p:nvGraphicFramePr>
-        <p:xfrm>
-          <a:off x="4385186" y="1968886"/>
-          <a:ext cx="4578893" cy="3118562"/>
-        </p:xfrm>
-        <a:graphic>
-          <a:graphicData uri="http://schemas.openxmlformats.org/drawingml/2006/chart">
-            <c:chart xmlns:c="http://schemas.openxmlformats.org/drawingml/2006/chart" xmlns:r="http://schemas.openxmlformats.org/officeDocument/2006/relationships" r:id="rId3"/>
-          </a:graphicData>
-        </a:graphic>
-      </p:graphicFrame>
-      <p:cxnSp>
-        <p:nvCxnSpPr>
-          <p:cNvPr id="14" name="Straight Connector 13">
-            <a:extLst>
-              <a:ext uri="{FF2B5EF4-FFF2-40B4-BE49-F238E27FC236}">
-                <a16:creationId xmlns:a16="http://schemas.microsoft.com/office/drawing/2014/main" id="{E2492C65-9AAA-3044-A8A2-FB800E5D9F81}"/>
-              </a:ext>
-            </a:extLst>
-          </p:cNvPr>
-          <p:cNvCxnSpPr/>
-          <p:nvPr/>
-        </p:nvCxnSpPr>
-        <p:spPr>
-          <a:xfrm>
-            <a:off x="6798363" y="6549885"/>
-            <a:ext cx="0" cy="182880"/>
-          </a:xfrm>
-          <a:prstGeom prst="line">
-            <a:avLst/>
-          </a:prstGeom>
-          <a:ln>
-            <a:solidFill>
-              <a:schemeClr val="bg1">
-                <a:lumMod val="85000"/>
-              </a:schemeClr>
-            </a:solidFill>
-          </a:ln>
-        </p:spPr>
-        <p:style>
-          <a:lnRef idx="1">
-            <a:schemeClr val="accent1"/>
-          </a:lnRef>
-          <a:fillRef idx="0">
-            <a:schemeClr val="accent1"/>
-          </a:fillRef>
-          <a:effectRef idx="0">
-            <a:schemeClr val="accent1"/>
-          </a:effectRef>
-          <a:fontRef idx="minor">
-            <a:schemeClr val="tx1"/>
-          </a:fontRef>
-        </p:style>
-      </p:cxnSp>
-      <p:cxnSp>
-        <p:nvCxnSpPr>
-          <p:cNvPr id="15" name="Straight Connector 14">
-            <a:extLst>
-              <a:ext uri="{FF2B5EF4-FFF2-40B4-BE49-F238E27FC236}">
-                <a16:creationId xmlns:a16="http://schemas.microsoft.com/office/drawing/2014/main" id="{A0FC444F-31DF-2F42-9D53-1532A366437F}"/>
-              </a:ext>
-            </a:extLst>
-          </p:cNvPr>
-          <p:cNvCxnSpPr/>
-          <p:nvPr/>
-        </p:nvCxnSpPr>
-        <p:spPr>
-          <a:xfrm>
-            <a:off x="7076661" y="4664763"/>
-            <a:ext cx="182880" cy="0"/>
-          </a:xfrm>
-          <a:prstGeom prst="line">
-            <a:avLst/>
-          </a:prstGeom>
-          <a:ln>
-            <a:solidFill>
-              <a:schemeClr val="bg1">
-                <a:lumMod val="85000"/>
-              </a:schemeClr>
-            </a:solidFill>
-          </a:ln>
-        </p:spPr>
-        <p:style>
-          <a:lnRef idx="1">
-            <a:schemeClr val="accent1"/>
-          </a:lnRef>
-          <a:fillRef idx="0">
-            <a:schemeClr val="accent1"/>
-          </a:fillRef>
-          <a:effectRef idx="0">
-            <a:schemeClr val="accent1"/>
-          </a:effectRef>
-          <a:fontRef idx="minor">
-            <a:schemeClr val="tx1"/>
-          </a:fontRef>
-        </p:style>
-      </p:cxnSp>
-    </p:spTree>
-    <p:extLst>
-      <p:ext uri="{BB962C8B-B14F-4D97-AF65-F5344CB8AC3E}">
-        <p14:creationId xmlns:p14="http://schemas.microsoft.com/office/powerpoint/2010/main" val="3971192638"/>
-      </p:ext>
-    </p:extLst>
-  </p:cSld>
-  <p:clrMapOvr>
-    <a:masterClrMapping/>
-  </p:clrMapOvr>
-</p:sld>
-</file>
-
-<file path=ppt/slides/slide12.xml><?xml version="1.0" encoding="utf-8"?>
-<p:sld xmlns:a="http://schemas.openxmlformats.org/drawingml/2006/main" xmlns:r="http://schemas.openxmlformats.org/officeDocument/2006/relationships" xmlns:p="http://schemas.openxmlformats.org/presentationml/2006/main">
-  <p:cSld>
-    <p:spTree>
-      <p:nvGrpSpPr>
-        <p:cNvPr id="1" name=""/>
-        <p:cNvGrpSpPr/>
-        <p:nvPr/>
-      </p:nvGrpSpPr>
-      <p:grpSpPr>
-        <a:xfrm>
-          <a:off x="0" y="0"/>
-          <a:ext cx="0" cy="0"/>
-          <a:chOff x="0" y="0"/>
-          <a:chExt cx="0" cy="0"/>
-        </a:xfrm>
-      </p:grpSpPr>
-      <p:sp>
-        <p:nvSpPr>
-          <p:cNvPr id="3" name="Title 2">
-            <a:extLst>
-              <a:ext uri="{FF2B5EF4-FFF2-40B4-BE49-F238E27FC236}">
-                <a16:creationId xmlns:a16="http://schemas.microsoft.com/office/drawing/2014/main" id="{2F061A48-CB41-4DDC-B8B9-5FFA68FF2634}"/>
-              </a:ext>
-            </a:extLst>
-          </p:cNvPr>
-          <p:cNvSpPr txBox="1">
-            <a:spLocks/>
-          </p:cNvSpPr>
-          <p:nvPr/>
-        </p:nvSpPr>
-        <p:spPr>
-          <a:xfrm>
-            <a:off x="191729" y="136524"/>
-            <a:ext cx="8760542" cy="591477"/>
-          </a:xfrm>
-          <a:prstGeom prst="rect">
-            <a:avLst/>
-          </a:prstGeom>
-        </p:spPr>
-        <p:txBody>
-          <a:bodyPr/>
-          <a:lstStyle>
-            <a:lvl1pPr algn="l" defTabSz="685800" rtl="0" eaLnBrk="1" latinLnBrk="0" hangingPunct="1">
-              <a:lnSpc>
-                <a:spcPct val="90000"/>
-              </a:lnSpc>
-              <a:spcBef>
-                <a:spcPct val="0"/>
-              </a:spcBef>
-              <a:buNone/>
-              <a:defRPr sz="3300" kern="1200">
-                <a:solidFill>
-                  <a:schemeClr val="tx1"/>
-                </a:solidFill>
-                <a:latin typeface="+mj-lt"/>
-                <a:ea typeface="+mj-ea"/>
-                <a:cs typeface="+mj-cs"/>
-              </a:defRPr>
-            </a:lvl1pPr>
-          </a:lstStyle>
-          <a:p>
-            <a:r>
-              <a:rPr lang="en-US" sz="2800" dirty="0"/>
-              <a:t>Open </a:t>
-            </a:r>
-            <a:r>
-              <a:rPr lang="en-US" sz="2800" dirty="0" err="1"/>
-              <a:t>B_Frequency_Associations.R</a:t>
-            </a:r>
-            <a:r>
-              <a:rPr lang="en-US" sz="2800" dirty="0"/>
-              <a:t> </a:t>
-            </a:r>
-          </a:p>
-          <a:p>
-            <a:r>
-              <a:rPr lang="en-US" sz="2800" dirty="0"/>
-              <a:t>Visualizing the WFM</a:t>
-            </a:r>
-          </a:p>
-        </p:txBody>
-      </p:sp>
-      <p:sp>
-        <p:nvSpPr>
-          <p:cNvPr id="6" name="Date Placeholder 1">
-            <a:extLst>
-              <a:ext uri="{FF2B5EF4-FFF2-40B4-BE49-F238E27FC236}">
-                <a16:creationId xmlns:a16="http://schemas.microsoft.com/office/drawing/2014/main" id="{A5024E83-7248-49C6-83CE-0C52F416FEF7}"/>
-              </a:ext>
-            </a:extLst>
-          </p:cNvPr>
-          <p:cNvSpPr>
-            <a:spLocks noGrp="1"/>
-          </p:cNvSpPr>
-          <p:nvPr>
-            <p:ph type="dt" sz="half" idx="10"/>
-          </p:nvPr>
-        </p:nvSpPr>
-        <p:spPr/>
-        <p:txBody>
-          <a:bodyPr/>
-          <a:lstStyle/>
-          <a:p>
-            <a:fld id="{6700A58B-DD98-43D0-B791-721480A02982}" type="datetime1">
-              <a:rPr lang="en-US" smtClean="0"/>
-              <a:t>12/30/20</a:t>
-            </a:fld>
-            <a:endParaRPr lang="en-US"/>
-          </a:p>
-        </p:txBody>
-      </p:sp>
-      <p:sp>
-        <p:nvSpPr>
-          <p:cNvPr id="8" name="Footer Placeholder 5">
-            <a:extLst>
-              <a:ext uri="{FF2B5EF4-FFF2-40B4-BE49-F238E27FC236}">
-                <a16:creationId xmlns:a16="http://schemas.microsoft.com/office/drawing/2014/main" id="{93E54B3B-632C-44FD-A3F2-BCFDAA237369}"/>
-              </a:ext>
-            </a:extLst>
-          </p:cNvPr>
-          <p:cNvSpPr>
-            <a:spLocks noGrp="1"/>
-          </p:cNvSpPr>
-          <p:nvPr>
-            <p:ph type="ftr" sz="quarter" idx="3"/>
-          </p:nvPr>
-        </p:nvSpPr>
-        <p:spPr/>
-        <p:txBody>
-          <a:bodyPr/>
-          <a:lstStyle/>
-          <a:p>
-            <a:r>
-              <a:rPr lang="en-US" dirty="0"/>
-              <a:t>Kwartler</a:t>
-            </a:r>
-          </a:p>
-        </p:txBody>
-      </p:sp>
-      <p:sp>
-        <p:nvSpPr>
-          <p:cNvPr id="7" name="Slide Number Placeholder 3">
-            <a:extLst>
-              <a:ext uri="{FF2B5EF4-FFF2-40B4-BE49-F238E27FC236}">
-                <a16:creationId xmlns:a16="http://schemas.microsoft.com/office/drawing/2014/main" id="{269E8134-5ACB-40D1-8C0C-86324C8FEF4A}"/>
-              </a:ext>
-            </a:extLst>
-          </p:cNvPr>
-          <p:cNvSpPr>
-            <a:spLocks noGrp="1"/>
-          </p:cNvSpPr>
-          <p:nvPr>
-            <p:ph type="sldNum" sz="quarter" idx="4"/>
-          </p:nvPr>
-        </p:nvSpPr>
-        <p:spPr/>
-        <p:txBody>
-          <a:bodyPr/>
-          <a:lstStyle/>
-          <a:p>
-            <a:fld id="{37290FF7-652B-4475-AEAB-8B1A5D23AE09}" type="slidenum">
-              <a:rPr lang="en-US" smtClean="0"/>
-              <a:t>12</a:t>
-            </a:fld>
-            <a:endParaRPr lang="en-US"/>
-          </a:p>
-        </p:txBody>
-      </p:sp>
-      <p:pic>
-        <p:nvPicPr>
-          <p:cNvPr id="2" name="Picture 1">
-            <a:extLst>
-              <a:ext uri="{FF2B5EF4-FFF2-40B4-BE49-F238E27FC236}">
-                <a16:creationId xmlns:a16="http://schemas.microsoft.com/office/drawing/2014/main" id="{FB9ABC04-8095-4A7B-86D4-FCBAC5A448EA}"/>
-              </a:ext>
-            </a:extLst>
-          </p:cNvPr>
-          <p:cNvPicPr>
-            <a:picLocks noChangeAspect="1"/>
-          </p:cNvPicPr>
-          <p:nvPr/>
-        </p:nvPicPr>
-        <p:blipFill>
-          <a:blip r:embed="rId2"/>
-          <a:stretch>
-            <a:fillRect/>
-          </a:stretch>
-        </p:blipFill>
-        <p:spPr>
-          <a:xfrm>
-            <a:off x="0" y="1186832"/>
-            <a:ext cx="9144000" cy="4484336"/>
-          </a:xfrm>
-          <a:prstGeom prst="rect">
-            <a:avLst/>
-          </a:prstGeom>
-        </p:spPr>
-      </p:pic>
-      <p:sp>
-        <p:nvSpPr>
-          <p:cNvPr id="10" name="Rectangle 9">
-            <a:extLst>
-              <a:ext uri="{FF2B5EF4-FFF2-40B4-BE49-F238E27FC236}">
-                <a16:creationId xmlns:a16="http://schemas.microsoft.com/office/drawing/2014/main" id="{19F375A7-365D-4D80-BBA7-9EF1E12B6151}"/>
-              </a:ext>
-            </a:extLst>
-          </p:cNvPr>
-          <p:cNvSpPr/>
-          <p:nvPr/>
-        </p:nvSpPr>
-        <p:spPr>
-          <a:xfrm>
-            <a:off x="179913" y="5759656"/>
-            <a:ext cx="8784167" cy="269471"/>
-          </a:xfrm>
-          <a:prstGeom prst="rect">
-            <a:avLst/>
-          </a:prstGeom>
-          <a:solidFill>
-            <a:schemeClr val="accent6">
-              <a:lumMod val="60000"/>
-              <a:lumOff val="40000"/>
-            </a:schemeClr>
-          </a:solidFill>
-          <a:ln>
-            <a:noFill/>
-          </a:ln>
-        </p:spPr>
-        <p:style>
-          <a:lnRef idx="2">
-            <a:schemeClr val="accent1">
-              <a:shade val="50000"/>
-            </a:schemeClr>
-          </a:lnRef>
-          <a:fillRef idx="1">
-            <a:schemeClr val="accent1"/>
-          </a:fillRef>
-          <a:effectRef idx="0">
-            <a:schemeClr val="accent1"/>
-          </a:effectRef>
-          <a:fontRef idx="minor">
-            <a:schemeClr val="lt1"/>
-          </a:fontRef>
-        </p:style>
-        <p:txBody>
-          <a:bodyPr rtlCol="0" anchor="ctr"/>
-          <a:lstStyle/>
-          <a:p>
-            <a:pPr algn="ctr"/>
-            <a:r>
-              <a:rPr lang="en-US" dirty="0" err="1"/>
-              <a:t>Brewdog</a:t>
-            </a:r>
-            <a:r>
-              <a:rPr lang="en-US" dirty="0"/>
-              <a:t>?!  Let’s investigate</a:t>
-            </a:r>
-          </a:p>
-        </p:txBody>
-      </p:sp>
-      <p:sp>
-        <p:nvSpPr>
-          <p:cNvPr id="5" name="Arrow: Right 4">
-            <a:extLst>
-              <a:ext uri="{FF2B5EF4-FFF2-40B4-BE49-F238E27FC236}">
-                <a16:creationId xmlns:a16="http://schemas.microsoft.com/office/drawing/2014/main" id="{C541EB3F-668A-42CC-B792-CE11CB57A701}"/>
-              </a:ext>
-            </a:extLst>
-          </p:cNvPr>
-          <p:cNvSpPr/>
-          <p:nvPr/>
-        </p:nvSpPr>
-        <p:spPr>
-          <a:xfrm>
-            <a:off x="98322" y="4788308"/>
-            <a:ext cx="353962" cy="127821"/>
-          </a:xfrm>
-          <a:prstGeom prst="rightArrow">
-            <a:avLst/>
-          </a:prstGeom>
-        </p:spPr>
-        <p:style>
-          <a:lnRef idx="2">
-            <a:schemeClr val="accent1">
-              <a:shade val="50000"/>
-            </a:schemeClr>
-          </a:lnRef>
-          <a:fillRef idx="1">
-            <a:schemeClr val="accent1"/>
-          </a:fillRef>
-          <a:effectRef idx="0">
-            <a:schemeClr val="accent1"/>
-          </a:effectRef>
-          <a:fontRef idx="minor">
-            <a:schemeClr val="lt1"/>
-          </a:fontRef>
-        </p:style>
-        <p:txBody>
-          <a:bodyPr rtlCol="0" anchor="ctr"/>
-          <a:lstStyle/>
-          <a:p>
-            <a:pPr algn="ctr"/>
-            <a:endParaRPr lang="en-US"/>
-          </a:p>
-        </p:txBody>
-      </p:sp>
-      <p:pic>
-        <p:nvPicPr>
-          <p:cNvPr id="9218" name="Picture 2" descr="Image result for beer dog">
-            <a:extLst>
-              <a:ext uri="{FF2B5EF4-FFF2-40B4-BE49-F238E27FC236}">
-                <a16:creationId xmlns:a16="http://schemas.microsoft.com/office/drawing/2014/main" id="{6775A2DB-0BFB-448A-9254-DB26E78766E5}"/>
-              </a:ext>
-            </a:extLst>
-          </p:cNvPr>
-          <p:cNvPicPr>
-            <a:picLocks noChangeAspect="1" noChangeArrowheads="1"/>
-          </p:cNvPicPr>
-          <p:nvPr/>
-        </p:nvPicPr>
-        <p:blipFill>
-          <a:blip r:embed="rId3" cstate="print">
-            <a:extLst>
-              <a:ext uri="{28A0092B-C50C-407E-A947-70E740481C1C}">
-                <a14:useLocalDpi xmlns:a14="http://schemas.microsoft.com/office/drawing/2010/main" val="0"/>
-              </a:ext>
-            </a:extLst>
-          </a:blip>
-          <a:srcRect/>
-          <a:stretch>
-            <a:fillRect/>
-          </a:stretch>
-        </p:blipFill>
-        <p:spPr bwMode="auto">
-          <a:xfrm>
-            <a:off x="6886575" y="2356874"/>
-            <a:ext cx="1608189" cy="2144252"/>
-          </a:xfrm>
-          <a:prstGeom prst="rect">
-            <a:avLst/>
-          </a:prstGeom>
-          <a:noFill/>
-          <a:extLst>
-            <a:ext uri="{909E8E84-426E-40DD-AFC4-6F175D3DCCD1}">
-              <a14:hiddenFill xmlns:a14="http://schemas.microsoft.com/office/drawing/2010/main">
-                <a:solidFill>
-                  <a:srgbClr val="FFFFFF"/>
-                </a:solidFill>
-              </a14:hiddenFill>
-            </a:ext>
-          </a:extLst>
-        </p:spPr>
-      </p:pic>
-      <p:cxnSp>
-        <p:nvCxnSpPr>
-          <p:cNvPr id="11" name="Straight Connector 10">
-            <a:extLst>
-              <a:ext uri="{FF2B5EF4-FFF2-40B4-BE49-F238E27FC236}">
-                <a16:creationId xmlns:a16="http://schemas.microsoft.com/office/drawing/2014/main" id="{8D6C2681-2203-C24D-A40D-352CCAA23DEE}"/>
-              </a:ext>
-            </a:extLst>
-          </p:cNvPr>
-          <p:cNvCxnSpPr/>
-          <p:nvPr/>
-        </p:nvCxnSpPr>
-        <p:spPr>
-          <a:xfrm>
-            <a:off x="6798363" y="6549885"/>
-            <a:ext cx="0" cy="182880"/>
-          </a:xfrm>
-          <a:prstGeom prst="line">
-            <a:avLst/>
-          </a:prstGeom>
-          <a:ln>
-            <a:solidFill>
-              <a:schemeClr val="bg1">
-                <a:lumMod val="85000"/>
-              </a:schemeClr>
-            </a:solidFill>
-          </a:ln>
-        </p:spPr>
-        <p:style>
-          <a:lnRef idx="1">
-            <a:schemeClr val="accent1"/>
-          </a:lnRef>
-          <a:fillRef idx="0">
-            <a:schemeClr val="accent1"/>
-          </a:fillRef>
-          <a:effectRef idx="0">
-            <a:schemeClr val="accent1"/>
-          </a:effectRef>
-          <a:fontRef idx="minor">
-            <a:schemeClr val="tx1"/>
-          </a:fontRef>
-        </p:style>
-      </p:cxnSp>
-      <p:cxnSp>
-        <p:nvCxnSpPr>
-          <p:cNvPr id="12" name="Straight Connector 11">
-            <a:extLst>
-              <a:ext uri="{FF2B5EF4-FFF2-40B4-BE49-F238E27FC236}">
-                <a16:creationId xmlns:a16="http://schemas.microsoft.com/office/drawing/2014/main" id="{76C7D451-755A-8745-B3AE-6C5CD3762CE9}"/>
-              </a:ext>
-            </a:extLst>
-          </p:cNvPr>
-          <p:cNvCxnSpPr/>
-          <p:nvPr/>
-        </p:nvCxnSpPr>
-        <p:spPr>
-          <a:xfrm>
-            <a:off x="7076661" y="4664763"/>
-            <a:ext cx="182880" cy="0"/>
-          </a:xfrm>
-          <a:prstGeom prst="line">
-            <a:avLst/>
-          </a:prstGeom>
-          <a:ln>
-            <a:solidFill>
-              <a:schemeClr val="bg1">
-                <a:lumMod val="85000"/>
-              </a:schemeClr>
-            </a:solidFill>
-          </a:ln>
-        </p:spPr>
-        <p:style>
-          <a:lnRef idx="1">
-            <a:schemeClr val="accent1"/>
-          </a:lnRef>
-          <a:fillRef idx="0">
-            <a:schemeClr val="accent1"/>
-          </a:fillRef>
-          <a:effectRef idx="0">
-            <a:schemeClr val="accent1"/>
-          </a:effectRef>
-          <a:fontRef idx="minor">
-            <a:schemeClr val="tx1"/>
-          </a:fontRef>
-        </p:style>
-      </p:cxnSp>
-    </p:spTree>
-    <p:extLst>
-      <p:ext uri="{BB962C8B-B14F-4D97-AF65-F5344CB8AC3E}">
-        <p14:creationId xmlns:p14="http://schemas.microsoft.com/office/powerpoint/2010/main" val="1264587692"/>
-      </p:ext>
-    </p:extLst>
-  </p:cSld>
-  <p:clrMapOvr>
-    <a:masterClrMapping/>
-  </p:clrMapOvr>
-</p:sld>
-</file>
-
-<file path=ppt/slides/slide13.xml><?xml version="1.0" encoding="utf-8"?>
-<p:sld xmlns:a="http://schemas.openxmlformats.org/drawingml/2006/main" xmlns:r="http://schemas.openxmlformats.org/officeDocument/2006/relationships" xmlns:p="http://schemas.openxmlformats.org/presentationml/2006/main">
-  <p:cSld>
-    <p:spTree>
-      <p:nvGrpSpPr>
-        <p:cNvPr id="1" name=""/>
-        <p:cNvGrpSpPr/>
-        <p:nvPr/>
-      </p:nvGrpSpPr>
-      <p:grpSpPr>
-        <a:xfrm>
-          <a:off x="0" y="0"/>
-          <a:ext cx="0" cy="0"/>
-          <a:chOff x="0" y="0"/>
-          <a:chExt cx="0" cy="0"/>
-        </a:xfrm>
-      </p:grpSpPr>
-      <p:sp>
-        <p:nvSpPr>
-          <p:cNvPr id="3" name="Title 2">
-            <a:extLst>
-              <a:ext uri="{FF2B5EF4-FFF2-40B4-BE49-F238E27FC236}">
-                <a16:creationId xmlns:a16="http://schemas.microsoft.com/office/drawing/2014/main" id="{2F061A48-CB41-4DDC-B8B9-5FFA68FF2634}"/>
-              </a:ext>
-            </a:extLst>
-          </p:cNvPr>
-          <p:cNvSpPr txBox="1">
-            <a:spLocks/>
-          </p:cNvSpPr>
-          <p:nvPr/>
-        </p:nvSpPr>
-        <p:spPr>
-          <a:xfrm>
-            <a:off x="628650" y="365126"/>
-            <a:ext cx="7886700" cy="591477"/>
-          </a:xfrm>
-          <a:prstGeom prst="rect">
-            <a:avLst/>
-          </a:prstGeom>
-        </p:spPr>
-        <p:txBody>
-          <a:bodyPr/>
-          <a:lstStyle>
-            <a:lvl1pPr algn="l" defTabSz="685800" rtl="0" eaLnBrk="1" latinLnBrk="0" hangingPunct="1">
-              <a:lnSpc>
-                <a:spcPct val="90000"/>
-              </a:lnSpc>
-              <a:spcBef>
-                <a:spcPct val="0"/>
-              </a:spcBef>
-              <a:buNone/>
-              <a:defRPr sz="3300" kern="1200">
-                <a:solidFill>
-                  <a:schemeClr val="tx1"/>
-                </a:solidFill>
-                <a:latin typeface="+mj-lt"/>
-                <a:ea typeface="+mj-ea"/>
-                <a:cs typeface="+mj-cs"/>
-              </a:defRPr>
-            </a:lvl1pPr>
-          </a:lstStyle>
-          <a:p>
-            <a:r>
-              <a:rPr lang="en-US" dirty="0" err="1"/>
-              <a:t>BrewDog</a:t>
-            </a:r>
-            <a:r>
-              <a:rPr lang="en-US" dirty="0"/>
-              <a:t>!!  Word Association</a:t>
-            </a:r>
-          </a:p>
-        </p:txBody>
-      </p:sp>
-      <p:sp>
-        <p:nvSpPr>
-          <p:cNvPr id="6" name="Date Placeholder 1">
-            <a:extLst>
-              <a:ext uri="{FF2B5EF4-FFF2-40B4-BE49-F238E27FC236}">
-                <a16:creationId xmlns:a16="http://schemas.microsoft.com/office/drawing/2014/main" id="{A5024E83-7248-49C6-83CE-0C52F416FEF7}"/>
-              </a:ext>
-            </a:extLst>
-          </p:cNvPr>
-          <p:cNvSpPr>
-            <a:spLocks noGrp="1"/>
-          </p:cNvSpPr>
-          <p:nvPr>
-            <p:ph type="dt" sz="half" idx="10"/>
-          </p:nvPr>
-        </p:nvSpPr>
-        <p:spPr/>
-        <p:txBody>
-          <a:bodyPr/>
-          <a:lstStyle/>
-          <a:p>
-            <a:fld id="{6700A58B-DD98-43D0-B791-721480A02982}" type="datetime1">
-              <a:rPr lang="en-US" smtClean="0"/>
-              <a:t>12/30/20</a:t>
-            </a:fld>
-            <a:endParaRPr lang="en-US"/>
-          </a:p>
-        </p:txBody>
-      </p:sp>
-      <p:sp>
-        <p:nvSpPr>
-          <p:cNvPr id="15" name="Footer Placeholder 5">
-            <a:extLst>
-              <a:ext uri="{FF2B5EF4-FFF2-40B4-BE49-F238E27FC236}">
-                <a16:creationId xmlns:a16="http://schemas.microsoft.com/office/drawing/2014/main" id="{FD3090C5-5CE1-4A44-97C8-EB04849527B4}"/>
-              </a:ext>
-            </a:extLst>
-          </p:cNvPr>
-          <p:cNvSpPr>
-            <a:spLocks noGrp="1"/>
-          </p:cNvSpPr>
-          <p:nvPr>
-            <p:ph type="ftr" sz="quarter" idx="3"/>
-          </p:nvPr>
-        </p:nvSpPr>
-        <p:spPr/>
-        <p:txBody>
-          <a:bodyPr/>
-          <a:lstStyle/>
-          <a:p>
-            <a:r>
-              <a:rPr lang="en-US" dirty="0"/>
-              <a:t>Kwartler</a:t>
-            </a:r>
-          </a:p>
-        </p:txBody>
-      </p:sp>
-      <p:sp>
-        <p:nvSpPr>
-          <p:cNvPr id="7" name="Slide Number Placeholder 3">
-            <a:extLst>
-              <a:ext uri="{FF2B5EF4-FFF2-40B4-BE49-F238E27FC236}">
-                <a16:creationId xmlns:a16="http://schemas.microsoft.com/office/drawing/2014/main" id="{269E8134-5ACB-40D1-8C0C-86324C8FEF4A}"/>
-              </a:ext>
-            </a:extLst>
-          </p:cNvPr>
-          <p:cNvSpPr>
-            <a:spLocks noGrp="1"/>
-          </p:cNvSpPr>
-          <p:nvPr>
-            <p:ph type="sldNum" sz="quarter" idx="4"/>
-          </p:nvPr>
-        </p:nvSpPr>
-        <p:spPr/>
-        <p:txBody>
-          <a:bodyPr/>
-          <a:lstStyle/>
-          <a:p>
-            <a:fld id="{37290FF7-652B-4475-AEAB-8B1A5D23AE09}" type="slidenum">
-              <a:rPr lang="en-US" smtClean="0"/>
-              <a:t>13</a:t>
-            </a:fld>
-            <a:endParaRPr lang="en-US"/>
-          </a:p>
-        </p:txBody>
-      </p:sp>
-      <p:sp>
-        <p:nvSpPr>
-          <p:cNvPr id="11" name="Rectangle 10">
-            <a:extLst>
-              <a:ext uri="{FF2B5EF4-FFF2-40B4-BE49-F238E27FC236}">
-                <a16:creationId xmlns:a16="http://schemas.microsoft.com/office/drawing/2014/main" id="{CA5C07CD-04D0-4BD9-BE39-864FC85CDE83}"/>
-              </a:ext>
-            </a:extLst>
-          </p:cNvPr>
-          <p:cNvSpPr/>
-          <p:nvPr/>
-        </p:nvSpPr>
-        <p:spPr>
-          <a:xfrm>
-            <a:off x="273153" y="4080516"/>
-            <a:ext cx="8611737" cy="523220"/>
-          </a:xfrm>
-          <a:prstGeom prst="rect">
-            <a:avLst/>
-          </a:prstGeom>
-          <a:solidFill>
-            <a:schemeClr val="accent1"/>
-          </a:solidFill>
-        </p:spPr>
-        <p:txBody>
-          <a:bodyPr wrap="square">
-            <a:spAutoFit/>
-          </a:bodyPr>
-          <a:lstStyle/>
-          <a:p>
-            <a:pPr defTabSz="457200"/>
-            <a:r>
-              <a:rPr lang="en-US" sz="1400" dirty="0">
-                <a:solidFill>
-                  <a:schemeClr val="bg1"/>
-                </a:solidFill>
-                <a:latin typeface="+mj-lt"/>
-                <a:ea typeface="Arial Unicode MS" panose="020B0604020202020204" pitchFamily="34" charset="-128"/>
-              </a:rPr>
-              <a:t>Word Association is like correlation.  Unlike correlation, terms can only be positively associated.  This is because there are so many terms that most everything would be negatively “correlated” ( actually associated).  </a:t>
-            </a:r>
-          </a:p>
-        </p:txBody>
-      </p:sp>
-      <p:grpSp>
-        <p:nvGrpSpPr>
-          <p:cNvPr id="2" name="Group 1">
-            <a:extLst>
-              <a:ext uri="{FF2B5EF4-FFF2-40B4-BE49-F238E27FC236}">
-                <a16:creationId xmlns:a16="http://schemas.microsoft.com/office/drawing/2014/main" id="{EB6AEF77-A24C-45ED-A28A-80640EF08A83}"/>
-              </a:ext>
-            </a:extLst>
-          </p:cNvPr>
-          <p:cNvGrpSpPr/>
-          <p:nvPr/>
-        </p:nvGrpSpPr>
-        <p:grpSpPr>
-          <a:xfrm>
-            <a:off x="259305" y="2499738"/>
-            <a:ext cx="8611738" cy="584775"/>
-            <a:chOff x="259307" y="1102102"/>
-            <a:chExt cx="8611738" cy="584775"/>
-          </a:xfrm>
-        </p:grpSpPr>
-        <p:sp>
-          <p:nvSpPr>
-            <p:cNvPr id="10" name="Rectangle 9">
-              <a:extLst>
-                <a:ext uri="{FF2B5EF4-FFF2-40B4-BE49-F238E27FC236}">
-                  <a16:creationId xmlns:a16="http://schemas.microsoft.com/office/drawing/2014/main" id="{36A3BFF8-5C6D-4FAD-980D-98BA8B6D4B46}"/>
-                </a:ext>
-              </a:extLst>
-            </p:cNvPr>
-            <p:cNvSpPr/>
-            <p:nvPr/>
-          </p:nvSpPr>
-          <p:spPr>
-            <a:xfrm>
-              <a:off x="259307" y="1102102"/>
-              <a:ext cx="8611738" cy="584775"/>
-            </a:xfrm>
-            <a:prstGeom prst="rect">
-              <a:avLst/>
-            </a:prstGeom>
-            <a:solidFill>
-              <a:schemeClr val="bg1">
-                <a:lumMod val="85000"/>
-              </a:schemeClr>
-            </a:solidFill>
-          </p:spPr>
-          <p:txBody>
-            <a:bodyPr wrap="square">
-              <a:spAutoFit/>
-            </a:bodyPr>
-            <a:lstStyle/>
-            <a:p>
-              <a:pPr defTabSz="457200"/>
-              <a:r>
-                <a:rPr lang="en-US" sz="1600" kern="1200" dirty="0">
-                  <a:solidFill>
-                    <a:prstClr val="black"/>
-                  </a:solidFill>
-                  <a:latin typeface="Consolas" panose="020B0609020204030204" pitchFamily="49" charset="0"/>
-                  <a:ea typeface="Arial Unicode MS" panose="020B0604020202020204" pitchFamily="34" charset="-128"/>
-                  <a:cs typeface="Consolas" panose="020B0609020204030204" pitchFamily="49" charset="0"/>
-                </a:rPr>
-                <a:t># Inspect word associations</a:t>
-              </a:r>
-            </a:p>
-            <a:p>
-              <a:pPr defTabSz="457200"/>
-              <a:r>
-                <a:rPr lang="en-US" sz="1600" kern="1200" dirty="0">
-                  <a:solidFill>
-                    <a:prstClr val="black"/>
-                  </a:solidFill>
-                  <a:latin typeface="Consolas" panose="020B0609020204030204" pitchFamily="49" charset="0"/>
-                  <a:ea typeface="Arial Unicode MS" panose="020B0604020202020204" pitchFamily="34" charset="-128"/>
-                  <a:cs typeface="Consolas" panose="020B0609020204030204" pitchFamily="49" charset="0"/>
-                </a:rPr>
-                <a:t>associations&lt;-</a:t>
-              </a:r>
-              <a:r>
-                <a:rPr lang="en-US" sz="1600" kern="1200" dirty="0" err="1">
-                  <a:solidFill>
-                    <a:prstClr val="black"/>
-                  </a:solidFill>
-                  <a:latin typeface="Consolas" panose="020B0609020204030204" pitchFamily="49" charset="0"/>
-                  <a:ea typeface="Arial Unicode MS" panose="020B0604020202020204" pitchFamily="34" charset="-128"/>
-                  <a:cs typeface="Consolas" panose="020B0609020204030204" pitchFamily="49" charset="0"/>
-                </a:rPr>
-                <a:t>findAssocs</a:t>
-              </a:r>
-              <a:r>
-                <a:rPr lang="en-US" sz="1600" kern="1200" dirty="0">
-                  <a:solidFill>
-                    <a:prstClr val="black"/>
-                  </a:solidFill>
-                  <a:latin typeface="Consolas" panose="020B0609020204030204" pitchFamily="49" charset="0"/>
-                  <a:ea typeface="Arial Unicode MS" panose="020B0604020202020204" pitchFamily="34" charset="-128"/>
-                  <a:cs typeface="Consolas" panose="020B0609020204030204" pitchFamily="49" charset="0"/>
-                </a:rPr>
-                <a:t>(</a:t>
-              </a:r>
-              <a:r>
-                <a:rPr lang="en-US" sz="1600" kern="1200" dirty="0" err="1">
-                  <a:solidFill>
-                    <a:prstClr val="black"/>
-                  </a:solidFill>
-                  <a:latin typeface="Consolas" panose="020B0609020204030204" pitchFamily="49" charset="0"/>
-                  <a:ea typeface="Arial Unicode MS" panose="020B0604020202020204" pitchFamily="34" charset="-128"/>
-                  <a:cs typeface="Consolas" panose="020B0609020204030204" pitchFamily="49" charset="0"/>
-                </a:rPr>
-                <a:t>beerTDM</a:t>
-              </a:r>
-              <a:r>
-                <a:rPr lang="en-US" sz="1600" kern="1200" dirty="0">
-                  <a:solidFill>
-                    <a:prstClr val="black"/>
-                  </a:solidFill>
-                  <a:latin typeface="Consolas" panose="020B0609020204030204" pitchFamily="49" charset="0"/>
-                  <a:ea typeface="Arial Unicode MS" panose="020B0604020202020204" pitchFamily="34" charset="-128"/>
-                  <a:cs typeface="Consolas" panose="020B0609020204030204" pitchFamily="49" charset="0"/>
-                </a:rPr>
-                <a:t>, </a:t>
-              </a:r>
-              <a:r>
-                <a:rPr lang="en-US" sz="1600" dirty="0">
-                  <a:solidFill>
-                    <a:prstClr val="black"/>
-                  </a:solidFill>
-                  <a:latin typeface="Consolas" panose="020B0609020204030204" pitchFamily="49" charset="0"/>
-                  <a:ea typeface="Arial Unicode MS" panose="020B0604020202020204" pitchFamily="34" charset="-128"/>
-                  <a:cs typeface="Consolas" panose="020B0609020204030204" pitchFamily="49" charset="0"/>
-                </a:rPr>
-                <a:t>'</a:t>
-              </a:r>
-              <a:r>
-                <a:rPr lang="en-US" sz="1600" dirty="0" err="1">
-                  <a:solidFill>
-                    <a:prstClr val="black"/>
-                  </a:solidFill>
-                  <a:latin typeface="Consolas" panose="020B0609020204030204" pitchFamily="49" charset="0"/>
-                  <a:ea typeface="Arial Unicode MS" panose="020B0604020202020204" pitchFamily="34" charset="-128"/>
-                  <a:cs typeface="Consolas" panose="020B0609020204030204" pitchFamily="49" charset="0"/>
-                </a:rPr>
-                <a:t>brewdog</a:t>
-              </a:r>
-              <a:r>
-                <a:rPr lang="en-US" sz="1600" kern="1200" dirty="0">
-                  <a:solidFill>
-                    <a:prstClr val="black"/>
-                  </a:solidFill>
-                  <a:latin typeface="Consolas" panose="020B0609020204030204" pitchFamily="49" charset="0"/>
-                  <a:ea typeface="Arial Unicode MS" panose="020B0604020202020204" pitchFamily="34" charset="-128"/>
-                  <a:cs typeface="Consolas" panose="020B0609020204030204" pitchFamily="49" charset="0"/>
-                </a:rPr>
-                <a:t>', 0.30)</a:t>
-              </a:r>
-            </a:p>
-          </p:txBody>
-        </p:sp>
-        <p:sp>
-          <p:nvSpPr>
-            <p:cNvPr id="12" name="Oval 11">
-              <a:extLst>
-                <a:ext uri="{FF2B5EF4-FFF2-40B4-BE49-F238E27FC236}">
-                  <a16:creationId xmlns:a16="http://schemas.microsoft.com/office/drawing/2014/main" id="{C57E16E0-0E42-427E-A641-3FD778FEFA8D}"/>
-                </a:ext>
-              </a:extLst>
-            </p:cNvPr>
-            <p:cNvSpPr/>
-            <p:nvPr/>
-          </p:nvSpPr>
-          <p:spPr>
-            <a:xfrm>
-              <a:off x="4105701" y="1317234"/>
-              <a:ext cx="973540" cy="369058"/>
-            </a:xfrm>
-            <a:prstGeom prst="ellipse">
-              <a:avLst/>
-            </a:prstGeom>
-            <a:noFill/>
-            <a:ln w="28575">
-              <a:solidFill>
-                <a:schemeClr val="accent1"/>
-              </a:solidFill>
-            </a:ln>
-          </p:spPr>
-          <p:style>
-            <a:lnRef idx="2">
-              <a:schemeClr val="accent1">
-                <a:shade val="50000"/>
-              </a:schemeClr>
-            </a:lnRef>
-            <a:fillRef idx="1">
-              <a:schemeClr val="accent1"/>
-            </a:fillRef>
-            <a:effectRef idx="0">
-              <a:schemeClr val="accent1"/>
-            </a:effectRef>
-            <a:fontRef idx="minor">
-              <a:schemeClr val="lt1"/>
-            </a:fontRef>
-          </p:style>
-          <p:txBody>
-            <a:bodyPr rtlCol="0" anchor="ctr"/>
-            <a:lstStyle/>
-            <a:p>
-              <a:pPr algn="ctr"/>
-              <a:endParaRPr lang="en-US"/>
-            </a:p>
-          </p:txBody>
-        </p:sp>
-      </p:grpSp>
-      <p:sp>
-        <p:nvSpPr>
-          <p:cNvPr id="13" name="TextBox 12">
-            <a:extLst>
-              <a:ext uri="{FF2B5EF4-FFF2-40B4-BE49-F238E27FC236}">
-                <a16:creationId xmlns:a16="http://schemas.microsoft.com/office/drawing/2014/main" id="{D7A7185D-FC3A-4F10-8DE7-174F92904FA2}"/>
-              </a:ext>
-            </a:extLst>
-          </p:cNvPr>
-          <p:cNvSpPr txBox="1"/>
-          <p:nvPr/>
-        </p:nvSpPr>
-        <p:spPr>
-          <a:xfrm>
-            <a:off x="259306" y="1319240"/>
-            <a:ext cx="8611737" cy="584775"/>
-          </a:xfrm>
-          <a:prstGeom prst="rect">
-            <a:avLst/>
-          </a:prstGeom>
-          <a:solidFill>
-            <a:schemeClr val="accent3"/>
-          </a:solidFill>
-        </p:spPr>
-        <p:txBody>
-          <a:bodyPr wrap="square" rtlCol="0">
-            <a:spAutoFit/>
-          </a:bodyPr>
-          <a:lstStyle/>
-          <a:p>
-            <a:pPr defTabSz="457200"/>
-            <a:r>
-              <a:rPr lang="en-US" sz="1600" kern="1200" dirty="0">
-                <a:solidFill>
-                  <a:prstClr val="white"/>
-                </a:solidFill>
-                <a:latin typeface="+mj-lt"/>
-                <a:ea typeface="Arial Unicode MS" panose="020B0604020202020204" pitchFamily="34" charset="-128"/>
-                <a:cs typeface="Arial Unicode MS" panose="020B0604020202020204" pitchFamily="34" charset="-128"/>
-              </a:rPr>
-              <a:t>Tuning Parameter: Adjust 0.30  to get the terms that are associated .30 or more with the unexpected term term</a:t>
-            </a:r>
-            <a:r>
-              <a:rPr lang="en-US" sz="1600" dirty="0">
-                <a:solidFill>
-                  <a:prstClr val="white"/>
-                </a:solidFill>
-                <a:latin typeface="+mj-lt"/>
-                <a:ea typeface="Arial Unicode MS" panose="020B0604020202020204" pitchFamily="34" charset="-128"/>
-                <a:cs typeface="Arial Unicode MS" panose="020B0604020202020204" pitchFamily="34" charset="-128"/>
-              </a:rPr>
-              <a:t>s.</a:t>
-            </a:r>
-            <a:endParaRPr lang="en-US" sz="1600" kern="1200" dirty="0">
-              <a:solidFill>
-                <a:prstClr val="white"/>
-              </a:solidFill>
-              <a:latin typeface="+mj-lt"/>
-              <a:ea typeface="Arial Unicode MS" panose="020B0604020202020204" pitchFamily="34" charset="-128"/>
-              <a:cs typeface="Arial Unicode MS" panose="020B0604020202020204" pitchFamily="34" charset="-128"/>
-            </a:endParaRPr>
-          </a:p>
-        </p:txBody>
-      </p:sp>
-      <p:sp>
-        <p:nvSpPr>
-          <p:cNvPr id="4" name="TextBox 3">
-            <a:extLst>
-              <a:ext uri="{FF2B5EF4-FFF2-40B4-BE49-F238E27FC236}">
-                <a16:creationId xmlns:a16="http://schemas.microsoft.com/office/drawing/2014/main" id="{DFD4763B-7D08-4C14-A8ED-25C6AD97BD71}"/>
-              </a:ext>
-            </a:extLst>
-          </p:cNvPr>
-          <p:cNvSpPr txBox="1"/>
-          <p:nvPr/>
-        </p:nvSpPr>
-        <p:spPr>
-          <a:xfrm>
-            <a:off x="0" y="3034780"/>
-            <a:ext cx="8983228" cy="369332"/>
-          </a:xfrm>
-          <a:prstGeom prst="rect">
-            <a:avLst/>
-          </a:prstGeom>
-          <a:noFill/>
-        </p:spPr>
-        <p:txBody>
-          <a:bodyPr wrap="none" rtlCol="0">
-            <a:spAutoFit/>
-          </a:bodyPr>
-          <a:lstStyle/>
-          <a:p>
-            <a:r>
-              <a:rPr lang="en-US" i="1" dirty="0"/>
-              <a:t>Any word that appears at least 30% of the time with “</a:t>
-            </a:r>
-            <a:r>
-              <a:rPr lang="en-US" i="1" dirty="0" err="1"/>
-              <a:t>brewdog</a:t>
-            </a:r>
-            <a:r>
-              <a:rPr lang="en-US" i="1" dirty="0"/>
-              <a:t>” in  document will be returned.</a:t>
-            </a:r>
-          </a:p>
-        </p:txBody>
-      </p:sp>
-      <p:cxnSp>
-        <p:nvCxnSpPr>
-          <p:cNvPr id="14" name="Straight Connector 13">
-            <a:extLst>
-              <a:ext uri="{FF2B5EF4-FFF2-40B4-BE49-F238E27FC236}">
-                <a16:creationId xmlns:a16="http://schemas.microsoft.com/office/drawing/2014/main" id="{2C3D6179-EE5A-904E-9A8E-9DC0233554DF}"/>
-              </a:ext>
-            </a:extLst>
-          </p:cNvPr>
-          <p:cNvCxnSpPr/>
-          <p:nvPr/>
-        </p:nvCxnSpPr>
-        <p:spPr>
-          <a:xfrm>
-            <a:off x="6798363" y="6549885"/>
-            <a:ext cx="0" cy="182880"/>
-          </a:xfrm>
-          <a:prstGeom prst="line">
-            <a:avLst/>
-          </a:prstGeom>
-          <a:ln>
-            <a:solidFill>
-              <a:schemeClr val="bg1">
-                <a:lumMod val="85000"/>
-              </a:schemeClr>
-            </a:solidFill>
-          </a:ln>
-        </p:spPr>
-        <p:style>
-          <a:lnRef idx="1">
-            <a:schemeClr val="accent1"/>
-          </a:lnRef>
-          <a:fillRef idx="0">
-            <a:schemeClr val="accent1"/>
-          </a:fillRef>
-          <a:effectRef idx="0">
-            <a:schemeClr val="accent1"/>
-          </a:effectRef>
-          <a:fontRef idx="minor">
-            <a:schemeClr val="tx1"/>
-          </a:fontRef>
-        </p:style>
-      </p:cxnSp>
-      <p:cxnSp>
-        <p:nvCxnSpPr>
-          <p:cNvPr id="16" name="Straight Connector 15">
-            <a:extLst>
-              <a:ext uri="{FF2B5EF4-FFF2-40B4-BE49-F238E27FC236}">
-                <a16:creationId xmlns:a16="http://schemas.microsoft.com/office/drawing/2014/main" id="{FE3AF31B-E833-E346-B8A6-340095944E5E}"/>
-              </a:ext>
-            </a:extLst>
-          </p:cNvPr>
-          <p:cNvCxnSpPr/>
-          <p:nvPr/>
-        </p:nvCxnSpPr>
-        <p:spPr>
-          <a:xfrm>
-            <a:off x="7076661" y="4664763"/>
-            <a:ext cx="182880" cy="0"/>
-          </a:xfrm>
-          <a:prstGeom prst="line">
-            <a:avLst/>
-          </a:prstGeom>
-          <a:ln>
-            <a:solidFill>
-              <a:schemeClr val="bg1">
-                <a:lumMod val="85000"/>
-              </a:schemeClr>
-            </a:solidFill>
-          </a:ln>
-        </p:spPr>
-        <p:style>
-          <a:lnRef idx="1">
-            <a:schemeClr val="accent1"/>
-          </a:lnRef>
-          <a:fillRef idx="0">
-            <a:schemeClr val="accent1"/>
-          </a:fillRef>
-          <a:effectRef idx="0">
-            <a:schemeClr val="accent1"/>
-          </a:effectRef>
-          <a:fontRef idx="minor">
-            <a:schemeClr val="tx1"/>
-          </a:fontRef>
-        </p:style>
-      </p:cxnSp>
-    </p:spTree>
-    <p:extLst>
-      <p:ext uri="{BB962C8B-B14F-4D97-AF65-F5344CB8AC3E}">
-        <p14:creationId xmlns:p14="http://schemas.microsoft.com/office/powerpoint/2010/main" val="4123884879"/>
-      </p:ext>
-    </p:extLst>
-  </p:cSld>
-  <p:clrMapOvr>
-    <a:masterClrMapping/>
-  </p:clrMapOvr>
-</p:sld>
-</file>
-
-<file path=ppt/slides/slide14.xml><?xml version="1.0" encoding="utf-8"?>
-<p:sld xmlns:a="http://schemas.openxmlformats.org/drawingml/2006/main" xmlns:r="http://schemas.openxmlformats.org/officeDocument/2006/relationships" xmlns:p="http://schemas.openxmlformats.org/presentationml/2006/main">
-  <p:cSld>
-    <p:spTree>
-      <p:nvGrpSpPr>
-        <p:cNvPr id="1" name=""/>
-        <p:cNvGrpSpPr/>
-        <p:nvPr/>
-      </p:nvGrpSpPr>
-      <p:grpSpPr>
-        <a:xfrm>
-          <a:off x="0" y="0"/>
-          <a:ext cx="0" cy="0"/>
-          <a:chOff x="0" y="0"/>
-          <a:chExt cx="0" cy="0"/>
-        </a:xfrm>
-      </p:grpSpPr>
-      <p:sp>
-        <p:nvSpPr>
-          <p:cNvPr id="3" name="Title 2">
-            <a:extLst>
-              <a:ext uri="{FF2B5EF4-FFF2-40B4-BE49-F238E27FC236}">
-                <a16:creationId xmlns:a16="http://schemas.microsoft.com/office/drawing/2014/main" id="{2F061A48-CB41-4DDC-B8B9-5FFA68FF2634}"/>
-              </a:ext>
-            </a:extLst>
-          </p:cNvPr>
-          <p:cNvSpPr txBox="1">
-            <a:spLocks/>
-          </p:cNvSpPr>
-          <p:nvPr/>
-        </p:nvSpPr>
-        <p:spPr>
-          <a:xfrm>
-            <a:off x="628650" y="365126"/>
-            <a:ext cx="7886700" cy="591477"/>
-          </a:xfrm>
-          <a:prstGeom prst="rect">
-            <a:avLst/>
-          </a:prstGeom>
-        </p:spPr>
-        <p:txBody>
-          <a:bodyPr/>
-          <a:lstStyle>
-            <a:lvl1pPr algn="l" defTabSz="685800" rtl="0" eaLnBrk="1" latinLnBrk="0" hangingPunct="1">
-              <a:lnSpc>
-                <a:spcPct val="90000"/>
-              </a:lnSpc>
-              <a:spcBef>
-                <a:spcPct val="0"/>
-              </a:spcBef>
-              <a:buNone/>
-              <a:defRPr sz="3300" kern="1200">
-                <a:solidFill>
-                  <a:schemeClr val="tx1"/>
-                </a:solidFill>
-                <a:latin typeface="+mj-lt"/>
-                <a:ea typeface="+mj-ea"/>
-                <a:cs typeface="+mj-cs"/>
-              </a:defRPr>
-            </a:lvl1pPr>
-          </a:lstStyle>
-          <a:p>
-            <a:r>
-              <a:rPr lang="en-US" dirty="0" err="1"/>
-              <a:t>Brewdog</a:t>
-            </a:r>
-            <a:r>
-              <a:rPr lang="en-US" dirty="0"/>
-              <a:t>!!  Word Association</a:t>
-            </a:r>
-          </a:p>
-        </p:txBody>
-      </p:sp>
-      <p:sp>
-        <p:nvSpPr>
-          <p:cNvPr id="6" name="Date Placeholder 1">
-            <a:extLst>
-              <a:ext uri="{FF2B5EF4-FFF2-40B4-BE49-F238E27FC236}">
-                <a16:creationId xmlns:a16="http://schemas.microsoft.com/office/drawing/2014/main" id="{A5024E83-7248-49C6-83CE-0C52F416FEF7}"/>
-              </a:ext>
-            </a:extLst>
-          </p:cNvPr>
-          <p:cNvSpPr>
-            <a:spLocks noGrp="1"/>
-          </p:cNvSpPr>
-          <p:nvPr>
-            <p:ph type="dt" sz="half" idx="10"/>
-          </p:nvPr>
-        </p:nvSpPr>
-        <p:spPr/>
-        <p:txBody>
-          <a:bodyPr/>
-          <a:lstStyle/>
-          <a:p>
-            <a:fld id="{6700A58B-DD98-43D0-B791-721480A02982}" type="datetime1">
-              <a:rPr lang="en-US" smtClean="0"/>
-              <a:t>12/30/20</a:t>
-            </a:fld>
-            <a:endParaRPr lang="en-US"/>
-          </a:p>
-        </p:txBody>
-      </p:sp>
-      <p:sp>
-        <p:nvSpPr>
-          <p:cNvPr id="15" name="Footer Placeholder 5">
-            <a:extLst>
-              <a:ext uri="{FF2B5EF4-FFF2-40B4-BE49-F238E27FC236}">
-                <a16:creationId xmlns:a16="http://schemas.microsoft.com/office/drawing/2014/main" id="{FD3090C5-5CE1-4A44-97C8-EB04849527B4}"/>
-              </a:ext>
-            </a:extLst>
-          </p:cNvPr>
-          <p:cNvSpPr>
-            <a:spLocks noGrp="1"/>
-          </p:cNvSpPr>
-          <p:nvPr>
-            <p:ph type="ftr" sz="quarter" idx="3"/>
-          </p:nvPr>
-        </p:nvSpPr>
-        <p:spPr/>
-        <p:txBody>
-          <a:bodyPr/>
-          <a:lstStyle/>
-          <a:p>
-            <a:r>
-              <a:rPr lang="en-US" dirty="0"/>
-              <a:t>Kwartler</a:t>
-            </a:r>
-          </a:p>
-        </p:txBody>
-      </p:sp>
-      <p:sp>
-        <p:nvSpPr>
-          <p:cNvPr id="7" name="Slide Number Placeholder 3">
-            <a:extLst>
-              <a:ext uri="{FF2B5EF4-FFF2-40B4-BE49-F238E27FC236}">
-                <a16:creationId xmlns:a16="http://schemas.microsoft.com/office/drawing/2014/main" id="{269E8134-5ACB-40D1-8C0C-86324C8FEF4A}"/>
-              </a:ext>
-            </a:extLst>
-          </p:cNvPr>
-          <p:cNvSpPr>
-            <a:spLocks noGrp="1"/>
-          </p:cNvSpPr>
-          <p:nvPr>
-            <p:ph type="sldNum" sz="quarter" idx="4"/>
-          </p:nvPr>
-        </p:nvSpPr>
-        <p:spPr/>
-        <p:txBody>
-          <a:bodyPr/>
-          <a:lstStyle/>
-          <a:p>
-            <a:fld id="{37290FF7-652B-4475-AEAB-8B1A5D23AE09}" type="slidenum">
-              <a:rPr lang="en-US" smtClean="0"/>
-              <a:t>14</a:t>
-            </a:fld>
-            <a:endParaRPr lang="en-US"/>
-          </a:p>
-        </p:txBody>
-      </p:sp>
-      <p:sp>
-        <p:nvSpPr>
-          <p:cNvPr id="10" name="Rectangle 9">
-            <a:extLst>
-              <a:ext uri="{FF2B5EF4-FFF2-40B4-BE49-F238E27FC236}">
-                <a16:creationId xmlns:a16="http://schemas.microsoft.com/office/drawing/2014/main" id="{36A3BFF8-5C6D-4FAD-980D-98BA8B6D4B46}"/>
-              </a:ext>
-            </a:extLst>
-          </p:cNvPr>
-          <p:cNvSpPr/>
-          <p:nvPr/>
-        </p:nvSpPr>
-        <p:spPr>
-          <a:xfrm>
-            <a:off x="266131" y="1859185"/>
-            <a:ext cx="8611738" cy="2800767"/>
-          </a:xfrm>
-          <a:prstGeom prst="rect">
-            <a:avLst/>
-          </a:prstGeom>
-          <a:solidFill>
-            <a:schemeClr val="bg1">
-              <a:lumMod val="85000"/>
-            </a:schemeClr>
-          </a:solidFill>
-        </p:spPr>
-        <p:txBody>
-          <a:bodyPr wrap="square">
-            <a:spAutoFit/>
-          </a:bodyPr>
-          <a:lstStyle/>
-          <a:p>
-            <a:pPr defTabSz="457200"/>
-            <a:r>
-              <a:rPr lang="en-US" sz="1600" kern="1200" dirty="0">
-                <a:solidFill>
-                  <a:prstClr val="black"/>
-                </a:solidFill>
-                <a:latin typeface="Consolas" panose="020B0609020204030204" pitchFamily="49" charset="0"/>
-                <a:ea typeface="Arial Unicode MS" panose="020B0604020202020204" pitchFamily="34" charset="-128"/>
-                <a:cs typeface="Consolas" panose="020B0609020204030204" pitchFamily="49" charset="0"/>
-              </a:rPr>
-              <a:t># Make a dot plot</a:t>
-            </a:r>
-          </a:p>
-          <a:p>
-            <a:pPr defTabSz="457200"/>
-            <a:r>
-              <a:rPr lang="en-US" sz="1600" dirty="0" err="1">
-                <a:solidFill>
-                  <a:prstClr val="black"/>
-                </a:solidFill>
-                <a:latin typeface="Consolas" panose="020B0609020204030204" pitchFamily="49" charset="0"/>
-                <a:ea typeface="Arial Unicode MS" panose="020B0604020202020204" pitchFamily="34" charset="-128"/>
-                <a:cs typeface="Consolas" panose="020B0609020204030204" pitchFamily="49" charset="0"/>
-              </a:rPr>
-              <a:t>assocDF</a:t>
-            </a:r>
-            <a:r>
-              <a:rPr lang="en-US" sz="1600" dirty="0">
-                <a:solidFill>
-                  <a:prstClr val="black"/>
-                </a:solidFill>
-                <a:latin typeface="Consolas" panose="020B0609020204030204" pitchFamily="49" charset="0"/>
-                <a:ea typeface="Arial Unicode MS" panose="020B0604020202020204" pitchFamily="34" charset="-128"/>
-                <a:cs typeface="Consolas" panose="020B0609020204030204" pitchFamily="49" charset="0"/>
-              </a:rPr>
-              <a:t>       </a:t>
-            </a:r>
-            <a:r>
-              <a:rPr lang="en-US" sz="1600" kern="1200" dirty="0">
-                <a:solidFill>
-                  <a:prstClr val="black"/>
-                </a:solidFill>
-                <a:latin typeface="Consolas" panose="020B0609020204030204" pitchFamily="49" charset="0"/>
-                <a:ea typeface="Arial Unicode MS" panose="020B0604020202020204" pitchFamily="34" charset="-128"/>
-                <a:cs typeface="Consolas" panose="020B0609020204030204" pitchFamily="49" charset="0"/>
-              </a:rPr>
-              <a:t>&lt;- </a:t>
-            </a:r>
-            <a:r>
-              <a:rPr lang="en-US" sz="1600" kern="1200" dirty="0" err="1">
-                <a:solidFill>
-                  <a:prstClr val="black"/>
-                </a:solidFill>
-                <a:latin typeface="Consolas" panose="020B0609020204030204" pitchFamily="49" charset="0"/>
-                <a:ea typeface="Arial Unicode MS" panose="020B0604020202020204" pitchFamily="34" charset="-128"/>
-                <a:cs typeface="Consolas" panose="020B0609020204030204" pitchFamily="49" charset="0"/>
-              </a:rPr>
-              <a:t>data.frame</a:t>
-            </a:r>
-            <a:r>
-              <a:rPr lang="en-US" sz="1600" kern="1200" dirty="0">
-                <a:solidFill>
-                  <a:prstClr val="black"/>
-                </a:solidFill>
-                <a:latin typeface="Consolas" panose="020B0609020204030204" pitchFamily="49" charset="0"/>
-                <a:ea typeface="Arial Unicode MS" panose="020B0604020202020204" pitchFamily="34" charset="-128"/>
-                <a:cs typeface="Consolas" panose="020B0609020204030204" pitchFamily="49" charset="0"/>
-              </a:rPr>
-              <a:t>(terms=names(associations[[1]]),</a:t>
-            </a:r>
-          </a:p>
-          <a:p>
-            <a:pPr defTabSz="457200"/>
-            <a:r>
-              <a:rPr lang="en-US" sz="1600" dirty="0">
-                <a:solidFill>
-                  <a:prstClr val="black"/>
-                </a:solidFill>
-                <a:latin typeface="Consolas" panose="020B0609020204030204" pitchFamily="49" charset="0"/>
-                <a:ea typeface="Arial Unicode MS" panose="020B0604020202020204" pitchFamily="34" charset="-128"/>
-                <a:cs typeface="Consolas" panose="020B0609020204030204" pitchFamily="49" charset="0"/>
-              </a:rPr>
-              <a:t>                             </a:t>
-            </a:r>
-            <a:r>
-              <a:rPr lang="en-US" sz="1600" kern="1200" dirty="0">
-                <a:solidFill>
-                  <a:prstClr val="black"/>
-                </a:solidFill>
-                <a:latin typeface="Consolas" panose="020B0609020204030204" pitchFamily="49" charset="0"/>
-                <a:ea typeface="Arial Unicode MS" panose="020B0604020202020204" pitchFamily="34" charset="-128"/>
-                <a:cs typeface="Consolas" panose="020B0609020204030204" pitchFamily="49" charset="0"/>
-              </a:rPr>
-              <a:t>value=</a:t>
-            </a:r>
-            <a:r>
-              <a:rPr lang="en-US" sz="1600" kern="1200" dirty="0" err="1">
-                <a:solidFill>
-                  <a:prstClr val="black"/>
-                </a:solidFill>
-                <a:latin typeface="Consolas" panose="020B0609020204030204" pitchFamily="49" charset="0"/>
-                <a:ea typeface="Arial Unicode MS" panose="020B0604020202020204" pitchFamily="34" charset="-128"/>
-                <a:cs typeface="Consolas" panose="020B0609020204030204" pitchFamily="49" charset="0"/>
-              </a:rPr>
-              <a:t>unlist</a:t>
-            </a:r>
-            <a:r>
-              <a:rPr lang="en-US" sz="1600" kern="1200" dirty="0">
-                <a:solidFill>
-                  <a:prstClr val="black"/>
-                </a:solidFill>
-                <a:latin typeface="Consolas" panose="020B0609020204030204" pitchFamily="49" charset="0"/>
-                <a:ea typeface="Arial Unicode MS" panose="020B0604020202020204" pitchFamily="34" charset="-128"/>
-                <a:cs typeface="Consolas" panose="020B0609020204030204" pitchFamily="49" charset="0"/>
-              </a:rPr>
-              <a:t>(associations))</a:t>
-            </a:r>
-          </a:p>
-          <a:p>
-            <a:pPr defTabSz="457200"/>
-            <a:endParaRPr lang="en-US" sz="1600" kern="1200" dirty="0">
-              <a:solidFill>
-                <a:prstClr val="black"/>
-              </a:solidFill>
-              <a:latin typeface="Consolas" panose="020B0609020204030204" pitchFamily="49" charset="0"/>
-              <a:ea typeface="Arial Unicode MS" panose="020B0604020202020204" pitchFamily="34" charset="-128"/>
-              <a:cs typeface="Consolas" panose="020B0609020204030204" pitchFamily="49" charset="0"/>
-            </a:endParaRPr>
-          </a:p>
-          <a:p>
-            <a:pPr defTabSz="457200"/>
-            <a:r>
-              <a:rPr lang="en-US" sz="1600" dirty="0" err="1">
-                <a:solidFill>
-                  <a:schemeClr val="accent1">
-                    <a:lumMod val="60000"/>
-                    <a:lumOff val="40000"/>
-                  </a:schemeClr>
-                </a:solidFill>
-                <a:latin typeface="Consolas" panose="020B0609020204030204" pitchFamily="49" charset="0"/>
-                <a:ea typeface="Arial Unicode MS" panose="020B0604020202020204" pitchFamily="34" charset="-128"/>
-                <a:cs typeface="Consolas" panose="020B0609020204030204" pitchFamily="49" charset="0"/>
-              </a:rPr>
-              <a:t>assocDF$</a:t>
-            </a:r>
-            <a:r>
-              <a:rPr lang="en-US" sz="1600" kern="1200" dirty="0" err="1">
-                <a:solidFill>
-                  <a:schemeClr val="accent1">
-                    <a:lumMod val="60000"/>
-                    <a:lumOff val="40000"/>
-                  </a:schemeClr>
-                </a:solidFill>
-                <a:latin typeface="Consolas" panose="020B0609020204030204" pitchFamily="49" charset="0"/>
-                <a:ea typeface="Arial Unicode MS" panose="020B0604020202020204" pitchFamily="34" charset="-128"/>
-                <a:cs typeface="Consolas" panose="020B0609020204030204" pitchFamily="49" charset="0"/>
-              </a:rPr>
-              <a:t>terms</a:t>
-            </a:r>
-            <a:r>
-              <a:rPr lang="en-US" sz="1600" kern="1200" dirty="0">
-                <a:solidFill>
-                  <a:schemeClr val="accent1">
-                    <a:lumMod val="60000"/>
-                    <a:lumOff val="40000"/>
-                  </a:schemeClr>
-                </a:solidFill>
-                <a:latin typeface="Consolas" panose="020B0609020204030204" pitchFamily="49" charset="0"/>
-                <a:ea typeface="Arial Unicode MS" panose="020B0604020202020204" pitchFamily="34" charset="-128"/>
-                <a:cs typeface="Consolas" panose="020B0609020204030204" pitchFamily="49" charset="0"/>
-              </a:rPr>
-              <a:t> &lt;- factor(</a:t>
-            </a:r>
-            <a:r>
-              <a:rPr lang="en-US" sz="1600" dirty="0" err="1">
-                <a:solidFill>
-                  <a:schemeClr val="accent1">
-                    <a:lumMod val="60000"/>
-                    <a:lumOff val="40000"/>
-                  </a:schemeClr>
-                </a:solidFill>
-                <a:latin typeface="Consolas" panose="020B0609020204030204" pitchFamily="49" charset="0"/>
-                <a:ea typeface="Arial Unicode MS" panose="020B0604020202020204" pitchFamily="34" charset="-128"/>
-                <a:cs typeface="Consolas" panose="020B0609020204030204" pitchFamily="49" charset="0"/>
-              </a:rPr>
-              <a:t>assocDF</a:t>
-            </a:r>
-            <a:r>
-              <a:rPr lang="en-US" sz="1600" dirty="0">
-                <a:solidFill>
-                  <a:schemeClr val="accent1">
-                    <a:lumMod val="60000"/>
-                    <a:lumOff val="40000"/>
-                  </a:schemeClr>
-                </a:solidFill>
-                <a:latin typeface="Consolas" panose="020B0609020204030204" pitchFamily="49" charset="0"/>
-                <a:ea typeface="Arial Unicode MS" panose="020B0604020202020204" pitchFamily="34" charset="-128"/>
-                <a:cs typeface="Consolas" panose="020B0609020204030204" pitchFamily="49" charset="0"/>
-              </a:rPr>
-              <a:t> </a:t>
-            </a:r>
-            <a:r>
-              <a:rPr lang="en-US" sz="1600" kern="1200" dirty="0">
-                <a:solidFill>
-                  <a:schemeClr val="accent1">
-                    <a:lumMod val="60000"/>
-                    <a:lumOff val="40000"/>
-                  </a:schemeClr>
-                </a:solidFill>
-                <a:latin typeface="Consolas" panose="020B0609020204030204" pitchFamily="49" charset="0"/>
-                <a:ea typeface="Arial Unicode MS" panose="020B0604020202020204" pitchFamily="34" charset="-128"/>
-                <a:cs typeface="Consolas" panose="020B0609020204030204" pitchFamily="49" charset="0"/>
-              </a:rPr>
-              <a:t>$terms, levels=</a:t>
-            </a:r>
-            <a:r>
-              <a:rPr lang="en-US" sz="1600" dirty="0">
-                <a:solidFill>
-                  <a:schemeClr val="accent1">
-                    <a:lumMod val="60000"/>
-                    <a:lumOff val="40000"/>
-                  </a:schemeClr>
-                </a:solidFill>
-                <a:latin typeface="Consolas" panose="020B0609020204030204" pitchFamily="49" charset="0"/>
-                <a:ea typeface="Arial Unicode MS" panose="020B0604020202020204" pitchFamily="34" charset="-128"/>
-                <a:cs typeface="Consolas" panose="020B0609020204030204" pitchFamily="49" charset="0"/>
-              </a:rPr>
-              <a:t> </a:t>
-            </a:r>
-            <a:r>
-              <a:rPr lang="en-US" sz="1600" dirty="0" err="1">
-                <a:solidFill>
-                  <a:schemeClr val="accent1">
-                    <a:lumMod val="60000"/>
-                    <a:lumOff val="40000"/>
-                  </a:schemeClr>
-                </a:solidFill>
-                <a:latin typeface="Consolas" panose="020B0609020204030204" pitchFamily="49" charset="0"/>
-                <a:ea typeface="Arial Unicode MS" panose="020B0604020202020204" pitchFamily="34" charset="-128"/>
-                <a:cs typeface="Consolas" panose="020B0609020204030204" pitchFamily="49" charset="0"/>
-              </a:rPr>
-              <a:t>assocDF</a:t>
-            </a:r>
-            <a:r>
-              <a:rPr lang="en-US" sz="1600" dirty="0">
-                <a:solidFill>
-                  <a:schemeClr val="accent1">
-                    <a:lumMod val="60000"/>
-                    <a:lumOff val="40000"/>
-                  </a:schemeClr>
-                </a:solidFill>
-                <a:latin typeface="Consolas" panose="020B0609020204030204" pitchFamily="49" charset="0"/>
-                <a:ea typeface="Arial Unicode MS" panose="020B0604020202020204" pitchFamily="34" charset="-128"/>
-                <a:cs typeface="Consolas" panose="020B0609020204030204" pitchFamily="49" charset="0"/>
-              </a:rPr>
-              <a:t> </a:t>
-            </a:r>
-            <a:r>
-              <a:rPr lang="en-US" sz="1600" kern="1200" dirty="0">
-                <a:solidFill>
-                  <a:schemeClr val="accent1">
-                    <a:lumMod val="60000"/>
-                    <a:lumOff val="40000"/>
-                  </a:schemeClr>
-                </a:solidFill>
-                <a:latin typeface="Consolas" panose="020B0609020204030204" pitchFamily="49" charset="0"/>
-                <a:ea typeface="Arial Unicode MS" panose="020B0604020202020204" pitchFamily="34" charset="-128"/>
-                <a:cs typeface="Consolas" panose="020B0609020204030204" pitchFamily="49" charset="0"/>
-              </a:rPr>
-              <a:t>$terms)</a:t>
-            </a:r>
-          </a:p>
-          <a:p>
-            <a:pPr defTabSz="457200"/>
-            <a:endParaRPr lang="en-US" sz="1600" kern="1200" dirty="0">
-              <a:solidFill>
-                <a:prstClr val="black"/>
-              </a:solidFill>
-              <a:latin typeface="Consolas" panose="020B0609020204030204" pitchFamily="49" charset="0"/>
-              <a:ea typeface="Arial Unicode MS" panose="020B0604020202020204" pitchFamily="34" charset="-128"/>
-              <a:cs typeface="Consolas" panose="020B0609020204030204" pitchFamily="49" charset="0"/>
-            </a:endParaRPr>
-          </a:p>
-          <a:p>
-            <a:pPr defTabSz="457200"/>
-            <a:r>
-              <a:rPr lang="en-US" sz="1600" dirty="0" err="1">
-                <a:solidFill>
-                  <a:prstClr val="black"/>
-                </a:solidFill>
-                <a:latin typeface="Consolas" panose="020B0609020204030204" pitchFamily="49" charset="0"/>
-                <a:ea typeface="Arial Unicode MS" panose="020B0604020202020204" pitchFamily="34" charset="-128"/>
-                <a:cs typeface="Consolas" panose="020B0609020204030204" pitchFamily="49" charset="0"/>
-              </a:rPr>
-              <a:t>ggplot</a:t>
-            </a:r>
-            <a:r>
-              <a:rPr lang="en-US" sz="1600" dirty="0">
-                <a:solidFill>
-                  <a:prstClr val="black"/>
-                </a:solidFill>
-                <a:latin typeface="Consolas" panose="020B0609020204030204" pitchFamily="49" charset="0"/>
-                <a:ea typeface="Arial Unicode MS" panose="020B0604020202020204" pitchFamily="34" charset="-128"/>
-                <a:cs typeface="Consolas" panose="020B0609020204030204" pitchFamily="49" charset="0"/>
-              </a:rPr>
-              <a:t>(</a:t>
-            </a:r>
-            <a:r>
-              <a:rPr lang="en-US" sz="1600" dirty="0" err="1">
-                <a:solidFill>
-                  <a:prstClr val="black"/>
-                </a:solidFill>
-                <a:latin typeface="Consolas" panose="020B0609020204030204" pitchFamily="49" charset="0"/>
-                <a:ea typeface="Arial Unicode MS" panose="020B0604020202020204" pitchFamily="34" charset="-128"/>
-                <a:cs typeface="Consolas" panose="020B0609020204030204" pitchFamily="49" charset="0"/>
-              </a:rPr>
-              <a:t>assocDF</a:t>
-            </a:r>
-            <a:r>
-              <a:rPr lang="en-US" sz="1600" dirty="0">
-                <a:solidFill>
-                  <a:prstClr val="black"/>
-                </a:solidFill>
-                <a:latin typeface="Consolas" panose="020B0609020204030204" pitchFamily="49" charset="0"/>
-                <a:ea typeface="Arial Unicode MS" panose="020B0604020202020204" pitchFamily="34" charset="-128"/>
-                <a:cs typeface="Consolas" panose="020B0609020204030204" pitchFamily="49" charset="0"/>
-              </a:rPr>
-              <a:t>, </a:t>
-            </a:r>
-            <a:r>
-              <a:rPr lang="en-US" sz="1600" dirty="0" err="1">
-                <a:solidFill>
-                  <a:prstClr val="black"/>
-                </a:solidFill>
-                <a:latin typeface="Consolas" panose="020B0609020204030204" pitchFamily="49" charset="0"/>
-                <a:ea typeface="Arial Unicode MS" panose="020B0604020202020204" pitchFamily="34" charset="-128"/>
-                <a:cs typeface="Consolas" panose="020B0609020204030204" pitchFamily="49" charset="0"/>
-              </a:rPr>
-              <a:t>aes</a:t>
-            </a:r>
-            <a:r>
-              <a:rPr lang="en-US" sz="1600" dirty="0">
-                <a:solidFill>
-                  <a:prstClr val="black"/>
-                </a:solidFill>
-                <a:latin typeface="Consolas" panose="020B0609020204030204" pitchFamily="49" charset="0"/>
-                <a:ea typeface="Arial Unicode MS" panose="020B0604020202020204" pitchFamily="34" charset="-128"/>
-                <a:cs typeface="Consolas" panose="020B0609020204030204" pitchFamily="49" charset="0"/>
-              </a:rPr>
-              <a:t>(y=terms)) +  </a:t>
-            </a:r>
-          </a:p>
-          <a:p>
-            <a:pPr defTabSz="457200"/>
-            <a:r>
-              <a:rPr lang="en-US" sz="1600" dirty="0">
-                <a:solidFill>
-                  <a:prstClr val="black"/>
-                </a:solidFill>
-                <a:latin typeface="Consolas" panose="020B0609020204030204" pitchFamily="49" charset="0"/>
-                <a:ea typeface="Arial Unicode MS" panose="020B0604020202020204" pitchFamily="34" charset="-128"/>
-                <a:cs typeface="Consolas" panose="020B0609020204030204" pitchFamily="49" charset="0"/>
-              </a:rPr>
-              <a:t>	</a:t>
-            </a:r>
-            <a:r>
-              <a:rPr lang="en-US" sz="1600" dirty="0" err="1">
-                <a:solidFill>
-                  <a:prstClr val="black"/>
-                </a:solidFill>
-                <a:latin typeface="Consolas" panose="020B0609020204030204" pitchFamily="49" charset="0"/>
-                <a:ea typeface="Arial Unicode MS" panose="020B0604020202020204" pitchFamily="34" charset="-128"/>
-                <a:cs typeface="Consolas" panose="020B0609020204030204" pitchFamily="49" charset="0"/>
-              </a:rPr>
-              <a:t>geom_point</a:t>
-            </a:r>
-            <a:r>
-              <a:rPr lang="en-US" sz="1600" dirty="0">
-                <a:solidFill>
-                  <a:prstClr val="black"/>
-                </a:solidFill>
-                <a:latin typeface="Consolas" panose="020B0609020204030204" pitchFamily="49" charset="0"/>
-                <a:ea typeface="Arial Unicode MS" panose="020B0604020202020204" pitchFamily="34" charset="-128"/>
-                <a:cs typeface="Consolas" panose="020B0609020204030204" pitchFamily="49" charset="0"/>
-              </a:rPr>
-              <a:t>(</a:t>
-            </a:r>
-            <a:r>
-              <a:rPr lang="en-US" sz="1600" dirty="0" err="1">
-                <a:solidFill>
-                  <a:prstClr val="black"/>
-                </a:solidFill>
-                <a:latin typeface="Consolas" panose="020B0609020204030204" pitchFamily="49" charset="0"/>
-                <a:ea typeface="Arial Unicode MS" panose="020B0604020202020204" pitchFamily="34" charset="-128"/>
-                <a:cs typeface="Consolas" panose="020B0609020204030204" pitchFamily="49" charset="0"/>
-              </a:rPr>
-              <a:t>aes</a:t>
-            </a:r>
-            <a:r>
-              <a:rPr lang="en-US" sz="1600" dirty="0">
-                <a:solidFill>
-                  <a:prstClr val="black"/>
-                </a:solidFill>
-                <a:latin typeface="Consolas" panose="020B0609020204030204" pitchFamily="49" charset="0"/>
-                <a:ea typeface="Arial Unicode MS" panose="020B0604020202020204" pitchFamily="34" charset="-128"/>
-                <a:cs typeface="Consolas" panose="020B0609020204030204" pitchFamily="49" charset="0"/>
-              </a:rPr>
-              <a:t>(x=value), data=</a:t>
-            </a:r>
-            <a:r>
-              <a:rPr lang="en-US" sz="1600" dirty="0" err="1">
-                <a:solidFill>
-                  <a:prstClr val="black"/>
-                </a:solidFill>
-                <a:latin typeface="Consolas" panose="020B0609020204030204" pitchFamily="49" charset="0"/>
-                <a:ea typeface="Arial Unicode MS" panose="020B0604020202020204" pitchFamily="34" charset="-128"/>
-                <a:cs typeface="Consolas" panose="020B0609020204030204" pitchFamily="49" charset="0"/>
-              </a:rPr>
-              <a:t>assocDF</a:t>
-            </a:r>
-            <a:r>
-              <a:rPr lang="en-US" sz="1600" dirty="0">
-                <a:solidFill>
-                  <a:prstClr val="black"/>
-                </a:solidFill>
-                <a:latin typeface="Consolas" panose="020B0609020204030204" pitchFamily="49" charset="0"/>
-                <a:ea typeface="Arial Unicode MS" panose="020B0604020202020204" pitchFamily="34" charset="-128"/>
-                <a:cs typeface="Consolas" panose="020B0609020204030204" pitchFamily="49" charset="0"/>
-              </a:rPr>
-              <a:t>, col='#c00c00') +  </a:t>
-            </a:r>
-          </a:p>
-          <a:p>
-            <a:pPr defTabSz="457200"/>
-            <a:r>
-              <a:rPr lang="en-US" sz="1600" dirty="0">
-                <a:solidFill>
-                  <a:prstClr val="black"/>
-                </a:solidFill>
-                <a:latin typeface="Consolas" panose="020B0609020204030204" pitchFamily="49" charset="0"/>
-                <a:ea typeface="Arial Unicode MS" panose="020B0604020202020204" pitchFamily="34" charset="-128"/>
-                <a:cs typeface="Consolas" panose="020B0609020204030204" pitchFamily="49" charset="0"/>
-              </a:rPr>
-              <a:t>	</a:t>
-            </a:r>
-            <a:r>
-              <a:rPr lang="en-US" sz="1600" dirty="0" err="1">
-                <a:solidFill>
-                  <a:prstClr val="black"/>
-                </a:solidFill>
-                <a:latin typeface="Consolas" panose="020B0609020204030204" pitchFamily="49" charset="0"/>
-                <a:ea typeface="Arial Unicode MS" panose="020B0604020202020204" pitchFamily="34" charset="-128"/>
-                <a:cs typeface="Consolas" panose="020B0609020204030204" pitchFamily="49" charset="0"/>
-              </a:rPr>
-              <a:t>theme_gdocs</a:t>
-            </a:r>
-            <a:r>
-              <a:rPr lang="en-US" sz="1600" dirty="0">
-                <a:solidFill>
-                  <a:prstClr val="black"/>
-                </a:solidFill>
-                <a:latin typeface="Consolas" panose="020B0609020204030204" pitchFamily="49" charset="0"/>
-                <a:ea typeface="Arial Unicode MS" panose="020B0604020202020204" pitchFamily="34" charset="-128"/>
-                <a:cs typeface="Consolas" panose="020B0609020204030204" pitchFamily="49" charset="0"/>
-              </a:rPr>
-              <a:t>() + </a:t>
-            </a:r>
-          </a:p>
-          <a:p>
-            <a:pPr defTabSz="457200"/>
-            <a:r>
-              <a:rPr lang="en-US" sz="1600" dirty="0">
-                <a:solidFill>
-                  <a:prstClr val="black"/>
-                </a:solidFill>
-                <a:latin typeface="Consolas" panose="020B0609020204030204" pitchFamily="49" charset="0"/>
-                <a:ea typeface="Arial Unicode MS" panose="020B0604020202020204" pitchFamily="34" charset="-128"/>
-                <a:cs typeface="Consolas" panose="020B0609020204030204" pitchFamily="49" charset="0"/>
-              </a:rPr>
-              <a:t>	</a:t>
-            </a:r>
-            <a:r>
-              <a:rPr lang="en-US" sz="1600" dirty="0" err="1">
-                <a:solidFill>
-                  <a:prstClr val="black"/>
-                </a:solidFill>
-                <a:latin typeface="Consolas" panose="020B0609020204030204" pitchFamily="49" charset="0"/>
-                <a:ea typeface="Arial Unicode MS" panose="020B0604020202020204" pitchFamily="34" charset="-128"/>
-                <a:cs typeface="Consolas" panose="020B0609020204030204" pitchFamily="49" charset="0"/>
-              </a:rPr>
-              <a:t>geom_text</a:t>
-            </a:r>
-            <a:r>
-              <a:rPr lang="en-US" sz="1600" dirty="0">
-                <a:solidFill>
-                  <a:prstClr val="black"/>
-                </a:solidFill>
-                <a:latin typeface="Consolas" panose="020B0609020204030204" pitchFamily="49" charset="0"/>
-                <a:ea typeface="Arial Unicode MS" panose="020B0604020202020204" pitchFamily="34" charset="-128"/>
-                <a:cs typeface="Consolas" panose="020B0609020204030204" pitchFamily="49" charset="0"/>
-              </a:rPr>
-              <a:t>(</a:t>
-            </a:r>
-            <a:r>
-              <a:rPr lang="en-US" sz="1600" dirty="0" err="1">
-                <a:solidFill>
-                  <a:prstClr val="black"/>
-                </a:solidFill>
-                <a:latin typeface="Consolas" panose="020B0609020204030204" pitchFamily="49" charset="0"/>
-                <a:ea typeface="Arial Unicode MS" panose="020B0604020202020204" pitchFamily="34" charset="-128"/>
-                <a:cs typeface="Consolas" panose="020B0609020204030204" pitchFamily="49" charset="0"/>
-              </a:rPr>
-              <a:t>aes</a:t>
-            </a:r>
-            <a:r>
-              <a:rPr lang="en-US" sz="1600" dirty="0">
-                <a:solidFill>
-                  <a:prstClr val="black"/>
-                </a:solidFill>
-                <a:latin typeface="Consolas" panose="020B0609020204030204" pitchFamily="49" charset="0"/>
-                <a:ea typeface="Arial Unicode MS" panose="020B0604020202020204" pitchFamily="34" charset="-128"/>
-                <a:cs typeface="Consolas" panose="020B0609020204030204" pitchFamily="49" charset="0"/>
-              </a:rPr>
-              <a:t>(x=</a:t>
-            </a:r>
-            <a:r>
-              <a:rPr lang="en-US" sz="1600" dirty="0" err="1">
-                <a:solidFill>
-                  <a:prstClr val="black"/>
-                </a:solidFill>
-                <a:latin typeface="Consolas" panose="020B0609020204030204" pitchFamily="49" charset="0"/>
-                <a:ea typeface="Arial Unicode MS" panose="020B0604020202020204" pitchFamily="34" charset="-128"/>
-                <a:cs typeface="Consolas" panose="020B0609020204030204" pitchFamily="49" charset="0"/>
-              </a:rPr>
-              <a:t>value,label</a:t>
-            </a:r>
-            <a:r>
-              <a:rPr lang="en-US" sz="1600" dirty="0">
-                <a:solidFill>
-                  <a:prstClr val="black"/>
-                </a:solidFill>
-                <a:latin typeface="Consolas" panose="020B0609020204030204" pitchFamily="49" charset="0"/>
-                <a:ea typeface="Arial Unicode MS" panose="020B0604020202020204" pitchFamily="34" charset="-128"/>
-                <a:cs typeface="Consolas" panose="020B0609020204030204" pitchFamily="49" charset="0"/>
-              </a:rPr>
-              <a:t>=value), </a:t>
-            </a:r>
-          </a:p>
-          <a:p>
-            <a:pPr defTabSz="457200"/>
-            <a:r>
-              <a:rPr lang="en-US" sz="1600" dirty="0">
-                <a:solidFill>
-                  <a:prstClr val="black"/>
-                </a:solidFill>
-                <a:latin typeface="Consolas" panose="020B0609020204030204" pitchFamily="49" charset="0"/>
-                <a:ea typeface="Arial Unicode MS" panose="020B0604020202020204" pitchFamily="34" charset="-128"/>
-                <a:cs typeface="Consolas" panose="020B0609020204030204" pitchFamily="49" charset="0"/>
-              </a:rPr>
-              <a:t>			  </a:t>
-            </a:r>
-            <a:r>
-              <a:rPr lang="en-US" sz="1600" dirty="0" err="1">
-                <a:solidFill>
-                  <a:prstClr val="black"/>
-                </a:solidFill>
-                <a:latin typeface="Consolas" panose="020B0609020204030204" pitchFamily="49" charset="0"/>
-                <a:ea typeface="Arial Unicode MS" panose="020B0604020202020204" pitchFamily="34" charset="-128"/>
-                <a:cs typeface="Consolas" panose="020B0609020204030204" pitchFamily="49" charset="0"/>
-              </a:rPr>
-              <a:t>colour</a:t>
-            </a:r>
-            <a:r>
-              <a:rPr lang="en-US" sz="1600" dirty="0">
-                <a:solidFill>
-                  <a:prstClr val="black"/>
-                </a:solidFill>
-                <a:latin typeface="Consolas" panose="020B0609020204030204" pitchFamily="49" charset="0"/>
-                <a:ea typeface="Arial Unicode MS" panose="020B0604020202020204" pitchFamily="34" charset="-128"/>
-                <a:cs typeface="Consolas" panose="020B0609020204030204" pitchFamily="49" charset="0"/>
-              </a:rPr>
-              <a:t>="red",</a:t>
-            </a:r>
-            <a:r>
-              <a:rPr lang="en-US" sz="1600" dirty="0" err="1">
-                <a:solidFill>
-                  <a:prstClr val="black"/>
-                </a:solidFill>
-                <a:latin typeface="Consolas" panose="020B0609020204030204" pitchFamily="49" charset="0"/>
-                <a:ea typeface="Arial Unicode MS" panose="020B0604020202020204" pitchFamily="34" charset="-128"/>
-                <a:cs typeface="Consolas" panose="020B0609020204030204" pitchFamily="49" charset="0"/>
-              </a:rPr>
-              <a:t>hjust</a:t>
-            </a:r>
-            <a:r>
-              <a:rPr lang="en-US" sz="1600" dirty="0">
-                <a:solidFill>
-                  <a:prstClr val="black"/>
-                </a:solidFill>
-                <a:latin typeface="Consolas" panose="020B0609020204030204" pitchFamily="49" charset="0"/>
-                <a:ea typeface="Arial Unicode MS" panose="020B0604020202020204" pitchFamily="34" charset="-128"/>
-                <a:cs typeface="Consolas" panose="020B0609020204030204" pitchFamily="49" charset="0"/>
-              </a:rPr>
-              <a:t>="inward", </a:t>
-            </a:r>
-            <a:r>
-              <a:rPr lang="en-US" sz="1600" dirty="0" err="1">
-                <a:solidFill>
-                  <a:prstClr val="black"/>
-                </a:solidFill>
-                <a:latin typeface="Consolas" panose="020B0609020204030204" pitchFamily="49" charset="0"/>
-                <a:ea typeface="Arial Unicode MS" panose="020B0604020202020204" pitchFamily="34" charset="-128"/>
-                <a:cs typeface="Consolas" panose="020B0609020204030204" pitchFamily="49" charset="0"/>
-              </a:rPr>
-              <a:t>vjust</a:t>
-            </a:r>
-            <a:r>
-              <a:rPr lang="en-US" sz="1600" dirty="0">
-                <a:solidFill>
-                  <a:prstClr val="black"/>
-                </a:solidFill>
-                <a:latin typeface="Consolas" panose="020B0609020204030204" pitchFamily="49" charset="0"/>
-                <a:ea typeface="Arial Unicode MS" panose="020B0604020202020204" pitchFamily="34" charset="-128"/>
-                <a:cs typeface="Consolas" panose="020B0609020204030204" pitchFamily="49" charset="0"/>
-              </a:rPr>
-              <a:t> ="inward" , size=3)</a:t>
-            </a:r>
-            <a:endParaRPr lang="en-US" sz="1600" kern="1200" dirty="0">
-              <a:solidFill>
-                <a:prstClr val="black"/>
-              </a:solidFill>
-              <a:latin typeface="Consolas" panose="020B0609020204030204" pitchFamily="49" charset="0"/>
-              <a:ea typeface="Arial Unicode MS" panose="020B0604020202020204" pitchFamily="34" charset="-128"/>
-              <a:cs typeface="Consolas" panose="020B0609020204030204" pitchFamily="49" charset="0"/>
-            </a:endParaRPr>
-          </a:p>
-        </p:txBody>
-      </p:sp>
-      <p:sp>
-        <p:nvSpPr>
-          <p:cNvPr id="14" name="Rectangle 13">
-            <a:extLst>
-              <a:ext uri="{FF2B5EF4-FFF2-40B4-BE49-F238E27FC236}">
-                <a16:creationId xmlns:a16="http://schemas.microsoft.com/office/drawing/2014/main" id="{6247FB40-E1FC-465B-8AC4-135E069F6E7A}"/>
-              </a:ext>
-            </a:extLst>
-          </p:cNvPr>
-          <p:cNvSpPr/>
-          <p:nvPr/>
-        </p:nvSpPr>
-        <p:spPr>
-          <a:xfrm>
-            <a:off x="179917" y="1302982"/>
-            <a:ext cx="8784167" cy="253916"/>
-          </a:xfrm>
-          <a:prstGeom prst="rect">
-            <a:avLst/>
-          </a:prstGeom>
-          <a:solidFill>
-            <a:schemeClr val="accent6">
-              <a:lumMod val="60000"/>
-              <a:lumOff val="40000"/>
-            </a:schemeClr>
-          </a:solidFill>
-          <a:ln>
-            <a:noFill/>
-          </a:ln>
-        </p:spPr>
-        <p:style>
-          <a:lnRef idx="2">
-            <a:schemeClr val="accent1">
-              <a:shade val="50000"/>
-            </a:schemeClr>
-          </a:lnRef>
-          <a:fillRef idx="1">
-            <a:schemeClr val="accent1"/>
-          </a:fillRef>
-          <a:effectRef idx="0">
-            <a:schemeClr val="accent1"/>
-          </a:effectRef>
-          <a:fontRef idx="minor">
-            <a:schemeClr val="lt1"/>
-          </a:fontRef>
-        </p:style>
-        <p:txBody>
-          <a:bodyPr rtlCol="0" anchor="ctr"/>
-          <a:lstStyle/>
-          <a:p>
-            <a:pPr algn="ctr"/>
-            <a:r>
-              <a:rPr lang="en-US" dirty="0"/>
-              <a:t>Changing terms into factors lets ggplot2 order them</a:t>
-            </a:r>
-          </a:p>
-        </p:txBody>
-      </p:sp>
-      <p:cxnSp>
-        <p:nvCxnSpPr>
-          <p:cNvPr id="8" name="Straight Connector 7">
-            <a:extLst>
-              <a:ext uri="{FF2B5EF4-FFF2-40B4-BE49-F238E27FC236}">
-                <a16:creationId xmlns:a16="http://schemas.microsoft.com/office/drawing/2014/main" id="{A68C1A0A-774F-F241-8E78-4A40880FBE3D}"/>
-              </a:ext>
-            </a:extLst>
-          </p:cNvPr>
-          <p:cNvCxnSpPr/>
-          <p:nvPr/>
-        </p:nvCxnSpPr>
-        <p:spPr>
-          <a:xfrm>
-            <a:off x="6798363" y="6549885"/>
-            <a:ext cx="0" cy="182880"/>
-          </a:xfrm>
-          <a:prstGeom prst="line">
-            <a:avLst/>
-          </a:prstGeom>
-          <a:ln>
-            <a:solidFill>
-              <a:schemeClr val="bg1">
-                <a:lumMod val="85000"/>
-              </a:schemeClr>
-            </a:solidFill>
-          </a:ln>
-        </p:spPr>
-        <p:style>
-          <a:lnRef idx="1">
-            <a:schemeClr val="accent1"/>
-          </a:lnRef>
-          <a:fillRef idx="0">
-            <a:schemeClr val="accent1"/>
-          </a:fillRef>
-          <a:effectRef idx="0">
-            <a:schemeClr val="accent1"/>
-          </a:effectRef>
-          <a:fontRef idx="minor">
-            <a:schemeClr val="tx1"/>
-          </a:fontRef>
-        </p:style>
-      </p:cxnSp>
-      <p:cxnSp>
-        <p:nvCxnSpPr>
-          <p:cNvPr id="9" name="Straight Connector 8">
-            <a:extLst>
-              <a:ext uri="{FF2B5EF4-FFF2-40B4-BE49-F238E27FC236}">
-                <a16:creationId xmlns:a16="http://schemas.microsoft.com/office/drawing/2014/main" id="{1AF2C155-BC5D-784A-A2F0-7EA366D1C884}"/>
-              </a:ext>
-            </a:extLst>
-          </p:cNvPr>
-          <p:cNvCxnSpPr/>
-          <p:nvPr/>
-        </p:nvCxnSpPr>
-        <p:spPr>
-          <a:xfrm>
-            <a:off x="7076661" y="4664763"/>
-            <a:ext cx="182880" cy="0"/>
-          </a:xfrm>
-          <a:prstGeom prst="line">
-            <a:avLst/>
-          </a:prstGeom>
-          <a:ln>
-            <a:solidFill>
-              <a:schemeClr val="bg1">
-                <a:lumMod val="85000"/>
-              </a:schemeClr>
-            </a:solidFill>
-          </a:ln>
-        </p:spPr>
-        <p:style>
-          <a:lnRef idx="1">
-            <a:schemeClr val="accent1"/>
-          </a:lnRef>
-          <a:fillRef idx="0">
-            <a:schemeClr val="accent1"/>
-          </a:fillRef>
-          <a:effectRef idx="0">
-            <a:schemeClr val="accent1"/>
-          </a:effectRef>
-          <a:fontRef idx="minor">
-            <a:schemeClr val="tx1"/>
-          </a:fontRef>
-        </p:style>
-      </p:cxnSp>
-    </p:spTree>
-    <p:extLst>
-      <p:ext uri="{BB962C8B-B14F-4D97-AF65-F5344CB8AC3E}">
-        <p14:creationId xmlns:p14="http://schemas.microsoft.com/office/powerpoint/2010/main" val="3258721290"/>
-      </p:ext>
-    </p:extLst>
-  </p:cSld>
-  <p:clrMapOvr>
-    <a:masterClrMapping/>
-  </p:clrMapOvr>
-</p:sld>
-</file>
-
-<file path=ppt/slides/slide15.xml><?xml version="1.0" encoding="utf-8"?>
-<p:sld xmlns:a="http://schemas.openxmlformats.org/drawingml/2006/main" xmlns:r="http://schemas.openxmlformats.org/officeDocument/2006/relationships" xmlns:p="http://schemas.openxmlformats.org/presentationml/2006/main">
-  <p:cSld>
-    <p:spTree>
-      <p:nvGrpSpPr>
-        <p:cNvPr id="1" name=""/>
-        <p:cNvGrpSpPr/>
-        <p:nvPr/>
-      </p:nvGrpSpPr>
-      <p:grpSpPr>
-        <a:xfrm>
-          <a:off x="0" y="0"/>
-          <a:ext cx="0" cy="0"/>
-          <a:chOff x="0" y="0"/>
-          <a:chExt cx="0" cy="0"/>
-        </a:xfrm>
-      </p:grpSpPr>
-      <p:sp>
-        <p:nvSpPr>
-          <p:cNvPr id="2" name="Date Placeholder 1">
-            <a:extLst>
-              <a:ext uri="{FF2B5EF4-FFF2-40B4-BE49-F238E27FC236}">
-                <a16:creationId xmlns:a16="http://schemas.microsoft.com/office/drawing/2014/main" id="{19210D5C-D4DA-42F2-9C4A-993DFC77B30A}"/>
-              </a:ext>
-            </a:extLst>
-          </p:cNvPr>
-          <p:cNvSpPr>
-            <a:spLocks noGrp="1"/>
-          </p:cNvSpPr>
-          <p:nvPr>
-            <p:ph type="dt" sz="half" idx="10"/>
-          </p:nvPr>
-        </p:nvSpPr>
-        <p:spPr/>
-        <p:txBody>
-          <a:bodyPr/>
-          <a:lstStyle/>
-          <a:p>
-            <a:fld id="{6700A58B-DD98-43D0-B791-721480A02982}" type="datetime1">
-              <a:rPr lang="en-US" smtClean="0"/>
-              <a:t>12/30/20</a:t>
-            </a:fld>
-            <a:endParaRPr lang="en-US"/>
-          </a:p>
-        </p:txBody>
-      </p:sp>
-      <p:sp>
-        <p:nvSpPr>
-          <p:cNvPr id="3" name="Title 2">
-            <a:extLst>
-              <a:ext uri="{FF2B5EF4-FFF2-40B4-BE49-F238E27FC236}">
-                <a16:creationId xmlns:a16="http://schemas.microsoft.com/office/drawing/2014/main" id="{82C34DE6-46FB-47F0-9733-C3D27E997C9C}"/>
-              </a:ext>
-            </a:extLst>
-          </p:cNvPr>
-          <p:cNvSpPr>
-            <a:spLocks noGrp="1"/>
-          </p:cNvSpPr>
-          <p:nvPr>
-            <p:ph type="title"/>
-          </p:nvPr>
-        </p:nvSpPr>
-        <p:spPr>
-          <a:xfrm>
-            <a:off x="628650" y="112873"/>
-            <a:ext cx="7886700" cy="591477"/>
-          </a:xfrm>
-        </p:spPr>
-        <p:txBody>
-          <a:bodyPr/>
-          <a:lstStyle/>
-          <a:p>
-            <a:r>
-              <a:rPr lang="en-US" sz="3200" dirty="0"/>
-              <a:t>Back to </a:t>
-            </a:r>
-            <a:r>
-              <a:rPr lang="en-US" sz="3200" dirty="0" err="1"/>
-              <a:t>B_Frequency_Associations.R</a:t>
-            </a:r>
-            <a:r>
-              <a:rPr lang="en-US" sz="3200" dirty="0"/>
-              <a:t> </a:t>
-            </a:r>
-          </a:p>
-        </p:txBody>
-      </p:sp>
-      <p:sp>
-        <p:nvSpPr>
-          <p:cNvPr id="6" name="Footer Placeholder 5">
-            <a:extLst>
-              <a:ext uri="{FF2B5EF4-FFF2-40B4-BE49-F238E27FC236}">
-                <a16:creationId xmlns:a16="http://schemas.microsoft.com/office/drawing/2014/main" id="{9AEE3B0A-243D-4D84-82C8-9D7223818081}"/>
-              </a:ext>
-            </a:extLst>
-          </p:cNvPr>
-          <p:cNvSpPr>
-            <a:spLocks noGrp="1"/>
-          </p:cNvSpPr>
-          <p:nvPr>
-            <p:ph type="ftr" sz="quarter" idx="3"/>
-          </p:nvPr>
-        </p:nvSpPr>
-        <p:spPr/>
-        <p:txBody>
-          <a:bodyPr/>
-          <a:lstStyle/>
-          <a:p>
-            <a:r>
-              <a:rPr lang="en-US" dirty="0"/>
-              <a:t>Kwartler </a:t>
-            </a:r>
-          </a:p>
-        </p:txBody>
-      </p:sp>
-      <p:sp>
-        <p:nvSpPr>
-          <p:cNvPr id="4" name="Slide Number Placeholder 3">
-            <a:extLst>
-              <a:ext uri="{FF2B5EF4-FFF2-40B4-BE49-F238E27FC236}">
-                <a16:creationId xmlns:a16="http://schemas.microsoft.com/office/drawing/2014/main" id="{DE6123B4-98F7-4DC5-97DE-E4E470717960}"/>
-              </a:ext>
-            </a:extLst>
-          </p:cNvPr>
-          <p:cNvSpPr>
-            <a:spLocks noGrp="1"/>
-          </p:cNvSpPr>
-          <p:nvPr>
-            <p:ph type="sldNum" sz="quarter" idx="4"/>
-          </p:nvPr>
-        </p:nvSpPr>
-        <p:spPr/>
-        <p:txBody>
-          <a:bodyPr/>
-          <a:lstStyle/>
-          <a:p>
-            <a:fld id="{37290FF7-652B-4475-AEAB-8B1A5D23AE09}" type="slidenum">
-              <a:rPr lang="en-US" smtClean="0"/>
-              <a:t>15</a:t>
-            </a:fld>
-            <a:endParaRPr lang="en-US"/>
-          </a:p>
-        </p:txBody>
-      </p:sp>
-      <p:pic>
-        <p:nvPicPr>
-          <p:cNvPr id="5" name="Picture 4">
-            <a:extLst>
-              <a:ext uri="{FF2B5EF4-FFF2-40B4-BE49-F238E27FC236}">
-                <a16:creationId xmlns:a16="http://schemas.microsoft.com/office/drawing/2014/main" id="{8E9534B7-F364-47E6-9599-C508EA823EC2}"/>
-              </a:ext>
-            </a:extLst>
-          </p:cNvPr>
-          <p:cNvPicPr>
-            <a:picLocks noChangeAspect="1"/>
-          </p:cNvPicPr>
-          <p:nvPr/>
-        </p:nvPicPr>
-        <p:blipFill>
-          <a:blip r:embed="rId2"/>
-          <a:stretch>
-            <a:fillRect/>
-          </a:stretch>
-        </p:blipFill>
-        <p:spPr>
-          <a:xfrm>
-            <a:off x="447367" y="1542282"/>
-            <a:ext cx="8249265" cy="4069800"/>
-          </a:xfrm>
-          <a:prstGeom prst="rect">
-            <a:avLst/>
-          </a:prstGeom>
-        </p:spPr>
-      </p:pic>
-      <p:sp>
-        <p:nvSpPr>
-          <p:cNvPr id="9" name="TextBox 8">
-            <a:extLst>
-              <a:ext uri="{FF2B5EF4-FFF2-40B4-BE49-F238E27FC236}">
-                <a16:creationId xmlns:a16="http://schemas.microsoft.com/office/drawing/2014/main" id="{0D38C65D-DB44-46A4-800F-3896BD9C6EA5}"/>
-              </a:ext>
-            </a:extLst>
-          </p:cNvPr>
-          <p:cNvSpPr txBox="1"/>
-          <p:nvPr/>
-        </p:nvSpPr>
-        <p:spPr>
-          <a:xfrm>
-            <a:off x="447367" y="1203728"/>
-            <a:ext cx="8249265" cy="338554"/>
-          </a:xfrm>
-          <a:prstGeom prst="rect">
-            <a:avLst/>
-          </a:prstGeom>
-          <a:solidFill>
-            <a:schemeClr val="accent3"/>
-          </a:solidFill>
-        </p:spPr>
-        <p:txBody>
-          <a:bodyPr wrap="square" rtlCol="0">
-            <a:spAutoFit/>
-          </a:bodyPr>
-          <a:lstStyle/>
-          <a:p>
-            <a:pPr defTabSz="457200"/>
-            <a:r>
-              <a:rPr lang="en-US" sz="1600" kern="1200" dirty="0">
-                <a:solidFill>
-                  <a:prstClr val="white"/>
-                </a:solidFill>
-                <a:latin typeface="+mj-lt"/>
-                <a:ea typeface="Arial Unicode MS" panose="020B0604020202020204" pitchFamily="34" charset="-128"/>
-                <a:cs typeface="Arial Unicode MS" panose="020B0604020202020204" pitchFamily="34" charset="-128"/>
-              </a:rPr>
-              <a:t>“</a:t>
-            </a:r>
-            <a:r>
-              <a:rPr lang="en-US" sz="1600" kern="1200" dirty="0" err="1">
-                <a:solidFill>
-                  <a:prstClr val="white"/>
-                </a:solidFill>
-                <a:latin typeface="+mj-lt"/>
-                <a:ea typeface="Arial Unicode MS" panose="020B0604020202020204" pitchFamily="34" charset="-128"/>
-                <a:cs typeface="Arial Unicode MS" panose="020B0604020202020204" pitchFamily="34" charset="-128"/>
-              </a:rPr>
-              <a:t>thealetrail</a:t>
-            </a:r>
-            <a:r>
-              <a:rPr lang="en-US" sz="1600" kern="1200" dirty="0">
-                <a:solidFill>
-                  <a:prstClr val="white"/>
-                </a:solidFill>
-                <a:latin typeface="+mj-lt"/>
-                <a:ea typeface="Arial Unicode MS" panose="020B0604020202020204" pitchFamily="34" charset="-128"/>
-                <a:cs typeface="Arial Unicode MS" panose="020B0604020202020204" pitchFamily="34" charset="-128"/>
-              </a:rPr>
-              <a:t>” has the highest word association with “</a:t>
-            </a:r>
-            <a:r>
-              <a:rPr lang="en-US" sz="1600" kern="1200" dirty="0" err="1">
-                <a:solidFill>
-                  <a:prstClr val="white"/>
-                </a:solidFill>
-                <a:latin typeface="+mj-lt"/>
-                <a:ea typeface="Arial Unicode MS" panose="020B0604020202020204" pitchFamily="34" charset="-128"/>
-                <a:cs typeface="Arial Unicode MS" panose="020B0604020202020204" pitchFamily="34" charset="-128"/>
-              </a:rPr>
-              <a:t>brewdog</a:t>
-            </a:r>
-            <a:r>
-              <a:rPr lang="en-US" sz="1600" kern="1200" dirty="0">
-                <a:solidFill>
-                  <a:prstClr val="white"/>
-                </a:solidFill>
-                <a:latin typeface="+mj-lt"/>
-                <a:ea typeface="Arial Unicode MS" panose="020B0604020202020204" pitchFamily="34" charset="-128"/>
-                <a:cs typeface="Arial Unicode MS" panose="020B0604020202020204" pitchFamily="34" charset="-128"/>
-              </a:rPr>
-              <a:t>”</a:t>
-            </a:r>
-          </a:p>
-        </p:txBody>
-      </p:sp>
-      <p:pic>
-        <p:nvPicPr>
-          <p:cNvPr id="11" name="Picture 10">
-            <a:extLst>
-              <a:ext uri="{FF2B5EF4-FFF2-40B4-BE49-F238E27FC236}">
-                <a16:creationId xmlns:a16="http://schemas.microsoft.com/office/drawing/2014/main" id="{818B2B5F-FBAE-46E5-B78D-7D5A889CDB8B}"/>
-              </a:ext>
-            </a:extLst>
-          </p:cNvPr>
-          <p:cNvPicPr>
-            <a:picLocks noChangeAspect="1"/>
-          </p:cNvPicPr>
-          <p:nvPr/>
-        </p:nvPicPr>
-        <p:blipFill>
-          <a:blip r:embed="rId3"/>
-          <a:stretch>
-            <a:fillRect/>
-          </a:stretch>
-        </p:blipFill>
-        <p:spPr>
-          <a:xfrm>
-            <a:off x="209000" y="6136010"/>
-            <a:ext cx="404901" cy="329185"/>
-          </a:xfrm>
-          <a:prstGeom prst="rect">
-            <a:avLst/>
-          </a:prstGeom>
-        </p:spPr>
-      </p:pic>
-      <p:sp>
-        <p:nvSpPr>
-          <p:cNvPr id="18" name="Rectangle 17">
-            <a:extLst>
-              <a:ext uri="{FF2B5EF4-FFF2-40B4-BE49-F238E27FC236}">
-                <a16:creationId xmlns:a16="http://schemas.microsoft.com/office/drawing/2014/main" id="{EE08D283-37B7-4151-B8D2-962905F1A10E}"/>
-              </a:ext>
-            </a:extLst>
-          </p:cNvPr>
-          <p:cNvSpPr/>
-          <p:nvPr/>
-        </p:nvSpPr>
-        <p:spPr>
-          <a:xfrm>
-            <a:off x="1283109" y="5654272"/>
-            <a:ext cx="5400080" cy="430887"/>
-          </a:xfrm>
-          <a:prstGeom prst="rect">
-            <a:avLst/>
-          </a:prstGeom>
-        </p:spPr>
-        <p:txBody>
-          <a:bodyPr wrap="square">
-            <a:spAutoFit/>
-          </a:bodyPr>
-          <a:lstStyle/>
-          <a:p>
-            <a:r>
-              <a:rPr lang="en-US" sz="1100" dirty="0"/>
-              <a:t>@</a:t>
-            </a:r>
-            <a:r>
-              <a:rPr lang="en-US" sz="1100" dirty="0" err="1"/>
-              <a:t>TheAleTrail</a:t>
-            </a:r>
-            <a:r>
-              <a:rPr lang="en-US" sz="1100" dirty="0"/>
-              <a:t>: Worth the wait. This is excellent. @</a:t>
-            </a:r>
-            <a:r>
-              <a:rPr lang="en-US" sz="1100" dirty="0" err="1"/>
-              <a:t>brewdog</a:t>
-            </a:r>
-            <a:r>
-              <a:rPr lang="en-US" sz="1100" dirty="0"/>
-              <a:t> @</a:t>
-            </a:r>
-            <a:r>
-              <a:rPr lang="en-US" sz="1100" dirty="0" err="1"/>
-              <a:t>British_Airways</a:t>
-            </a:r>
-            <a:r>
-              <a:rPr lang="en-US" sz="1100" dirty="0"/>
-              <a:t>  #Speedbird100  balanced juicy hops with a tang of bitterness…</a:t>
-            </a:r>
-          </a:p>
-        </p:txBody>
-      </p:sp>
-      <p:sp>
-        <p:nvSpPr>
-          <p:cNvPr id="19" name="Speech Bubble: Oval 18">
-            <a:extLst>
-              <a:ext uri="{FF2B5EF4-FFF2-40B4-BE49-F238E27FC236}">
-                <a16:creationId xmlns:a16="http://schemas.microsoft.com/office/drawing/2014/main" id="{E1250D65-B07D-4E55-86C7-7CA38B54CFFD}"/>
-              </a:ext>
-            </a:extLst>
-          </p:cNvPr>
-          <p:cNvSpPr/>
-          <p:nvPr/>
-        </p:nvSpPr>
-        <p:spPr>
-          <a:xfrm>
-            <a:off x="613901" y="5486400"/>
-            <a:ext cx="5491064" cy="649610"/>
-          </a:xfrm>
-          <a:prstGeom prst="wedgeEllipseCallout">
-            <a:avLst>
-              <a:gd name="adj1" fmla="val -49331"/>
-              <a:gd name="adj2" fmla="val 54336"/>
-            </a:avLst>
-          </a:prstGeom>
-          <a:noFill/>
-          <a:ln>
-            <a:solidFill>
-              <a:schemeClr val="accent6">
-                <a:lumMod val="60000"/>
-                <a:lumOff val="40000"/>
-              </a:schemeClr>
-            </a:solidFill>
-          </a:ln>
-        </p:spPr>
-        <p:style>
-          <a:lnRef idx="2">
-            <a:schemeClr val="accent1">
-              <a:shade val="50000"/>
-            </a:schemeClr>
-          </a:lnRef>
-          <a:fillRef idx="1">
-            <a:schemeClr val="accent1"/>
-          </a:fillRef>
-          <a:effectRef idx="0">
-            <a:schemeClr val="accent1"/>
-          </a:effectRef>
-          <a:fontRef idx="minor">
-            <a:schemeClr val="lt1"/>
-          </a:fontRef>
-        </p:style>
-        <p:txBody>
-          <a:bodyPr rtlCol="0" anchor="ctr"/>
-          <a:lstStyle/>
-          <a:p>
-            <a:pPr algn="ctr"/>
-            <a:endParaRPr lang="en-US"/>
-          </a:p>
-        </p:txBody>
-      </p:sp>
-      <p:cxnSp>
-        <p:nvCxnSpPr>
-          <p:cNvPr id="12" name="Straight Connector 11">
-            <a:extLst>
-              <a:ext uri="{FF2B5EF4-FFF2-40B4-BE49-F238E27FC236}">
-                <a16:creationId xmlns:a16="http://schemas.microsoft.com/office/drawing/2014/main" id="{A0A92EBE-B569-2742-B935-9900CF11873A}"/>
-              </a:ext>
-            </a:extLst>
-          </p:cNvPr>
-          <p:cNvCxnSpPr/>
-          <p:nvPr/>
-        </p:nvCxnSpPr>
-        <p:spPr>
-          <a:xfrm>
-            <a:off x="6798363" y="6549885"/>
-            <a:ext cx="0" cy="182880"/>
-          </a:xfrm>
-          <a:prstGeom prst="line">
-            <a:avLst/>
-          </a:prstGeom>
-          <a:ln>
-            <a:solidFill>
-              <a:schemeClr val="bg1">
-                <a:lumMod val="85000"/>
-              </a:schemeClr>
-            </a:solidFill>
-          </a:ln>
-        </p:spPr>
-        <p:style>
-          <a:lnRef idx="1">
-            <a:schemeClr val="accent1"/>
-          </a:lnRef>
-          <a:fillRef idx="0">
-            <a:schemeClr val="accent1"/>
-          </a:fillRef>
-          <a:effectRef idx="0">
-            <a:schemeClr val="accent1"/>
-          </a:effectRef>
-          <a:fontRef idx="minor">
-            <a:schemeClr val="tx1"/>
-          </a:fontRef>
-        </p:style>
-      </p:cxnSp>
-      <p:cxnSp>
-        <p:nvCxnSpPr>
-          <p:cNvPr id="13" name="Straight Connector 12">
-            <a:extLst>
-              <a:ext uri="{FF2B5EF4-FFF2-40B4-BE49-F238E27FC236}">
-                <a16:creationId xmlns:a16="http://schemas.microsoft.com/office/drawing/2014/main" id="{F80EB2F3-9756-4E4E-8856-E88DF8B5B7D1}"/>
-              </a:ext>
-            </a:extLst>
-          </p:cNvPr>
-          <p:cNvCxnSpPr/>
-          <p:nvPr/>
-        </p:nvCxnSpPr>
-        <p:spPr>
-          <a:xfrm>
-            <a:off x="7076661" y="4664763"/>
-            <a:ext cx="182880" cy="0"/>
-          </a:xfrm>
-          <a:prstGeom prst="line">
-            <a:avLst/>
-          </a:prstGeom>
-          <a:ln>
-            <a:solidFill>
-              <a:schemeClr val="bg1">
-                <a:lumMod val="85000"/>
-              </a:schemeClr>
-            </a:solidFill>
-          </a:ln>
-        </p:spPr>
-        <p:style>
-          <a:lnRef idx="1">
-            <a:schemeClr val="accent1"/>
-          </a:lnRef>
-          <a:fillRef idx="0">
-            <a:schemeClr val="accent1"/>
-          </a:fillRef>
-          <a:effectRef idx="0">
-            <a:schemeClr val="accent1"/>
-          </a:effectRef>
-          <a:fontRef idx="minor">
-            <a:schemeClr val="tx1"/>
-          </a:fontRef>
-        </p:style>
-      </p:cxnSp>
-    </p:spTree>
-    <p:extLst>
-      <p:ext uri="{BB962C8B-B14F-4D97-AF65-F5344CB8AC3E}">
-        <p14:creationId xmlns:p14="http://schemas.microsoft.com/office/powerpoint/2010/main" val="2840599417"/>
-      </p:ext>
-    </p:extLst>
-  </p:cSld>
-  <p:clrMapOvr>
-    <a:masterClrMapping/>
-  </p:clrMapOvr>
-</p:sld>
-</file>
-
-<file path=ppt/slides/slide16.xml><?xml version="1.0" encoding="utf-8"?>
-<p:sld xmlns:a="http://schemas.openxmlformats.org/drawingml/2006/main" xmlns:r="http://schemas.openxmlformats.org/officeDocument/2006/relationships" xmlns:p="http://schemas.openxmlformats.org/presentationml/2006/main">
-  <p:cSld>
-    <p:spTree>
-      <p:nvGrpSpPr>
-        <p:cNvPr id="1" name=""/>
-        <p:cNvGrpSpPr/>
-        <p:nvPr/>
-      </p:nvGrpSpPr>
-      <p:grpSpPr>
-        <a:xfrm>
-          <a:off x="0" y="0"/>
-          <a:ext cx="0" cy="0"/>
-          <a:chOff x="0" y="0"/>
-          <a:chExt cx="0" cy="0"/>
-        </a:xfrm>
-      </p:grpSpPr>
-      <p:sp>
-        <p:nvSpPr>
-          <p:cNvPr id="2" name="Date Placeholder 1">
-            <a:extLst>
-              <a:ext uri="{FF2B5EF4-FFF2-40B4-BE49-F238E27FC236}">
-                <a16:creationId xmlns:a16="http://schemas.microsoft.com/office/drawing/2014/main" id="{8EA1E927-42A1-4F18-98B4-B2286686F93B}"/>
-              </a:ext>
-            </a:extLst>
-          </p:cNvPr>
-          <p:cNvSpPr>
-            <a:spLocks noGrp="1"/>
-          </p:cNvSpPr>
-          <p:nvPr>
-            <p:ph type="dt" sz="half" idx="10"/>
-          </p:nvPr>
-        </p:nvSpPr>
-        <p:spPr/>
-        <p:txBody>
-          <a:bodyPr/>
-          <a:lstStyle/>
-          <a:p>
-            <a:fld id="{6700A58B-DD98-43D0-B791-721480A02982}" type="datetime1">
-              <a:rPr lang="en-US" smtClean="0"/>
-              <a:pPr/>
-              <a:t>12/30/20</a:t>
-            </a:fld>
-            <a:endParaRPr lang="en-US"/>
-          </a:p>
-        </p:txBody>
-      </p:sp>
-      <p:sp>
-        <p:nvSpPr>
-          <p:cNvPr id="3" name="Title 2">
-            <a:extLst>
-              <a:ext uri="{FF2B5EF4-FFF2-40B4-BE49-F238E27FC236}">
-                <a16:creationId xmlns:a16="http://schemas.microsoft.com/office/drawing/2014/main" id="{9E9892C0-018C-4DD0-97A5-7FC4FD6EB37D}"/>
-              </a:ext>
-            </a:extLst>
-          </p:cNvPr>
-          <p:cNvSpPr>
-            <a:spLocks noGrp="1"/>
-          </p:cNvSpPr>
-          <p:nvPr>
-            <p:ph type="title"/>
-          </p:nvPr>
-        </p:nvSpPr>
-        <p:spPr/>
-        <p:txBody>
-          <a:bodyPr/>
-          <a:lstStyle/>
-          <a:p>
-            <a:r>
-              <a:rPr lang="en-US"/>
-              <a:t>Association is NOT frequency.</a:t>
-            </a:r>
-            <a:endParaRPr lang="en-US" dirty="0"/>
-          </a:p>
-        </p:txBody>
-      </p:sp>
-      <p:sp>
-        <p:nvSpPr>
-          <p:cNvPr id="5" name="Footer Placeholder 4">
-            <a:extLst>
-              <a:ext uri="{FF2B5EF4-FFF2-40B4-BE49-F238E27FC236}">
-                <a16:creationId xmlns:a16="http://schemas.microsoft.com/office/drawing/2014/main" id="{5A2500E2-DA47-4E11-95C9-97ABE6F857AD}"/>
-              </a:ext>
-            </a:extLst>
-          </p:cNvPr>
-          <p:cNvSpPr>
-            <a:spLocks noGrp="1"/>
-          </p:cNvSpPr>
-          <p:nvPr>
-            <p:ph type="ftr" sz="quarter" idx="3"/>
-          </p:nvPr>
-        </p:nvSpPr>
-        <p:spPr/>
-        <p:txBody>
-          <a:bodyPr/>
-          <a:lstStyle/>
-          <a:p>
-            <a:r>
-              <a:rPr lang="en-US"/>
-              <a:t>Kwartler</a:t>
-            </a:r>
-            <a:endParaRPr lang="en-US" dirty="0"/>
-          </a:p>
-        </p:txBody>
-      </p:sp>
-      <p:sp>
-        <p:nvSpPr>
-          <p:cNvPr id="4" name="Slide Number Placeholder 3">
-            <a:extLst>
-              <a:ext uri="{FF2B5EF4-FFF2-40B4-BE49-F238E27FC236}">
-                <a16:creationId xmlns:a16="http://schemas.microsoft.com/office/drawing/2014/main" id="{630852DE-7F9F-4D93-B347-B6A4CEFF2F31}"/>
-              </a:ext>
-            </a:extLst>
-          </p:cNvPr>
-          <p:cNvSpPr>
-            <a:spLocks noGrp="1"/>
-          </p:cNvSpPr>
-          <p:nvPr>
-            <p:ph type="sldNum" sz="quarter" idx="4"/>
-          </p:nvPr>
-        </p:nvSpPr>
-        <p:spPr/>
-        <p:txBody>
-          <a:bodyPr/>
-          <a:lstStyle/>
-          <a:p>
-            <a:fld id="{37290FF7-652B-4475-AEAB-8B1A5D23AE09}" type="slidenum">
-              <a:rPr lang="en-US" smtClean="0"/>
-              <a:pPr/>
-              <a:t>16</a:t>
-            </a:fld>
-            <a:endParaRPr lang="en-US"/>
-          </a:p>
-        </p:txBody>
-      </p:sp>
-      <p:pic>
-        <p:nvPicPr>
-          <p:cNvPr id="2050" name="Picture 2" descr="Image result for trap meme">
-            <a:extLst>
-              <a:ext uri="{FF2B5EF4-FFF2-40B4-BE49-F238E27FC236}">
-                <a16:creationId xmlns:a16="http://schemas.microsoft.com/office/drawing/2014/main" id="{EDF7E365-FED3-4323-966C-BAFC885B13B9}"/>
-              </a:ext>
-            </a:extLst>
-          </p:cNvPr>
-          <p:cNvPicPr>
-            <a:picLocks noChangeAspect="1" noChangeArrowheads="1"/>
-          </p:cNvPicPr>
-          <p:nvPr/>
-        </p:nvPicPr>
-        <p:blipFill>
-          <a:blip r:embed="rId2" cstate="print">
-            <a:extLst>
-              <a:ext uri="{28A0092B-C50C-407E-A947-70E740481C1C}">
-                <a14:useLocalDpi xmlns:a14="http://schemas.microsoft.com/office/drawing/2010/main" val="0"/>
-              </a:ext>
-            </a:extLst>
-          </a:blip>
-          <a:srcRect/>
-          <a:stretch>
-            <a:fillRect/>
-          </a:stretch>
-        </p:blipFill>
-        <p:spPr bwMode="auto">
-          <a:xfrm>
-            <a:off x="628650" y="2046954"/>
-            <a:ext cx="4257368" cy="2394770"/>
-          </a:xfrm>
-          <a:prstGeom prst="rect">
-            <a:avLst/>
-          </a:prstGeom>
-          <a:noFill/>
-          <a:extLst>
-            <a:ext uri="{909E8E84-426E-40DD-AFC4-6F175D3DCCD1}">
-              <a14:hiddenFill xmlns:a14="http://schemas.microsoft.com/office/drawing/2010/main">
-                <a:solidFill>
-                  <a:srgbClr val="FFFFFF"/>
-                </a:solidFill>
-              </a14:hiddenFill>
-            </a:ext>
-          </a:extLst>
-        </p:spPr>
-      </p:pic>
-      <p:sp>
-        <p:nvSpPr>
-          <p:cNvPr id="6" name="TextBox 5">
-            <a:extLst>
-              <a:ext uri="{FF2B5EF4-FFF2-40B4-BE49-F238E27FC236}">
-                <a16:creationId xmlns:a16="http://schemas.microsoft.com/office/drawing/2014/main" id="{2816C205-326A-44F0-9783-879DB3FC3CCD}"/>
-              </a:ext>
-            </a:extLst>
-          </p:cNvPr>
-          <p:cNvSpPr txBox="1"/>
-          <p:nvPr/>
-        </p:nvSpPr>
-        <p:spPr>
-          <a:xfrm>
-            <a:off x="5126600" y="2046954"/>
-            <a:ext cx="3519949" cy="923330"/>
-          </a:xfrm>
-          <a:prstGeom prst="rect">
-            <a:avLst/>
-          </a:prstGeom>
-          <a:noFill/>
-        </p:spPr>
-        <p:txBody>
-          <a:bodyPr wrap="square" rtlCol="0">
-            <a:spAutoFit/>
-          </a:bodyPr>
-          <a:lstStyle/>
-          <a:p>
-            <a:pPr marL="285750" indent="-285750">
-              <a:buFont typeface="Arial" panose="020B0604020202020204" pitchFamily="34" charset="0"/>
-              <a:buChar char="•"/>
-            </a:pPr>
-            <a:r>
-              <a:rPr lang="en-US" dirty="0"/>
-              <a:t>“</a:t>
-            </a:r>
-            <a:r>
-              <a:rPr lang="en-US" dirty="0" err="1"/>
-              <a:t>brewdog</a:t>
-            </a:r>
-            <a:r>
-              <a:rPr lang="en-US" dirty="0"/>
-              <a:t>” appears 16 times</a:t>
-            </a:r>
-          </a:p>
-          <a:p>
-            <a:pPr marL="285750" indent="-285750">
-              <a:buFont typeface="Arial" panose="020B0604020202020204" pitchFamily="34" charset="0"/>
-              <a:buChar char="•"/>
-            </a:pPr>
-            <a:r>
-              <a:rPr lang="en-US" dirty="0"/>
-              <a:t>“</a:t>
-            </a:r>
-            <a:r>
-              <a:rPr lang="en-US" dirty="0" err="1"/>
-              <a:t>thealetrail</a:t>
-            </a:r>
-            <a:r>
-              <a:rPr lang="en-US" dirty="0"/>
-              <a:t>” is the most associated term</a:t>
-            </a:r>
-          </a:p>
-        </p:txBody>
-      </p:sp>
-      <p:sp>
-        <p:nvSpPr>
-          <p:cNvPr id="7" name="Rectangle 6">
-            <a:extLst>
-              <a:ext uri="{FF2B5EF4-FFF2-40B4-BE49-F238E27FC236}">
-                <a16:creationId xmlns:a16="http://schemas.microsoft.com/office/drawing/2014/main" id="{9948CBF8-7AD5-452D-AE91-266CDE3F3E88}"/>
-              </a:ext>
-            </a:extLst>
-          </p:cNvPr>
-          <p:cNvSpPr/>
-          <p:nvPr/>
-        </p:nvSpPr>
-        <p:spPr>
-          <a:xfrm>
-            <a:off x="5201265" y="3244339"/>
-            <a:ext cx="3086100" cy="1314214"/>
-          </a:xfrm>
-          <a:prstGeom prst="rect">
-            <a:avLst/>
-          </a:prstGeom>
-          <a:ln>
-            <a:noFill/>
-          </a:ln>
-        </p:spPr>
-        <p:style>
-          <a:lnRef idx="2">
-            <a:schemeClr val="accent1">
-              <a:shade val="50000"/>
-            </a:schemeClr>
-          </a:lnRef>
-          <a:fillRef idx="1">
-            <a:schemeClr val="accent1"/>
-          </a:fillRef>
-          <a:effectRef idx="0">
-            <a:schemeClr val="accent1"/>
-          </a:effectRef>
-          <a:fontRef idx="minor">
-            <a:schemeClr val="lt1"/>
-          </a:fontRef>
-        </p:style>
-        <p:txBody>
-          <a:bodyPr rtlCol="0" anchor="ctr"/>
-          <a:lstStyle/>
-          <a:p>
-            <a:pPr algn="ctr"/>
-            <a:r>
-              <a:rPr lang="en-US" dirty="0"/>
-              <a:t>“</a:t>
-            </a:r>
-            <a:r>
-              <a:rPr lang="en-US" dirty="0" err="1"/>
-              <a:t>thealetrail</a:t>
-            </a:r>
-            <a:r>
-              <a:rPr lang="en-US" dirty="0"/>
-              <a:t>” appears 5 times.  There are other, more numerous terms that appear in the corpus but just less often with “</a:t>
-            </a:r>
-            <a:r>
-              <a:rPr lang="en-US" dirty="0" err="1"/>
-              <a:t>brewdog</a:t>
-            </a:r>
-            <a:r>
-              <a:rPr lang="en-US" dirty="0"/>
-              <a:t>”</a:t>
-            </a:r>
-          </a:p>
-        </p:txBody>
-      </p:sp>
-      <p:cxnSp>
-        <p:nvCxnSpPr>
-          <p:cNvPr id="10" name="Straight Connector 9">
-            <a:extLst>
-              <a:ext uri="{FF2B5EF4-FFF2-40B4-BE49-F238E27FC236}">
-                <a16:creationId xmlns:a16="http://schemas.microsoft.com/office/drawing/2014/main" id="{2AF50721-4658-F94D-A1CB-0E9CB433E144}"/>
-              </a:ext>
-            </a:extLst>
-          </p:cNvPr>
-          <p:cNvCxnSpPr/>
-          <p:nvPr/>
-        </p:nvCxnSpPr>
-        <p:spPr>
-          <a:xfrm>
-            <a:off x="6798363" y="6549885"/>
-            <a:ext cx="0" cy="182880"/>
-          </a:xfrm>
-          <a:prstGeom prst="line">
-            <a:avLst/>
-          </a:prstGeom>
-          <a:ln>
-            <a:solidFill>
-              <a:schemeClr val="bg1">
-                <a:lumMod val="85000"/>
-              </a:schemeClr>
-            </a:solidFill>
-          </a:ln>
-        </p:spPr>
-        <p:style>
-          <a:lnRef idx="1">
-            <a:schemeClr val="accent1"/>
-          </a:lnRef>
-          <a:fillRef idx="0">
-            <a:schemeClr val="accent1"/>
-          </a:fillRef>
-          <a:effectRef idx="0">
-            <a:schemeClr val="accent1"/>
-          </a:effectRef>
-          <a:fontRef idx="minor">
-            <a:schemeClr val="tx1"/>
-          </a:fontRef>
-        </p:style>
-      </p:cxnSp>
-      <p:cxnSp>
-        <p:nvCxnSpPr>
-          <p:cNvPr id="11" name="Straight Connector 10">
-            <a:extLst>
-              <a:ext uri="{FF2B5EF4-FFF2-40B4-BE49-F238E27FC236}">
-                <a16:creationId xmlns:a16="http://schemas.microsoft.com/office/drawing/2014/main" id="{D56B0906-93BE-FC4B-8CE5-5506712BAE8B}"/>
-              </a:ext>
-            </a:extLst>
-          </p:cNvPr>
-          <p:cNvCxnSpPr/>
-          <p:nvPr/>
-        </p:nvCxnSpPr>
-        <p:spPr>
-          <a:xfrm>
-            <a:off x="7076661" y="4664763"/>
-            <a:ext cx="182880" cy="0"/>
-          </a:xfrm>
-          <a:prstGeom prst="line">
-            <a:avLst/>
-          </a:prstGeom>
-          <a:ln>
-            <a:solidFill>
-              <a:schemeClr val="bg1">
-                <a:lumMod val="85000"/>
-              </a:schemeClr>
-            </a:solidFill>
-          </a:ln>
-        </p:spPr>
-        <p:style>
-          <a:lnRef idx="1">
-            <a:schemeClr val="accent1"/>
-          </a:lnRef>
-          <a:fillRef idx="0">
-            <a:schemeClr val="accent1"/>
-          </a:fillRef>
-          <a:effectRef idx="0">
-            <a:schemeClr val="accent1"/>
-          </a:effectRef>
-          <a:fontRef idx="minor">
-            <a:schemeClr val="tx1"/>
-          </a:fontRef>
-        </p:style>
-      </p:cxnSp>
-    </p:spTree>
-    <p:extLst>
-      <p:ext uri="{BB962C8B-B14F-4D97-AF65-F5344CB8AC3E}">
-        <p14:creationId xmlns:p14="http://schemas.microsoft.com/office/powerpoint/2010/main" val="141834658"/>
-      </p:ext>
-    </p:extLst>
-  </p:cSld>
-  <p:clrMapOvr>
-    <a:masterClrMapping/>
-  </p:clrMapOvr>
-</p:sld>
-</file>
-
-<file path=ppt/slides/slide2.xml><?xml version="1.0" encoding="utf-8"?>
+<file path=ppt/slides/slide3.xml><?xml version="1.0" encoding="utf-8"?>
 <p:sld xmlns:a="http://schemas.openxmlformats.org/drawingml/2006/main" xmlns:r="http://schemas.openxmlformats.org/officeDocument/2006/relationships" xmlns:p="http://schemas.openxmlformats.org/presentationml/2006/main">
   <p:cSld>
     <p:spTree>
@@ -16549,7 +17179,7 @@
           <a:p>
             <a:fld id="{6700A58B-DD98-43D0-B791-721480A02982}" type="datetime1">
               <a:rPr lang="en-US" smtClean="0"/>
-              <a:t>12/30/20</a:t>
+              <a:t>1/10/21</a:t>
             </a:fld>
             <a:endParaRPr lang="en-US"/>
           </a:p>
@@ -16640,7 +17270,7 @@
           <a:p>
             <a:fld id="{37290FF7-652B-4475-AEAB-8B1A5D23AE09}" type="slidenum">
               <a:rPr lang="en-US" smtClean="0"/>
-              <a:t>2</a:t>
+              <a:t>3</a:t>
             </a:fld>
             <a:endParaRPr lang="en-US"/>
           </a:p>
@@ -16797,7 +17427,7 @@
 </p:sld>
 </file>
 
-<file path=ppt/slides/slide3.xml><?xml version="1.0" encoding="utf-8"?>
+<file path=ppt/slides/slide4.xml><?xml version="1.0" encoding="utf-8"?>
 <p:sld xmlns:a="http://schemas.openxmlformats.org/drawingml/2006/main" xmlns:r="http://schemas.openxmlformats.org/officeDocument/2006/relationships" xmlns:p="http://schemas.openxmlformats.org/presentationml/2006/main">
   <p:cSld>
     <p:spTree>
@@ -16837,7 +17467,7 @@
           <a:p>
             <a:fld id="{6700A58B-DD98-43D0-B791-721480A02982}" type="datetime1">
               <a:rPr lang="en-US" smtClean="0"/>
-              <a:t>12/30/20</a:t>
+              <a:t>1/10/21</a:t>
             </a:fld>
             <a:endParaRPr lang="en-US"/>
           </a:p>
@@ -16923,7 +17553,7 @@
           <a:p>
             <a:fld id="{37290FF7-652B-4475-AEAB-8B1A5D23AE09}" type="slidenum">
               <a:rPr lang="en-US" smtClean="0"/>
-              <a:t>3</a:t>
+              <a:t>4</a:t>
             </a:fld>
             <a:endParaRPr lang="en-US"/>
           </a:p>
@@ -17528,7 +18158,7 @@
 </p:sld>
 </file>
 
-<file path=ppt/slides/slide4.xml><?xml version="1.0" encoding="utf-8"?>
+<file path=ppt/slides/slide5.xml><?xml version="1.0" encoding="utf-8"?>
 <p:sld xmlns:a="http://schemas.openxmlformats.org/drawingml/2006/main" xmlns:r="http://schemas.openxmlformats.org/officeDocument/2006/relationships" xmlns:p="http://schemas.openxmlformats.org/presentationml/2006/main">
   <p:cSld>
     <p:spTree>
@@ -17568,7 +18198,7 @@
           <a:p>
             <a:fld id="{6700A58B-DD98-43D0-B791-721480A02982}" type="datetime1">
               <a:rPr lang="en-US" smtClean="0"/>
-              <a:t>12/30/20</a:t>
+              <a:t>1/10/21</a:t>
             </a:fld>
             <a:endParaRPr lang="en-US"/>
           </a:p>
@@ -17654,7 +18284,7 @@
           <a:p>
             <a:fld id="{37290FF7-652B-4475-AEAB-8B1A5D23AE09}" type="slidenum">
               <a:rPr lang="en-US" smtClean="0"/>
-              <a:t>4</a:t>
+              <a:t>5</a:t>
             </a:fld>
             <a:endParaRPr lang="en-US"/>
           </a:p>
@@ -17858,7 +18488,7 @@
 </p:sld>
 </file>
 
-<file path=ppt/slides/slide5.xml><?xml version="1.0" encoding="utf-8"?>
+<file path=ppt/slides/slide6.xml><?xml version="1.0" encoding="utf-8"?>
 <p:sld xmlns:a="http://schemas.openxmlformats.org/drawingml/2006/main" xmlns:r="http://schemas.openxmlformats.org/officeDocument/2006/relationships" xmlns:p="http://schemas.openxmlformats.org/presentationml/2006/main">
   <p:cSld>
     <p:spTree>
@@ -17898,7 +18528,7 @@
           <a:p>
             <a:fld id="{6700A58B-DD98-43D0-B791-721480A02982}" type="datetime1">
               <a:rPr lang="en-US" smtClean="0"/>
-              <a:t>12/30/20</a:t>
+              <a:t>1/10/21</a:t>
             </a:fld>
             <a:endParaRPr lang="en-US"/>
           </a:p>
@@ -17984,7 +18614,7 @@
           <a:p>
             <a:fld id="{37290FF7-652B-4475-AEAB-8B1A5D23AE09}" type="slidenum">
               <a:rPr lang="en-US" smtClean="0"/>
-              <a:t>5</a:t>
+              <a:t>6</a:t>
             </a:fld>
             <a:endParaRPr lang="en-US"/>
           </a:p>
@@ -18204,7 +18834,7 @@
 </p:sld>
 </file>
 
-<file path=ppt/slides/slide6.xml><?xml version="1.0" encoding="utf-8"?>
+<file path=ppt/slides/slide7.xml><?xml version="1.0" encoding="utf-8"?>
 <p:sld xmlns:a="http://schemas.openxmlformats.org/drawingml/2006/main" xmlns:r="http://schemas.openxmlformats.org/officeDocument/2006/relationships" xmlns:p="http://schemas.openxmlformats.org/presentationml/2006/main">
   <p:cSld>
     <p:spTree>
@@ -18238,7 +18868,7 @@
           <a:p>
             <a:fld id="{6700A58B-DD98-43D0-B791-721480A02982}" type="datetime1">
               <a:rPr lang="en-US" smtClean="0"/>
-              <a:t>12/30/20</a:t>
+              <a:t>1/10/21</a:t>
             </a:fld>
             <a:endParaRPr lang="en-US"/>
           </a:p>
@@ -18307,7 +18937,7 @@
             <a:fld id="{37290FF7-652B-4475-AEAB-8B1A5D23AE09}" type="slidenum">
               <a:rPr lang="en-US" smtClean="0"/>
               <a:pPr/>
-              <a:t>6</a:t>
+              <a:t>7</a:t>
             </a:fld>
             <a:endParaRPr lang="en-US" dirty="0"/>
           </a:p>
@@ -18527,7 +19157,7 @@
 </p:sld>
 </file>
 
-<file path=ppt/slides/slide7.xml><?xml version="1.0" encoding="utf-8"?>
+<file path=ppt/slides/slide8.xml><?xml version="1.0" encoding="utf-8"?>
 <p:sld xmlns:a="http://schemas.openxmlformats.org/drawingml/2006/main" xmlns:r="http://schemas.openxmlformats.org/officeDocument/2006/relationships" xmlns:p="http://schemas.openxmlformats.org/presentationml/2006/main">
   <p:cSld>
     <p:spTree>
@@ -18567,7 +19197,7 @@
           <a:p>
             <a:fld id="{6700A58B-DD98-43D0-B791-721480A02982}" type="datetime1">
               <a:rPr lang="en-US" smtClean="0"/>
-              <a:t>12/30/20</a:t>
+              <a:t>1/10/21</a:t>
             </a:fld>
             <a:endParaRPr lang="en-US"/>
           </a:p>
@@ -18652,7 +19282,7 @@
           <a:p>
             <a:fld id="{37290FF7-652B-4475-AEAB-8B1A5D23AE09}" type="slidenum">
               <a:rPr lang="en-US" smtClean="0"/>
-              <a:t>7</a:t>
+              <a:t>8</a:t>
             </a:fld>
             <a:endParaRPr lang="en-US"/>
           </a:p>
@@ -18898,7 +19528,7 @@
 </p:sld>
 </file>
 
-<file path=ppt/slides/slide8.xml><?xml version="1.0" encoding="utf-8"?>
+<file path=ppt/slides/slide9.xml><?xml version="1.0" encoding="utf-8"?>
 <p:sld xmlns:a="http://schemas.openxmlformats.org/drawingml/2006/main" xmlns:r="http://schemas.openxmlformats.org/officeDocument/2006/relationships" xmlns:p="http://schemas.openxmlformats.org/presentationml/2006/main">
   <p:cSld>
     <p:spTree>
@@ -18938,7 +19568,7 @@
           <a:p>
             <a:fld id="{6700A58B-DD98-43D0-B791-721480A02982}" type="datetime1">
               <a:rPr lang="en-US" smtClean="0"/>
-              <a:t>12/30/20</a:t>
+              <a:t>1/10/21</a:t>
             </a:fld>
             <a:endParaRPr lang="en-US"/>
           </a:p>
@@ -19024,7 +19654,7 @@
           <a:p>
             <a:fld id="{37290FF7-652B-4475-AEAB-8B1A5D23AE09}" type="slidenum">
               <a:rPr lang="en-US" smtClean="0"/>
-              <a:t>8</a:t>
+              <a:t>9</a:t>
             </a:fld>
             <a:endParaRPr lang="en-US"/>
           </a:p>
@@ -19216,445 +19846,6 @@
     <p:extLst>
       <p:ext uri="{BB962C8B-B14F-4D97-AF65-F5344CB8AC3E}">
         <p14:creationId xmlns:p14="http://schemas.microsoft.com/office/powerpoint/2010/main" val="1544906289"/>
-      </p:ext>
-    </p:extLst>
-  </p:cSld>
-  <p:clrMapOvr>
-    <a:masterClrMapping/>
-  </p:clrMapOvr>
-</p:sld>
-</file>
-
-<file path=ppt/slides/slide9.xml><?xml version="1.0" encoding="utf-8"?>
-<p:sld xmlns:a="http://schemas.openxmlformats.org/drawingml/2006/main" xmlns:r="http://schemas.openxmlformats.org/officeDocument/2006/relationships" xmlns:p="http://schemas.openxmlformats.org/presentationml/2006/main">
-  <p:cSld>
-    <p:spTree>
-      <p:nvGrpSpPr>
-        <p:cNvPr id="1" name=""/>
-        <p:cNvGrpSpPr/>
-        <p:nvPr/>
-      </p:nvGrpSpPr>
-      <p:grpSpPr>
-        <a:xfrm>
-          <a:off x="0" y="0"/>
-          <a:ext cx="0" cy="0"/>
-          <a:chOff x="0" y="0"/>
-          <a:chExt cx="0" cy="0"/>
-        </a:xfrm>
-      </p:grpSpPr>
-      <p:sp>
-        <p:nvSpPr>
-          <p:cNvPr id="2" name="Date Placeholder 1">
-            <a:extLst>
-              <a:ext uri="{FF2B5EF4-FFF2-40B4-BE49-F238E27FC236}">
-                <a16:creationId xmlns:a16="http://schemas.microsoft.com/office/drawing/2014/main" id="{7B5D32A2-4747-4EC1-8212-CD2AC569D72E}"/>
-              </a:ext>
-            </a:extLst>
-          </p:cNvPr>
-          <p:cNvSpPr>
-            <a:spLocks noGrp="1"/>
-          </p:cNvSpPr>
-          <p:nvPr>
-            <p:ph type="dt" sz="half" idx="10"/>
-          </p:nvPr>
-        </p:nvSpPr>
-        <p:spPr/>
-        <p:txBody>
-          <a:bodyPr/>
-          <a:lstStyle/>
-          <a:p>
-            <a:fld id="{6700A58B-DD98-43D0-B791-721480A02982}" type="datetime1">
-              <a:rPr lang="en-US" smtClean="0"/>
-              <a:t>12/30/20</a:t>
-            </a:fld>
-            <a:endParaRPr lang="en-US"/>
-          </a:p>
-        </p:txBody>
-      </p:sp>
-      <p:sp>
-        <p:nvSpPr>
-          <p:cNvPr id="3" name="Title 2">
-            <a:extLst>
-              <a:ext uri="{FF2B5EF4-FFF2-40B4-BE49-F238E27FC236}">
-                <a16:creationId xmlns:a16="http://schemas.microsoft.com/office/drawing/2014/main" id="{912BA66A-B598-4C74-880F-8FB3646926A4}"/>
-              </a:ext>
-            </a:extLst>
-          </p:cNvPr>
-          <p:cNvSpPr>
-            <a:spLocks noGrp="1"/>
-          </p:cNvSpPr>
-          <p:nvPr>
-            <p:ph type="title"/>
-          </p:nvPr>
-        </p:nvSpPr>
-        <p:spPr/>
-        <p:txBody>
-          <a:bodyPr/>
-          <a:lstStyle/>
-          <a:p>
-            <a:r>
-              <a:rPr lang="en-US" dirty="0" err="1"/>
-              <a:t>Zipf’s</a:t>
-            </a:r>
-            <a:r>
-              <a:rPr lang="en-US" dirty="0"/>
-              <a:t> Law is observed in human behavior</a:t>
-            </a:r>
-          </a:p>
-        </p:txBody>
-      </p:sp>
-      <p:sp>
-        <p:nvSpPr>
-          <p:cNvPr id="5" name="Footer Placeholder 4">
-            <a:extLst>
-              <a:ext uri="{FF2B5EF4-FFF2-40B4-BE49-F238E27FC236}">
-                <a16:creationId xmlns:a16="http://schemas.microsoft.com/office/drawing/2014/main" id="{35253794-E996-4868-8202-CB70CE854E59}"/>
-              </a:ext>
-            </a:extLst>
-          </p:cNvPr>
-          <p:cNvSpPr>
-            <a:spLocks noGrp="1"/>
-          </p:cNvSpPr>
-          <p:nvPr>
-            <p:ph type="ftr" sz="quarter" idx="3"/>
-          </p:nvPr>
-        </p:nvSpPr>
-        <p:spPr/>
-        <p:txBody>
-          <a:bodyPr/>
-          <a:lstStyle/>
-          <a:p>
-            <a:r>
-              <a:rPr lang="en-US"/>
-              <a:t>Kwartler</a:t>
-            </a:r>
-            <a:endParaRPr lang="en-US" dirty="0"/>
-          </a:p>
-        </p:txBody>
-      </p:sp>
-      <p:sp>
-        <p:nvSpPr>
-          <p:cNvPr id="4" name="Slide Number Placeholder 3">
-            <a:extLst>
-              <a:ext uri="{FF2B5EF4-FFF2-40B4-BE49-F238E27FC236}">
-                <a16:creationId xmlns:a16="http://schemas.microsoft.com/office/drawing/2014/main" id="{12524991-A1DD-4F6F-B22D-447575F982EA}"/>
-              </a:ext>
-            </a:extLst>
-          </p:cNvPr>
-          <p:cNvSpPr>
-            <a:spLocks noGrp="1"/>
-          </p:cNvSpPr>
-          <p:nvPr>
-            <p:ph type="sldNum" sz="quarter" idx="4"/>
-          </p:nvPr>
-        </p:nvSpPr>
-        <p:spPr/>
-        <p:txBody>
-          <a:bodyPr/>
-          <a:lstStyle/>
-          <a:p>
-            <a:fld id="{37290FF7-652B-4475-AEAB-8B1A5D23AE09}" type="slidenum">
-              <a:rPr lang="en-US" smtClean="0"/>
-              <a:t>9</a:t>
-            </a:fld>
-            <a:endParaRPr lang="en-US"/>
-          </a:p>
-        </p:txBody>
-      </p:sp>
-      <p:graphicFrame>
-        <p:nvGraphicFramePr>
-          <p:cNvPr id="6" name="Chart 5">
-            <a:extLst>
-              <a:ext uri="{FF2B5EF4-FFF2-40B4-BE49-F238E27FC236}">
-                <a16:creationId xmlns:a16="http://schemas.microsoft.com/office/drawing/2014/main" id="{31872CF9-5105-4657-A448-B56431070689}"/>
-              </a:ext>
-            </a:extLst>
-          </p:cNvPr>
-          <p:cNvGraphicFramePr>
-            <a:graphicFrameLocks/>
-          </p:cNvGraphicFramePr>
-          <p:nvPr>
-            <p:extLst>
-              <p:ext uri="{D42A27DB-BD31-4B8C-83A1-F6EECF244321}">
-                <p14:modId xmlns:p14="http://schemas.microsoft.com/office/powerpoint/2010/main" val="2636735622"/>
-              </p:ext>
-            </p:extLst>
-          </p:nvPr>
-        </p:nvGraphicFramePr>
-        <p:xfrm>
-          <a:off x="285135" y="1866826"/>
-          <a:ext cx="4166349" cy="2743200"/>
-        </p:xfrm>
-        <a:graphic>
-          <a:graphicData uri="http://schemas.openxmlformats.org/drawingml/2006/chart">
-            <c:chart xmlns:c="http://schemas.openxmlformats.org/drawingml/2006/chart" xmlns:r="http://schemas.openxmlformats.org/officeDocument/2006/relationships" r:id="rId2"/>
-          </a:graphicData>
-        </a:graphic>
-      </p:graphicFrame>
-      <p:sp>
-        <p:nvSpPr>
-          <p:cNvPr id="7" name="Rectangle 6">
-            <a:extLst>
-              <a:ext uri="{FF2B5EF4-FFF2-40B4-BE49-F238E27FC236}">
-                <a16:creationId xmlns:a16="http://schemas.microsoft.com/office/drawing/2014/main" id="{99430CCE-28C5-4B42-9F1B-6EEFBF06FD81}"/>
-              </a:ext>
-            </a:extLst>
-          </p:cNvPr>
-          <p:cNvSpPr/>
-          <p:nvPr/>
-        </p:nvSpPr>
-        <p:spPr>
-          <a:xfrm>
-            <a:off x="179917" y="1191335"/>
-            <a:ext cx="8784167" cy="250386"/>
-          </a:xfrm>
-          <a:prstGeom prst="rect">
-            <a:avLst/>
-          </a:prstGeom>
-          <a:solidFill>
-            <a:schemeClr val="accent6">
-              <a:lumMod val="60000"/>
-              <a:lumOff val="40000"/>
-            </a:schemeClr>
-          </a:solidFill>
-          <a:ln>
-            <a:noFill/>
-          </a:ln>
-        </p:spPr>
-        <p:style>
-          <a:lnRef idx="2">
-            <a:schemeClr val="accent1">
-              <a:shade val="50000"/>
-            </a:schemeClr>
-          </a:lnRef>
-          <a:fillRef idx="1">
-            <a:schemeClr val="accent1"/>
-          </a:fillRef>
-          <a:effectRef idx="0">
-            <a:schemeClr val="accent1"/>
-          </a:effectRef>
-          <a:fontRef idx="minor">
-            <a:schemeClr val="lt1"/>
-          </a:fontRef>
-        </p:style>
-        <p:txBody>
-          <a:bodyPr rtlCol="0" anchor="ctr"/>
-          <a:lstStyle/>
-          <a:p>
-            <a:pPr algn="ctr"/>
-            <a:r>
-              <a:rPr lang="en-US" dirty="0"/>
-              <a:t>Population density often falls into this type of distribution</a:t>
-            </a:r>
-          </a:p>
-        </p:txBody>
-      </p:sp>
-      <p:sp>
-        <p:nvSpPr>
-          <p:cNvPr id="8" name="TextBox 7">
-            <a:extLst>
-              <a:ext uri="{FF2B5EF4-FFF2-40B4-BE49-F238E27FC236}">
-                <a16:creationId xmlns:a16="http://schemas.microsoft.com/office/drawing/2014/main" id="{F2BDF6AF-90EE-4B7B-A53D-4D976C0A68FA}"/>
-              </a:ext>
-            </a:extLst>
-          </p:cNvPr>
-          <p:cNvSpPr txBox="1"/>
-          <p:nvPr/>
-        </p:nvSpPr>
-        <p:spPr>
-          <a:xfrm flipH="1">
-            <a:off x="292786" y="1465016"/>
-            <a:ext cx="4166349" cy="369332"/>
-          </a:xfrm>
-          <a:prstGeom prst="rect">
-            <a:avLst/>
-          </a:prstGeom>
-          <a:solidFill>
-            <a:schemeClr val="accent5">
-              <a:lumMod val="75000"/>
-            </a:schemeClr>
-          </a:solidFill>
-        </p:spPr>
-        <p:txBody>
-          <a:bodyPr wrap="square" rtlCol="0">
-            <a:spAutoFit/>
-          </a:bodyPr>
-          <a:lstStyle/>
-          <a:p>
-            <a:r>
-              <a:rPr lang="en-US" dirty="0">
-                <a:solidFill>
-                  <a:schemeClr val="bg1"/>
-                </a:solidFill>
-              </a:rPr>
-              <a:t>Swiss Cities</a:t>
-            </a:r>
-          </a:p>
-        </p:txBody>
-      </p:sp>
-      <p:graphicFrame>
-        <p:nvGraphicFramePr>
-          <p:cNvPr id="9" name="Chart 8">
-            <a:extLst>
-              <a:ext uri="{FF2B5EF4-FFF2-40B4-BE49-F238E27FC236}">
-                <a16:creationId xmlns:a16="http://schemas.microsoft.com/office/drawing/2014/main" id="{C77E2C32-B628-4375-B13A-838877BF2C02}"/>
-              </a:ext>
-            </a:extLst>
-          </p:cNvPr>
-          <p:cNvGraphicFramePr>
-            <a:graphicFrameLocks/>
-          </p:cNvGraphicFramePr>
-          <p:nvPr>
-            <p:extLst>
-              <p:ext uri="{D42A27DB-BD31-4B8C-83A1-F6EECF244321}">
-                <p14:modId xmlns:p14="http://schemas.microsoft.com/office/powerpoint/2010/main" val="721883974"/>
-              </p:ext>
-            </p:extLst>
-          </p:nvPr>
-        </p:nvGraphicFramePr>
-        <p:xfrm>
-          <a:off x="4571999" y="1897511"/>
-          <a:ext cx="4392085" cy="3378650"/>
-        </p:xfrm>
-        <a:graphic>
-          <a:graphicData uri="http://schemas.openxmlformats.org/drawingml/2006/chart">
-            <c:chart xmlns:c="http://schemas.openxmlformats.org/drawingml/2006/chart" xmlns:r="http://schemas.openxmlformats.org/officeDocument/2006/relationships" r:id="rId3"/>
-          </a:graphicData>
-        </a:graphic>
-      </p:graphicFrame>
-      <p:sp>
-        <p:nvSpPr>
-          <p:cNvPr id="10" name="TextBox 9">
-            <a:extLst>
-              <a:ext uri="{FF2B5EF4-FFF2-40B4-BE49-F238E27FC236}">
-                <a16:creationId xmlns:a16="http://schemas.microsoft.com/office/drawing/2014/main" id="{1F9D35EB-DDAD-4E92-B07D-2646799116DE}"/>
-              </a:ext>
-            </a:extLst>
-          </p:cNvPr>
-          <p:cNvSpPr txBox="1"/>
-          <p:nvPr/>
-        </p:nvSpPr>
-        <p:spPr>
-          <a:xfrm flipH="1">
-            <a:off x="4571998" y="1465016"/>
-            <a:ext cx="4392085" cy="369332"/>
-          </a:xfrm>
-          <a:prstGeom prst="rect">
-            <a:avLst/>
-          </a:prstGeom>
-          <a:solidFill>
-            <a:schemeClr val="accent5">
-              <a:lumMod val="75000"/>
-            </a:schemeClr>
-          </a:solidFill>
-        </p:spPr>
-        <p:txBody>
-          <a:bodyPr wrap="square" rtlCol="0">
-            <a:spAutoFit/>
-          </a:bodyPr>
-          <a:lstStyle/>
-          <a:p>
-            <a:r>
-              <a:rPr lang="en-US" dirty="0">
-                <a:solidFill>
-                  <a:schemeClr val="bg1"/>
-                </a:solidFill>
-              </a:rPr>
-              <a:t>UK Cities</a:t>
-            </a:r>
-          </a:p>
-        </p:txBody>
-      </p:sp>
-      <p:cxnSp>
-        <p:nvCxnSpPr>
-          <p:cNvPr id="11" name="Straight Connector 10">
-            <a:extLst>
-              <a:ext uri="{FF2B5EF4-FFF2-40B4-BE49-F238E27FC236}">
-                <a16:creationId xmlns:a16="http://schemas.microsoft.com/office/drawing/2014/main" id="{3C1030B8-3766-624A-BCAD-4B0BFA419E09}"/>
-              </a:ext>
-            </a:extLst>
-          </p:cNvPr>
-          <p:cNvCxnSpPr/>
-          <p:nvPr/>
-        </p:nvCxnSpPr>
-        <p:spPr>
-          <a:xfrm>
-            <a:off x="6798363" y="6549885"/>
-            <a:ext cx="0" cy="182880"/>
-          </a:xfrm>
-          <a:prstGeom prst="line">
-            <a:avLst/>
-          </a:prstGeom>
-          <a:ln>
-            <a:solidFill>
-              <a:schemeClr val="bg1">
-                <a:lumMod val="85000"/>
-              </a:schemeClr>
-            </a:solidFill>
-          </a:ln>
-        </p:spPr>
-        <p:style>
-          <a:lnRef idx="1">
-            <a:schemeClr val="accent1"/>
-          </a:lnRef>
-          <a:fillRef idx="0">
-            <a:schemeClr val="accent1"/>
-          </a:fillRef>
-          <a:effectRef idx="0">
-            <a:schemeClr val="accent1"/>
-          </a:effectRef>
-          <a:fontRef idx="minor">
-            <a:schemeClr val="tx1"/>
-          </a:fontRef>
-        </p:style>
-      </p:cxnSp>
-      <p:cxnSp>
-        <p:nvCxnSpPr>
-          <p:cNvPr id="12" name="Straight Connector 11">
-            <a:extLst>
-              <a:ext uri="{FF2B5EF4-FFF2-40B4-BE49-F238E27FC236}">
-                <a16:creationId xmlns:a16="http://schemas.microsoft.com/office/drawing/2014/main" id="{5C3C6DBB-309D-9049-AD01-6451E6157CCF}"/>
-              </a:ext>
-            </a:extLst>
-          </p:cNvPr>
-          <p:cNvCxnSpPr/>
-          <p:nvPr/>
-        </p:nvCxnSpPr>
-        <p:spPr>
-          <a:xfrm>
-            <a:off x="7076661" y="4664763"/>
-            <a:ext cx="182880" cy="0"/>
-          </a:xfrm>
-          <a:prstGeom prst="line">
-            <a:avLst/>
-          </a:prstGeom>
-          <a:ln>
-            <a:solidFill>
-              <a:schemeClr val="bg1">
-                <a:lumMod val="85000"/>
-              </a:schemeClr>
-            </a:solidFill>
-          </a:ln>
-        </p:spPr>
-        <p:style>
-          <a:lnRef idx="1">
-            <a:schemeClr val="accent1"/>
-          </a:lnRef>
-          <a:fillRef idx="0">
-            <a:schemeClr val="accent1"/>
-          </a:fillRef>
-          <a:effectRef idx="0">
-            <a:schemeClr val="accent1"/>
-          </a:effectRef>
-          <a:fontRef idx="minor">
-            <a:schemeClr val="tx1"/>
-          </a:fontRef>
-        </p:style>
-      </p:cxnSp>
-    </p:spTree>
-    <p:extLst>
-      <p:ext uri="{BB962C8B-B14F-4D97-AF65-F5344CB8AC3E}">
-        <p14:creationId xmlns:p14="http://schemas.microsoft.com/office/powerpoint/2010/main" val="2320684370"/>
       </p:ext>
     </p:extLst>
   </p:cSld>

--- a/lessons/class3/Class3A_Freq_Assocs.pptx
+++ b/lessons/class3/Class3A_Freq_Assocs.pptx
@@ -6426,7 +6426,7 @@
           <a:p>
             <a:fld id="{B0C0A60C-850A-4EA4-9C14-A8FE98B94505}" type="datetimeFigureOut">
               <a:rPr lang="en-US" smtClean="0"/>
-              <a:t>1/10/21</a:t>
+              <a:t>2/25/21</a:t>
             </a:fld>
             <a:endParaRPr lang="en-US"/>
           </a:p>
@@ -6825,7 +6825,7 @@
           <a:p>
             <a:fld id="{5738B90E-0779-4C36-915C-6F05FCD89456}" type="datetime1">
               <a:rPr lang="en-US" smtClean="0"/>
-              <a:t>1/10/21</a:t>
+              <a:t>2/25/21</a:t>
             </a:fld>
             <a:endParaRPr lang="en-US"/>
           </a:p>
@@ -7022,7 +7022,7 @@
           <a:p>
             <a:fld id="{7B9EA29D-D431-42FE-B7B6-AAE4454C77D3}" type="datetime1">
               <a:rPr lang="en-US" smtClean="0"/>
-              <a:t>1/10/21</a:t>
+              <a:t>2/25/21</a:t>
             </a:fld>
             <a:endParaRPr lang="en-US"/>
           </a:p>
@@ -7377,7 +7377,7 @@
           <a:p>
             <a:fld id="{690D8A1E-EA8F-46C1-B891-AE0C00D9C314}" type="datetime1">
               <a:rPr lang="en-US" smtClean="0"/>
-              <a:t>1/10/21</a:t>
+              <a:t>2/25/21</a:t>
             </a:fld>
             <a:endParaRPr lang="en-US"/>
           </a:p>
@@ -7685,7 +7685,7 @@
           <a:p>
             <a:fld id="{D753EFC8-4232-4598-94F6-94C0EBAFC469}" type="datetime1">
               <a:rPr lang="en-US" smtClean="0"/>
-              <a:t>1/10/21</a:t>
+              <a:t>2/25/21</a:t>
             </a:fld>
             <a:endParaRPr lang="en-US"/>
           </a:p>
@@ -8014,7 +8014,7 @@
           <a:p>
             <a:fld id="{F3161074-1C18-4AE7-957D-F18524378C85}" type="datetime1">
               <a:rPr lang="en-US" smtClean="0"/>
-              <a:t>1/10/21</a:t>
+              <a:t>2/25/21</a:t>
             </a:fld>
             <a:endParaRPr lang="en-US"/>
           </a:p>
@@ -8267,7 +8267,7 @@
           <a:p>
             <a:fld id="{69BE256C-8D9A-4404-B47D-41A1AE514425}" type="datetime1">
               <a:rPr lang="en-US" smtClean="0"/>
-              <a:t>1/10/21</a:t>
+              <a:t>2/25/21</a:t>
             </a:fld>
             <a:endParaRPr lang="en-US"/>
           </a:p>
@@ -8715,7 +8715,7 @@
           <a:p>
             <a:fld id="{66CB2154-9035-4012-8189-BAAB61C5A5EE}" type="datetime1">
               <a:rPr lang="en-US" smtClean="0"/>
-              <a:t>1/10/21</a:t>
+              <a:t>2/25/21</a:t>
             </a:fld>
             <a:endParaRPr lang="en-US"/>
           </a:p>
@@ -8903,7 +8903,7 @@
           <a:p>
             <a:fld id="{6700A58B-DD98-43D0-B791-721480A02982}" type="datetime1">
               <a:rPr lang="en-US" smtClean="0"/>
-              <a:t>1/10/21</a:t>
+              <a:t>2/25/21</a:t>
             </a:fld>
             <a:endParaRPr lang="en-US"/>
           </a:p>
@@ -9109,7 +9109,7 @@
           <a:p>
             <a:fld id="{7DB6E382-4F61-4E24-BE1A-377EC83D0E3A}" type="datetime1">
               <a:rPr lang="en-US" smtClean="0"/>
-              <a:t>1/10/21</a:t>
+              <a:t>2/25/21</a:t>
             </a:fld>
             <a:endParaRPr lang="en-US"/>
           </a:p>
@@ -9515,7 +9515,7 @@
           <a:p>
             <a:fld id="{4142EED6-FC16-45B9-B8C4-2BC5DBA88325}" type="datetime1">
               <a:rPr lang="en-US" smtClean="0"/>
-              <a:t>1/10/21</a:t>
+              <a:t>2/25/21</a:t>
             </a:fld>
             <a:endParaRPr lang="en-US"/>
           </a:p>
@@ -9847,7 +9847,7 @@
           <a:p>
             <a:fld id="{DF59512B-4F1D-43D7-8819-2F53FEF69650}" type="datetime1">
               <a:rPr lang="en-US" smtClean="0"/>
-              <a:t>1/10/21</a:t>
+              <a:t>2/25/21</a:t>
             </a:fld>
             <a:endParaRPr lang="en-US"/>
           </a:p>
@@ -10137,7 +10137,7 @@
           <a:p>
             <a:fld id="{08437B94-E2BF-44DC-ADC5-B05FC9934E9D}" type="datetime1">
               <a:rPr lang="en-US" smtClean="0"/>
-              <a:t>1/10/21</a:t>
+              <a:t>2/25/21</a:t>
             </a:fld>
             <a:endParaRPr lang="en-US"/>
           </a:p>
@@ -10576,7 +10576,7 @@
           <a:p>
             <a:fld id="{6700A58B-DD98-43D0-B791-721480A02982}" type="datetime1">
               <a:rPr lang="en-US" smtClean="0"/>
-              <a:t>1/10/21</a:t>
+              <a:t>2/25/21</a:t>
             </a:fld>
             <a:endParaRPr lang="en-US"/>
           </a:p>
@@ -10766,7 +10766,7 @@
           <a:p>
             <a:fld id="{6700A58B-DD98-43D0-B791-721480A02982}" type="datetime1">
               <a:rPr lang="en-US" smtClean="0"/>
-              <a:t>1/10/21</a:t>
+              <a:t>2/25/21</a:t>
             </a:fld>
             <a:endParaRPr lang="en-US"/>
           </a:p>
@@ -11205,7 +11205,7 @@
           <a:p>
             <a:fld id="{6700A58B-DD98-43D0-B791-721480A02982}" type="datetime1">
               <a:rPr lang="en-US" smtClean="0"/>
-              <a:t>1/10/21</a:t>
+              <a:t>2/25/21</a:t>
             </a:fld>
             <a:endParaRPr lang="en-US"/>
           </a:p>
@@ -11705,7 +11705,7 @@
           <a:p>
             <a:fld id="{6700A58B-DD98-43D0-B791-721480A02982}" type="datetime1">
               <a:rPr lang="en-US" smtClean="0"/>
-              <a:t>1/10/21</a:t>
+              <a:t>2/25/21</a:t>
             </a:fld>
             <a:endParaRPr lang="en-US"/>
           </a:p>
@@ -12268,7 +12268,7 @@
           <a:p>
             <a:fld id="{6700A58B-DD98-43D0-B791-721480A02982}" type="datetime1">
               <a:rPr lang="en-US" smtClean="0"/>
-              <a:t>1/10/21</a:t>
+              <a:t>2/25/21</a:t>
             </a:fld>
             <a:endParaRPr lang="en-US"/>
           </a:p>
@@ -12711,7 +12711,7 @@
           <a:p>
             <a:fld id="{6700A58B-DD98-43D0-B791-721480A02982}" type="datetime1">
               <a:rPr lang="en-US" smtClean="0"/>
-              <a:t>1/10/21</a:t>
+              <a:t>2/25/21</a:t>
             </a:fld>
             <a:endParaRPr lang="en-US"/>
           </a:p>
@@ -13331,7 +13331,7 @@
           <a:p>
             <a:fld id="{6700A58B-DD98-43D0-B791-721480A02982}" type="datetime1">
               <a:rPr lang="en-US" smtClean="0"/>
-              <a:t>1/10/21</a:t>
+              <a:t>2/25/21</a:t>
             </a:fld>
             <a:endParaRPr lang="en-US"/>
           </a:p>
@@ -14261,7 +14261,7 @@
           <a:p>
             <a:fld id="{6700A58B-DD98-43D0-B791-721480A02982}" type="datetime1">
               <a:rPr lang="en-US" smtClean="0"/>
-              <a:t>1/10/21</a:t>
+              <a:t>2/25/21</a:t>
             </a:fld>
             <a:endParaRPr lang="en-US"/>
           </a:p>
@@ -14770,7 +14770,7 @@
             <a:fld id="{6700A58B-DD98-43D0-B791-721480A02982}" type="datetime1">
               <a:rPr lang="en-US" smtClean="0"/>
               <a:pPr/>
-              <a:t>1/10/21</a:t>
+              <a:t>2/25/21</a:t>
             </a:fld>
             <a:endParaRPr lang="en-US"/>
           </a:p>
@@ -15235,7 +15235,7 @@
           <a:p>
             <a:fld id="{6700A58B-DD98-43D0-B791-721480A02982}" type="datetime1">
               <a:rPr lang="en-US" smtClean="0"/>
-              <a:t>1/10/21</a:t>
+              <a:t>2/25/21</a:t>
             </a:fld>
             <a:endParaRPr lang="en-US"/>
           </a:p>
@@ -17179,7 +17179,7 @@
           <a:p>
             <a:fld id="{6700A58B-DD98-43D0-B791-721480A02982}" type="datetime1">
               <a:rPr lang="en-US" smtClean="0"/>
-              <a:t>1/10/21</a:t>
+              <a:t>2/25/21</a:t>
             </a:fld>
             <a:endParaRPr lang="en-US"/>
           </a:p>
@@ -17428,7 +17428,7 @@
 </file>
 
 <file path=ppt/slides/slide4.xml><?xml version="1.0" encoding="utf-8"?>
-<p:sld xmlns:a="http://schemas.openxmlformats.org/drawingml/2006/main" xmlns:r="http://schemas.openxmlformats.org/officeDocument/2006/relationships" xmlns:p="http://schemas.openxmlformats.org/presentationml/2006/main">
+<p:sld xmlns:a="http://schemas.openxmlformats.org/drawingml/2006/main" xmlns:r="http://schemas.openxmlformats.org/officeDocument/2006/relationships" xmlns:p="http://schemas.openxmlformats.org/presentationml/2006/main" show="0">
   <p:cSld>
     <p:spTree>
       <p:nvGrpSpPr>
@@ -17467,7 +17467,7 @@
           <a:p>
             <a:fld id="{6700A58B-DD98-43D0-B791-721480A02982}" type="datetime1">
               <a:rPr lang="en-US" smtClean="0"/>
-              <a:t>1/10/21</a:t>
+              <a:t>2/25/21</a:t>
             </a:fld>
             <a:endParaRPr lang="en-US"/>
           </a:p>
@@ -18159,7 +18159,7 @@
 </file>
 
 <file path=ppt/slides/slide5.xml><?xml version="1.0" encoding="utf-8"?>
-<p:sld xmlns:a="http://schemas.openxmlformats.org/drawingml/2006/main" xmlns:r="http://schemas.openxmlformats.org/officeDocument/2006/relationships" xmlns:p="http://schemas.openxmlformats.org/presentationml/2006/main">
+<p:sld xmlns:a="http://schemas.openxmlformats.org/drawingml/2006/main" xmlns:r="http://schemas.openxmlformats.org/officeDocument/2006/relationships" xmlns:p="http://schemas.openxmlformats.org/presentationml/2006/main" show="0">
   <p:cSld>
     <p:spTree>
       <p:nvGrpSpPr>
@@ -18198,7 +18198,7 @@
           <a:p>
             <a:fld id="{6700A58B-DD98-43D0-B791-721480A02982}" type="datetime1">
               <a:rPr lang="en-US" smtClean="0"/>
-              <a:t>1/10/21</a:t>
+              <a:t>2/25/21</a:t>
             </a:fld>
             <a:endParaRPr lang="en-US"/>
           </a:p>
@@ -18489,7 +18489,7 @@
 </file>
 
 <file path=ppt/slides/slide6.xml><?xml version="1.0" encoding="utf-8"?>
-<p:sld xmlns:a="http://schemas.openxmlformats.org/drawingml/2006/main" xmlns:r="http://schemas.openxmlformats.org/officeDocument/2006/relationships" xmlns:p="http://schemas.openxmlformats.org/presentationml/2006/main">
+<p:sld xmlns:a="http://schemas.openxmlformats.org/drawingml/2006/main" xmlns:r="http://schemas.openxmlformats.org/officeDocument/2006/relationships" xmlns:p="http://schemas.openxmlformats.org/presentationml/2006/main" show="0">
   <p:cSld>
     <p:spTree>
       <p:nvGrpSpPr>
@@ -18528,7 +18528,7 @@
           <a:p>
             <a:fld id="{6700A58B-DD98-43D0-B791-721480A02982}" type="datetime1">
               <a:rPr lang="en-US" smtClean="0"/>
-              <a:t>1/10/21</a:t>
+              <a:t>2/25/21</a:t>
             </a:fld>
             <a:endParaRPr lang="en-US"/>
           </a:p>
@@ -18835,7 +18835,7 @@
 </file>
 
 <file path=ppt/slides/slide7.xml><?xml version="1.0" encoding="utf-8"?>
-<p:sld xmlns:a="http://schemas.openxmlformats.org/drawingml/2006/main" xmlns:r="http://schemas.openxmlformats.org/officeDocument/2006/relationships" xmlns:p="http://schemas.openxmlformats.org/presentationml/2006/main">
+<p:sld xmlns:a="http://schemas.openxmlformats.org/drawingml/2006/main" xmlns:r="http://schemas.openxmlformats.org/officeDocument/2006/relationships" xmlns:p="http://schemas.openxmlformats.org/presentationml/2006/main" show="0">
   <p:cSld>
     <p:spTree>
       <p:nvGrpSpPr>
@@ -18868,7 +18868,7 @@
           <a:p>
             <a:fld id="{6700A58B-DD98-43D0-B791-721480A02982}" type="datetime1">
               <a:rPr lang="en-US" smtClean="0"/>
-              <a:t>1/10/21</a:t>
+              <a:t>2/25/21</a:t>
             </a:fld>
             <a:endParaRPr lang="en-US"/>
           </a:p>
@@ -19197,7 +19197,7 @@
           <a:p>
             <a:fld id="{6700A58B-DD98-43D0-B791-721480A02982}" type="datetime1">
               <a:rPr lang="en-US" smtClean="0"/>
-              <a:t>1/10/21</a:t>
+              <a:t>2/25/21</a:t>
             </a:fld>
             <a:endParaRPr lang="en-US"/>
           </a:p>
@@ -19568,7 +19568,7 @@
           <a:p>
             <a:fld id="{6700A58B-DD98-43D0-B791-721480A02982}" type="datetime1">
               <a:rPr lang="en-US" smtClean="0"/>
-              <a:t>1/10/21</a:t>
+              <a:t>2/25/21</a:t>
             </a:fld>
             <a:endParaRPr lang="en-US"/>
           </a:p>
